--- a/Phase 4 Documentation/Team_2_Presentation_4_V2.pptx
+++ b/Phase 4 Documentation/Team_2_Presentation_4_V2.pptx
@@ -5,7 +5,7 @@
     <p:sldMasterId id="2147483732" r:id="rId1"/>
   </p:sldMasterIdLst>
   <p:notesMasterIdLst>
-    <p:notesMasterId r:id="rId14"/>
+    <p:notesMasterId r:id="rId15"/>
   </p:notesMasterIdLst>
   <p:sldIdLst>
     <p:sldId id="256" r:id="rId2"/>
@@ -20,6 +20,7 @@
     <p:sldId id="262" r:id="rId11"/>
     <p:sldId id="263" r:id="rId12"/>
     <p:sldId id="266" r:id="rId13"/>
+    <p:sldId id="270" r:id="rId14"/>
   </p:sldIdLst>
   <p:sldSz cx="12192000" cy="6858000"/>
   <p:notesSz cx="6858000" cy="9144000"/>
@@ -126,6 +127,5957 @@
 </p:presentation>
 </file>
 
+<file path=ppt/diagrams/colors1.xml><?xml version="1.0" encoding="utf-8"?>
+<dgm:colorsDef xmlns:dgm="http://schemas.openxmlformats.org/drawingml/2006/diagram" xmlns:a="http://schemas.openxmlformats.org/drawingml/2006/main" uniqueId="urn:microsoft.com/office/officeart/2005/8/colors/colorful2">
+  <dgm:title val=""/>
+  <dgm:desc val=""/>
+  <dgm:catLst>
+    <dgm:cat type="colorful" pri="10200"/>
+  </dgm:catLst>
+  <dgm:styleLbl name="node0">
+    <dgm:fillClrLst meth="repeat">
+      <a:schemeClr val="accent1"/>
+    </dgm:fillClrLst>
+    <dgm:linClrLst meth="repeat">
+      <a:schemeClr val="lt1"/>
+    </dgm:linClrLst>
+    <dgm:effectClrLst/>
+    <dgm:txLinClrLst/>
+    <dgm:txFillClrLst/>
+    <dgm:txEffectClrLst/>
+  </dgm:styleLbl>
+  <dgm:styleLbl name="node1">
+    <dgm:fillClrLst>
+      <a:schemeClr val="accent2"/>
+      <a:schemeClr val="accent3"/>
+    </dgm:fillClrLst>
+    <dgm:linClrLst meth="repeat">
+      <a:schemeClr val="lt1"/>
+    </dgm:linClrLst>
+    <dgm:effectClrLst/>
+    <dgm:txLinClrLst/>
+    <dgm:txFillClrLst/>
+    <dgm:txEffectClrLst/>
+  </dgm:styleLbl>
+  <dgm:styleLbl name="alignNode1">
+    <dgm:fillClrLst>
+      <a:schemeClr val="accent2"/>
+      <a:schemeClr val="accent3"/>
+    </dgm:fillClrLst>
+    <dgm:linClrLst>
+      <a:schemeClr val="accent2"/>
+      <a:schemeClr val="accent3"/>
+    </dgm:linClrLst>
+    <dgm:effectClrLst/>
+    <dgm:txLinClrLst/>
+    <dgm:txFillClrLst/>
+    <dgm:txEffectClrLst/>
+  </dgm:styleLbl>
+  <dgm:styleLbl name="lnNode1">
+    <dgm:fillClrLst>
+      <a:schemeClr val="accent2"/>
+      <a:schemeClr val="accent3"/>
+    </dgm:fillClrLst>
+    <dgm:linClrLst meth="repeat">
+      <a:schemeClr val="lt1"/>
+    </dgm:linClrLst>
+    <dgm:effectClrLst/>
+    <dgm:txLinClrLst/>
+    <dgm:txFillClrLst/>
+    <dgm:txEffectClrLst/>
+  </dgm:styleLbl>
+  <dgm:styleLbl name="vennNode1">
+    <dgm:fillClrLst>
+      <a:schemeClr val="accent2">
+        <a:alpha val="50000"/>
+      </a:schemeClr>
+      <a:schemeClr val="accent3">
+        <a:alpha val="50000"/>
+      </a:schemeClr>
+    </dgm:fillClrLst>
+    <dgm:linClrLst meth="repeat">
+      <a:schemeClr val="lt1"/>
+    </dgm:linClrLst>
+    <dgm:effectClrLst/>
+    <dgm:txLinClrLst/>
+    <dgm:txFillClrLst/>
+    <dgm:txEffectClrLst/>
+  </dgm:styleLbl>
+  <dgm:styleLbl name="node2">
+    <dgm:fillClrLst>
+      <a:schemeClr val="accent3"/>
+    </dgm:fillClrLst>
+    <dgm:linClrLst meth="repeat">
+      <a:schemeClr val="lt1"/>
+    </dgm:linClrLst>
+    <dgm:effectClrLst/>
+    <dgm:txLinClrLst/>
+    <dgm:txFillClrLst/>
+    <dgm:txEffectClrLst/>
+  </dgm:styleLbl>
+  <dgm:styleLbl name="node3">
+    <dgm:fillClrLst>
+      <a:schemeClr val="accent4"/>
+    </dgm:fillClrLst>
+    <dgm:linClrLst meth="repeat">
+      <a:schemeClr val="lt1"/>
+    </dgm:linClrLst>
+    <dgm:effectClrLst/>
+    <dgm:txLinClrLst/>
+    <dgm:txFillClrLst/>
+    <dgm:txEffectClrLst/>
+  </dgm:styleLbl>
+  <dgm:styleLbl name="node4">
+    <dgm:fillClrLst>
+      <a:schemeClr val="accent5"/>
+    </dgm:fillClrLst>
+    <dgm:linClrLst meth="repeat">
+      <a:schemeClr val="lt1"/>
+    </dgm:linClrLst>
+    <dgm:effectClrLst/>
+    <dgm:txLinClrLst/>
+    <dgm:txFillClrLst/>
+    <dgm:txEffectClrLst/>
+  </dgm:styleLbl>
+  <dgm:styleLbl name="fgImgPlace1">
+    <dgm:fillClrLst>
+      <a:schemeClr val="accent2">
+        <a:tint val="50000"/>
+      </a:schemeClr>
+      <a:schemeClr val="accent3">
+        <a:tint val="50000"/>
+      </a:schemeClr>
+    </dgm:fillClrLst>
+    <dgm:linClrLst meth="repeat">
+      <a:schemeClr val="lt1"/>
+    </dgm:linClrLst>
+    <dgm:effectClrLst/>
+    <dgm:txLinClrLst/>
+    <dgm:txFillClrLst meth="repeat">
+      <a:schemeClr val="lt1"/>
+    </dgm:txFillClrLst>
+    <dgm:txEffectClrLst/>
+  </dgm:styleLbl>
+  <dgm:styleLbl name="alignImgPlace1">
+    <dgm:fillClrLst>
+      <a:schemeClr val="accent2">
+        <a:tint val="50000"/>
+      </a:schemeClr>
+      <a:schemeClr val="accent3">
+        <a:tint val="20000"/>
+      </a:schemeClr>
+    </dgm:fillClrLst>
+    <dgm:linClrLst meth="repeat">
+      <a:schemeClr val="lt1"/>
+    </dgm:linClrLst>
+    <dgm:effectClrLst/>
+    <dgm:txLinClrLst/>
+    <dgm:txFillClrLst meth="repeat">
+      <a:schemeClr val="lt1"/>
+    </dgm:txFillClrLst>
+    <dgm:txEffectClrLst/>
+  </dgm:styleLbl>
+  <dgm:styleLbl name="bgImgPlace1">
+    <dgm:fillClrLst>
+      <a:schemeClr val="accent2">
+        <a:tint val="50000"/>
+      </a:schemeClr>
+      <a:schemeClr val="accent3">
+        <a:tint val="20000"/>
+      </a:schemeClr>
+    </dgm:fillClrLst>
+    <dgm:linClrLst meth="repeat">
+      <a:schemeClr val="lt1"/>
+    </dgm:linClrLst>
+    <dgm:effectClrLst/>
+    <dgm:txLinClrLst/>
+    <dgm:txFillClrLst meth="repeat">
+      <a:schemeClr val="lt1"/>
+    </dgm:txFillClrLst>
+    <dgm:txEffectClrLst/>
+  </dgm:styleLbl>
+  <dgm:styleLbl name="sibTrans2D1">
+    <dgm:fillClrLst>
+      <a:schemeClr val="accent2"/>
+      <a:schemeClr val="accent3"/>
+    </dgm:fillClrLst>
+    <dgm:linClrLst meth="repeat">
+      <a:schemeClr val="lt1"/>
+    </dgm:linClrLst>
+    <dgm:effectClrLst/>
+    <dgm:txLinClrLst/>
+    <dgm:txFillClrLst/>
+    <dgm:txEffectClrLst/>
+  </dgm:styleLbl>
+  <dgm:styleLbl name="fgSibTrans2D1">
+    <dgm:fillClrLst>
+      <a:schemeClr val="accent2"/>
+      <a:schemeClr val="accent3"/>
+    </dgm:fillClrLst>
+    <dgm:linClrLst meth="repeat">
+      <a:schemeClr val="lt1"/>
+    </dgm:linClrLst>
+    <dgm:effectClrLst/>
+    <dgm:txLinClrLst/>
+    <dgm:txFillClrLst meth="repeat">
+      <a:schemeClr val="lt1"/>
+    </dgm:txFillClrLst>
+    <dgm:txEffectClrLst/>
+  </dgm:styleLbl>
+  <dgm:styleLbl name="bgSibTrans2D1">
+    <dgm:fillClrLst>
+      <a:schemeClr val="accent2"/>
+      <a:schemeClr val="accent3"/>
+    </dgm:fillClrLst>
+    <dgm:linClrLst meth="repeat">
+      <a:schemeClr val="lt1"/>
+    </dgm:linClrLst>
+    <dgm:effectClrLst/>
+    <dgm:txLinClrLst/>
+    <dgm:txFillClrLst meth="repeat">
+      <a:schemeClr val="lt1"/>
+    </dgm:txFillClrLst>
+    <dgm:txEffectClrLst/>
+  </dgm:styleLbl>
+  <dgm:styleLbl name="sibTrans1D1">
+    <dgm:fillClrLst/>
+    <dgm:linClrLst>
+      <a:schemeClr val="accent2"/>
+      <a:schemeClr val="accent3"/>
+    </dgm:linClrLst>
+    <dgm:effectClrLst/>
+    <dgm:txLinClrLst/>
+    <dgm:txFillClrLst meth="repeat">
+      <a:schemeClr val="tx1"/>
+    </dgm:txFillClrLst>
+    <dgm:txEffectClrLst/>
+  </dgm:styleLbl>
+  <dgm:styleLbl name="callout">
+    <dgm:fillClrLst meth="repeat">
+      <a:schemeClr val="accent2"/>
+    </dgm:fillClrLst>
+    <dgm:linClrLst meth="repeat">
+      <a:schemeClr val="accent2">
+        <a:tint val="50000"/>
+      </a:schemeClr>
+    </dgm:linClrLst>
+    <dgm:effectClrLst/>
+    <dgm:txLinClrLst/>
+    <dgm:txFillClrLst meth="repeat">
+      <a:schemeClr val="tx1"/>
+    </dgm:txFillClrLst>
+    <dgm:txEffectClrLst/>
+  </dgm:styleLbl>
+  <dgm:styleLbl name="asst0">
+    <dgm:fillClrLst meth="repeat">
+      <a:schemeClr val="accent2"/>
+    </dgm:fillClrLst>
+    <dgm:linClrLst meth="repeat">
+      <a:schemeClr val="lt1">
+        <a:shade val="80000"/>
+      </a:schemeClr>
+    </dgm:linClrLst>
+    <dgm:effectClrLst/>
+    <dgm:txLinClrLst/>
+    <dgm:txFillClrLst/>
+    <dgm:txEffectClrLst/>
+  </dgm:styleLbl>
+  <dgm:styleLbl name="asst1">
+    <dgm:fillClrLst meth="repeat">
+      <a:schemeClr val="accent3"/>
+    </dgm:fillClrLst>
+    <dgm:linClrLst meth="repeat">
+      <a:schemeClr val="lt1">
+        <a:shade val="80000"/>
+      </a:schemeClr>
+    </dgm:linClrLst>
+    <dgm:effectClrLst/>
+    <dgm:txLinClrLst/>
+    <dgm:txFillClrLst/>
+    <dgm:txEffectClrLst/>
+  </dgm:styleLbl>
+  <dgm:styleLbl name="asst2">
+    <dgm:fillClrLst>
+      <a:schemeClr val="accent4"/>
+    </dgm:fillClrLst>
+    <dgm:linClrLst meth="repeat">
+      <a:schemeClr val="lt1"/>
+    </dgm:linClrLst>
+    <dgm:effectClrLst/>
+    <dgm:txLinClrLst/>
+    <dgm:txFillClrLst/>
+    <dgm:txEffectClrLst/>
+  </dgm:styleLbl>
+  <dgm:styleLbl name="asst3">
+    <dgm:fillClrLst>
+      <a:schemeClr val="accent5"/>
+    </dgm:fillClrLst>
+    <dgm:linClrLst meth="repeat">
+      <a:schemeClr val="lt1"/>
+    </dgm:linClrLst>
+    <dgm:effectClrLst/>
+    <dgm:txLinClrLst/>
+    <dgm:txFillClrLst/>
+    <dgm:txEffectClrLst/>
+  </dgm:styleLbl>
+  <dgm:styleLbl name="asst4">
+    <dgm:fillClrLst>
+      <a:schemeClr val="accent6"/>
+    </dgm:fillClrLst>
+    <dgm:linClrLst meth="repeat">
+      <a:schemeClr val="lt1"/>
+    </dgm:linClrLst>
+    <dgm:effectClrLst/>
+    <dgm:txLinClrLst/>
+    <dgm:txFillClrLst/>
+    <dgm:txEffectClrLst/>
+  </dgm:styleLbl>
+  <dgm:styleLbl name="parChTrans2D1">
+    <dgm:fillClrLst meth="repeat">
+      <a:schemeClr val="accent2"/>
+    </dgm:fillClrLst>
+    <dgm:linClrLst meth="repeat">
+      <a:schemeClr val="lt1"/>
+    </dgm:linClrLst>
+    <dgm:effectClrLst/>
+    <dgm:txLinClrLst/>
+    <dgm:txFillClrLst meth="repeat">
+      <a:schemeClr val="lt1"/>
+    </dgm:txFillClrLst>
+    <dgm:txEffectClrLst/>
+  </dgm:styleLbl>
+  <dgm:styleLbl name="parChTrans2D2">
+    <dgm:fillClrLst meth="repeat">
+      <a:schemeClr val="accent3"/>
+    </dgm:fillClrLst>
+    <dgm:linClrLst meth="repeat">
+      <a:schemeClr val="lt1"/>
+    </dgm:linClrLst>
+    <dgm:effectClrLst/>
+    <dgm:txLinClrLst/>
+    <dgm:txFillClrLst/>
+    <dgm:txEffectClrLst/>
+  </dgm:styleLbl>
+  <dgm:styleLbl name="parChTrans2D3">
+    <dgm:fillClrLst meth="repeat">
+      <a:schemeClr val="accent4"/>
+    </dgm:fillClrLst>
+    <dgm:linClrLst meth="repeat">
+      <a:schemeClr val="lt1"/>
+    </dgm:linClrLst>
+    <dgm:effectClrLst/>
+    <dgm:txLinClrLst/>
+    <dgm:txFillClrLst/>
+    <dgm:txEffectClrLst/>
+  </dgm:styleLbl>
+  <dgm:styleLbl name="parChTrans2D4">
+    <dgm:fillClrLst meth="repeat">
+      <a:schemeClr val="accent5"/>
+    </dgm:fillClrLst>
+    <dgm:linClrLst meth="repeat">
+      <a:schemeClr val="lt1"/>
+    </dgm:linClrLst>
+    <dgm:effectClrLst/>
+    <dgm:txLinClrLst/>
+    <dgm:txFillClrLst meth="repeat">
+      <a:schemeClr val="lt1"/>
+    </dgm:txFillClrLst>
+    <dgm:txEffectClrLst/>
+  </dgm:styleLbl>
+  <dgm:styleLbl name="parChTrans1D1">
+    <dgm:fillClrLst meth="repeat">
+      <a:schemeClr val="accent2"/>
+    </dgm:fillClrLst>
+    <dgm:linClrLst meth="repeat">
+      <a:schemeClr val="accent2"/>
+    </dgm:linClrLst>
+    <dgm:effectClrLst/>
+    <dgm:txLinClrLst/>
+    <dgm:txFillClrLst meth="repeat">
+      <a:schemeClr val="tx1"/>
+    </dgm:txFillClrLst>
+    <dgm:txEffectClrLst/>
+  </dgm:styleLbl>
+  <dgm:styleLbl name="parChTrans1D2">
+    <dgm:fillClrLst meth="repeat">
+      <a:schemeClr val="accent2">
+        <a:tint val="90000"/>
+      </a:schemeClr>
+    </dgm:fillClrLst>
+    <dgm:linClrLst meth="repeat">
+      <a:schemeClr val="accent3"/>
+    </dgm:linClrLst>
+    <dgm:effectClrLst/>
+    <dgm:txLinClrLst/>
+    <dgm:txFillClrLst meth="repeat">
+      <a:schemeClr val="tx1"/>
+    </dgm:txFillClrLst>
+    <dgm:txEffectClrLst/>
+  </dgm:styleLbl>
+  <dgm:styleLbl name="parChTrans1D3">
+    <dgm:fillClrLst meth="repeat">
+      <a:schemeClr val="accent2">
+        <a:tint val="70000"/>
+      </a:schemeClr>
+    </dgm:fillClrLst>
+    <dgm:linClrLst meth="repeat">
+      <a:schemeClr val="accent4"/>
+    </dgm:linClrLst>
+    <dgm:effectClrLst/>
+    <dgm:txLinClrLst/>
+    <dgm:txFillClrLst meth="repeat">
+      <a:schemeClr val="tx1"/>
+    </dgm:txFillClrLst>
+    <dgm:txEffectClrLst/>
+  </dgm:styleLbl>
+  <dgm:styleLbl name="parChTrans1D4">
+    <dgm:fillClrLst meth="repeat">
+      <a:schemeClr val="accent2">
+        <a:tint val="50000"/>
+      </a:schemeClr>
+    </dgm:fillClrLst>
+    <dgm:linClrLst meth="repeat">
+      <a:schemeClr val="accent5"/>
+    </dgm:linClrLst>
+    <dgm:effectClrLst/>
+    <dgm:txLinClrLst/>
+    <dgm:txFillClrLst meth="repeat">
+      <a:schemeClr val="tx1"/>
+    </dgm:txFillClrLst>
+    <dgm:txEffectClrLst/>
+  </dgm:styleLbl>
+  <dgm:styleLbl name="fgAcc1">
+    <dgm:fillClrLst meth="repeat">
+      <a:schemeClr val="lt1">
+        <a:alpha val="90000"/>
+      </a:schemeClr>
+    </dgm:fillClrLst>
+    <dgm:linClrLst>
+      <a:schemeClr val="accent2"/>
+      <a:schemeClr val="accent3"/>
+    </dgm:linClrLst>
+    <dgm:effectClrLst/>
+    <dgm:txLinClrLst/>
+    <dgm:txFillClrLst meth="repeat">
+      <a:schemeClr val="dk1"/>
+    </dgm:txFillClrLst>
+    <dgm:txEffectClrLst/>
+  </dgm:styleLbl>
+  <dgm:styleLbl name="conFgAcc1">
+    <dgm:fillClrLst meth="repeat">
+      <a:schemeClr val="lt1">
+        <a:alpha val="90000"/>
+      </a:schemeClr>
+    </dgm:fillClrLst>
+    <dgm:linClrLst>
+      <a:schemeClr val="accent2"/>
+      <a:schemeClr val="accent3"/>
+    </dgm:linClrLst>
+    <dgm:effectClrLst/>
+    <dgm:txLinClrLst/>
+    <dgm:txFillClrLst meth="repeat">
+      <a:schemeClr val="dk1"/>
+    </dgm:txFillClrLst>
+    <dgm:txEffectClrLst/>
+  </dgm:styleLbl>
+  <dgm:styleLbl name="alignAcc1">
+    <dgm:fillClrLst meth="repeat">
+      <a:schemeClr val="lt1">
+        <a:alpha val="90000"/>
+      </a:schemeClr>
+    </dgm:fillClrLst>
+    <dgm:linClrLst>
+      <a:schemeClr val="accent2"/>
+      <a:schemeClr val="accent3"/>
+    </dgm:linClrLst>
+    <dgm:effectClrLst/>
+    <dgm:txLinClrLst/>
+    <dgm:txFillClrLst meth="repeat">
+      <a:schemeClr val="dk1"/>
+    </dgm:txFillClrLst>
+    <dgm:txEffectClrLst/>
+  </dgm:styleLbl>
+  <dgm:styleLbl name="trAlignAcc1">
+    <dgm:fillClrLst meth="repeat">
+      <a:schemeClr val="lt1">
+        <a:alpha val="40000"/>
+      </a:schemeClr>
+    </dgm:fillClrLst>
+    <dgm:linClrLst meth="repeat">
+      <a:schemeClr val="accent2"/>
+    </dgm:linClrLst>
+    <dgm:effectClrLst/>
+    <dgm:txLinClrLst/>
+    <dgm:txFillClrLst meth="repeat">
+      <a:schemeClr val="dk1"/>
+    </dgm:txFillClrLst>
+    <dgm:txEffectClrLst/>
+  </dgm:styleLbl>
+  <dgm:styleLbl name="bgAcc1">
+    <dgm:fillClrLst meth="repeat">
+      <a:schemeClr val="lt1">
+        <a:alpha val="90000"/>
+      </a:schemeClr>
+    </dgm:fillClrLst>
+    <dgm:linClrLst>
+      <a:schemeClr val="accent2"/>
+      <a:schemeClr val="accent3"/>
+    </dgm:linClrLst>
+    <dgm:effectClrLst/>
+    <dgm:txLinClrLst/>
+    <dgm:txFillClrLst meth="repeat">
+      <a:schemeClr val="dk1"/>
+    </dgm:txFillClrLst>
+    <dgm:txEffectClrLst/>
+  </dgm:styleLbl>
+  <dgm:styleLbl name="solidFgAcc1">
+    <dgm:fillClrLst meth="repeat">
+      <a:schemeClr val="lt1"/>
+    </dgm:fillClrLst>
+    <dgm:linClrLst>
+      <a:schemeClr val="accent2"/>
+      <a:schemeClr val="accent3"/>
+    </dgm:linClrLst>
+    <dgm:effectClrLst/>
+    <dgm:txLinClrLst/>
+    <dgm:txFillClrLst meth="repeat">
+      <a:schemeClr val="dk1"/>
+    </dgm:txFillClrLst>
+    <dgm:txEffectClrLst/>
+  </dgm:styleLbl>
+  <dgm:styleLbl name="solidAlignAcc1">
+    <dgm:fillClrLst meth="repeat">
+      <a:schemeClr val="lt1"/>
+    </dgm:fillClrLst>
+    <dgm:linClrLst>
+      <a:schemeClr val="accent2"/>
+      <a:schemeClr val="accent3"/>
+    </dgm:linClrLst>
+    <dgm:effectClrLst/>
+    <dgm:txLinClrLst/>
+    <dgm:txFillClrLst meth="repeat">
+      <a:schemeClr val="dk1"/>
+    </dgm:txFillClrLst>
+    <dgm:txEffectClrLst/>
+  </dgm:styleLbl>
+  <dgm:styleLbl name="solidBgAcc1">
+    <dgm:fillClrLst meth="repeat">
+      <a:schemeClr val="lt1"/>
+    </dgm:fillClrLst>
+    <dgm:linClrLst>
+      <a:schemeClr val="accent2"/>
+      <a:schemeClr val="accent3"/>
+    </dgm:linClrLst>
+    <dgm:effectClrLst/>
+    <dgm:txLinClrLst/>
+    <dgm:txFillClrLst meth="repeat">
+      <a:schemeClr val="dk1"/>
+    </dgm:txFillClrLst>
+    <dgm:txEffectClrLst/>
+  </dgm:styleLbl>
+  <dgm:styleLbl name="fgAccFollowNode1">
+    <dgm:fillClrLst>
+      <a:schemeClr val="accent2">
+        <a:tint val="40000"/>
+        <a:alpha val="90000"/>
+      </a:schemeClr>
+      <a:schemeClr val="accent3">
+        <a:tint val="40000"/>
+        <a:alpha val="90000"/>
+      </a:schemeClr>
+    </dgm:fillClrLst>
+    <dgm:linClrLst>
+      <a:schemeClr val="accent2">
+        <a:tint val="40000"/>
+        <a:alpha val="90000"/>
+      </a:schemeClr>
+      <a:schemeClr val="accent3">
+        <a:tint val="40000"/>
+        <a:alpha val="90000"/>
+      </a:schemeClr>
+    </dgm:linClrLst>
+    <dgm:effectClrLst/>
+    <dgm:txLinClrLst/>
+    <dgm:txFillClrLst meth="repeat">
+      <a:schemeClr val="dk1"/>
+    </dgm:txFillClrLst>
+    <dgm:txEffectClrLst/>
+  </dgm:styleLbl>
+  <dgm:styleLbl name="alignAccFollowNode1">
+    <dgm:fillClrLst>
+      <a:schemeClr val="accent2">
+        <a:tint val="40000"/>
+        <a:alpha val="90000"/>
+      </a:schemeClr>
+      <a:schemeClr val="accent3">
+        <a:tint val="40000"/>
+        <a:alpha val="90000"/>
+      </a:schemeClr>
+    </dgm:fillClrLst>
+    <dgm:linClrLst>
+      <a:schemeClr val="accent2">
+        <a:tint val="40000"/>
+        <a:alpha val="90000"/>
+      </a:schemeClr>
+      <a:schemeClr val="accent3">
+        <a:tint val="40000"/>
+        <a:alpha val="90000"/>
+      </a:schemeClr>
+    </dgm:linClrLst>
+    <dgm:effectClrLst/>
+    <dgm:txLinClrLst/>
+    <dgm:txFillClrLst meth="repeat">
+      <a:schemeClr val="dk1"/>
+    </dgm:txFillClrLst>
+    <dgm:txEffectClrLst/>
+  </dgm:styleLbl>
+  <dgm:styleLbl name="bgAccFollowNode1">
+    <dgm:fillClrLst>
+      <a:schemeClr val="accent2">
+        <a:tint val="40000"/>
+        <a:alpha val="90000"/>
+      </a:schemeClr>
+      <a:schemeClr val="accent3">
+        <a:tint val="40000"/>
+        <a:alpha val="90000"/>
+      </a:schemeClr>
+    </dgm:fillClrLst>
+    <dgm:linClrLst>
+      <a:schemeClr val="accent2">
+        <a:tint val="40000"/>
+        <a:alpha val="90000"/>
+      </a:schemeClr>
+      <a:schemeClr val="accent3">
+        <a:tint val="40000"/>
+        <a:alpha val="90000"/>
+      </a:schemeClr>
+    </dgm:linClrLst>
+    <dgm:effectClrLst/>
+    <dgm:txLinClrLst/>
+    <dgm:txFillClrLst meth="repeat">
+      <a:schemeClr val="dk1"/>
+    </dgm:txFillClrLst>
+    <dgm:txEffectClrLst/>
+  </dgm:styleLbl>
+  <dgm:styleLbl name="fgAcc0">
+    <dgm:fillClrLst meth="repeat">
+      <a:schemeClr val="lt1">
+        <a:alpha val="90000"/>
+      </a:schemeClr>
+    </dgm:fillClrLst>
+    <dgm:linClrLst>
+      <a:schemeClr val="accent1"/>
+    </dgm:linClrLst>
+    <dgm:effectClrLst/>
+    <dgm:txLinClrLst/>
+    <dgm:txFillClrLst meth="repeat">
+      <a:schemeClr val="dk1"/>
+    </dgm:txFillClrLst>
+    <dgm:txEffectClrLst/>
+  </dgm:styleLbl>
+  <dgm:styleLbl name="fgAcc2">
+    <dgm:fillClrLst meth="repeat">
+      <a:schemeClr val="lt1">
+        <a:alpha val="90000"/>
+      </a:schemeClr>
+    </dgm:fillClrLst>
+    <dgm:linClrLst>
+      <a:schemeClr val="accent3"/>
+    </dgm:linClrLst>
+    <dgm:effectClrLst/>
+    <dgm:txLinClrLst/>
+    <dgm:txFillClrLst meth="repeat">
+      <a:schemeClr val="dk1"/>
+    </dgm:txFillClrLst>
+    <dgm:txEffectClrLst/>
+  </dgm:styleLbl>
+  <dgm:styleLbl name="fgAcc3">
+    <dgm:fillClrLst meth="repeat">
+      <a:schemeClr val="lt1">
+        <a:alpha val="90000"/>
+      </a:schemeClr>
+    </dgm:fillClrLst>
+    <dgm:linClrLst>
+      <a:schemeClr val="accent4"/>
+    </dgm:linClrLst>
+    <dgm:effectClrLst/>
+    <dgm:txLinClrLst/>
+    <dgm:txFillClrLst meth="repeat">
+      <a:schemeClr val="dk1"/>
+    </dgm:txFillClrLst>
+    <dgm:txEffectClrLst/>
+  </dgm:styleLbl>
+  <dgm:styleLbl name="fgAcc4">
+    <dgm:fillClrLst meth="repeat">
+      <a:schemeClr val="lt1">
+        <a:alpha val="90000"/>
+      </a:schemeClr>
+    </dgm:fillClrLst>
+    <dgm:linClrLst>
+      <a:schemeClr val="accent5"/>
+    </dgm:linClrLst>
+    <dgm:effectClrLst/>
+    <dgm:txLinClrLst/>
+    <dgm:txFillClrLst meth="repeat">
+      <a:schemeClr val="dk1"/>
+    </dgm:txFillClrLst>
+    <dgm:txEffectClrLst/>
+  </dgm:styleLbl>
+  <dgm:styleLbl name="bgShp">
+    <dgm:fillClrLst meth="repeat">
+      <a:schemeClr val="accent2">
+        <a:tint val="40000"/>
+      </a:schemeClr>
+    </dgm:fillClrLst>
+    <dgm:linClrLst meth="repeat">
+      <a:schemeClr val="dk1"/>
+    </dgm:linClrLst>
+    <dgm:effectClrLst/>
+    <dgm:txLinClrLst/>
+    <dgm:txFillClrLst meth="repeat">
+      <a:schemeClr val="dk1"/>
+    </dgm:txFillClrLst>
+    <dgm:txEffectClrLst/>
+  </dgm:styleLbl>
+  <dgm:styleLbl name="dkBgShp">
+    <dgm:fillClrLst meth="repeat">
+      <a:schemeClr val="accent2">
+        <a:shade val="90000"/>
+      </a:schemeClr>
+    </dgm:fillClrLst>
+    <dgm:linClrLst meth="repeat">
+      <a:schemeClr val="dk1"/>
+    </dgm:linClrLst>
+    <dgm:effectClrLst/>
+    <dgm:txLinClrLst/>
+    <dgm:txFillClrLst meth="repeat">
+      <a:schemeClr val="lt1"/>
+    </dgm:txFillClrLst>
+    <dgm:txEffectClrLst/>
+  </dgm:styleLbl>
+  <dgm:styleLbl name="trBgShp">
+    <dgm:fillClrLst meth="repeat">
+      <a:schemeClr val="accent2">
+        <a:tint val="50000"/>
+        <a:alpha val="40000"/>
+      </a:schemeClr>
+    </dgm:fillClrLst>
+    <dgm:linClrLst meth="repeat">
+      <a:schemeClr val="accent2"/>
+    </dgm:linClrLst>
+    <dgm:effectClrLst/>
+    <dgm:txLinClrLst/>
+    <dgm:txFillClrLst meth="repeat">
+      <a:schemeClr val="lt1"/>
+    </dgm:txFillClrLst>
+    <dgm:txEffectClrLst/>
+  </dgm:styleLbl>
+  <dgm:styleLbl name="fgShp">
+    <dgm:fillClrLst meth="repeat">
+      <a:schemeClr val="accent2">
+        <a:tint val="40000"/>
+      </a:schemeClr>
+    </dgm:fillClrLst>
+    <dgm:linClrLst meth="repeat">
+      <a:schemeClr val="lt1"/>
+    </dgm:linClrLst>
+    <dgm:effectClrLst/>
+    <dgm:txLinClrLst/>
+    <dgm:txFillClrLst meth="repeat">
+      <a:schemeClr val="dk1"/>
+    </dgm:txFillClrLst>
+    <dgm:txEffectClrLst/>
+  </dgm:styleLbl>
+  <dgm:styleLbl name="revTx">
+    <dgm:fillClrLst meth="repeat">
+      <a:schemeClr val="lt1">
+        <a:alpha val="0"/>
+      </a:schemeClr>
+    </dgm:fillClrLst>
+    <dgm:linClrLst meth="repeat">
+      <a:schemeClr val="dk1">
+        <a:alpha val="0"/>
+      </a:schemeClr>
+    </dgm:linClrLst>
+    <dgm:effectClrLst/>
+    <dgm:txLinClrLst/>
+    <dgm:txFillClrLst meth="repeat">
+      <a:schemeClr val="tx1"/>
+    </dgm:txFillClrLst>
+    <dgm:txEffectClrLst/>
+  </dgm:styleLbl>
+</dgm:colorsDef>
+</file>
+
+<file path=ppt/diagrams/colors2.xml><?xml version="1.0" encoding="utf-8"?>
+<dgm:colorsDef xmlns:dgm="http://schemas.openxmlformats.org/drawingml/2006/diagram" xmlns:a="http://schemas.openxmlformats.org/drawingml/2006/main" uniqueId="urn:microsoft.com/office/officeart/2005/8/colors/colorful2">
+  <dgm:title val=""/>
+  <dgm:desc val=""/>
+  <dgm:catLst>
+    <dgm:cat type="colorful" pri="10200"/>
+  </dgm:catLst>
+  <dgm:styleLbl name="node0">
+    <dgm:fillClrLst meth="repeat">
+      <a:schemeClr val="accent1"/>
+    </dgm:fillClrLst>
+    <dgm:linClrLst meth="repeat">
+      <a:schemeClr val="lt1"/>
+    </dgm:linClrLst>
+    <dgm:effectClrLst/>
+    <dgm:txLinClrLst/>
+    <dgm:txFillClrLst/>
+    <dgm:txEffectClrLst/>
+  </dgm:styleLbl>
+  <dgm:styleLbl name="node1">
+    <dgm:fillClrLst>
+      <a:schemeClr val="accent2"/>
+      <a:schemeClr val="accent3"/>
+    </dgm:fillClrLst>
+    <dgm:linClrLst meth="repeat">
+      <a:schemeClr val="lt1"/>
+    </dgm:linClrLst>
+    <dgm:effectClrLst/>
+    <dgm:txLinClrLst/>
+    <dgm:txFillClrLst/>
+    <dgm:txEffectClrLst/>
+  </dgm:styleLbl>
+  <dgm:styleLbl name="alignNode1">
+    <dgm:fillClrLst>
+      <a:schemeClr val="accent2"/>
+      <a:schemeClr val="accent3"/>
+    </dgm:fillClrLst>
+    <dgm:linClrLst>
+      <a:schemeClr val="accent2"/>
+      <a:schemeClr val="accent3"/>
+    </dgm:linClrLst>
+    <dgm:effectClrLst/>
+    <dgm:txLinClrLst/>
+    <dgm:txFillClrLst/>
+    <dgm:txEffectClrLst/>
+  </dgm:styleLbl>
+  <dgm:styleLbl name="lnNode1">
+    <dgm:fillClrLst>
+      <a:schemeClr val="accent2"/>
+      <a:schemeClr val="accent3"/>
+    </dgm:fillClrLst>
+    <dgm:linClrLst meth="repeat">
+      <a:schemeClr val="lt1"/>
+    </dgm:linClrLst>
+    <dgm:effectClrLst/>
+    <dgm:txLinClrLst/>
+    <dgm:txFillClrLst/>
+    <dgm:txEffectClrLst/>
+  </dgm:styleLbl>
+  <dgm:styleLbl name="vennNode1">
+    <dgm:fillClrLst>
+      <a:schemeClr val="accent2">
+        <a:alpha val="50000"/>
+      </a:schemeClr>
+      <a:schemeClr val="accent3">
+        <a:alpha val="50000"/>
+      </a:schemeClr>
+    </dgm:fillClrLst>
+    <dgm:linClrLst meth="repeat">
+      <a:schemeClr val="lt1"/>
+    </dgm:linClrLst>
+    <dgm:effectClrLst/>
+    <dgm:txLinClrLst/>
+    <dgm:txFillClrLst/>
+    <dgm:txEffectClrLst/>
+  </dgm:styleLbl>
+  <dgm:styleLbl name="node2">
+    <dgm:fillClrLst>
+      <a:schemeClr val="accent3"/>
+    </dgm:fillClrLst>
+    <dgm:linClrLst meth="repeat">
+      <a:schemeClr val="lt1"/>
+    </dgm:linClrLst>
+    <dgm:effectClrLst/>
+    <dgm:txLinClrLst/>
+    <dgm:txFillClrLst/>
+    <dgm:txEffectClrLst/>
+  </dgm:styleLbl>
+  <dgm:styleLbl name="node3">
+    <dgm:fillClrLst>
+      <a:schemeClr val="accent4"/>
+    </dgm:fillClrLst>
+    <dgm:linClrLst meth="repeat">
+      <a:schemeClr val="lt1"/>
+    </dgm:linClrLst>
+    <dgm:effectClrLst/>
+    <dgm:txLinClrLst/>
+    <dgm:txFillClrLst/>
+    <dgm:txEffectClrLst/>
+  </dgm:styleLbl>
+  <dgm:styleLbl name="node4">
+    <dgm:fillClrLst>
+      <a:schemeClr val="accent5"/>
+    </dgm:fillClrLst>
+    <dgm:linClrLst meth="repeat">
+      <a:schemeClr val="lt1"/>
+    </dgm:linClrLst>
+    <dgm:effectClrLst/>
+    <dgm:txLinClrLst/>
+    <dgm:txFillClrLst/>
+    <dgm:txEffectClrLst/>
+  </dgm:styleLbl>
+  <dgm:styleLbl name="fgImgPlace1">
+    <dgm:fillClrLst>
+      <a:schemeClr val="accent2">
+        <a:tint val="50000"/>
+      </a:schemeClr>
+      <a:schemeClr val="accent3">
+        <a:tint val="50000"/>
+      </a:schemeClr>
+    </dgm:fillClrLst>
+    <dgm:linClrLst meth="repeat">
+      <a:schemeClr val="lt1"/>
+    </dgm:linClrLst>
+    <dgm:effectClrLst/>
+    <dgm:txLinClrLst/>
+    <dgm:txFillClrLst meth="repeat">
+      <a:schemeClr val="lt1"/>
+    </dgm:txFillClrLst>
+    <dgm:txEffectClrLst/>
+  </dgm:styleLbl>
+  <dgm:styleLbl name="alignImgPlace1">
+    <dgm:fillClrLst>
+      <a:schemeClr val="accent2">
+        <a:tint val="50000"/>
+      </a:schemeClr>
+      <a:schemeClr val="accent3">
+        <a:tint val="20000"/>
+      </a:schemeClr>
+    </dgm:fillClrLst>
+    <dgm:linClrLst meth="repeat">
+      <a:schemeClr val="lt1"/>
+    </dgm:linClrLst>
+    <dgm:effectClrLst/>
+    <dgm:txLinClrLst/>
+    <dgm:txFillClrLst meth="repeat">
+      <a:schemeClr val="lt1"/>
+    </dgm:txFillClrLst>
+    <dgm:txEffectClrLst/>
+  </dgm:styleLbl>
+  <dgm:styleLbl name="bgImgPlace1">
+    <dgm:fillClrLst>
+      <a:schemeClr val="accent2">
+        <a:tint val="50000"/>
+      </a:schemeClr>
+      <a:schemeClr val="accent3">
+        <a:tint val="20000"/>
+      </a:schemeClr>
+    </dgm:fillClrLst>
+    <dgm:linClrLst meth="repeat">
+      <a:schemeClr val="lt1"/>
+    </dgm:linClrLst>
+    <dgm:effectClrLst/>
+    <dgm:txLinClrLst/>
+    <dgm:txFillClrLst meth="repeat">
+      <a:schemeClr val="lt1"/>
+    </dgm:txFillClrLst>
+    <dgm:txEffectClrLst/>
+  </dgm:styleLbl>
+  <dgm:styleLbl name="sibTrans2D1">
+    <dgm:fillClrLst>
+      <a:schemeClr val="accent2"/>
+      <a:schemeClr val="accent3"/>
+    </dgm:fillClrLst>
+    <dgm:linClrLst meth="repeat">
+      <a:schemeClr val="lt1"/>
+    </dgm:linClrLst>
+    <dgm:effectClrLst/>
+    <dgm:txLinClrLst/>
+    <dgm:txFillClrLst/>
+    <dgm:txEffectClrLst/>
+  </dgm:styleLbl>
+  <dgm:styleLbl name="fgSibTrans2D1">
+    <dgm:fillClrLst>
+      <a:schemeClr val="accent2"/>
+      <a:schemeClr val="accent3"/>
+    </dgm:fillClrLst>
+    <dgm:linClrLst meth="repeat">
+      <a:schemeClr val="lt1"/>
+    </dgm:linClrLst>
+    <dgm:effectClrLst/>
+    <dgm:txLinClrLst/>
+    <dgm:txFillClrLst meth="repeat">
+      <a:schemeClr val="lt1"/>
+    </dgm:txFillClrLst>
+    <dgm:txEffectClrLst/>
+  </dgm:styleLbl>
+  <dgm:styleLbl name="bgSibTrans2D1">
+    <dgm:fillClrLst>
+      <a:schemeClr val="accent2"/>
+      <a:schemeClr val="accent3"/>
+    </dgm:fillClrLst>
+    <dgm:linClrLst meth="repeat">
+      <a:schemeClr val="lt1"/>
+    </dgm:linClrLst>
+    <dgm:effectClrLst/>
+    <dgm:txLinClrLst/>
+    <dgm:txFillClrLst meth="repeat">
+      <a:schemeClr val="lt1"/>
+    </dgm:txFillClrLst>
+    <dgm:txEffectClrLst/>
+  </dgm:styleLbl>
+  <dgm:styleLbl name="sibTrans1D1">
+    <dgm:fillClrLst/>
+    <dgm:linClrLst>
+      <a:schemeClr val="accent2"/>
+      <a:schemeClr val="accent3"/>
+    </dgm:linClrLst>
+    <dgm:effectClrLst/>
+    <dgm:txLinClrLst/>
+    <dgm:txFillClrLst meth="repeat">
+      <a:schemeClr val="tx1"/>
+    </dgm:txFillClrLst>
+    <dgm:txEffectClrLst/>
+  </dgm:styleLbl>
+  <dgm:styleLbl name="callout">
+    <dgm:fillClrLst meth="repeat">
+      <a:schemeClr val="accent2"/>
+    </dgm:fillClrLst>
+    <dgm:linClrLst meth="repeat">
+      <a:schemeClr val="accent2">
+        <a:tint val="50000"/>
+      </a:schemeClr>
+    </dgm:linClrLst>
+    <dgm:effectClrLst/>
+    <dgm:txLinClrLst/>
+    <dgm:txFillClrLst meth="repeat">
+      <a:schemeClr val="tx1"/>
+    </dgm:txFillClrLst>
+    <dgm:txEffectClrLst/>
+  </dgm:styleLbl>
+  <dgm:styleLbl name="asst0">
+    <dgm:fillClrLst meth="repeat">
+      <a:schemeClr val="accent2"/>
+    </dgm:fillClrLst>
+    <dgm:linClrLst meth="repeat">
+      <a:schemeClr val="lt1">
+        <a:shade val="80000"/>
+      </a:schemeClr>
+    </dgm:linClrLst>
+    <dgm:effectClrLst/>
+    <dgm:txLinClrLst/>
+    <dgm:txFillClrLst/>
+    <dgm:txEffectClrLst/>
+  </dgm:styleLbl>
+  <dgm:styleLbl name="asst1">
+    <dgm:fillClrLst meth="repeat">
+      <a:schemeClr val="accent3"/>
+    </dgm:fillClrLst>
+    <dgm:linClrLst meth="repeat">
+      <a:schemeClr val="lt1">
+        <a:shade val="80000"/>
+      </a:schemeClr>
+    </dgm:linClrLst>
+    <dgm:effectClrLst/>
+    <dgm:txLinClrLst/>
+    <dgm:txFillClrLst/>
+    <dgm:txEffectClrLst/>
+  </dgm:styleLbl>
+  <dgm:styleLbl name="asst2">
+    <dgm:fillClrLst>
+      <a:schemeClr val="accent4"/>
+    </dgm:fillClrLst>
+    <dgm:linClrLst meth="repeat">
+      <a:schemeClr val="lt1"/>
+    </dgm:linClrLst>
+    <dgm:effectClrLst/>
+    <dgm:txLinClrLst/>
+    <dgm:txFillClrLst/>
+    <dgm:txEffectClrLst/>
+  </dgm:styleLbl>
+  <dgm:styleLbl name="asst3">
+    <dgm:fillClrLst>
+      <a:schemeClr val="accent5"/>
+    </dgm:fillClrLst>
+    <dgm:linClrLst meth="repeat">
+      <a:schemeClr val="lt1"/>
+    </dgm:linClrLst>
+    <dgm:effectClrLst/>
+    <dgm:txLinClrLst/>
+    <dgm:txFillClrLst/>
+    <dgm:txEffectClrLst/>
+  </dgm:styleLbl>
+  <dgm:styleLbl name="asst4">
+    <dgm:fillClrLst>
+      <a:schemeClr val="accent6"/>
+    </dgm:fillClrLst>
+    <dgm:linClrLst meth="repeat">
+      <a:schemeClr val="lt1"/>
+    </dgm:linClrLst>
+    <dgm:effectClrLst/>
+    <dgm:txLinClrLst/>
+    <dgm:txFillClrLst/>
+    <dgm:txEffectClrLst/>
+  </dgm:styleLbl>
+  <dgm:styleLbl name="parChTrans2D1">
+    <dgm:fillClrLst meth="repeat">
+      <a:schemeClr val="accent2"/>
+    </dgm:fillClrLst>
+    <dgm:linClrLst meth="repeat">
+      <a:schemeClr val="lt1"/>
+    </dgm:linClrLst>
+    <dgm:effectClrLst/>
+    <dgm:txLinClrLst/>
+    <dgm:txFillClrLst meth="repeat">
+      <a:schemeClr val="lt1"/>
+    </dgm:txFillClrLst>
+    <dgm:txEffectClrLst/>
+  </dgm:styleLbl>
+  <dgm:styleLbl name="parChTrans2D2">
+    <dgm:fillClrLst meth="repeat">
+      <a:schemeClr val="accent3"/>
+    </dgm:fillClrLst>
+    <dgm:linClrLst meth="repeat">
+      <a:schemeClr val="lt1"/>
+    </dgm:linClrLst>
+    <dgm:effectClrLst/>
+    <dgm:txLinClrLst/>
+    <dgm:txFillClrLst/>
+    <dgm:txEffectClrLst/>
+  </dgm:styleLbl>
+  <dgm:styleLbl name="parChTrans2D3">
+    <dgm:fillClrLst meth="repeat">
+      <a:schemeClr val="accent4"/>
+    </dgm:fillClrLst>
+    <dgm:linClrLst meth="repeat">
+      <a:schemeClr val="lt1"/>
+    </dgm:linClrLst>
+    <dgm:effectClrLst/>
+    <dgm:txLinClrLst/>
+    <dgm:txFillClrLst/>
+    <dgm:txEffectClrLst/>
+  </dgm:styleLbl>
+  <dgm:styleLbl name="parChTrans2D4">
+    <dgm:fillClrLst meth="repeat">
+      <a:schemeClr val="accent5"/>
+    </dgm:fillClrLst>
+    <dgm:linClrLst meth="repeat">
+      <a:schemeClr val="lt1"/>
+    </dgm:linClrLst>
+    <dgm:effectClrLst/>
+    <dgm:txLinClrLst/>
+    <dgm:txFillClrLst meth="repeat">
+      <a:schemeClr val="lt1"/>
+    </dgm:txFillClrLst>
+    <dgm:txEffectClrLst/>
+  </dgm:styleLbl>
+  <dgm:styleLbl name="parChTrans1D1">
+    <dgm:fillClrLst meth="repeat">
+      <a:schemeClr val="accent2"/>
+    </dgm:fillClrLst>
+    <dgm:linClrLst meth="repeat">
+      <a:schemeClr val="accent2"/>
+    </dgm:linClrLst>
+    <dgm:effectClrLst/>
+    <dgm:txLinClrLst/>
+    <dgm:txFillClrLst meth="repeat">
+      <a:schemeClr val="tx1"/>
+    </dgm:txFillClrLst>
+    <dgm:txEffectClrLst/>
+  </dgm:styleLbl>
+  <dgm:styleLbl name="parChTrans1D2">
+    <dgm:fillClrLst meth="repeat">
+      <a:schemeClr val="accent2">
+        <a:tint val="90000"/>
+      </a:schemeClr>
+    </dgm:fillClrLst>
+    <dgm:linClrLst meth="repeat">
+      <a:schemeClr val="accent3"/>
+    </dgm:linClrLst>
+    <dgm:effectClrLst/>
+    <dgm:txLinClrLst/>
+    <dgm:txFillClrLst meth="repeat">
+      <a:schemeClr val="tx1"/>
+    </dgm:txFillClrLst>
+    <dgm:txEffectClrLst/>
+  </dgm:styleLbl>
+  <dgm:styleLbl name="parChTrans1D3">
+    <dgm:fillClrLst meth="repeat">
+      <a:schemeClr val="accent2">
+        <a:tint val="70000"/>
+      </a:schemeClr>
+    </dgm:fillClrLst>
+    <dgm:linClrLst meth="repeat">
+      <a:schemeClr val="accent4"/>
+    </dgm:linClrLst>
+    <dgm:effectClrLst/>
+    <dgm:txLinClrLst/>
+    <dgm:txFillClrLst meth="repeat">
+      <a:schemeClr val="tx1"/>
+    </dgm:txFillClrLst>
+    <dgm:txEffectClrLst/>
+  </dgm:styleLbl>
+  <dgm:styleLbl name="parChTrans1D4">
+    <dgm:fillClrLst meth="repeat">
+      <a:schemeClr val="accent2">
+        <a:tint val="50000"/>
+      </a:schemeClr>
+    </dgm:fillClrLst>
+    <dgm:linClrLst meth="repeat">
+      <a:schemeClr val="accent5"/>
+    </dgm:linClrLst>
+    <dgm:effectClrLst/>
+    <dgm:txLinClrLst/>
+    <dgm:txFillClrLst meth="repeat">
+      <a:schemeClr val="tx1"/>
+    </dgm:txFillClrLst>
+    <dgm:txEffectClrLst/>
+  </dgm:styleLbl>
+  <dgm:styleLbl name="fgAcc1">
+    <dgm:fillClrLst meth="repeat">
+      <a:schemeClr val="lt1">
+        <a:alpha val="90000"/>
+      </a:schemeClr>
+    </dgm:fillClrLst>
+    <dgm:linClrLst>
+      <a:schemeClr val="accent2"/>
+      <a:schemeClr val="accent3"/>
+    </dgm:linClrLst>
+    <dgm:effectClrLst/>
+    <dgm:txLinClrLst/>
+    <dgm:txFillClrLst meth="repeat">
+      <a:schemeClr val="dk1"/>
+    </dgm:txFillClrLst>
+    <dgm:txEffectClrLst/>
+  </dgm:styleLbl>
+  <dgm:styleLbl name="conFgAcc1">
+    <dgm:fillClrLst meth="repeat">
+      <a:schemeClr val="lt1">
+        <a:alpha val="90000"/>
+      </a:schemeClr>
+    </dgm:fillClrLst>
+    <dgm:linClrLst>
+      <a:schemeClr val="accent2"/>
+      <a:schemeClr val="accent3"/>
+    </dgm:linClrLst>
+    <dgm:effectClrLst/>
+    <dgm:txLinClrLst/>
+    <dgm:txFillClrLst meth="repeat">
+      <a:schemeClr val="dk1"/>
+    </dgm:txFillClrLst>
+    <dgm:txEffectClrLst/>
+  </dgm:styleLbl>
+  <dgm:styleLbl name="alignAcc1">
+    <dgm:fillClrLst meth="repeat">
+      <a:schemeClr val="lt1">
+        <a:alpha val="90000"/>
+      </a:schemeClr>
+    </dgm:fillClrLst>
+    <dgm:linClrLst>
+      <a:schemeClr val="accent2"/>
+      <a:schemeClr val="accent3"/>
+    </dgm:linClrLst>
+    <dgm:effectClrLst/>
+    <dgm:txLinClrLst/>
+    <dgm:txFillClrLst meth="repeat">
+      <a:schemeClr val="dk1"/>
+    </dgm:txFillClrLst>
+    <dgm:txEffectClrLst/>
+  </dgm:styleLbl>
+  <dgm:styleLbl name="trAlignAcc1">
+    <dgm:fillClrLst meth="repeat">
+      <a:schemeClr val="lt1">
+        <a:alpha val="40000"/>
+      </a:schemeClr>
+    </dgm:fillClrLst>
+    <dgm:linClrLst meth="repeat">
+      <a:schemeClr val="accent2"/>
+    </dgm:linClrLst>
+    <dgm:effectClrLst/>
+    <dgm:txLinClrLst/>
+    <dgm:txFillClrLst meth="repeat">
+      <a:schemeClr val="dk1"/>
+    </dgm:txFillClrLst>
+    <dgm:txEffectClrLst/>
+  </dgm:styleLbl>
+  <dgm:styleLbl name="bgAcc1">
+    <dgm:fillClrLst meth="repeat">
+      <a:schemeClr val="lt1">
+        <a:alpha val="90000"/>
+      </a:schemeClr>
+    </dgm:fillClrLst>
+    <dgm:linClrLst>
+      <a:schemeClr val="accent2"/>
+      <a:schemeClr val="accent3"/>
+    </dgm:linClrLst>
+    <dgm:effectClrLst/>
+    <dgm:txLinClrLst/>
+    <dgm:txFillClrLst meth="repeat">
+      <a:schemeClr val="dk1"/>
+    </dgm:txFillClrLst>
+    <dgm:txEffectClrLst/>
+  </dgm:styleLbl>
+  <dgm:styleLbl name="solidFgAcc1">
+    <dgm:fillClrLst meth="repeat">
+      <a:schemeClr val="lt1"/>
+    </dgm:fillClrLst>
+    <dgm:linClrLst>
+      <a:schemeClr val="accent2"/>
+      <a:schemeClr val="accent3"/>
+    </dgm:linClrLst>
+    <dgm:effectClrLst/>
+    <dgm:txLinClrLst/>
+    <dgm:txFillClrLst meth="repeat">
+      <a:schemeClr val="dk1"/>
+    </dgm:txFillClrLst>
+    <dgm:txEffectClrLst/>
+  </dgm:styleLbl>
+  <dgm:styleLbl name="solidAlignAcc1">
+    <dgm:fillClrLst meth="repeat">
+      <a:schemeClr val="lt1"/>
+    </dgm:fillClrLst>
+    <dgm:linClrLst>
+      <a:schemeClr val="accent2"/>
+      <a:schemeClr val="accent3"/>
+    </dgm:linClrLst>
+    <dgm:effectClrLst/>
+    <dgm:txLinClrLst/>
+    <dgm:txFillClrLst meth="repeat">
+      <a:schemeClr val="dk1"/>
+    </dgm:txFillClrLst>
+    <dgm:txEffectClrLst/>
+  </dgm:styleLbl>
+  <dgm:styleLbl name="solidBgAcc1">
+    <dgm:fillClrLst meth="repeat">
+      <a:schemeClr val="lt1"/>
+    </dgm:fillClrLst>
+    <dgm:linClrLst>
+      <a:schemeClr val="accent2"/>
+      <a:schemeClr val="accent3"/>
+    </dgm:linClrLst>
+    <dgm:effectClrLst/>
+    <dgm:txLinClrLst/>
+    <dgm:txFillClrLst meth="repeat">
+      <a:schemeClr val="dk1"/>
+    </dgm:txFillClrLst>
+    <dgm:txEffectClrLst/>
+  </dgm:styleLbl>
+  <dgm:styleLbl name="fgAccFollowNode1">
+    <dgm:fillClrLst>
+      <a:schemeClr val="accent2">
+        <a:tint val="40000"/>
+        <a:alpha val="90000"/>
+      </a:schemeClr>
+      <a:schemeClr val="accent3">
+        <a:tint val="40000"/>
+        <a:alpha val="90000"/>
+      </a:schemeClr>
+    </dgm:fillClrLst>
+    <dgm:linClrLst>
+      <a:schemeClr val="accent2">
+        <a:tint val="40000"/>
+        <a:alpha val="90000"/>
+      </a:schemeClr>
+      <a:schemeClr val="accent3">
+        <a:tint val="40000"/>
+        <a:alpha val="90000"/>
+      </a:schemeClr>
+    </dgm:linClrLst>
+    <dgm:effectClrLst/>
+    <dgm:txLinClrLst/>
+    <dgm:txFillClrLst meth="repeat">
+      <a:schemeClr val="dk1"/>
+    </dgm:txFillClrLst>
+    <dgm:txEffectClrLst/>
+  </dgm:styleLbl>
+  <dgm:styleLbl name="alignAccFollowNode1">
+    <dgm:fillClrLst>
+      <a:schemeClr val="accent2">
+        <a:tint val="40000"/>
+        <a:alpha val="90000"/>
+      </a:schemeClr>
+      <a:schemeClr val="accent3">
+        <a:tint val="40000"/>
+        <a:alpha val="90000"/>
+      </a:schemeClr>
+    </dgm:fillClrLst>
+    <dgm:linClrLst>
+      <a:schemeClr val="accent2">
+        <a:tint val="40000"/>
+        <a:alpha val="90000"/>
+      </a:schemeClr>
+      <a:schemeClr val="accent3">
+        <a:tint val="40000"/>
+        <a:alpha val="90000"/>
+      </a:schemeClr>
+    </dgm:linClrLst>
+    <dgm:effectClrLst/>
+    <dgm:txLinClrLst/>
+    <dgm:txFillClrLst meth="repeat">
+      <a:schemeClr val="dk1"/>
+    </dgm:txFillClrLst>
+    <dgm:txEffectClrLst/>
+  </dgm:styleLbl>
+  <dgm:styleLbl name="bgAccFollowNode1">
+    <dgm:fillClrLst>
+      <a:schemeClr val="accent2">
+        <a:tint val="40000"/>
+        <a:alpha val="90000"/>
+      </a:schemeClr>
+      <a:schemeClr val="accent3">
+        <a:tint val="40000"/>
+        <a:alpha val="90000"/>
+      </a:schemeClr>
+    </dgm:fillClrLst>
+    <dgm:linClrLst>
+      <a:schemeClr val="accent2">
+        <a:tint val="40000"/>
+        <a:alpha val="90000"/>
+      </a:schemeClr>
+      <a:schemeClr val="accent3">
+        <a:tint val="40000"/>
+        <a:alpha val="90000"/>
+      </a:schemeClr>
+    </dgm:linClrLst>
+    <dgm:effectClrLst/>
+    <dgm:txLinClrLst/>
+    <dgm:txFillClrLst meth="repeat">
+      <a:schemeClr val="dk1"/>
+    </dgm:txFillClrLst>
+    <dgm:txEffectClrLst/>
+  </dgm:styleLbl>
+  <dgm:styleLbl name="fgAcc0">
+    <dgm:fillClrLst meth="repeat">
+      <a:schemeClr val="lt1">
+        <a:alpha val="90000"/>
+      </a:schemeClr>
+    </dgm:fillClrLst>
+    <dgm:linClrLst>
+      <a:schemeClr val="accent1"/>
+    </dgm:linClrLst>
+    <dgm:effectClrLst/>
+    <dgm:txLinClrLst/>
+    <dgm:txFillClrLst meth="repeat">
+      <a:schemeClr val="dk1"/>
+    </dgm:txFillClrLst>
+    <dgm:txEffectClrLst/>
+  </dgm:styleLbl>
+  <dgm:styleLbl name="fgAcc2">
+    <dgm:fillClrLst meth="repeat">
+      <a:schemeClr val="lt1">
+        <a:alpha val="90000"/>
+      </a:schemeClr>
+    </dgm:fillClrLst>
+    <dgm:linClrLst>
+      <a:schemeClr val="accent3"/>
+    </dgm:linClrLst>
+    <dgm:effectClrLst/>
+    <dgm:txLinClrLst/>
+    <dgm:txFillClrLst meth="repeat">
+      <a:schemeClr val="dk1"/>
+    </dgm:txFillClrLst>
+    <dgm:txEffectClrLst/>
+  </dgm:styleLbl>
+  <dgm:styleLbl name="fgAcc3">
+    <dgm:fillClrLst meth="repeat">
+      <a:schemeClr val="lt1">
+        <a:alpha val="90000"/>
+      </a:schemeClr>
+    </dgm:fillClrLst>
+    <dgm:linClrLst>
+      <a:schemeClr val="accent4"/>
+    </dgm:linClrLst>
+    <dgm:effectClrLst/>
+    <dgm:txLinClrLst/>
+    <dgm:txFillClrLst meth="repeat">
+      <a:schemeClr val="dk1"/>
+    </dgm:txFillClrLst>
+    <dgm:txEffectClrLst/>
+  </dgm:styleLbl>
+  <dgm:styleLbl name="fgAcc4">
+    <dgm:fillClrLst meth="repeat">
+      <a:schemeClr val="lt1">
+        <a:alpha val="90000"/>
+      </a:schemeClr>
+    </dgm:fillClrLst>
+    <dgm:linClrLst>
+      <a:schemeClr val="accent5"/>
+    </dgm:linClrLst>
+    <dgm:effectClrLst/>
+    <dgm:txLinClrLst/>
+    <dgm:txFillClrLst meth="repeat">
+      <a:schemeClr val="dk1"/>
+    </dgm:txFillClrLst>
+    <dgm:txEffectClrLst/>
+  </dgm:styleLbl>
+  <dgm:styleLbl name="bgShp">
+    <dgm:fillClrLst meth="repeat">
+      <a:schemeClr val="accent2">
+        <a:tint val="40000"/>
+      </a:schemeClr>
+    </dgm:fillClrLst>
+    <dgm:linClrLst meth="repeat">
+      <a:schemeClr val="dk1"/>
+    </dgm:linClrLst>
+    <dgm:effectClrLst/>
+    <dgm:txLinClrLst/>
+    <dgm:txFillClrLst meth="repeat">
+      <a:schemeClr val="dk1"/>
+    </dgm:txFillClrLst>
+    <dgm:txEffectClrLst/>
+  </dgm:styleLbl>
+  <dgm:styleLbl name="dkBgShp">
+    <dgm:fillClrLst meth="repeat">
+      <a:schemeClr val="accent2">
+        <a:shade val="90000"/>
+      </a:schemeClr>
+    </dgm:fillClrLst>
+    <dgm:linClrLst meth="repeat">
+      <a:schemeClr val="dk1"/>
+    </dgm:linClrLst>
+    <dgm:effectClrLst/>
+    <dgm:txLinClrLst/>
+    <dgm:txFillClrLst meth="repeat">
+      <a:schemeClr val="lt1"/>
+    </dgm:txFillClrLst>
+    <dgm:txEffectClrLst/>
+  </dgm:styleLbl>
+  <dgm:styleLbl name="trBgShp">
+    <dgm:fillClrLst meth="repeat">
+      <a:schemeClr val="accent2">
+        <a:tint val="50000"/>
+        <a:alpha val="40000"/>
+      </a:schemeClr>
+    </dgm:fillClrLst>
+    <dgm:linClrLst meth="repeat">
+      <a:schemeClr val="accent2"/>
+    </dgm:linClrLst>
+    <dgm:effectClrLst/>
+    <dgm:txLinClrLst/>
+    <dgm:txFillClrLst meth="repeat">
+      <a:schemeClr val="lt1"/>
+    </dgm:txFillClrLst>
+    <dgm:txEffectClrLst/>
+  </dgm:styleLbl>
+  <dgm:styleLbl name="fgShp">
+    <dgm:fillClrLst meth="repeat">
+      <a:schemeClr val="accent2">
+        <a:tint val="40000"/>
+      </a:schemeClr>
+    </dgm:fillClrLst>
+    <dgm:linClrLst meth="repeat">
+      <a:schemeClr val="lt1"/>
+    </dgm:linClrLst>
+    <dgm:effectClrLst/>
+    <dgm:txLinClrLst/>
+    <dgm:txFillClrLst meth="repeat">
+      <a:schemeClr val="dk1"/>
+    </dgm:txFillClrLst>
+    <dgm:txEffectClrLst/>
+  </dgm:styleLbl>
+  <dgm:styleLbl name="revTx">
+    <dgm:fillClrLst meth="repeat">
+      <a:schemeClr val="lt1">
+        <a:alpha val="0"/>
+      </a:schemeClr>
+    </dgm:fillClrLst>
+    <dgm:linClrLst meth="repeat">
+      <a:schemeClr val="dk1">
+        <a:alpha val="0"/>
+      </a:schemeClr>
+    </dgm:linClrLst>
+    <dgm:effectClrLst/>
+    <dgm:txLinClrLst/>
+    <dgm:txFillClrLst meth="repeat">
+      <a:schemeClr val="tx1"/>
+    </dgm:txFillClrLst>
+    <dgm:txEffectClrLst/>
+  </dgm:styleLbl>
+</dgm:colorsDef>
+</file>
+
+<file path=ppt/diagrams/data1.xml><?xml version="1.0" encoding="utf-8"?>
+<dgm:dataModel xmlns:dgm="http://schemas.openxmlformats.org/drawingml/2006/diagram" xmlns:a="http://schemas.openxmlformats.org/drawingml/2006/main">
+  <dgm:ptLst>
+    <dgm:pt modelId="{35BB078D-142F-4E86-8AFB-F416A8574A66}" type="doc">
+      <dgm:prSet loTypeId="urn:microsoft.com/office/officeart/2008/layout/LinedList" loCatId="list" qsTypeId="urn:microsoft.com/office/officeart/2005/8/quickstyle/simple1" qsCatId="simple" csTypeId="urn:microsoft.com/office/officeart/2005/8/colors/colorful2" csCatId="colorful"/>
+      <dgm:spPr/>
+      <dgm:t>
+        <a:bodyPr/>
+        <a:lstStyle/>
+        <a:p>
+          <a:endParaRPr lang="en-US"/>
+        </a:p>
+      </dgm:t>
+    </dgm:pt>
+    <dgm:pt modelId="{4F828BB4-72F5-4954-A1F5-6AFBBBDFE9B1}">
+      <dgm:prSet/>
+      <dgm:spPr/>
+      <dgm:t>
+        <a:bodyPr/>
+        <a:lstStyle/>
+        <a:p>
+          <a:r>
+            <a:rPr lang="en-US"/>
+            <a:t>End to End Encryption</a:t>
+          </a:r>
+        </a:p>
+      </dgm:t>
+    </dgm:pt>
+    <dgm:pt modelId="{E3C2E9AB-A26A-4B42-984C-F230C582447B}" type="parTrans" cxnId="{C91C6060-CEA1-427A-B0EC-CA05E4F6F0C5}">
+      <dgm:prSet/>
+      <dgm:spPr/>
+      <dgm:t>
+        <a:bodyPr/>
+        <a:lstStyle/>
+        <a:p>
+          <a:endParaRPr lang="en-US"/>
+        </a:p>
+      </dgm:t>
+    </dgm:pt>
+    <dgm:pt modelId="{B1A8AEE6-26A2-40E9-AE46-F3EB04C3C38B}" type="sibTrans" cxnId="{C91C6060-CEA1-427A-B0EC-CA05E4F6F0C5}">
+      <dgm:prSet/>
+      <dgm:spPr/>
+      <dgm:t>
+        <a:bodyPr/>
+        <a:lstStyle/>
+        <a:p>
+          <a:endParaRPr lang="en-US"/>
+        </a:p>
+      </dgm:t>
+    </dgm:pt>
+    <dgm:pt modelId="{E0BAF90C-A231-4EDA-BD91-3F0773DC9826}">
+      <dgm:prSet/>
+      <dgm:spPr/>
+      <dgm:t>
+        <a:bodyPr/>
+        <a:lstStyle/>
+        <a:p>
+          <a:r>
+            <a:rPr lang="en-US"/>
+            <a:t>AI-Powered Categorization</a:t>
+          </a:r>
+        </a:p>
+      </dgm:t>
+    </dgm:pt>
+    <dgm:pt modelId="{33E58E85-8534-47F4-9592-BA86E2613357}" type="parTrans" cxnId="{F389D561-7379-4061-B161-90BED4FDB9B2}">
+      <dgm:prSet/>
+      <dgm:spPr/>
+      <dgm:t>
+        <a:bodyPr/>
+        <a:lstStyle/>
+        <a:p>
+          <a:endParaRPr lang="en-US"/>
+        </a:p>
+      </dgm:t>
+    </dgm:pt>
+    <dgm:pt modelId="{8F99DAD8-80B0-4986-9103-79AD77C6CF32}" type="sibTrans" cxnId="{F389D561-7379-4061-B161-90BED4FDB9B2}">
+      <dgm:prSet/>
+      <dgm:spPr/>
+      <dgm:t>
+        <a:bodyPr/>
+        <a:lstStyle/>
+        <a:p>
+          <a:endParaRPr lang="en-US"/>
+        </a:p>
+      </dgm:t>
+    </dgm:pt>
+    <dgm:pt modelId="{9963985D-9577-4985-A974-054A23848E3D}">
+      <dgm:prSet/>
+      <dgm:spPr/>
+      <dgm:t>
+        <a:bodyPr/>
+        <a:lstStyle/>
+        <a:p>
+          <a:r>
+            <a:rPr lang="en-US"/>
+            <a:t>User-Controlled Security Setting</a:t>
+          </a:r>
+        </a:p>
+      </dgm:t>
+    </dgm:pt>
+    <dgm:pt modelId="{C0FD8651-5F27-43E3-B890-97B34612A86D}" type="parTrans" cxnId="{5E79CBB4-6169-4FD2-8B09-F977D320CD13}">
+      <dgm:prSet/>
+      <dgm:spPr/>
+      <dgm:t>
+        <a:bodyPr/>
+        <a:lstStyle/>
+        <a:p>
+          <a:endParaRPr lang="en-US"/>
+        </a:p>
+      </dgm:t>
+    </dgm:pt>
+    <dgm:pt modelId="{69121C6A-9053-47E5-9835-712BFA640DD2}" type="sibTrans" cxnId="{5E79CBB4-6169-4FD2-8B09-F977D320CD13}">
+      <dgm:prSet/>
+      <dgm:spPr/>
+      <dgm:t>
+        <a:bodyPr/>
+        <a:lstStyle/>
+        <a:p>
+          <a:endParaRPr lang="en-US"/>
+        </a:p>
+      </dgm:t>
+    </dgm:pt>
+    <dgm:pt modelId="{6C3291BD-22E8-455E-9764-E4B5F2484E44}">
+      <dgm:prSet/>
+      <dgm:spPr/>
+      <dgm:t>
+        <a:bodyPr/>
+        <a:lstStyle/>
+        <a:p>
+          <a:r>
+            <a:rPr lang="en-US"/>
+            <a:t>Note Editing and Management</a:t>
+          </a:r>
+        </a:p>
+      </dgm:t>
+    </dgm:pt>
+    <dgm:pt modelId="{6E3E4E9B-06A7-401F-9096-C85E72236E37}" type="parTrans" cxnId="{A77C54C1-DFC1-4A14-ABCA-32A669CC99DC}">
+      <dgm:prSet/>
+      <dgm:spPr/>
+      <dgm:t>
+        <a:bodyPr/>
+        <a:lstStyle/>
+        <a:p>
+          <a:endParaRPr lang="en-US"/>
+        </a:p>
+      </dgm:t>
+    </dgm:pt>
+    <dgm:pt modelId="{D139ABF3-A992-4A82-A126-ACC45AF101B0}" type="sibTrans" cxnId="{A77C54C1-DFC1-4A14-ABCA-32A669CC99DC}">
+      <dgm:prSet/>
+      <dgm:spPr/>
+      <dgm:t>
+        <a:bodyPr/>
+        <a:lstStyle/>
+        <a:p>
+          <a:endParaRPr lang="en-US"/>
+        </a:p>
+      </dgm:t>
+    </dgm:pt>
+    <dgm:pt modelId="{EAFB3677-A96F-4998-868B-8AB60E60143F}">
+      <dgm:prSet/>
+      <dgm:spPr/>
+      <dgm:t>
+        <a:bodyPr/>
+        <a:lstStyle/>
+        <a:p>
+          <a:r>
+            <a:rPr lang="en-US"/>
+            <a:t>User Account Controls</a:t>
+          </a:r>
+        </a:p>
+      </dgm:t>
+    </dgm:pt>
+    <dgm:pt modelId="{7856593A-2349-4174-A92D-8B92362261D3}" type="parTrans" cxnId="{1664D6FF-2244-42E5-924D-39A9181EE82A}">
+      <dgm:prSet/>
+      <dgm:spPr/>
+      <dgm:t>
+        <a:bodyPr/>
+        <a:lstStyle/>
+        <a:p>
+          <a:endParaRPr lang="en-US"/>
+        </a:p>
+      </dgm:t>
+    </dgm:pt>
+    <dgm:pt modelId="{A88C1ADB-BA4C-4466-BEA7-87DBAB48E0CF}" type="sibTrans" cxnId="{1664D6FF-2244-42E5-924D-39A9181EE82A}">
+      <dgm:prSet/>
+      <dgm:spPr/>
+      <dgm:t>
+        <a:bodyPr/>
+        <a:lstStyle/>
+        <a:p>
+          <a:endParaRPr lang="en-US"/>
+        </a:p>
+      </dgm:t>
+    </dgm:pt>
+    <dgm:pt modelId="{1DE41547-137B-40E7-9EAE-8BFAC93B78F2}" type="pres">
+      <dgm:prSet presAssocID="{35BB078D-142F-4E86-8AFB-F416A8574A66}" presName="vert0" presStyleCnt="0">
+        <dgm:presLayoutVars>
+          <dgm:dir/>
+          <dgm:animOne val="branch"/>
+          <dgm:animLvl val="lvl"/>
+        </dgm:presLayoutVars>
+      </dgm:prSet>
+      <dgm:spPr/>
+    </dgm:pt>
+    <dgm:pt modelId="{C6C6F0F2-A26A-4FED-9498-A900B4A4AE20}" type="pres">
+      <dgm:prSet presAssocID="{4F828BB4-72F5-4954-A1F5-6AFBBBDFE9B1}" presName="thickLine" presStyleLbl="alignNode1" presStyleIdx="0" presStyleCnt="5"/>
+      <dgm:spPr/>
+    </dgm:pt>
+    <dgm:pt modelId="{2F0F7BB7-7FE9-49E5-A99C-D619C11105E0}" type="pres">
+      <dgm:prSet presAssocID="{4F828BB4-72F5-4954-A1F5-6AFBBBDFE9B1}" presName="horz1" presStyleCnt="0"/>
+      <dgm:spPr/>
+    </dgm:pt>
+    <dgm:pt modelId="{98ABBBE1-4489-465F-ADEE-AE437D13C962}" type="pres">
+      <dgm:prSet presAssocID="{4F828BB4-72F5-4954-A1F5-6AFBBBDFE9B1}" presName="tx1" presStyleLbl="revTx" presStyleIdx="0" presStyleCnt="5"/>
+      <dgm:spPr/>
+    </dgm:pt>
+    <dgm:pt modelId="{532067ED-85BC-49EC-8C52-FA379AF47135}" type="pres">
+      <dgm:prSet presAssocID="{4F828BB4-72F5-4954-A1F5-6AFBBBDFE9B1}" presName="vert1" presStyleCnt="0"/>
+      <dgm:spPr/>
+    </dgm:pt>
+    <dgm:pt modelId="{3DB5E111-B4D1-4149-B080-0D3F1F017060}" type="pres">
+      <dgm:prSet presAssocID="{E0BAF90C-A231-4EDA-BD91-3F0773DC9826}" presName="thickLine" presStyleLbl="alignNode1" presStyleIdx="1" presStyleCnt="5"/>
+      <dgm:spPr/>
+    </dgm:pt>
+    <dgm:pt modelId="{693BFC7E-0CBD-47FE-A7FE-C492A3145854}" type="pres">
+      <dgm:prSet presAssocID="{E0BAF90C-A231-4EDA-BD91-3F0773DC9826}" presName="horz1" presStyleCnt="0"/>
+      <dgm:spPr/>
+    </dgm:pt>
+    <dgm:pt modelId="{F990B507-7DA6-4E84-9924-47045C0F32DA}" type="pres">
+      <dgm:prSet presAssocID="{E0BAF90C-A231-4EDA-BD91-3F0773DC9826}" presName="tx1" presStyleLbl="revTx" presStyleIdx="1" presStyleCnt="5"/>
+      <dgm:spPr/>
+    </dgm:pt>
+    <dgm:pt modelId="{F2740F49-9F64-47CE-B00A-8D03CF778A2D}" type="pres">
+      <dgm:prSet presAssocID="{E0BAF90C-A231-4EDA-BD91-3F0773DC9826}" presName="vert1" presStyleCnt="0"/>
+      <dgm:spPr/>
+    </dgm:pt>
+    <dgm:pt modelId="{9759E38D-4F37-4806-B286-B13D32DA7B7E}" type="pres">
+      <dgm:prSet presAssocID="{9963985D-9577-4985-A974-054A23848E3D}" presName="thickLine" presStyleLbl="alignNode1" presStyleIdx="2" presStyleCnt="5"/>
+      <dgm:spPr/>
+    </dgm:pt>
+    <dgm:pt modelId="{C11E3246-2B41-417B-A5F8-2CDA3C391BFB}" type="pres">
+      <dgm:prSet presAssocID="{9963985D-9577-4985-A974-054A23848E3D}" presName="horz1" presStyleCnt="0"/>
+      <dgm:spPr/>
+    </dgm:pt>
+    <dgm:pt modelId="{227F7BE5-8979-45F3-832A-1DD9882F67FA}" type="pres">
+      <dgm:prSet presAssocID="{9963985D-9577-4985-A974-054A23848E3D}" presName="tx1" presStyleLbl="revTx" presStyleIdx="2" presStyleCnt="5"/>
+      <dgm:spPr/>
+    </dgm:pt>
+    <dgm:pt modelId="{BCA122B4-4F6C-4390-99B2-E574ACACD95B}" type="pres">
+      <dgm:prSet presAssocID="{9963985D-9577-4985-A974-054A23848E3D}" presName="vert1" presStyleCnt="0"/>
+      <dgm:spPr/>
+    </dgm:pt>
+    <dgm:pt modelId="{BCA97424-6144-43A7-89C6-C084A5708FDC}" type="pres">
+      <dgm:prSet presAssocID="{6C3291BD-22E8-455E-9764-E4B5F2484E44}" presName="thickLine" presStyleLbl="alignNode1" presStyleIdx="3" presStyleCnt="5"/>
+      <dgm:spPr/>
+    </dgm:pt>
+    <dgm:pt modelId="{F9FB1D63-0336-4E0D-AFBD-564DBA5AB06D}" type="pres">
+      <dgm:prSet presAssocID="{6C3291BD-22E8-455E-9764-E4B5F2484E44}" presName="horz1" presStyleCnt="0"/>
+      <dgm:spPr/>
+    </dgm:pt>
+    <dgm:pt modelId="{9800DD81-18A8-4DFD-A4D7-E491BB1EB4C2}" type="pres">
+      <dgm:prSet presAssocID="{6C3291BD-22E8-455E-9764-E4B5F2484E44}" presName="tx1" presStyleLbl="revTx" presStyleIdx="3" presStyleCnt="5"/>
+      <dgm:spPr/>
+    </dgm:pt>
+    <dgm:pt modelId="{14F53B33-2266-447E-BE7D-72EB8A3DB439}" type="pres">
+      <dgm:prSet presAssocID="{6C3291BD-22E8-455E-9764-E4B5F2484E44}" presName="vert1" presStyleCnt="0"/>
+      <dgm:spPr/>
+    </dgm:pt>
+    <dgm:pt modelId="{41AB6900-5F50-4276-9D99-A0E230A0B9F5}" type="pres">
+      <dgm:prSet presAssocID="{EAFB3677-A96F-4998-868B-8AB60E60143F}" presName="thickLine" presStyleLbl="alignNode1" presStyleIdx="4" presStyleCnt="5"/>
+      <dgm:spPr/>
+    </dgm:pt>
+    <dgm:pt modelId="{698F8C21-8FFA-4D73-93DA-BF35269A9550}" type="pres">
+      <dgm:prSet presAssocID="{EAFB3677-A96F-4998-868B-8AB60E60143F}" presName="horz1" presStyleCnt="0"/>
+      <dgm:spPr/>
+    </dgm:pt>
+    <dgm:pt modelId="{C7EA13C2-240E-4EFF-BF17-9808016188CC}" type="pres">
+      <dgm:prSet presAssocID="{EAFB3677-A96F-4998-868B-8AB60E60143F}" presName="tx1" presStyleLbl="revTx" presStyleIdx="4" presStyleCnt="5"/>
+      <dgm:spPr/>
+    </dgm:pt>
+    <dgm:pt modelId="{64CD6F9D-9352-4FFF-B323-00F9B0F0B527}" type="pres">
+      <dgm:prSet presAssocID="{EAFB3677-A96F-4998-868B-8AB60E60143F}" presName="vert1" presStyleCnt="0"/>
+      <dgm:spPr/>
+    </dgm:pt>
+  </dgm:ptLst>
+  <dgm:cxnLst>
+    <dgm:cxn modelId="{9B614C06-EB86-4066-8CC2-357A3CB8C568}" type="presOf" srcId="{EAFB3677-A96F-4998-868B-8AB60E60143F}" destId="{C7EA13C2-240E-4EFF-BF17-9808016188CC}" srcOrd="0" destOrd="0" presId="urn:microsoft.com/office/officeart/2008/layout/LinedList"/>
+    <dgm:cxn modelId="{89E31E39-BF9A-4116-AE85-3FA9250BC2CD}" type="presOf" srcId="{E0BAF90C-A231-4EDA-BD91-3F0773DC9826}" destId="{F990B507-7DA6-4E84-9924-47045C0F32DA}" srcOrd="0" destOrd="0" presId="urn:microsoft.com/office/officeart/2008/layout/LinedList"/>
+    <dgm:cxn modelId="{C91C6060-CEA1-427A-B0EC-CA05E4F6F0C5}" srcId="{35BB078D-142F-4E86-8AFB-F416A8574A66}" destId="{4F828BB4-72F5-4954-A1F5-6AFBBBDFE9B1}" srcOrd="0" destOrd="0" parTransId="{E3C2E9AB-A26A-4B42-984C-F230C582447B}" sibTransId="{B1A8AEE6-26A2-40E9-AE46-F3EB04C3C38B}"/>
+    <dgm:cxn modelId="{F389D561-7379-4061-B161-90BED4FDB9B2}" srcId="{35BB078D-142F-4E86-8AFB-F416A8574A66}" destId="{E0BAF90C-A231-4EDA-BD91-3F0773DC9826}" srcOrd="1" destOrd="0" parTransId="{33E58E85-8534-47F4-9592-BA86E2613357}" sibTransId="{8F99DAD8-80B0-4986-9103-79AD77C6CF32}"/>
+    <dgm:cxn modelId="{48F15C6C-2503-4DB0-B526-AC3F1C5590E9}" type="presOf" srcId="{4F828BB4-72F5-4954-A1F5-6AFBBBDFE9B1}" destId="{98ABBBE1-4489-465F-ADEE-AE437D13C962}" srcOrd="0" destOrd="0" presId="urn:microsoft.com/office/officeart/2008/layout/LinedList"/>
+    <dgm:cxn modelId="{FF677D4D-D3F7-42D1-B412-0D77A1B3AB07}" type="presOf" srcId="{35BB078D-142F-4E86-8AFB-F416A8574A66}" destId="{1DE41547-137B-40E7-9EAE-8BFAC93B78F2}" srcOrd="0" destOrd="0" presId="urn:microsoft.com/office/officeart/2008/layout/LinedList"/>
+    <dgm:cxn modelId="{760DCAA0-D522-4360-838C-F2BA6BF5DB37}" type="presOf" srcId="{6C3291BD-22E8-455E-9764-E4B5F2484E44}" destId="{9800DD81-18A8-4DFD-A4D7-E491BB1EB4C2}" srcOrd="0" destOrd="0" presId="urn:microsoft.com/office/officeart/2008/layout/LinedList"/>
+    <dgm:cxn modelId="{5E79CBB4-6169-4FD2-8B09-F977D320CD13}" srcId="{35BB078D-142F-4E86-8AFB-F416A8574A66}" destId="{9963985D-9577-4985-A974-054A23848E3D}" srcOrd="2" destOrd="0" parTransId="{C0FD8651-5F27-43E3-B890-97B34612A86D}" sibTransId="{69121C6A-9053-47E5-9835-712BFA640DD2}"/>
+    <dgm:cxn modelId="{A77C54C1-DFC1-4A14-ABCA-32A669CC99DC}" srcId="{35BB078D-142F-4E86-8AFB-F416A8574A66}" destId="{6C3291BD-22E8-455E-9764-E4B5F2484E44}" srcOrd="3" destOrd="0" parTransId="{6E3E4E9B-06A7-401F-9096-C85E72236E37}" sibTransId="{D139ABF3-A992-4A82-A126-ACC45AF101B0}"/>
+    <dgm:cxn modelId="{383B36D8-E1AE-4F07-A2A2-ACB256609A11}" type="presOf" srcId="{9963985D-9577-4985-A974-054A23848E3D}" destId="{227F7BE5-8979-45F3-832A-1DD9882F67FA}" srcOrd="0" destOrd="0" presId="urn:microsoft.com/office/officeart/2008/layout/LinedList"/>
+    <dgm:cxn modelId="{1664D6FF-2244-42E5-924D-39A9181EE82A}" srcId="{35BB078D-142F-4E86-8AFB-F416A8574A66}" destId="{EAFB3677-A96F-4998-868B-8AB60E60143F}" srcOrd="4" destOrd="0" parTransId="{7856593A-2349-4174-A92D-8B92362261D3}" sibTransId="{A88C1ADB-BA4C-4466-BEA7-87DBAB48E0CF}"/>
+    <dgm:cxn modelId="{B2940C57-E8FE-4CE6-AE42-6CD2BD234446}" type="presParOf" srcId="{1DE41547-137B-40E7-9EAE-8BFAC93B78F2}" destId="{C6C6F0F2-A26A-4FED-9498-A900B4A4AE20}" srcOrd="0" destOrd="0" presId="urn:microsoft.com/office/officeart/2008/layout/LinedList"/>
+    <dgm:cxn modelId="{8D1CCB3D-E6A6-4EFF-B577-518CD8F5DDC9}" type="presParOf" srcId="{1DE41547-137B-40E7-9EAE-8BFAC93B78F2}" destId="{2F0F7BB7-7FE9-49E5-A99C-D619C11105E0}" srcOrd="1" destOrd="0" presId="urn:microsoft.com/office/officeart/2008/layout/LinedList"/>
+    <dgm:cxn modelId="{A0E5004C-3FA6-4C1F-B666-825F1FFE798B}" type="presParOf" srcId="{2F0F7BB7-7FE9-49E5-A99C-D619C11105E0}" destId="{98ABBBE1-4489-465F-ADEE-AE437D13C962}" srcOrd="0" destOrd="0" presId="urn:microsoft.com/office/officeart/2008/layout/LinedList"/>
+    <dgm:cxn modelId="{23C124DA-672D-4E51-80C8-4C2F84EBB301}" type="presParOf" srcId="{2F0F7BB7-7FE9-49E5-A99C-D619C11105E0}" destId="{532067ED-85BC-49EC-8C52-FA379AF47135}" srcOrd="1" destOrd="0" presId="urn:microsoft.com/office/officeart/2008/layout/LinedList"/>
+    <dgm:cxn modelId="{5B461DD6-0910-41F4-885E-1610C63D4EEC}" type="presParOf" srcId="{1DE41547-137B-40E7-9EAE-8BFAC93B78F2}" destId="{3DB5E111-B4D1-4149-B080-0D3F1F017060}" srcOrd="2" destOrd="0" presId="urn:microsoft.com/office/officeart/2008/layout/LinedList"/>
+    <dgm:cxn modelId="{E2A79DB1-0F0A-4601-9108-8DD8F07C4D90}" type="presParOf" srcId="{1DE41547-137B-40E7-9EAE-8BFAC93B78F2}" destId="{693BFC7E-0CBD-47FE-A7FE-C492A3145854}" srcOrd="3" destOrd="0" presId="urn:microsoft.com/office/officeart/2008/layout/LinedList"/>
+    <dgm:cxn modelId="{FA60489F-8F8C-4767-A37F-1454062DD694}" type="presParOf" srcId="{693BFC7E-0CBD-47FE-A7FE-C492A3145854}" destId="{F990B507-7DA6-4E84-9924-47045C0F32DA}" srcOrd="0" destOrd="0" presId="urn:microsoft.com/office/officeart/2008/layout/LinedList"/>
+    <dgm:cxn modelId="{A8299E21-E1A3-4CCA-89EC-1CCA7A0E06C0}" type="presParOf" srcId="{693BFC7E-0CBD-47FE-A7FE-C492A3145854}" destId="{F2740F49-9F64-47CE-B00A-8D03CF778A2D}" srcOrd="1" destOrd="0" presId="urn:microsoft.com/office/officeart/2008/layout/LinedList"/>
+    <dgm:cxn modelId="{17577D54-5D61-4DE3-A722-94FABF0F8B85}" type="presParOf" srcId="{1DE41547-137B-40E7-9EAE-8BFAC93B78F2}" destId="{9759E38D-4F37-4806-B286-B13D32DA7B7E}" srcOrd="4" destOrd="0" presId="urn:microsoft.com/office/officeart/2008/layout/LinedList"/>
+    <dgm:cxn modelId="{21C69931-77D5-4541-84DC-A081432743DE}" type="presParOf" srcId="{1DE41547-137B-40E7-9EAE-8BFAC93B78F2}" destId="{C11E3246-2B41-417B-A5F8-2CDA3C391BFB}" srcOrd="5" destOrd="0" presId="urn:microsoft.com/office/officeart/2008/layout/LinedList"/>
+    <dgm:cxn modelId="{BD7D5220-66DA-4BDF-B38E-4F940D0FFC7E}" type="presParOf" srcId="{C11E3246-2B41-417B-A5F8-2CDA3C391BFB}" destId="{227F7BE5-8979-45F3-832A-1DD9882F67FA}" srcOrd="0" destOrd="0" presId="urn:microsoft.com/office/officeart/2008/layout/LinedList"/>
+    <dgm:cxn modelId="{44EA60F1-B831-4F12-AD79-D554E134A64A}" type="presParOf" srcId="{C11E3246-2B41-417B-A5F8-2CDA3C391BFB}" destId="{BCA122B4-4F6C-4390-99B2-E574ACACD95B}" srcOrd="1" destOrd="0" presId="urn:microsoft.com/office/officeart/2008/layout/LinedList"/>
+    <dgm:cxn modelId="{B88E8DFC-1D4B-4813-BF7D-009AFEFC5001}" type="presParOf" srcId="{1DE41547-137B-40E7-9EAE-8BFAC93B78F2}" destId="{BCA97424-6144-43A7-89C6-C084A5708FDC}" srcOrd="6" destOrd="0" presId="urn:microsoft.com/office/officeart/2008/layout/LinedList"/>
+    <dgm:cxn modelId="{9BFF3D67-1E1A-4C3F-A54C-97A875A9CA85}" type="presParOf" srcId="{1DE41547-137B-40E7-9EAE-8BFAC93B78F2}" destId="{F9FB1D63-0336-4E0D-AFBD-564DBA5AB06D}" srcOrd="7" destOrd="0" presId="urn:microsoft.com/office/officeart/2008/layout/LinedList"/>
+    <dgm:cxn modelId="{DE350F67-2413-44F7-8643-7BA578DD11DA}" type="presParOf" srcId="{F9FB1D63-0336-4E0D-AFBD-564DBA5AB06D}" destId="{9800DD81-18A8-4DFD-A4D7-E491BB1EB4C2}" srcOrd="0" destOrd="0" presId="urn:microsoft.com/office/officeart/2008/layout/LinedList"/>
+    <dgm:cxn modelId="{4C65370C-C025-4605-907F-199ACEDF4FB8}" type="presParOf" srcId="{F9FB1D63-0336-4E0D-AFBD-564DBA5AB06D}" destId="{14F53B33-2266-447E-BE7D-72EB8A3DB439}" srcOrd="1" destOrd="0" presId="urn:microsoft.com/office/officeart/2008/layout/LinedList"/>
+    <dgm:cxn modelId="{02BE2393-7303-4796-82E9-963D7DC68F87}" type="presParOf" srcId="{1DE41547-137B-40E7-9EAE-8BFAC93B78F2}" destId="{41AB6900-5F50-4276-9D99-A0E230A0B9F5}" srcOrd="8" destOrd="0" presId="urn:microsoft.com/office/officeart/2008/layout/LinedList"/>
+    <dgm:cxn modelId="{AD60A242-7150-42B6-918C-A203A723D413}" type="presParOf" srcId="{1DE41547-137B-40E7-9EAE-8BFAC93B78F2}" destId="{698F8C21-8FFA-4D73-93DA-BF35269A9550}" srcOrd="9" destOrd="0" presId="urn:microsoft.com/office/officeart/2008/layout/LinedList"/>
+    <dgm:cxn modelId="{AEE52AA7-2F9F-4A17-9A08-71A3040A8CA3}" type="presParOf" srcId="{698F8C21-8FFA-4D73-93DA-BF35269A9550}" destId="{C7EA13C2-240E-4EFF-BF17-9808016188CC}" srcOrd="0" destOrd="0" presId="urn:microsoft.com/office/officeart/2008/layout/LinedList"/>
+    <dgm:cxn modelId="{EEE6D699-6F65-4004-8B7F-F5B2FF5F2C10}" type="presParOf" srcId="{698F8C21-8FFA-4D73-93DA-BF35269A9550}" destId="{64CD6F9D-9352-4FFF-B323-00F9B0F0B527}" srcOrd="1" destOrd="0" presId="urn:microsoft.com/office/officeart/2008/layout/LinedList"/>
+  </dgm:cxnLst>
+  <dgm:bg/>
+  <dgm:whole/>
+  <dgm:extLst>
+    <a:ext uri="http://schemas.microsoft.com/office/drawing/2008/diagram">
+      <dsp:dataModelExt xmlns:dsp="http://schemas.microsoft.com/office/drawing/2008/diagram" relId="rId6" minVer="http://schemas.openxmlformats.org/drawingml/2006/diagram"/>
+    </a:ext>
+  </dgm:extLst>
+</dgm:dataModel>
+</file>
+
+<file path=ppt/diagrams/data2.xml><?xml version="1.0" encoding="utf-8"?>
+<dgm:dataModel xmlns:dgm="http://schemas.openxmlformats.org/drawingml/2006/diagram" xmlns:a="http://schemas.openxmlformats.org/drawingml/2006/main">
+  <dgm:ptLst>
+    <dgm:pt modelId="{9E49FE30-011E-4C3C-A11A-10745668B5D5}" type="doc">
+      <dgm:prSet loTypeId="urn:microsoft.com/office/officeart/2005/8/layout/vList2" loCatId="list" qsTypeId="urn:microsoft.com/office/officeart/2005/8/quickstyle/simple1" qsCatId="simple" csTypeId="urn:microsoft.com/office/officeart/2005/8/colors/colorful2" csCatId="colorful"/>
+      <dgm:spPr/>
+      <dgm:t>
+        <a:bodyPr/>
+        <a:lstStyle/>
+        <a:p>
+          <a:endParaRPr lang="en-US"/>
+        </a:p>
+      </dgm:t>
+    </dgm:pt>
+    <dgm:pt modelId="{B20EEFDD-91F3-4E10-951C-14A99786F3E8}">
+      <dgm:prSet/>
+      <dgm:spPr/>
+      <dgm:t>
+        <a:bodyPr/>
+        <a:lstStyle/>
+        <a:p>
+          <a:r>
+            <a:rPr lang="en-US"/>
+            <a:t>Application</a:t>
+          </a:r>
+        </a:p>
+      </dgm:t>
+    </dgm:pt>
+    <dgm:pt modelId="{4271D959-72B3-43D6-8C5A-2CB801EC640A}" type="parTrans" cxnId="{C5A343EC-F864-4D67-9D33-C7C64500778E}">
+      <dgm:prSet/>
+      <dgm:spPr/>
+      <dgm:t>
+        <a:bodyPr/>
+        <a:lstStyle/>
+        <a:p>
+          <a:endParaRPr lang="en-US"/>
+        </a:p>
+      </dgm:t>
+    </dgm:pt>
+    <dgm:pt modelId="{A55B1B5C-1F52-43C0-9956-8F38AFC32794}" type="sibTrans" cxnId="{C5A343EC-F864-4D67-9D33-C7C64500778E}">
+      <dgm:prSet/>
+      <dgm:spPr/>
+      <dgm:t>
+        <a:bodyPr/>
+        <a:lstStyle/>
+        <a:p>
+          <a:endParaRPr lang="en-US"/>
+        </a:p>
+      </dgm:t>
+    </dgm:pt>
+    <dgm:pt modelId="{3076F043-3BD0-4E7B-B458-BA87C295CAEF}">
+      <dgm:prSet/>
+      <dgm:spPr/>
+      <dgm:t>
+        <a:bodyPr/>
+        <a:lstStyle/>
+        <a:p>
+          <a:r>
+            <a:rPr lang="en-US"/>
+            <a:t>Powered by Python and Django</a:t>
+          </a:r>
+        </a:p>
+      </dgm:t>
+    </dgm:pt>
+    <dgm:pt modelId="{FE2B7448-4E2D-4910-A4E5-4EF95AD57CD2}" type="parTrans" cxnId="{5A747212-4321-43EC-85A9-D255D196FEF6}">
+      <dgm:prSet/>
+      <dgm:spPr/>
+      <dgm:t>
+        <a:bodyPr/>
+        <a:lstStyle/>
+        <a:p>
+          <a:endParaRPr lang="en-US"/>
+        </a:p>
+      </dgm:t>
+    </dgm:pt>
+    <dgm:pt modelId="{52102A0C-E2D6-442B-8190-21AE81BF53B7}" type="sibTrans" cxnId="{5A747212-4321-43EC-85A9-D255D196FEF6}">
+      <dgm:prSet/>
+      <dgm:spPr/>
+      <dgm:t>
+        <a:bodyPr/>
+        <a:lstStyle/>
+        <a:p>
+          <a:endParaRPr lang="en-US"/>
+        </a:p>
+      </dgm:t>
+    </dgm:pt>
+    <dgm:pt modelId="{88460ABC-9425-4CF8-B31E-5229B9202821}">
+      <dgm:prSet/>
+      <dgm:spPr/>
+      <dgm:t>
+        <a:bodyPr/>
+        <a:lstStyle/>
+        <a:p>
+          <a:r>
+            <a:rPr lang="en-US"/>
+            <a:t>User Authentication</a:t>
+          </a:r>
+        </a:p>
+      </dgm:t>
+    </dgm:pt>
+    <dgm:pt modelId="{295F87D6-FE95-49A1-BB39-F50798E4B07F}" type="parTrans" cxnId="{8D7C0517-BE28-4640-84B7-83165817FA13}">
+      <dgm:prSet/>
+      <dgm:spPr/>
+      <dgm:t>
+        <a:bodyPr/>
+        <a:lstStyle/>
+        <a:p>
+          <a:endParaRPr lang="en-US"/>
+        </a:p>
+      </dgm:t>
+    </dgm:pt>
+    <dgm:pt modelId="{5F7715C2-D338-47CA-A431-2DBDD48A690B}" type="sibTrans" cxnId="{8D7C0517-BE28-4640-84B7-83165817FA13}">
+      <dgm:prSet/>
+      <dgm:spPr/>
+      <dgm:t>
+        <a:bodyPr/>
+        <a:lstStyle/>
+        <a:p>
+          <a:endParaRPr lang="en-US"/>
+        </a:p>
+      </dgm:t>
+    </dgm:pt>
+    <dgm:pt modelId="{F84E6B5A-92AE-4A8A-817B-7FC372D223A1}">
+      <dgm:prSet/>
+      <dgm:spPr/>
+      <dgm:t>
+        <a:bodyPr/>
+        <a:lstStyle/>
+        <a:p>
+          <a:r>
+            <a:rPr lang="en-US"/>
+            <a:t>Secure authentication with Django</a:t>
+          </a:r>
+        </a:p>
+      </dgm:t>
+    </dgm:pt>
+    <dgm:pt modelId="{E559D40D-44B6-4AB8-B41D-BC5FD02682A1}" type="parTrans" cxnId="{60506760-FEC9-4BEC-BC2D-93BEAF34DED4}">
+      <dgm:prSet/>
+      <dgm:spPr/>
+      <dgm:t>
+        <a:bodyPr/>
+        <a:lstStyle/>
+        <a:p>
+          <a:endParaRPr lang="en-US"/>
+        </a:p>
+      </dgm:t>
+    </dgm:pt>
+    <dgm:pt modelId="{FC59DA93-F012-4BBA-9F3D-36493717492E}" type="sibTrans" cxnId="{60506760-FEC9-4BEC-BC2D-93BEAF34DED4}">
+      <dgm:prSet/>
+      <dgm:spPr/>
+      <dgm:t>
+        <a:bodyPr/>
+        <a:lstStyle/>
+        <a:p>
+          <a:endParaRPr lang="en-US"/>
+        </a:p>
+      </dgm:t>
+    </dgm:pt>
+    <dgm:pt modelId="{9E4B2AF8-66DE-4C87-B5E8-652FF576A8E1}">
+      <dgm:prSet/>
+      <dgm:spPr/>
+      <dgm:t>
+        <a:bodyPr/>
+        <a:lstStyle/>
+        <a:p>
+          <a:r>
+            <a:rPr lang="en-US"/>
+            <a:t>Encryption</a:t>
+          </a:r>
+        </a:p>
+      </dgm:t>
+    </dgm:pt>
+    <dgm:pt modelId="{E3B04C39-84A3-427B-A277-B736E8367AF7}" type="parTrans" cxnId="{C39CC47F-E5AE-4D24-8BE2-6578D357AA1A}">
+      <dgm:prSet/>
+      <dgm:spPr/>
+      <dgm:t>
+        <a:bodyPr/>
+        <a:lstStyle/>
+        <a:p>
+          <a:endParaRPr lang="en-US"/>
+        </a:p>
+      </dgm:t>
+    </dgm:pt>
+    <dgm:pt modelId="{73DB2FD7-D27A-4985-BAB0-0700B85904EE}" type="sibTrans" cxnId="{C39CC47F-E5AE-4D24-8BE2-6578D357AA1A}">
+      <dgm:prSet/>
+      <dgm:spPr/>
+      <dgm:t>
+        <a:bodyPr/>
+        <a:lstStyle/>
+        <a:p>
+          <a:endParaRPr lang="en-US"/>
+        </a:p>
+      </dgm:t>
+    </dgm:pt>
+    <dgm:pt modelId="{7554F446-638A-412C-BAA8-30A2B0CA5301}">
+      <dgm:prSet/>
+      <dgm:spPr/>
+      <dgm:t>
+        <a:bodyPr/>
+        <a:lstStyle/>
+        <a:p>
+          <a:r>
+            <a:rPr lang="en-US"/>
+            <a:t>Data encrypted before saving to database</a:t>
+          </a:r>
+        </a:p>
+      </dgm:t>
+    </dgm:pt>
+    <dgm:pt modelId="{BA365091-1ECF-4F56-99CD-5B8261697DCF}" type="parTrans" cxnId="{0FFCBAEA-3D6C-4D72-BE2C-DCCD464D0812}">
+      <dgm:prSet/>
+      <dgm:spPr/>
+      <dgm:t>
+        <a:bodyPr/>
+        <a:lstStyle/>
+        <a:p>
+          <a:endParaRPr lang="en-US"/>
+        </a:p>
+      </dgm:t>
+    </dgm:pt>
+    <dgm:pt modelId="{8DBCC4C6-AD6B-4A6B-B0BB-E473F74F63D8}" type="sibTrans" cxnId="{0FFCBAEA-3D6C-4D72-BE2C-DCCD464D0812}">
+      <dgm:prSet/>
+      <dgm:spPr/>
+      <dgm:t>
+        <a:bodyPr/>
+        <a:lstStyle/>
+        <a:p>
+          <a:endParaRPr lang="en-US"/>
+        </a:p>
+      </dgm:t>
+    </dgm:pt>
+    <dgm:pt modelId="{CD60CD88-4E18-4A49-8BC3-E79F2C84A3BF}">
+      <dgm:prSet/>
+      <dgm:spPr/>
+      <dgm:t>
+        <a:bodyPr/>
+        <a:lstStyle/>
+        <a:p>
+          <a:r>
+            <a:rPr lang="en-US"/>
+            <a:t>Decrypted upon access from database</a:t>
+          </a:r>
+        </a:p>
+      </dgm:t>
+    </dgm:pt>
+    <dgm:pt modelId="{25B19849-0AFD-4FB4-B04D-73F2FE5C3BF7}" type="parTrans" cxnId="{A4F249BB-B8E8-4E34-A9E7-FB8118A6DABE}">
+      <dgm:prSet/>
+      <dgm:spPr/>
+      <dgm:t>
+        <a:bodyPr/>
+        <a:lstStyle/>
+        <a:p>
+          <a:endParaRPr lang="en-US"/>
+        </a:p>
+      </dgm:t>
+    </dgm:pt>
+    <dgm:pt modelId="{BBACD4FB-98A4-4FE0-B6CD-531048C77865}" type="sibTrans" cxnId="{A4F249BB-B8E8-4E34-A9E7-FB8118A6DABE}">
+      <dgm:prSet/>
+      <dgm:spPr/>
+      <dgm:t>
+        <a:bodyPr/>
+        <a:lstStyle/>
+        <a:p>
+          <a:endParaRPr lang="en-US"/>
+        </a:p>
+      </dgm:t>
+    </dgm:pt>
+    <dgm:pt modelId="{F46C253A-E2FC-4533-BAF5-8498E023D5B3}" type="pres">
+      <dgm:prSet presAssocID="{9E49FE30-011E-4C3C-A11A-10745668B5D5}" presName="linear" presStyleCnt="0">
+        <dgm:presLayoutVars>
+          <dgm:animLvl val="lvl"/>
+          <dgm:resizeHandles val="exact"/>
+        </dgm:presLayoutVars>
+      </dgm:prSet>
+      <dgm:spPr/>
+    </dgm:pt>
+    <dgm:pt modelId="{15374CA4-23AE-4457-8F0B-CA63233C716D}" type="pres">
+      <dgm:prSet presAssocID="{B20EEFDD-91F3-4E10-951C-14A99786F3E8}" presName="parentText" presStyleLbl="node1" presStyleIdx="0" presStyleCnt="3">
+        <dgm:presLayoutVars>
+          <dgm:chMax val="0"/>
+          <dgm:bulletEnabled val="1"/>
+        </dgm:presLayoutVars>
+      </dgm:prSet>
+      <dgm:spPr/>
+    </dgm:pt>
+    <dgm:pt modelId="{6D9E036F-A4AE-4E13-9865-BD94AECE5346}" type="pres">
+      <dgm:prSet presAssocID="{B20EEFDD-91F3-4E10-951C-14A99786F3E8}" presName="childText" presStyleLbl="revTx" presStyleIdx="0" presStyleCnt="3">
+        <dgm:presLayoutVars>
+          <dgm:bulletEnabled val="1"/>
+        </dgm:presLayoutVars>
+      </dgm:prSet>
+      <dgm:spPr/>
+    </dgm:pt>
+    <dgm:pt modelId="{3545E9B7-F7FB-4B7F-8F88-AB3C3CFBBF69}" type="pres">
+      <dgm:prSet presAssocID="{88460ABC-9425-4CF8-B31E-5229B9202821}" presName="parentText" presStyleLbl="node1" presStyleIdx="1" presStyleCnt="3">
+        <dgm:presLayoutVars>
+          <dgm:chMax val="0"/>
+          <dgm:bulletEnabled val="1"/>
+        </dgm:presLayoutVars>
+      </dgm:prSet>
+      <dgm:spPr/>
+    </dgm:pt>
+    <dgm:pt modelId="{21F82620-46E9-44E6-8ACC-0C271FA70724}" type="pres">
+      <dgm:prSet presAssocID="{88460ABC-9425-4CF8-B31E-5229B9202821}" presName="childText" presStyleLbl="revTx" presStyleIdx="1" presStyleCnt="3">
+        <dgm:presLayoutVars>
+          <dgm:bulletEnabled val="1"/>
+        </dgm:presLayoutVars>
+      </dgm:prSet>
+      <dgm:spPr/>
+    </dgm:pt>
+    <dgm:pt modelId="{BB38E285-3918-4E34-BFD4-F852B92E1E5A}" type="pres">
+      <dgm:prSet presAssocID="{9E4B2AF8-66DE-4C87-B5E8-652FF576A8E1}" presName="parentText" presStyleLbl="node1" presStyleIdx="2" presStyleCnt="3">
+        <dgm:presLayoutVars>
+          <dgm:chMax val="0"/>
+          <dgm:bulletEnabled val="1"/>
+        </dgm:presLayoutVars>
+      </dgm:prSet>
+      <dgm:spPr/>
+    </dgm:pt>
+    <dgm:pt modelId="{1C673BE7-85C5-4950-9FED-9E992322C927}" type="pres">
+      <dgm:prSet presAssocID="{9E4B2AF8-66DE-4C87-B5E8-652FF576A8E1}" presName="childText" presStyleLbl="revTx" presStyleIdx="2" presStyleCnt="3">
+        <dgm:presLayoutVars>
+          <dgm:bulletEnabled val="1"/>
+        </dgm:presLayoutVars>
+      </dgm:prSet>
+      <dgm:spPr/>
+    </dgm:pt>
+  </dgm:ptLst>
+  <dgm:cxnLst>
+    <dgm:cxn modelId="{5A747212-4321-43EC-85A9-D255D196FEF6}" srcId="{B20EEFDD-91F3-4E10-951C-14A99786F3E8}" destId="{3076F043-3BD0-4E7B-B458-BA87C295CAEF}" srcOrd="0" destOrd="0" parTransId="{FE2B7448-4E2D-4910-A4E5-4EF95AD57CD2}" sibTransId="{52102A0C-E2D6-442B-8190-21AE81BF53B7}"/>
+    <dgm:cxn modelId="{8D7C0517-BE28-4640-84B7-83165817FA13}" srcId="{9E49FE30-011E-4C3C-A11A-10745668B5D5}" destId="{88460ABC-9425-4CF8-B31E-5229B9202821}" srcOrd="1" destOrd="0" parTransId="{295F87D6-FE95-49A1-BB39-F50798E4B07F}" sibTransId="{5F7715C2-D338-47CA-A431-2DBDD48A690B}"/>
+    <dgm:cxn modelId="{98B79E2F-123F-43A8-A588-07242DFE92A1}" type="presOf" srcId="{7554F446-638A-412C-BAA8-30A2B0CA5301}" destId="{1C673BE7-85C5-4950-9FED-9E992322C927}" srcOrd="0" destOrd="0" presId="urn:microsoft.com/office/officeart/2005/8/layout/vList2"/>
+    <dgm:cxn modelId="{189B4A35-24DB-427A-B11B-5F9E30391EB6}" type="presOf" srcId="{9E4B2AF8-66DE-4C87-B5E8-652FF576A8E1}" destId="{BB38E285-3918-4E34-BFD4-F852B92E1E5A}" srcOrd="0" destOrd="0" presId="urn:microsoft.com/office/officeart/2005/8/layout/vList2"/>
+    <dgm:cxn modelId="{60506760-FEC9-4BEC-BC2D-93BEAF34DED4}" srcId="{88460ABC-9425-4CF8-B31E-5229B9202821}" destId="{F84E6B5A-92AE-4A8A-817B-7FC372D223A1}" srcOrd="0" destOrd="0" parTransId="{E559D40D-44B6-4AB8-B41D-BC5FD02682A1}" sibTransId="{FC59DA93-F012-4BBA-9F3D-36493717492E}"/>
+    <dgm:cxn modelId="{7449AB4B-3235-4D7B-A77E-3CE2B17E4635}" type="presOf" srcId="{9E49FE30-011E-4C3C-A11A-10745668B5D5}" destId="{F46C253A-E2FC-4533-BAF5-8498E023D5B3}" srcOrd="0" destOrd="0" presId="urn:microsoft.com/office/officeart/2005/8/layout/vList2"/>
+    <dgm:cxn modelId="{C942C64D-4943-487E-BB25-00D90D9B2164}" type="presOf" srcId="{CD60CD88-4E18-4A49-8BC3-E79F2C84A3BF}" destId="{1C673BE7-85C5-4950-9FED-9E992322C927}" srcOrd="0" destOrd="1" presId="urn:microsoft.com/office/officeart/2005/8/layout/vList2"/>
+    <dgm:cxn modelId="{C39CC47F-E5AE-4D24-8BE2-6578D357AA1A}" srcId="{9E49FE30-011E-4C3C-A11A-10745668B5D5}" destId="{9E4B2AF8-66DE-4C87-B5E8-652FF576A8E1}" srcOrd="2" destOrd="0" parTransId="{E3B04C39-84A3-427B-A277-B736E8367AF7}" sibTransId="{73DB2FD7-D27A-4985-BAB0-0700B85904EE}"/>
+    <dgm:cxn modelId="{7A773985-216D-45BE-BE14-A92B8C36B3AB}" type="presOf" srcId="{B20EEFDD-91F3-4E10-951C-14A99786F3E8}" destId="{15374CA4-23AE-4457-8F0B-CA63233C716D}" srcOrd="0" destOrd="0" presId="urn:microsoft.com/office/officeart/2005/8/layout/vList2"/>
+    <dgm:cxn modelId="{F4DED088-4B06-4DB2-BB05-668B5076FF9C}" type="presOf" srcId="{F84E6B5A-92AE-4A8A-817B-7FC372D223A1}" destId="{21F82620-46E9-44E6-8ACC-0C271FA70724}" srcOrd="0" destOrd="0" presId="urn:microsoft.com/office/officeart/2005/8/layout/vList2"/>
+    <dgm:cxn modelId="{48E18095-01C1-492C-B32C-996EFAB16DED}" type="presOf" srcId="{88460ABC-9425-4CF8-B31E-5229B9202821}" destId="{3545E9B7-F7FB-4B7F-8F88-AB3C3CFBBF69}" srcOrd="0" destOrd="0" presId="urn:microsoft.com/office/officeart/2005/8/layout/vList2"/>
+    <dgm:cxn modelId="{6C6B7B9C-F2D4-45A8-B8D1-DF2E8DBF87D7}" type="presOf" srcId="{3076F043-3BD0-4E7B-B458-BA87C295CAEF}" destId="{6D9E036F-A4AE-4E13-9865-BD94AECE5346}" srcOrd="0" destOrd="0" presId="urn:microsoft.com/office/officeart/2005/8/layout/vList2"/>
+    <dgm:cxn modelId="{A4F249BB-B8E8-4E34-A9E7-FB8118A6DABE}" srcId="{9E4B2AF8-66DE-4C87-B5E8-652FF576A8E1}" destId="{CD60CD88-4E18-4A49-8BC3-E79F2C84A3BF}" srcOrd="1" destOrd="0" parTransId="{25B19849-0AFD-4FB4-B04D-73F2FE5C3BF7}" sibTransId="{BBACD4FB-98A4-4FE0-B6CD-531048C77865}"/>
+    <dgm:cxn modelId="{0FFCBAEA-3D6C-4D72-BE2C-DCCD464D0812}" srcId="{9E4B2AF8-66DE-4C87-B5E8-652FF576A8E1}" destId="{7554F446-638A-412C-BAA8-30A2B0CA5301}" srcOrd="0" destOrd="0" parTransId="{BA365091-1ECF-4F56-99CD-5B8261697DCF}" sibTransId="{8DBCC4C6-AD6B-4A6B-B0BB-E473F74F63D8}"/>
+    <dgm:cxn modelId="{C5A343EC-F864-4D67-9D33-C7C64500778E}" srcId="{9E49FE30-011E-4C3C-A11A-10745668B5D5}" destId="{B20EEFDD-91F3-4E10-951C-14A99786F3E8}" srcOrd="0" destOrd="0" parTransId="{4271D959-72B3-43D6-8C5A-2CB801EC640A}" sibTransId="{A55B1B5C-1F52-43C0-9956-8F38AFC32794}"/>
+    <dgm:cxn modelId="{C48219AD-9FFD-4A26-867D-A268F04DF691}" type="presParOf" srcId="{F46C253A-E2FC-4533-BAF5-8498E023D5B3}" destId="{15374CA4-23AE-4457-8F0B-CA63233C716D}" srcOrd="0" destOrd="0" presId="urn:microsoft.com/office/officeart/2005/8/layout/vList2"/>
+    <dgm:cxn modelId="{3B4DBBBC-CF2B-4723-A08C-19828D237D2C}" type="presParOf" srcId="{F46C253A-E2FC-4533-BAF5-8498E023D5B3}" destId="{6D9E036F-A4AE-4E13-9865-BD94AECE5346}" srcOrd="1" destOrd="0" presId="urn:microsoft.com/office/officeart/2005/8/layout/vList2"/>
+    <dgm:cxn modelId="{108F5F92-C54C-4240-A5E6-EDF6A4809B9C}" type="presParOf" srcId="{F46C253A-E2FC-4533-BAF5-8498E023D5B3}" destId="{3545E9B7-F7FB-4B7F-8F88-AB3C3CFBBF69}" srcOrd="2" destOrd="0" presId="urn:microsoft.com/office/officeart/2005/8/layout/vList2"/>
+    <dgm:cxn modelId="{CE61C3E0-0932-456E-A0A2-ACD5A01C5083}" type="presParOf" srcId="{F46C253A-E2FC-4533-BAF5-8498E023D5B3}" destId="{21F82620-46E9-44E6-8ACC-0C271FA70724}" srcOrd="3" destOrd="0" presId="urn:microsoft.com/office/officeart/2005/8/layout/vList2"/>
+    <dgm:cxn modelId="{12785243-26BE-4065-A87E-47A4AE097F9D}" type="presParOf" srcId="{F46C253A-E2FC-4533-BAF5-8498E023D5B3}" destId="{BB38E285-3918-4E34-BFD4-F852B92E1E5A}" srcOrd="4" destOrd="0" presId="urn:microsoft.com/office/officeart/2005/8/layout/vList2"/>
+    <dgm:cxn modelId="{1B2CF7EA-C5C9-499E-A6E1-E40598B4E79D}" type="presParOf" srcId="{F46C253A-E2FC-4533-BAF5-8498E023D5B3}" destId="{1C673BE7-85C5-4950-9FED-9E992322C927}" srcOrd="5" destOrd="0" presId="urn:microsoft.com/office/officeart/2005/8/layout/vList2"/>
+  </dgm:cxnLst>
+  <dgm:bg/>
+  <dgm:whole/>
+  <dgm:extLst>
+    <a:ext uri="http://schemas.microsoft.com/office/drawing/2008/diagram">
+      <dsp:dataModelExt xmlns:dsp="http://schemas.microsoft.com/office/drawing/2008/diagram" relId="rId6" minVer="http://schemas.openxmlformats.org/drawingml/2006/diagram"/>
+    </a:ext>
+  </dgm:extLst>
+</dgm:dataModel>
+</file>
+
+<file path=ppt/diagrams/drawing1.xml><?xml version="1.0" encoding="utf-8"?>
+<dsp:drawing xmlns:dgm="http://schemas.openxmlformats.org/drawingml/2006/diagram" xmlns:dsp="http://schemas.microsoft.com/office/drawing/2008/diagram" xmlns:a="http://schemas.openxmlformats.org/drawingml/2006/main">
+  <dsp:spTree>
+    <dsp:nvGrpSpPr>
+      <dsp:cNvPr id="0" name=""/>
+      <dsp:cNvGrpSpPr/>
+    </dsp:nvGrpSpPr>
+    <dsp:grpSpPr/>
+    <dsp:sp modelId="{C6C6F0F2-A26A-4FED-9498-A900B4A4AE20}">
+      <dsp:nvSpPr>
+        <dsp:cNvPr id="0" name=""/>
+        <dsp:cNvSpPr/>
+      </dsp:nvSpPr>
+      <dsp:spPr>
+        <a:xfrm>
+          <a:off x="0" y="545"/>
+          <a:ext cx="6451943" cy="0"/>
+        </a:xfrm>
+        <a:prstGeom prst="line">
+          <a:avLst/>
+        </a:prstGeom>
+        <a:solidFill>
+          <a:schemeClr val="accent2">
+            <a:hueOff val="0"/>
+            <a:satOff val="0"/>
+            <a:lumOff val="0"/>
+            <a:alphaOff val="0"/>
+          </a:schemeClr>
+        </a:solidFill>
+        <a:ln w="19050" cap="flat" cmpd="sng" algn="ctr">
+          <a:solidFill>
+            <a:schemeClr val="accent2">
+              <a:hueOff val="0"/>
+              <a:satOff val="0"/>
+              <a:lumOff val="0"/>
+              <a:alphaOff val="0"/>
+            </a:schemeClr>
+          </a:solidFill>
+          <a:prstDash val="solid"/>
+        </a:ln>
+        <a:effectLst/>
+      </dsp:spPr>
+      <dsp:style>
+        <a:lnRef idx="2">
+          <a:scrgbClr r="0" g="0" b="0"/>
+        </a:lnRef>
+        <a:fillRef idx="1">
+          <a:scrgbClr r="0" g="0" b="0"/>
+        </a:fillRef>
+        <a:effectRef idx="0">
+          <a:scrgbClr r="0" g="0" b="0"/>
+        </a:effectRef>
+        <a:fontRef idx="minor">
+          <a:schemeClr val="lt1"/>
+        </a:fontRef>
+      </dsp:style>
+    </dsp:sp>
+    <dsp:sp modelId="{98ABBBE1-4489-465F-ADEE-AE437D13C962}">
+      <dsp:nvSpPr>
+        <dsp:cNvPr id="0" name=""/>
+        <dsp:cNvSpPr/>
+      </dsp:nvSpPr>
+      <dsp:spPr>
+        <a:xfrm>
+          <a:off x="0" y="545"/>
+          <a:ext cx="6451943" cy="893359"/>
+        </a:xfrm>
+        <a:prstGeom prst="rect">
+          <a:avLst/>
+        </a:prstGeom>
+        <a:noFill/>
+        <a:ln>
+          <a:noFill/>
+        </a:ln>
+        <a:effectLst/>
+      </dsp:spPr>
+      <dsp:style>
+        <a:lnRef idx="0">
+          <a:scrgbClr r="0" g="0" b="0"/>
+        </a:lnRef>
+        <a:fillRef idx="0">
+          <a:scrgbClr r="0" g="0" b="0"/>
+        </a:fillRef>
+        <a:effectRef idx="0">
+          <a:scrgbClr r="0" g="0" b="0"/>
+        </a:effectRef>
+        <a:fontRef idx="minor"/>
+      </dsp:style>
+      <dsp:txBody>
+        <a:bodyPr spcFirstLastPara="0" vert="horz" wrap="square" lIns="137160" tIns="137160" rIns="137160" bIns="137160" numCol="1" spcCol="1270" anchor="t" anchorCtr="0">
+          <a:noAutofit/>
+        </a:bodyPr>
+        <a:lstStyle/>
+        <a:p>
+          <a:pPr marL="0" lvl="0" indent="0" algn="l" defTabSz="1600200">
+            <a:lnSpc>
+              <a:spcPct val="90000"/>
+            </a:lnSpc>
+            <a:spcBef>
+              <a:spcPct val="0"/>
+            </a:spcBef>
+            <a:spcAft>
+              <a:spcPct val="35000"/>
+            </a:spcAft>
+            <a:buNone/>
+          </a:pPr>
+          <a:r>
+            <a:rPr lang="en-US" sz="3600" kern="1200"/>
+            <a:t>End to End Encryption</a:t>
+          </a:r>
+        </a:p>
+      </dsp:txBody>
+      <dsp:txXfrm>
+        <a:off x="0" y="545"/>
+        <a:ext cx="6451943" cy="893359"/>
+      </dsp:txXfrm>
+    </dsp:sp>
+    <dsp:sp modelId="{3DB5E111-B4D1-4149-B080-0D3F1F017060}">
+      <dsp:nvSpPr>
+        <dsp:cNvPr id="0" name=""/>
+        <dsp:cNvSpPr/>
+      </dsp:nvSpPr>
+      <dsp:spPr>
+        <a:xfrm>
+          <a:off x="0" y="893904"/>
+          <a:ext cx="6451943" cy="0"/>
+        </a:xfrm>
+        <a:prstGeom prst="line">
+          <a:avLst/>
+        </a:prstGeom>
+        <a:solidFill>
+          <a:schemeClr val="accent2">
+            <a:hueOff val="-363841"/>
+            <a:satOff val="-20982"/>
+            <a:lumOff val="2157"/>
+            <a:alphaOff val="0"/>
+          </a:schemeClr>
+        </a:solidFill>
+        <a:ln w="19050" cap="flat" cmpd="sng" algn="ctr">
+          <a:solidFill>
+            <a:schemeClr val="accent2">
+              <a:hueOff val="-363841"/>
+              <a:satOff val="-20982"/>
+              <a:lumOff val="2157"/>
+              <a:alphaOff val="0"/>
+            </a:schemeClr>
+          </a:solidFill>
+          <a:prstDash val="solid"/>
+        </a:ln>
+        <a:effectLst/>
+      </dsp:spPr>
+      <dsp:style>
+        <a:lnRef idx="2">
+          <a:scrgbClr r="0" g="0" b="0"/>
+        </a:lnRef>
+        <a:fillRef idx="1">
+          <a:scrgbClr r="0" g="0" b="0"/>
+        </a:fillRef>
+        <a:effectRef idx="0">
+          <a:scrgbClr r="0" g="0" b="0"/>
+        </a:effectRef>
+        <a:fontRef idx="minor">
+          <a:schemeClr val="lt1"/>
+        </a:fontRef>
+      </dsp:style>
+    </dsp:sp>
+    <dsp:sp modelId="{F990B507-7DA6-4E84-9924-47045C0F32DA}">
+      <dsp:nvSpPr>
+        <dsp:cNvPr id="0" name=""/>
+        <dsp:cNvSpPr/>
+      </dsp:nvSpPr>
+      <dsp:spPr>
+        <a:xfrm>
+          <a:off x="0" y="893904"/>
+          <a:ext cx="6451943" cy="893359"/>
+        </a:xfrm>
+        <a:prstGeom prst="rect">
+          <a:avLst/>
+        </a:prstGeom>
+        <a:noFill/>
+        <a:ln>
+          <a:noFill/>
+        </a:ln>
+        <a:effectLst/>
+      </dsp:spPr>
+      <dsp:style>
+        <a:lnRef idx="0">
+          <a:scrgbClr r="0" g="0" b="0"/>
+        </a:lnRef>
+        <a:fillRef idx="0">
+          <a:scrgbClr r="0" g="0" b="0"/>
+        </a:fillRef>
+        <a:effectRef idx="0">
+          <a:scrgbClr r="0" g="0" b="0"/>
+        </a:effectRef>
+        <a:fontRef idx="minor"/>
+      </dsp:style>
+      <dsp:txBody>
+        <a:bodyPr spcFirstLastPara="0" vert="horz" wrap="square" lIns="137160" tIns="137160" rIns="137160" bIns="137160" numCol="1" spcCol="1270" anchor="t" anchorCtr="0">
+          <a:noAutofit/>
+        </a:bodyPr>
+        <a:lstStyle/>
+        <a:p>
+          <a:pPr marL="0" lvl="0" indent="0" algn="l" defTabSz="1600200">
+            <a:lnSpc>
+              <a:spcPct val="90000"/>
+            </a:lnSpc>
+            <a:spcBef>
+              <a:spcPct val="0"/>
+            </a:spcBef>
+            <a:spcAft>
+              <a:spcPct val="35000"/>
+            </a:spcAft>
+            <a:buNone/>
+          </a:pPr>
+          <a:r>
+            <a:rPr lang="en-US" sz="3600" kern="1200"/>
+            <a:t>AI-Powered Categorization</a:t>
+          </a:r>
+        </a:p>
+      </dsp:txBody>
+      <dsp:txXfrm>
+        <a:off x="0" y="893904"/>
+        <a:ext cx="6451943" cy="893359"/>
+      </dsp:txXfrm>
+    </dsp:sp>
+    <dsp:sp modelId="{9759E38D-4F37-4806-B286-B13D32DA7B7E}">
+      <dsp:nvSpPr>
+        <dsp:cNvPr id="0" name=""/>
+        <dsp:cNvSpPr/>
+      </dsp:nvSpPr>
+      <dsp:spPr>
+        <a:xfrm>
+          <a:off x="0" y="1787263"/>
+          <a:ext cx="6451943" cy="0"/>
+        </a:xfrm>
+        <a:prstGeom prst="line">
+          <a:avLst/>
+        </a:prstGeom>
+        <a:solidFill>
+          <a:schemeClr val="accent2">
+            <a:hueOff val="-727682"/>
+            <a:satOff val="-41964"/>
+            <a:lumOff val="4314"/>
+            <a:alphaOff val="0"/>
+          </a:schemeClr>
+        </a:solidFill>
+        <a:ln w="19050" cap="flat" cmpd="sng" algn="ctr">
+          <a:solidFill>
+            <a:schemeClr val="accent2">
+              <a:hueOff val="-727682"/>
+              <a:satOff val="-41964"/>
+              <a:lumOff val="4314"/>
+              <a:alphaOff val="0"/>
+            </a:schemeClr>
+          </a:solidFill>
+          <a:prstDash val="solid"/>
+        </a:ln>
+        <a:effectLst/>
+      </dsp:spPr>
+      <dsp:style>
+        <a:lnRef idx="2">
+          <a:scrgbClr r="0" g="0" b="0"/>
+        </a:lnRef>
+        <a:fillRef idx="1">
+          <a:scrgbClr r="0" g="0" b="0"/>
+        </a:fillRef>
+        <a:effectRef idx="0">
+          <a:scrgbClr r="0" g="0" b="0"/>
+        </a:effectRef>
+        <a:fontRef idx="minor">
+          <a:schemeClr val="lt1"/>
+        </a:fontRef>
+      </dsp:style>
+    </dsp:sp>
+    <dsp:sp modelId="{227F7BE5-8979-45F3-832A-1DD9882F67FA}">
+      <dsp:nvSpPr>
+        <dsp:cNvPr id="0" name=""/>
+        <dsp:cNvSpPr/>
+      </dsp:nvSpPr>
+      <dsp:spPr>
+        <a:xfrm>
+          <a:off x="0" y="1787263"/>
+          <a:ext cx="6451943" cy="893359"/>
+        </a:xfrm>
+        <a:prstGeom prst="rect">
+          <a:avLst/>
+        </a:prstGeom>
+        <a:noFill/>
+        <a:ln>
+          <a:noFill/>
+        </a:ln>
+        <a:effectLst/>
+      </dsp:spPr>
+      <dsp:style>
+        <a:lnRef idx="0">
+          <a:scrgbClr r="0" g="0" b="0"/>
+        </a:lnRef>
+        <a:fillRef idx="0">
+          <a:scrgbClr r="0" g="0" b="0"/>
+        </a:fillRef>
+        <a:effectRef idx="0">
+          <a:scrgbClr r="0" g="0" b="0"/>
+        </a:effectRef>
+        <a:fontRef idx="minor"/>
+      </dsp:style>
+      <dsp:txBody>
+        <a:bodyPr spcFirstLastPara="0" vert="horz" wrap="square" lIns="137160" tIns="137160" rIns="137160" bIns="137160" numCol="1" spcCol="1270" anchor="t" anchorCtr="0">
+          <a:noAutofit/>
+        </a:bodyPr>
+        <a:lstStyle/>
+        <a:p>
+          <a:pPr marL="0" lvl="0" indent="0" algn="l" defTabSz="1600200">
+            <a:lnSpc>
+              <a:spcPct val="90000"/>
+            </a:lnSpc>
+            <a:spcBef>
+              <a:spcPct val="0"/>
+            </a:spcBef>
+            <a:spcAft>
+              <a:spcPct val="35000"/>
+            </a:spcAft>
+            <a:buNone/>
+          </a:pPr>
+          <a:r>
+            <a:rPr lang="en-US" sz="3600" kern="1200"/>
+            <a:t>User-Controlled Security Setting</a:t>
+          </a:r>
+        </a:p>
+      </dsp:txBody>
+      <dsp:txXfrm>
+        <a:off x="0" y="1787263"/>
+        <a:ext cx="6451943" cy="893359"/>
+      </dsp:txXfrm>
+    </dsp:sp>
+    <dsp:sp modelId="{BCA97424-6144-43A7-89C6-C084A5708FDC}">
+      <dsp:nvSpPr>
+        <dsp:cNvPr id="0" name=""/>
+        <dsp:cNvSpPr/>
+      </dsp:nvSpPr>
+      <dsp:spPr>
+        <a:xfrm>
+          <a:off x="0" y="2680623"/>
+          <a:ext cx="6451943" cy="0"/>
+        </a:xfrm>
+        <a:prstGeom prst="line">
+          <a:avLst/>
+        </a:prstGeom>
+        <a:solidFill>
+          <a:schemeClr val="accent2">
+            <a:hueOff val="-1091522"/>
+            <a:satOff val="-62946"/>
+            <a:lumOff val="6471"/>
+            <a:alphaOff val="0"/>
+          </a:schemeClr>
+        </a:solidFill>
+        <a:ln w="19050" cap="flat" cmpd="sng" algn="ctr">
+          <a:solidFill>
+            <a:schemeClr val="accent2">
+              <a:hueOff val="-1091522"/>
+              <a:satOff val="-62946"/>
+              <a:lumOff val="6471"/>
+              <a:alphaOff val="0"/>
+            </a:schemeClr>
+          </a:solidFill>
+          <a:prstDash val="solid"/>
+        </a:ln>
+        <a:effectLst/>
+      </dsp:spPr>
+      <dsp:style>
+        <a:lnRef idx="2">
+          <a:scrgbClr r="0" g="0" b="0"/>
+        </a:lnRef>
+        <a:fillRef idx="1">
+          <a:scrgbClr r="0" g="0" b="0"/>
+        </a:fillRef>
+        <a:effectRef idx="0">
+          <a:scrgbClr r="0" g="0" b="0"/>
+        </a:effectRef>
+        <a:fontRef idx="minor">
+          <a:schemeClr val="lt1"/>
+        </a:fontRef>
+      </dsp:style>
+    </dsp:sp>
+    <dsp:sp modelId="{9800DD81-18A8-4DFD-A4D7-E491BB1EB4C2}">
+      <dsp:nvSpPr>
+        <dsp:cNvPr id="0" name=""/>
+        <dsp:cNvSpPr/>
+      </dsp:nvSpPr>
+      <dsp:spPr>
+        <a:xfrm>
+          <a:off x="0" y="2680623"/>
+          <a:ext cx="6451943" cy="893359"/>
+        </a:xfrm>
+        <a:prstGeom prst="rect">
+          <a:avLst/>
+        </a:prstGeom>
+        <a:noFill/>
+        <a:ln>
+          <a:noFill/>
+        </a:ln>
+        <a:effectLst/>
+      </dsp:spPr>
+      <dsp:style>
+        <a:lnRef idx="0">
+          <a:scrgbClr r="0" g="0" b="0"/>
+        </a:lnRef>
+        <a:fillRef idx="0">
+          <a:scrgbClr r="0" g="0" b="0"/>
+        </a:fillRef>
+        <a:effectRef idx="0">
+          <a:scrgbClr r="0" g="0" b="0"/>
+        </a:effectRef>
+        <a:fontRef idx="minor"/>
+      </dsp:style>
+      <dsp:txBody>
+        <a:bodyPr spcFirstLastPara="0" vert="horz" wrap="square" lIns="137160" tIns="137160" rIns="137160" bIns="137160" numCol="1" spcCol="1270" anchor="t" anchorCtr="0">
+          <a:noAutofit/>
+        </a:bodyPr>
+        <a:lstStyle/>
+        <a:p>
+          <a:pPr marL="0" lvl="0" indent="0" algn="l" defTabSz="1600200">
+            <a:lnSpc>
+              <a:spcPct val="90000"/>
+            </a:lnSpc>
+            <a:spcBef>
+              <a:spcPct val="0"/>
+            </a:spcBef>
+            <a:spcAft>
+              <a:spcPct val="35000"/>
+            </a:spcAft>
+            <a:buNone/>
+          </a:pPr>
+          <a:r>
+            <a:rPr lang="en-US" sz="3600" kern="1200"/>
+            <a:t>Note Editing and Management</a:t>
+          </a:r>
+        </a:p>
+      </dsp:txBody>
+      <dsp:txXfrm>
+        <a:off x="0" y="2680623"/>
+        <a:ext cx="6451943" cy="893359"/>
+      </dsp:txXfrm>
+    </dsp:sp>
+    <dsp:sp modelId="{41AB6900-5F50-4276-9D99-A0E230A0B9F5}">
+      <dsp:nvSpPr>
+        <dsp:cNvPr id="0" name=""/>
+        <dsp:cNvSpPr/>
+      </dsp:nvSpPr>
+      <dsp:spPr>
+        <a:xfrm>
+          <a:off x="0" y="3573982"/>
+          <a:ext cx="6451943" cy="0"/>
+        </a:xfrm>
+        <a:prstGeom prst="line">
+          <a:avLst/>
+        </a:prstGeom>
+        <a:solidFill>
+          <a:schemeClr val="accent2">
+            <a:hueOff val="-1455363"/>
+            <a:satOff val="-83928"/>
+            <a:lumOff val="8628"/>
+            <a:alphaOff val="0"/>
+          </a:schemeClr>
+        </a:solidFill>
+        <a:ln w="19050" cap="flat" cmpd="sng" algn="ctr">
+          <a:solidFill>
+            <a:schemeClr val="accent2">
+              <a:hueOff val="-1455363"/>
+              <a:satOff val="-83928"/>
+              <a:lumOff val="8628"/>
+              <a:alphaOff val="0"/>
+            </a:schemeClr>
+          </a:solidFill>
+          <a:prstDash val="solid"/>
+        </a:ln>
+        <a:effectLst/>
+      </dsp:spPr>
+      <dsp:style>
+        <a:lnRef idx="2">
+          <a:scrgbClr r="0" g="0" b="0"/>
+        </a:lnRef>
+        <a:fillRef idx="1">
+          <a:scrgbClr r="0" g="0" b="0"/>
+        </a:fillRef>
+        <a:effectRef idx="0">
+          <a:scrgbClr r="0" g="0" b="0"/>
+        </a:effectRef>
+        <a:fontRef idx="minor">
+          <a:schemeClr val="lt1"/>
+        </a:fontRef>
+      </dsp:style>
+    </dsp:sp>
+    <dsp:sp modelId="{C7EA13C2-240E-4EFF-BF17-9808016188CC}">
+      <dsp:nvSpPr>
+        <dsp:cNvPr id="0" name=""/>
+        <dsp:cNvSpPr/>
+      </dsp:nvSpPr>
+      <dsp:spPr>
+        <a:xfrm>
+          <a:off x="0" y="3573982"/>
+          <a:ext cx="6451943" cy="893359"/>
+        </a:xfrm>
+        <a:prstGeom prst="rect">
+          <a:avLst/>
+        </a:prstGeom>
+        <a:noFill/>
+        <a:ln>
+          <a:noFill/>
+        </a:ln>
+        <a:effectLst/>
+      </dsp:spPr>
+      <dsp:style>
+        <a:lnRef idx="0">
+          <a:scrgbClr r="0" g="0" b="0"/>
+        </a:lnRef>
+        <a:fillRef idx="0">
+          <a:scrgbClr r="0" g="0" b="0"/>
+        </a:fillRef>
+        <a:effectRef idx="0">
+          <a:scrgbClr r="0" g="0" b="0"/>
+        </a:effectRef>
+        <a:fontRef idx="minor"/>
+      </dsp:style>
+      <dsp:txBody>
+        <a:bodyPr spcFirstLastPara="0" vert="horz" wrap="square" lIns="137160" tIns="137160" rIns="137160" bIns="137160" numCol="1" spcCol="1270" anchor="t" anchorCtr="0">
+          <a:noAutofit/>
+        </a:bodyPr>
+        <a:lstStyle/>
+        <a:p>
+          <a:pPr marL="0" lvl="0" indent="0" algn="l" defTabSz="1600200">
+            <a:lnSpc>
+              <a:spcPct val="90000"/>
+            </a:lnSpc>
+            <a:spcBef>
+              <a:spcPct val="0"/>
+            </a:spcBef>
+            <a:spcAft>
+              <a:spcPct val="35000"/>
+            </a:spcAft>
+            <a:buNone/>
+          </a:pPr>
+          <a:r>
+            <a:rPr lang="en-US" sz="3600" kern="1200"/>
+            <a:t>User Account Controls</a:t>
+          </a:r>
+        </a:p>
+      </dsp:txBody>
+      <dsp:txXfrm>
+        <a:off x="0" y="3573982"/>
+        <a:ext cx="6451943" cy="893359"/>
+      </dsp:txXfrm>
+    </dsp:sp>
+  </dsp:spTree>
+</dsp:drawing>
+</file>
+
+<file path=ppt/diagrams/drawing2.xml><?xml version="1.0" encoding="utf-8"?>
+<dsp:drawing xmlns:dgm="http://schemas.openxmlformats.org/drawingml/2006/diagram" xmlns:dsp="http://schemas.microsoft.com/office/drawing/2008/diagram" xmlns:a="http://schemas.openxmlformats.org/drawingml/2006/main">
+  <dsp:spTree>
+    <dsp:nvGrpSpPr>
+      <dsp:cNvPr id="0" name=""/>
+      <dsp:cNvGrpSpPr/>
+    </dsp:nvGrpSpPr>
+    <dsp:grpSpPr/>
+    <dsp:sp modelId="{15374CA4-23AE-4457-8F0B-CA63233C716D}">
+      <dsp:nvSpPr>
+        <dsp:cNvPr id="0" name=""/>
+        <dsp:cNvSpPr/>
+      </dsp:nvSpPr>
+      <dsp:spPr>
+        <a:xfrm>
+          <a:off x="0" y="128903"/>
+          <a:ext cx="6054725" cy="815490"/>
+        </a:xfrm>
+        <a:prstGeom prst="roundRect">
+          <a:avLst/>
+        </a:prstGeom>
+        <a:solidFill>
+          <a:schemeClr val="accent2">
+            <a:hueOff val="0"/>
+            <a:satOff val="0"/>
+            <a:lumOff val="0"/>
+            <a:alphaOff val="0"/>
+          </a:schemeClr>
+        </a:solidFill>
+        <a:ln w="19050" cap="flat" cmpd="sng" algn="ctr">
+          <a:solidFill>
+            <a:schemeClr val="lt1">
+              <a:hueOff val="0"/>
+              <a:satOff val="0"/>
+              <a:lumOff val="0"/>
+              <a:alphaOff val="0"/>
+            </a:schemeClr>
+          </a:solidFill>
+          <a:prstDash val="solid"/>
+        </a:ln>
+        <a:effectLst/>
+      </dsp:spPr>
+      <dsp:style>
+        <a:lnRef idx="2">
+          <a:scrgbClr r="0" g="0" b="0"/>
+        </a:lnRef>
+        <a:fillRef idx="1">
+          <a:scrgbClr r="0" g="0" b="0"/>
+        </a:fillRef>
+        <a:effectRef idx="0">
+          <a:scrgbClr r="0" g="0" b="0"/>
+        </a:effectRef>
+        <a:fontRef idx="minor">
+          <a:schemeClr val="lt1"/>
+        </a:fontRef>
+      </dsp:style>
+      <dsp:txBody>
+        <a:bodyPr spcFirstLastPara="0" vert="horz" wrap="square" lIns="129540" tIns="129540" rIns="129540" bIns="129540" numCol="1" spcCol="1270" anchor="ctr" anchorCtr="0">
+          <a:noAutofit/>
+        </a:bodyPr>
+        <a:lstStyle/>
+        <a:p>
+          <a:pPr marL="0" lvl="0" indent="0" algn="l" defTabSz="1511300">
+            <a:lnSpc>
+              <a:spcPct val="90000"/>
+            </a:lnSpc>
+            <a:spcBef>
+              <a:spcPct val="0"/>
+            </a:spcBef>
+            <a:spcAft>
+              <a:spcPct val="35000"/>
+            </a:spcAft>
+            <a:buNone/>
+          </a:pPr>
+          <a:r>
+            <a:rPr lang="en-US" sz="3400" kern="1200"/>
+            <a:t>Application</a:t>
+          </a:r>
+        </a:p>
+      </dsp:txBody>
+      <dsp:txXfrm>
+        <a:off x="39809" y="168712"/>
+        <a:ext cx="5975107" cy="735872"/>
+      </dsp:txXfrm>
+    </dsp:sp>
+    <dsp:sp modelId="{6D9E036F-A4AE-4E13-9865-BD94AECE5346}">
+      <dsp:nvSpPr>
+        <dsp:cNvPr id="0" name=""/>
+        <dsp:cNvSpPr/>
+      </dsp:nvSpPr>
+      <dsp:spPr>
+        <a:xfrm>
+          <a:off x="0" y="944393"/>
+          <a:ext cx="6054725" cy="563040"/>
+        </a:xfrm>
+        <a:prstGeom prst="rect">
+          <a:avLst/>
+        </a:prstGeom>
+        <a:noFill/>
+        <a:ln>
+          <a:noFill/>
+        </a:ln>
+        <a:effectLst/>
+      </dsp:spPr>
+      <dsp:style>
+        <a:lnRef idx="0">
+          <a:scrgbClr r="0" g="0" b="0"/>
+        </a:lnRef>
+        <a:fillRef idx="0">
+          <a:scrgbClr r="0" g="0" b="0"/>
+        </a:fillRef>
+        <a:effectRef idx="0">
+          <a:scrgbClr r="0" g="0" b="0"/>
+        </a:effectRef>
+        <a:fontRef idx="minor"/>
+      </dsp:style>
+      <dsp:txBody>
+        <a:bodyPr spcFirstLastPara="0" vert="horz" wrap="square" lIns="192238" tIns="43180" rIns="241808" bIns="43180" numCol="1" spcCol="1270" anchor="t" anchorCtr="0">
+          <a:noAutofit/>
+        </a:bodyPr>
+        <a:lstStyle/>
+        <a:p>
+          <a:pPr marL="228600" lvl="1" indent="-228600" algn="l" defTabSz="1200150">
+            <a:lnSpc>
+              <a:spcPct val="90000"/>
+            </a:lnSpc>
+            <a:spcBef>
+              <a:spcPct val="0"/>
+            </a:spcBef>
+            <a:spcAft>
+              <a:spcPct val="20000"/>
+            </a:spcAft>
+            <a:buChar char="•"/>
+          </a:pPr>
+          <a:r>
+            <a:rPr lang="en-US" sz="2700" kern="1200"/>
+            <a:t>Powered by Python and Django</a:t>
+          </a:r>
+        </a:p>
+      </dsp:txBody>
+      <dsp:txXfrm>
+        <a:off x="0" y="944393"/>
+        <a:ext cx="6054725" cy="563040"/>
+      </dsp:txXfrm>
+    </dsp:sp>
+    <dsp:sp modelId="{3545E9B7-F7FB-4B7F-8F88-AB3C3CFBBF69}">
+      <dsp:nvSpPr>
+        <dsp:cNvPr id="0" name=""/>
+        <dsp:cNvSpPr/>
+      </dsp:nvSpPr>
+      <dsp:spPr>
+        <a:xfrm>
+          <a:off x="0" y="1507433"/>
+          <a:ext cx="6054725" cy="815490"/>
+        </a:xfrm>
+        <a:prstGeom prst="roundRect">
+          <a:avLst/>
+        </a:prstGeom>
+        <a:solidFill>
+          <a:schemeClr val="accent2">
+            <a:hueOff val="-727682"/>
+            <a:satOff val="-41964"/>
+            <a:lumOff val="4314"/>
+            <a:alphaOff val="0"/>
+          </a:schemeClr>
+        </a:solidFill>
+        <a:ln w="19050" cap="flat" cmpd="sng" algn="ctr">
+          <a:solidFill>
+            <a:schemeClr val="lt1">
+              <a:hueOff val="0"/>
+              <a:satOff val="0"/>
+              <a:lumOff val="0"/>
+              <a:alphaOff val="0"/>
+            </a:schemeClr>
+          </a:solidFill>
+          <a:prstDash val="solid"/>
+        </a:ln>
+        <a:effectLst/>
+      </dsp:spPr>
+      <dsp:style>
+        <a:lnRef idx="2">
+          <a:scrgbClr r="0" g="0" b="0"/>
+        </a:lnRef>
+        <a:fillRef idx="1">
+          <a:scrgbClr r="0" g="0" b="0"/>
+        </a:fillRef>
+        <a:effectRef idx="0">
+          <a:scrgbClr r="0" g="0" b="0"/>
+        </a:effectRef>
+        <a:fontRef idx="minor">
+          <a:schemeClr val="lt1"/>
+        </a:fontRef>
+      </dsp:style>
+      <dsp:txBody>
+        <a:bodyPr spcFirstLastPara="0" vert="horz" wrap="square" lIns="129540" tIns="129540" rIns="129540" bIns="129540" numCol="1" spcCol="1270" anchor="ctr" anchorCtr="0">
+          <a:noAutofit/>
+        </a:bodyPr>
+        <a:lstStyle/>
+        <a:p>
+          <a:pPr marL="0" lvl="0" indent="0" algn="l" defTabSz="1511300">
+            <a:lnSpc>
+              <a:spcPct val="90000"/>
+            </a:lnSpc>
+            <a:spcBef>
+              <a:spcPct val="0"/>
+            </a:spcBef>
+            <a:spcAft>
+              <a:spcPct val="35000"/>
+            </a:spcAft>
+            <a:buNone/>
+          </a:pPr>
+          <a:r>
+            <a:rPr lang="en-US" sz="3400" kern="1200"/>
+            <a:t>User Authentication</a:t>
+          </a:r>
+        </a:p>
+      </dsp:txBody>
+      <dsp:txXfrm>
+        <a:off x="39809" y="1547242"/>
+        <a:ext cx="5975107" cy="735872"/>
+      </dsp:txXfrm>
+    </dsp:sp>
+    <dsp:sp modelId="{21F82620-46E9-44E6-8ACC-0C271FA70724}">
+      <dsp:nvSpPr>
+        <dsp:cNvPr id="0" name=""/>
+        <dsp:cNvSpPr/>
+      </dsp:nvSpPr>
+      <dsp:spPr>
+        <a:xfrm>
+          <a:off x="0" y="2322923"/>
+          <a:ext cx="6054725" cy="563040"/>
+        </a:xfrm>
+        <a:prstGeom prst="rect">
+          <a:avLst/>
+        </a:prstGeom>
+        <a:noFill/>
+        <a:ln>
+          <a:noFill/>
+        </a:ln>
+        <a:effectLst/>
+      </dsp:spPr>
+      <dsp:style>
+        <a:lnRef idx="0">
+          <a:scrgbClr r="0" g="0" b="0"/>
+        </a:lnRef>
+        <a:fillRef idx="0">
+          <a:scrgbClr r="0" g="0" b="0"/>
+        </a:fillRef>
+        <a:effectRef idx="0">
+          <a:scrgbClr r="0" g="0" b="0"/>
+        </a:effectRef>
+        <a:fontRef idx="minor"/>
+      </dsp:style>
+      <dsp:txBody>
+        <a:bodyPr spcFirstLastPara="0" vert="horz" wrap="square" lIns="192238" tIns="43180" rIns="241808" bIns="43180" numCol="1" spcCol="1270" anchor="t" anchorCtr="0">
+          <a:noAutofit/>
+        </a:bodyPr>
+        <a:lstStyle/>
+        <a:p>
+          <a:pPr marL="228600" lvl="1" indent="-228600" algn="l" defTabSz="1200150">
+            <a:lnSpc>
+              <a:spcPct val="90000"/>
+            </a:lnSpc>
+            <a:spcBef>
+              <a:spcPct val="0"/>
+            </a:spcBef>
+            <a:spcAft>
+              <a:spcPct val="20000"/>
+            </a:spcAft>
+            <a:buChar char="•"/>
+          </a:pPr>
+          <a:r>
+            <a:rPr lang="en-US" sz="2700" kern="1200"/>
+            <a:t>Secure authentication with Django</a:t>
+          </a:r>
+        </a:p>
+      </dsp:txBody>
+      <dsp:txXfrm>
+        <a:off x="0" y="2322923"/>
+        <a:ext cx="6054725" cy="563040"/>
+      </dsp:txXfrm>
+    </dsp:sp>
+    <dsp:sp modelId="{BB38E285-3918-4E34-BFD4-F852B92E1E5A}">
+      <dsp:nvSpPr>
+        <dsp:cNvPr id="0" name=""/>
+        <dsp:cNvSpPr/>
+      </dsp:nvSpPr>
+      <dsp:spPr>
+        <a:xfrm>
+          <a:off x="0" y="2885963"/>
+          <a:ext cx="6054725" cy="815490"/>
+        </a:xfrm>
+        <a:prstGeom prst="roundRect">
+          <a:avLst/>
+        </a:prstGeom>
+        <a:solidFill>
+          <a:schemeClr val="accent2">
+            <a:hueOff val="-1455363"/>
+            <a:satOff val="-83928"/>
+            <a:lumOff val="8628"/>
+            <a:alphaOff val="0"/>
+          </a:schemeClr>
+        </a:solidFill>
+        <a:ln w="19050" cap="flat" cmpd="sng" algn="ctr">
+          <a:solidFill>
+            <a:schemeClr val="lt1">
+              <a:hueOff val="0"/>
+              <a:satOff val="0"/>
+              <a:lumOff val="0"/>
+              <a:alphaOff val="0"/>
+            </a:schemeClr>
+          </a:solidFill>
+          <a:prstDash val="solid"/>
+        </a:ln>
+        <a:effectLst/>
+      </dsp:spPr>
+      <dsp:style>
+        <a:lnRef idx="2">
+          <a:scrgbClr r="0" g="0" b="0"/>
+        </a:lnRef>
+        <a:fillRef idx="1">
+          <a:scrgbClr r="0" g="0" b="0"/>
+        </a:fillRef>
+        <a:effectRef idx="0">
+          <a:scrgbClr r="0" g="0" b="0"/>
+        </a:effectRef>
+        <a:fontRef idx="minor">
+          <a:schemeClr val="lt1"/>
+        </a:fontRef>
+      </dsp:style>
+      <dsp:txBody>
+        <a:bodyPr spcFirstLastPara="0" vert="horz" wrap="square" lIns="129540" tIns="129540" rIns="129540" bIns="129540" numCol="1" spcCol="1270" anchor="ctr" anchorCtr="0">
+          <a:noAutofit/>
+        </a:bodyPr>
+        <a:lstStyle/>
+        <a:p>
+          <a:pPr marL="0" lvl="0" indent="0" algn="l" defTabSz="1511300">
+            <a:lnSpc>
+              <a:spcPct val="90000"/>
+            </a:lnSpc>
+            <a:spcBef>
+              <a:spcPct val="0"/>
+            </a:spcBef>
+            <a:spcAft>
+              <a:spcPct val="35000"/>
+            </a:spcAft>
+            <a:buNone/>
+          </a:pPr>
+          <a:r>
+            <a:rPr lang="en-US" sz="3400" kern="1200"/>
+            <a:t>Encryption</a:t>
+          </a:r>
+        </a:p>
+      </dsp:txBody>
+      <dsp:txXfrm>
+        <a:off x="39809" y="2925772"/>
+        <a:ext cx="5975107" cy="735872"/>
+      </dsp:txXfrm>
+    </dsp:sp>
+    <dsp:sp modelId="{1C673BE7-85C5-4950-9FED-9E992322C927}">
+      <dsp:nvSpPr>
+        <dsp:cNvPr id="0" name=""/>
+        <dsp:cNvSpPr/>
+      </dsp:nvSpPr>
+      <dsp:spPr>
+        <a:xfrm>
+          <a:off x="0" y="3701453"/>
+          <a:ext cx="6054725" cy="1302029"/>
+        </a:xfrm>
+        <a:prstGeom prst="rect">
+          <a:avLst/>
+        </a:prstGeom>
+        <a:noFill/>
+        <a:ln>
+          <a:noFill/>
+        </a:ln>
+        <a:effectLst/>
+      </dsp:spPr>
+      <dsp:style>
+        <a:lnRef idx="0">
+          <a:scrgbClr r="0" g="0" b="0"/>
+        </a:lnRef>
+        <a:fillRef idx="0">
+          <a:scrgbClr r="0" g="0" b="0"/>
+        </a:fillRef>
+        <a:effectRef idx="0">
+          <a:scrgbClr r="0" g="0" b="0"/>
+        </a:effectRef>
+        <a:fontRef idx="minor"/>
+      </dsp:style>
+      <dsp:txBody>
+        <a:bodyPr spcFirstLastPara="0" vert="horz" wrap="square" lIns="192238" tIns="43180" rIns="241808" bIns="43180" numCol="1" spcCol="1270" anchor="t" anchorCtr="0">
+          <a:noAutofit/>
+        </a:bodyPr>
+        <a:lstStyle/>
+        <a:p>
+          <a:pPr marL="228600" lvl="1" indent="-228600" algn="l" defTabSz="1200150">
+            <a:lnSpc>
+              <a:spcPct val="90000"/>
+            </a:lnSpc>
+            <a:spcBef>
+              <a:spcPct val="0"/>
+            </a:spcBef>
+            <a:spcAft>
+              <a:spcPct val="20000"/>
+            </a:spcAft>
+            <a:buChar char="•"/>
+          </a:pPr>
+          <a:r>
+            <a:rPr lang="en-US" sz="2700" kern="1200"/>
+            <a:t>Data encrypted before saving to database</a:t>
+          </a:r>
+        </a:p>
+        <a:p>
+          <a:pPr marL="228600" lvl="1" indent="-228600" algn="l" defTabSz="1200150">
+            <a:lnSpc>
+              <a:spcPct val="90000"/>
+            </a:lnSpc>
+            <a:spcBef>
+              <a:spcPct val="0"/>
+            </a:spcBef>
+            <a:spcAft>
+              <a:spcPct val="20000"/>
+            </a:spcAft>
+            <a:buChar char="•"/>
+          </a:pPr>
+          <a:r>
+            <a:rPr lang="en-US" sz="2700" kern="1200"/>
+            <a:t>Decrypted upon access from database</a:t>
+          </a:r>
+        </a:p>
+      </dsp:txBody>
+      <dsp:txXfrm>
+        <a:off x="0" y="3701453"/>
+        <a:ext cx="6054725" cy="1302029"/>
+      </dsp:txXfrm>
+    </dsp:sp>
+  </dsp:spTree>
+</dsp:drawing>
+</file>
+
+<file path=ppt/diagrams/layout1.xml><?xml version="1.0" encoding="utf-8"?>
+<dgm:layoutDef xmlns:dgm="http://schemas.openxmlformats.org/drawingml/2006/diagram" xmlns:a="http://schemas.openxmlformats.org/drawingml/2006/main" uniqueId="urn:microsoft.com/office/officeart/2008/layout/LinedList">
+  <dgm:title val=""/>
+  <dgm:desc val=""/>
+  <dgm:catLst>
+    <dgm:cat type="hierarchy" pri="8000"/>
+    <dgm:cat type="list" pri="2500"/>
+  </dgm:catLst>
+  <dgm:sampData>
+    <dgm:dataModel>
+      <dgm:ptLst>
+        <dgm:pt modelId="0" type="doc"/>
+        <dgm:pt modelId="1">
+          <dgm:prSet phldr="1"/>
+        </dgm:pt>
+        <dgm:pt modelId="11">
+          <dgm:prSet phldr="1"/>
+        </dgm:pt>
+        <dgm:pt modelId="12">
+          <dgm:prSet phldr="1"/>
+        </dgm:pt>
+        <dgm:pt modelId="13">
+          <dgm:prSet phldr="1"/>
+        </dgm:pt>
+      </dgm:ptLst>
+      <dgm:cxnLst>
+        <dgm:cxn modelId="2" srcId="0" destId="1" srcOrd="0" destOrd="0"/>
+        <dgm:cxn modelId="3" srcId="1" destId="11" srcOrd="0" destOrd="0"/>
+        <dgm:cxn modelId="4" srcId="1" destId="12" srcOrd="1" destOrd="0"/>
+        <dgm:cxn modelId="5" srcId="1" destId="13" srcOrd="2" destOrd="0"/>
+      </dgm:cxnLst>
+      <dgm:bg/>
+      <dgm:whole/>
+    </dgm:dataModel>
+  </dgm:sampData>
+  <dgm:styleData>
+    <dgm:dataModel>
+      <dgm:ptLst>
+        <dgm:pt modelId="0" type="doc"/>
+        <dgm:pt modelId="1">
+          <dgm:prSet phldr="1"/>
+        </dgm:pt>
+        <dgm:pt modelId="11">
+          <dgm:prSet phldr="1"/>
+        </dgm:pt>
+        <dgm:pt modelId="12">
+          <dgm:prSet phldr="1"/>
+        </dgm:pt>
+      </dgm:ptLst>
+      <dgm:cxnLst>
+        <dgm:cxn modelId="2" srcId="0" destId="1" srcOrd="0" destOrd="0"/>
+        <dgm:cxn modelId="3" srcId="1" destId="11" srcOrd="0" destOrd="0"/>
+        <dgm:cxn modelId="4" srcId="1" destId="12" srcOrd="1" destOrd="0"/>
+      </dgm:cxnLst>
+      <dgm:bg/>
+      <dgm:whole/>
+    </dgm:dataModel>
+  </dgm:styleData>
+  <dgm:clrData>
+    <dgm:dataModel>
+      <dgm:ptLst>
+        <dgm:pt modelId="0" type="doc"/>
+        <dgm:pt modelId="1">
+          <dgm:prSet phldr="1"/>
+        </dgm:pt>
+        <dgm:pt modelId="11">
+          <dgm:prSet phldr="1"/>
+        </dgm:pt>
+        <dgm:pt modelId="12">
+          <dgm:prSet phldr="1"/>
+        </dgm:pt>
+      </dgm:ptLst>
+      <dgm:cxnLst>
+        <dgm:cxn modelId="2" srcId="0" destId="1" srcOrd="0" destOrd="0"/>
+        <dgm:cxn modelId="3" srcId="1" destId="11" srcOrd="0" destOrd="0"/>
+        <dgm:cxn modelId="4" srcId="1" destId="12" srcOrd="1" destOrd="0"/>
+      </dgm:cxnLst>
+      <dgm:bg/>
+      <dgm:whole/>
+    </dgm:dataModel>
+  </dgm:clrData>
+  <dgm:layoutNode name="vert0">
+    <dgm:varLst>
+      <dgm:dir/>
+      <dgm:animOne val="branch"/>
+      <dgm:animLvl val="lvl"/>
+    </dgm:varLst>
+    <dgm:choose name="Name0">
+      <dgm:if name="Name1" func="var" arg="dir" op="equ" val="norm">
+        <dgm:alg type="lin">
+          <dgm:param type="linDir" val="fromT"/>
+          <dgm:param type="nodeHorzAlign" val="l"/>
+        </dgm:alg>
+      </dgm:if>
+      <dgm:else name="Name2">
+        <dgm:alg type="lin">
+          <dgm:param type="linDir" val="fromT"/>
+          <dgm:param type="nodeHorzAlign" val="r"/>
+        </dgm:alg>
+      </dgm:else>
+    </dgm:choose>
+    <dgm:shape xmlns:r="http://schemas.openxmlformats.org/officeDocument/2006/relationships" r:blip="">
+      <dgm:adjLst/>
+    </dgm:shape>
+    <dgm:presOf/>
+    <dgm:constrLst>
+      <dgm:constr type="w" for="ch" forName="horz1" refType="w"/>
+      <dgm:constr type="h" for="ch" forName="horz1" refType="h"/>
+      <dgm:constr type="h" for="des" forName="vert1" refType="h"/>
+      <dgm:constr type="h" for="des" forName="tx1" refType="h"/>
+      <dgm:constr type="h" for="des" forName="horz2" refType="h"/>
+      <dgm:constr type="h" for="des" forName="vert2" refType="h"/>
+      <dgm:constr type="h" for="des" forName="horz3" refType="h"/>
+      <dgm:constr type="h" for="des" forName="vert3" refType="h"/>
+      <dgm:constr type="h" for="des" forName="horz4" refType="h"/>
+      <dgm:constr type="h" for="des" ptType="node" refType="h"/>
+      <dgm:constr type="primFontSz" for="des" forName="tx1" op="equ" val="65"/>
+      <dgm:constr type="primFontSz" for="des" forName="tx2" op="equ" val="65"/>
+      <dgm:constr type="primFontSz" for="des" forName="tx3" op="equ" val="65"/>
+      <dgm:constr type="primFontSz" for="des" forName="tx4" op="equ" val="65"/>
+      <dgm:constr type="w" for="des" forName="thickLine" refType="w"/>
+      <dgm:constr type="h" for="des" forName="thickLine"/>
+      <dgm:constr type="h" for="des" forName="thinLine1"/>
+      <dgm:constr type="h" for="des" forName="thinLine2b"/>
+      <dgm:constr type="h" for="des" forName="thinLine3"/>
+      <dgm:constr type="h" for="des" forName="vertSpace2a" refType="h" fact="0.05"/>
+      <dgm:constr type="h" for="des" forName="vertSpace2b" refType="h" refFor="des" refForName="vertSpace2a"/>
+    </dgm:constrLst>
+    <dgm:forEach name="Name3" axis="ch" ptType="node">
+      <dgm:layoutNode name="thickLine" styleLbl="alignNode1">
+        <dgm:alg type="sp"/>
+        <dgm:shape xmlns:r="http://schemas.openxmlformats.org/officeDocument/2006/relationships" type="line" r:blip="">
+          <dgm:adjLst/>
+        </dgm:shape>
+        <dgm:presOf/>
+      </dgm:layoutNode>
+      <dgm:layoutNode name="horz1">
+        <dgm:choose name="Name4">
+          <dgm:if name="Name5" func="var" arg="dir" op="equ" val="norm">
+            <dgm:alg type="lin">
+              <dgm:param type="linDir" val="fromL"/>
+              <dgm:param type="nodeVertAlign" val="t"/>
+            </dgm:alg>
+          </dgm:if>
+          <dgm:else name="Name6">
+            <dgm:alg type="lin">
+              <dgm:param type="linDir" val="fromR"/>
+              <dgm:param type="nodeVertAlign" val="t"/>
+            </dgm:alg>
+          </dgm:else>
+        </dgm:choose>
+        <dgm:shape xmlns:r="http://schemas.openxmlformats.org/officeDocument/2006/relationships" r:blip="">
+          <dgm:adjLst/>
+        </dgm:shape>
+        <dgm:presOf/>
+        <dgm:choose name="Name7">
+          <dgm:if name="Name8" axis="root des" func="maxDepth" op="equ" val="1">
+            <dgm:constrLst>
+              <dgm:constr type="w" for="ch" forName="tx1" refType="w"/>
+            </dgm:constrLst>
+          </dgm:if>
+          <dgm:if name="Name9" axis="root des" func="maxDepth" op="equ" val="2">
+            <dgm:constrLst>
+              <dgm:constr type="w" for="ch" forName="tx1" refType="w" fact="0.2"/>
+              <dgm:constr type="w" for="des" forName="tx2" refType="w" fact="0.785"/>
+              <dgm:constr type="w" for="des" forName="horzSpace2" refType="w" fact="0.015"/>
+              <dgm:constr type="w" for="des" forName="thinLine2b" refType="w" fact="0.8"/>
+            </dgm:constrLst>
+          </dgm:if>
+          <dgm:if name="Name10" axis="root des" func="maxDepth" op="equ" val="3">
+            <dgm:constrLst>
+              <dgm:constr type="w" for="ch" forName="tx1" refType="w" fact="0.2"/>
+              <dgm:constr type="w" for="des" forName="tx2" refType="w" fact="0.385"/>
+              <dgm:constr type="w" for="des" forName="tx3" refType="w" fact="0.385"/>
+              <dgm:constr type="w" for="des" forName="horzSpace2" refType="w" fact="0.015"/>
+              <dgm:constr type="w" for="des" forName="horzSpace3" refType="w" fact="0.015"/>
+              <dgm:constr type="w" for="des" forName="thinLine2b" refType="w" fact="0.8"/>
+              <dgm:constr type="w" for="des" forName="thinLine3" refType="w" fact="0.385"/>
+            </dgm:constrLst>
+          </dgm:if>
+          <dgm:if name="Name11" axis="root des" func="maxDepth" op="gte" val="4">
+            <dgm:constrLst>
+              <dgm:constr type="w" for="ch" forName="tx1" refType="w" fact="0.2"/>
+              <dgm:constr type="w" for="des" forName="tx2" refType="w" fact="0.2516"/>
+              <dgm:constr type="w" for="des" forName="tx3" refType="w" fact="0.2516"/>
+              <dgm:constr type="w" for="des" forName="tx4" refType="w" fact="0.2516"/>
+              <dgm:constr type="w" for="des" forName="horzSpace2" refType="w" fact="0.015"/>
+              <dgm:constr type="w" for="des" forName="horzSpace3" refType="w" fact="0.015"/>
+              <dgm:constr type="w" for="des" forName="horzSpace4" refType="w" fact="0.015"/>
+              <dgm:constr type="w" for="des" forName="thinLine2b" refType="w" fact="0.8"/>
+              <dgm:constr type="w" for="des" forName="thinLine3" refType="w" fact="0.5332"/>
+            </dgm:constrLst>
+          </dgm:if>
+          <dgm:else name="Name12"/>
+        </dgm:choose>
+        <dgm:layoutNode name="tx1" styleLbl="revTx">
+          <dgm:alg type="tx">
+            <dgm:param type="parTxLTRAlign" val="l"/>
+            <dgm:param type="parTxRTLAlign" val="r"/>
+            <dgm:param type="txAnchorVert" val="t"/>
+          </dgm:alg>
+          <dgm:shape xmlns:r="http://schemas.openxmlformats.org/officeDocument/2006/relationships" type="rect" r:blip="">
+            <dgm:adjLst/>
+          </dgm:shape>
+          <dgm:presOf axis="self"/>
+          <dgm:constrLst>
+            <dgm:constr type="tMarg" refType="primFontSz" fact="0.3"/>
+            <dgm:constr type="bMarg" refType="primFontSz" fact="0.3"/>
+            <dgm:constr type="lMarg" refType="primFontSz" fact="0.3"/>
+            <dgm:constr type="rMarg" refType="primFontSz" fact="0.3"/>
+          </dgm:constrLst>
+          <dgm:ruleLst>
+            <dgm:rule type="primFontSz" val="5" fact="NaN" max="NaN"/>
+          </dgm:ruleLst>
+        </dgm:layoutNode>
+        <dgm:layoutNode name="vert1">
+          <dgm:choose name="Name13">
+            <dgm:if name="Name14" func="var" arg="dir" op="equ" val="norm">
+              <dgm:alg type="lin">
+                <dgm:param type="linDir" val="fromT"/>
+                <dgm:param type="nodeHorzAlign" val="l"/>
+              </dgm:alg>
+            </dgm:if>
+            <dgm:else name="Name15">
+              <dgm:alg type="lin">
+                <dgm:param type="linDir" val="fromT"/>
+                <dgm:param type="nodeHorzAlign" val="r"/>
+              </dgm:alg>
+            </dgm:else>
+          </dgm:choose>
+          <dgm:shape xmlns:r="http://schemas.openxmlformats.org/officeDocument/2006/relationships" r:blip="">
+            <dgm:adjLst/>
+          </dgm:shape>
+          <dgm:presOf/>
+          <dgm:forEach name="Name16" axis="ch" ptType="node">
+            <dgm:choose name="Name17">
+              <dgm:if name="Name18" axis="self" ptType="node" func="pos" op="equ" val="1">
+                <dgm:layoutNode name="vertSpace2a">
+                  <dgm:alg type="sp"/>
+                  <dgm:shape xmlns:r="http://schemas.openxmlformats.org/officeDocument/2006/relationships" r:blip="">
+                    <dgm:adjLst/>
+                  </dgm:shape>
+                  <dgm:presOf/>
+                </dgm:layoutNode>
+              </dgm:if>
+              <dgm:else name="Name19"/>
+            </dgm:choose>
+            <dgm:layoutNode name="horz2">
+              <dgm:choose name="Name20">
+                <dgm:if name="Name21" func="var" arg="dir" op="equ" val="norm">
+                  <dgm:alg type="lin">
+                    <dgm:param type="linDir" val="fromL"/>
+                    <dgm:param type="nodeVertAlign" val="t"/>
+                  </dgm:alg>
+                </dgm:if>
+                <dgm:else name="Name22">
+                  <dgm:alg type="lin">
+                    <dgm:param type="linDir" val="fromR"/>
+                    <dgm:param type="nodeVertAlign" val="t"/>
+                  </dgm:alg>
+                </dgm:else>
+              </dgm:choose>
+              <dgm:shape xmlns:r="http://schemas.openxmlformats.org/officeDocument/2006/relationships" r:blip="">
+                <dgm:adjLst/>
+              </dgm:shape>
+              <dgm:presOf/>
+              <dgm:layoutNode name="horzSpace2">
+                <dgm:alg type="sp"/>
+                <dgm:shape xmlns:r="http://schemas.openxmlformats.org/officeDocument/2006/relationships" r:blip="">
+                  <dgm:adjLst/>
+                </dgm:shape>
+                <dgm:presOf/>
+              </dgm:layoutNode>
+              <dgm:layoutNode name="tx2" styleLbl="revTx">
+                <dgm:alg type="tx">
+                  <dgm:param type="parTxLTRAlign" val="l"/>
+                  <dgm:param type="parTxRTLAlign" val="r"/>
+                  <dgm:param type="txAnchorVert" val="t"/>
+                </dgm:alg>
+                <dgm:shape xmlns:r="http://schemas.openxmlformats.org/officeDocument/2006/relationships" type="rect" r:blip="">
+                  <dgm:adjLst/>
+                </dgm:shape>
+                <dgm:presOf axis="self"/>
+                <dgm:constrLst>
+                  <dgm:constr type="tMarg" refType="primFontSz" fact="0.3"/>
+                  <dgm:constr type="bMarg" refType="primFontSz" fact="0.3"/>
+                  <dgm:constr type="lMarg" refType="primFontSz" fact="0.3"/>
+                  <dgm:constr type="rMarg" refType="primFontSz" fact="0.3"/>
+                </dgm:constrLst>
+                <dgm:ruleLst>
+                  <dgm:rule type="primFontSz" val="5" fact="NaN" max="NaN"/>
+                </dgm:ruleLst>
+              </dgm:layoutNode>
+              <dgm:layoutNode name="vert2">
+                <dgm:choose name="Name23">
+                  <dgm:if name="Name24" func="var" arg="dir" op="equ" val="norm">
+                    <dgm:alg type="lin">
+                      <dgm:param type="linDir" val="fromT"/>
+                      <dgm:param type="nodeHorzAlign" val="l"/>
+                    </dgm:alg>
+                  </dgm:if>
+                  <dgm:else name="Name25">
+                    <dgm:alg type="lin">
+                      <dgm:param type="linDir" val="fromT"/>
+                      <dgm:param type="nodeHorzAlign" val="r"/>
+                    </dgm:alg>
+                  </dgm:else>
+                </dgm:choose>
+                <dgm:shape xmlns:r="http://schemas.openxmlformats.org/officeDocument/2006/relationships" r:blip="">
+                  <dgm:adjLst/>
+                </dgm:shape>
+                <dgm:presOf/>
+                <dgm:forEach name="Name26" axis="ch" ptType="node">
+                  <dgm:layoutNode name="horz3">
+                    <dgm:choose name="Name27">
+                      <dgm:if name="Name28" func="var" arg="dir" op="equ" val="norm">
+                        <dgm:alg type="lin">
+                          <dgm:param type="linDir" val="fromL"/>
+                          <dgm:param type="nodeVertAlign" val="t"/>
+                        </dgm:alg>
+                      </dgm:if>
+                      <dgm:else name="Name29">
+                        <dgm:alg type="lin">
+                          <dgm:param type="linDir" val="fromR"/>
+                          <dgm:param type="nodeVertAlign" val="t"/>
+                        </dgm:alg>
+                      </dgm:else>
+                    </dgm:choose>
+                    <dgm:shape xmlns:r="http://schemas.openxmlformats.org/officeDocument/2006/relationships" r:blip="">
+                      <dgm:adjLst/>
+                    </dgm:shape>
+                    <dgm:presOf/>
+                    <dgm:layoutNode name="horzSpace3">
+                      <dgm:alg type="sp"/>
+                      <dgm:shape xmlns:r="http://schemas.openxmlformats.org/officeDocument/2006/relationships" r:blip="">
+                        <dgm:adjLst/>
+                      </dgm:shape>
+                      <dgm:presOf/>
+                    </dgm:layoutNode>
+                    <dgm:layoutNode name="tx3" styleLbl="revTx">
+                      <dgm:alg type="tx">
+                        <dgm:param type="parTxLTRAlign" val="l"/>
+                        <dgm:param type="parTxRTLAlign" val="r"/>
+                        <dgm:param type="txAnchorVert" val="t"/>
+                      </dgm:alg>
+                      <dgm:shape xmlns:r="http://schemas.openxmlformats.org/officeDocument/2006/relationships" type="rect" r:blip="">
+                        <dgm:adjLst/>
+                      </dgm:shape>
+                      <dgm:presOf axis="self"/>
+                      <dgm:constrLst>
+                        <dgm:constr type="tMarg" refType="primFontSz" fact="0.3"/>
+                        <dgm:constr type="bMarg" refType="primFontSz" fact="0.3"/>
+                        <dgm:constr type="lMarg" refType="primFontSz" fact="0.3"/>
+                        <dgm:constr type="rMarg" refType="primFontSz" fact="0.3"/>
+                      </dgm:constrLst>
+                      <dgm:ruleLst>
+                        <dgm:rule type="primFontSz" val="5" fact="NaN" max="NaN"/>
+                      </dgm:ruleLst>
+                    </dgm:layoutNode>
+                    <dgm:layoutNode name="vert3">
+                      <dgm:choose name="Name30">
+                        <dgm:if name="Name31" func="var" arg="dir" op="equ" val="norm">
+                          <dgm:alg type="lin">
+                            <dgm:param type="linDir" val="fromT"/>
+                            <dgm:param type="nodeHorzAlign" val="l"/>
+                          </dgm:alg>
+                        </dgm:if>
+                        <dgm:else name="Name32">
+                          <dgm:alg type="lin">
+                            <dgm:param type="linDir" val="fromT"/>
+                            <dgm:param type="nodeHorzAlign" val="r"/>
+                          </dgm:alg>
+                        </dgm:else>
+                      </dgm:choose>
+                      <dgm:shape xmlns:r="http://schemas.openxmlformats.org/officeDocument/2006/relationships" r:blip="">
+                        <dgm:adjLst/>
+                      </dgm:shape>
+                      <dgm:presOf/>
+                      <dgm:forEach name="Name33" axis="ch" ptType="node">
+                        <dgm:layoutNode name="horz4">
+                          <dgm:choose name="Name34">
+                            <dgm:if name="Name35" func="var" arg="dir" op="equ" val="norm">
+                              <dgm:alg type="lin">
+                                <dgm:param type="linDir" val="fromL"/>
+                                <dgm:param type="nodeVertAlign" val="t"/>
+                              </dgm:alg>
+                            </dgm:if>
+                            <dgm:else name="Name36">
+                              <dgm:alg type="lin">
+                                <dgm:param type="linDir" val="fromR"/>
+                                <dgm:param type="nodeVertAlign" val="t"/>
+                              </dgm:alg>
+                            </dgm:else>
+                          </dgm:choose>
+                          <dgm:shape xmlns:r="http://schemas.openxmlformats.org/officeDocument/2006/relationships" r:blip="">
+                            <dgm:adjLst/>
+                          </dgm:shape>
+                          <dgm:presOf/>
+                          <dgm:layoutNode name="horzSpace4">
+                            <dgm:alg type="sp"/>
+                            <dgm:shape xmlns:r="http://schemas.openxmlformats.org/officeDocument/2006/relationships" r:blip="">
+                              <dgm:adjLst/>
+                            </dgm:shape>
+                            <dgm:presOf/>
+                          </dgm:layoutNode>
+                          <dgm:layoutNode name="tx4" styleLbl="revTx">
+                            <dgm:varLst>
+                              <dgm:bulletEnabled val="1"/>
+                            </dgm:varLst>
+                            <dgm:alg type="tx">
+                              <dgm:param type="parTxLTRAlign" val="l"/>
+                              <dgm:param type="parTxRTLAlign" val="r"/>
+                              <dgm:param type="txAnchorVert" val="t"/>
+                            </dgm:alg>
+                            <dgm:shape xmlns:r="http://schemas.openxmlformats.org/officeDocument/2006/relationships" type="rect" r:blip="">
+                              <dgm:adjLst/>
+                            </dgm:shape>
+                            <dgm:presOf axis="desOrSelf" ptType="node"/>
+                            <dgm:constrLst>
+                              <dgm:constr type="tMarg" refType="primFontSz" fact="0.3"/>
+                              <dgm:constr type="bMarg" refType="primFontSz" fact="0.3"/>
+                              <dgm:constr type="lMarg" refType="primFontSz" fact="0.3"/>
+                              <dgm:constr type="rMarg" refType="primFontSz" fact="0.3"/>
+                            </dgm:constrLst>
+                            <dgm:ruleLst>
+                              <dgm:rule type="primFontSz" val="5" fact="NaN" max="NaN"/>
+                            </dgm:ruleLst>
+                          </dgm:layoutNode>
+                        </dgm:layoutNode>
+                      </dgm:forEach>
+                    </dgm:layoutNode>
+                  </dgm:layoutNode>
+                  <dgm:forEach name="Name37" axis="followSib" ptType="sibTrans" cnt="1">
+                    <dgm:layoutNode name="thinLine3" styleLbl="callout">
+                      <dgm:alg type="sp"/>
+                      <dgm:shape xmlns:r="http://schemas.openxmlformats.org/officeDocument/2006/relationships" type="line" r:blip="">
+                        <dgm:adjLst/>
+                      </dgm:shape>
+                      <dgm:presOf/>
+                    </dgm:layoutNode>
+                  </dgm:forEach>
+                </dgm:forEach>
+              </dgm:layoutNode>
+            </dgm:layoutNode>
+            <dgm:layoutNode name="thinLine2b" styleLbl="callout">
+              <dgm:alg type="sp"/>
+              <dgm:shape xmlns:r="http://schemas.openxmlformats.org/officeDocument/2006/relationships" type="line" r:blip="">
+                <dgm:adjLst/>
+              </dgm:shape>
+              <dgm:presOf/>
+            </dgm:layoutNode>
+            <dgm:layoutNode name="vertSpace2b">
+              <dgm:alg type="sp"/>
+              <dgm:shape xmlns:r="http://schemas.openxmlformats.org/officeDocument/2006/relationships" r:blip="">
+                <dgm:adjLst/>
+              </dgm:shape>
+              <dgm:presOf/>
+            </dgm:layoutNode>
+          </dgm:forEach>
+        </dgm:layoutNode>
+      </dgm:layoutNode>
+    </dgm:forEach>
+  </dgm:layoutNode>
+</dgm:layoutDef>
+</file>
+
+<file path=ppt/diagrams/layout2.xml><?xml version="1.0" encoding="utf-8"?>
+<dgm:layoutDef xmlns:dgm="http://schemas.openxmlformats.org/drawingml/2006/diagram" xmlns:a="http://schemas.openxmlformats.org/drawingml/2006/main" uniqueId="urn:microsoft.com/office/officeart/2005/8/layout/vList2">
+  <dgm:title val=""/>
+  <dgm:desc val=""/>
+  <dgm:catLst>
+    <dgm:cat type="list" pri="3000"/>
+    <dgm:cat type="convert" pri="1000"/>
+  </dgm:catLst>
+  <dgm:sampData>
+    <dgm:dataModel>
+      <dgm:ptLst>
+        <dgm:pt modelId="0" type="doc"/>
+        <dgm:pt modelId="1">
+          <dgm:prSet phldr="1"/>
+        </dgm:pt>
+        <dgm:pt modelId="11">
+          <dgm:prSet phldr="1"/>
+        </dgm:pt>
+        <dgm:pt modelId="2">
+          <dgm:prSet phldr="1"/>
+        </dgm:pt>
+        <dgm:pt modelId="21">
+          <dgm:prSet phldr="1"/>
+        </dgm:pt>
+      </dgm:ptLst>
+      <dgm:cxnLst>
+        <dgm:cxn modelId="4" srcId="0" destId="1" srcOrd="0" destOrd="0"/>
+        <dgm:cxn modelId="5" srcId="0" destId="2" srcOrd="1" destOrd="0"/>
+        <dgm:cxn modelId="12" srcId="1" destId="11" srcOrd="0" destOrd="0"/>
+        <dgm:cxn modelId="23" srcId="2" destId="21" srcOrd="0" destOrd="0"/>
+      </dgm:cxnLst>
+      <dgm:bg/>
+      <dgm:whole/>
+    </dgm:dataModel>
+  </dgm:sampData>
+  <dgm:styleData>
+    <dgm:dataModel>
+      <dgm:ptLst>
+        <dgm:pt modelId="0" type="doc"/>
+        <dgm:pt modelId="1"/>
+        <dgm:pt modelId="2"/>
+      </dgm:ptLst>
+      <dgm:cxnLst>
+        <dgm:cxn modelId="3" srcId="0" destId="1" srcOrd="0" destOrd="0"/>
+        <dgm:cxn modelId="4" srcId="0" destId="2" srcOrd="1" destOrd="0"/>
+      </dgm:cxnLst>
+      <dgm:bg/>
+      <dgm:whole/>
+    </dgm:dataModel>
+  </dgm:styleData>
+  <dgm:clrData>
+    <dgm:dataModel>
+      <dgm:ptLst>
+        <dgm:pt modelId="0" type="doc"/>
+        <dgm:pt modelId="1"/>
+        <dgm:pt modelId="2"/>
+        <dgm:pt modelId="3"/>
+        <dgm:pt modelId="4"/>
+      </dgm:ptLst>
+      <dgm:cxnLst>
+        <dgm:cxn modelId="5" srcId="0" destId="1" srcOrd="0" destOrd="0"/>
+        <dgm:cxn modelId="6" srcId="0" destId="2" srcOrd="1" destOrd="0"/>
+        <dgm:cxn modelId="7" srcId="0" destId="3" srcOrd="2" destOrd="0"/>
+        <dgm:cxn modelId="8" srcId="0" destId="4" srcOrd="3" destOrd="0"/>
+      </dgm:cxnLst>
+      <dgm:bg/>
+      <dgm:whole/>
+    </dgm:dataModel>
+  </dgm:clrData>
+  <dgm:layoutNode name="linear">
+    <dgm:varLst>
+      <dgm:animLvl val="lvl"/>
+      <dgm:resizeHandles val="exact"/>
+    </dgm:varLst>
+    <dgm:alg type="lin">
+      <dgm:param type="linDir" val="fromT"/>
+      <dgm:param type="vertAlign" val="mid"/>
+    </dgm:alg>
+    <dgm:shape xmlns:r="http://schemas.openxmlformats.org/officeDocument/2006/relationships" r:blip="">
+      <dgm:adjLst/>
+    </dgm:shape>
+    <dgm:presOf/>
+    <dgm:constrLst>
+      <dgm:constr type="w" for="ch" forName="parentText" refType="w"/>
+      <dgm:constr type="h" for="ch" forName="parentText" refType="primFontSz" refFor="ch" refForName="parentText" fact="0.52"/>
+      <dgm:constr type="w" for="ch" forName="childText" refType="w"/>
+      <dgm:constr type="h" for="ch" forName="childText" refType="primFontSz" refFor="ch" refForName="parentText" fact="0.46"/>
+      <dgm:constr type="h" for="ch" forName="parentText" op="equ"/>
+      <dgm:constr type="primFontSz" for="ch" forName="parentText" op="equ" val="65"/>
+      <dgm:constr type="primFontSz" for="ch" forName="childText" refType="primFontSz" refFor="ch" refForName="parentText" op="equ"/>
+      <dgm:constr type="h" for="ch" forName="spacer" refType="primFontSz" refFor="ch" refForName="parentText" fact="0.08"/>
+    </dgm:constrLst>
+    <dgm:ruleLst>
+      <dgm:rule type="primFontSz" for="ch" forName="parentText" val="5" fact="NaN" max="NaN"/>
+    </dgm:ruleLst>
+    <dgm:forEach name="Name0" axis="ch" ptType="node">
+      <dgm:layoutNode name="parentText" styleLbl="node1">
+        <dgm:varLst>
+          <dgm:chMax val="0"/>
+          <dgm:bulletEnabled val="1"/>
+        </dgm:varLst>
+        <dgm:alg type="tx">
+          <dgm:param type="parTxLTRAlign" val="l"/>
+          <dgm:param type="parTxRTLAlign" val="r"/>
+        </dgm:alg>
+        <dgm:shape xmlns:r="http://schemas.openxmlformats.org/officeDocument/2006/relationships" type="roundRect" r:blip="">
+          <dgm:adjLst/>
+        </dgm:shape>
+        <dgm:presOf axis="self"/>
+        <dgm:constrLst>
+          <dgm:constr type="tMarg" refType="primFontSz" fact="0.3"/>
+          <dgm:constr type="bMarg" refType="primFontSz" fact="0.3"/>
+          <dgm:constr type="lMarg" refType="primFontSz" fact="0.3"/>
+          <dgm:constr type="rMarg" refType="primFontSz" fact="0.3"/>
+        </dgm:constrLst>
+        <dgm:ruleLst>
+          <dgm:rule type="h" val="INF" fact="NaN" max="NaN"/>
+        </dgm:ruleLst>
+      </dgm:layoutNode>
+      <dgm:choose name="Name1">
+        <dgm:if name="Name2" axis="ch" ptType="node" func="cnt" op="gte" val="1">
+          <dgm:layoutNode name="childText" styleLbl="revTx">
+            <dgm:varLst>
+              <dgm:bulletEnabled val="1"/>
+            </dgm:varLst>
+            <dgm:alg type="tx">
+              <dgm:param type="stBulletLvl" val="1"/>
+              <dgm:param type="lnSpAfChP" val="20"/>
+            </dgm:alg>
+            <dgm:shape xmlns:r="http://schemas.openxmlformats.org/officeDocument/2006/relationships" type="rect" r:blip="">
+              <dgm:adjLst/>
+            </dgm:shape>
+            <dgm:presOf axis="des" ptType="node"/>
+            <dgm:constrLst>
+              <dgm:constr type="tMarg" refType="primFontSz" fact="0.1"/>
+              <dgm:constr type="bMarg" refType="primFontSz" fact="0.1"/>
+              <dgm:constr type="lMarg" refType="w" fact="0.09"/>
+            </dgm:constrLst>
+            <dgm:ruleLst>
+              <dgm:rule type="h" val="INF" fact="NaN" max="NaN"/>
+            </dgm:ruleLst>
+          </dgm:layoutNode>
+        </dgm:if>
+        <dgm:else name="Name3">
+          <dgm:choose name="Name4">
+            <dgm:if name="Name5" axis="par ch" ptType="doc node" func="cnt" op="gte" val="2">
+              <dgm:forEach name="Name6" axis="followSib" ptType="sibTrans" cnt="1">
+                <dgm:layoutNode name="spacer">
+                  <dgm:alg type="sp"/>
+                  <dgm:shape xmlns:r="http://schemas.openxmlformats.org/officeDocument/2006/relationships" r:blip="">
+                    <dgm:adjLst/>
+                  </dgm:shape>
+                  <dgm:presOf/>
+                  <dgm:constrLst/>
+                  <dgm:ruleLst/>
+                </dgm:layoutNode>
+              </dgm:forEach>
+            </dgm:if>
+            <dgm:else name="Name7"/>
+          </dgm:choose>
+        </dgm:else>
+      </dgm:choose>
+    </dgm:forEach>
+  </dgm:layoutNode>
+</dgm:layoutDef>
+</file>
+
+<file path=ppt/diagrams/quickStyle1.xml><?xml version="1.0" encoding="utf-8"?>
+<dgm:styleDef xmlns:dgm="http://schemas.openxmlformats.org/drawingml/2006/diagram" xmlns:a="http://schemas.openxmlformats.org/drawingml/2006/main" uniqueId="urn:microsoft.com/office/officeart/2005/8/quickstyle/simple1">
+  <dgm:title val=""/>
+  <dgm:desc val=""/>
+  <dgm:catLst>
+    <dgm:cat type="simple" pri="10100"/>
+  </dgm:catLst>
+  <dgm:scene3d>
+    <a:camera prst="orthographicFront"/>
+    <a:lightRig rig="threePt" dir="t"/>
+  </dgm:scene3d>
+  <dgm:styleLbl name="node0">
+    <dgm:scene3d>
+      <a:camera prst="orthographicFront"/>
+      <a:lightRig rig="threePt" dir="t"/>
+    </dgm:scene3d>
+    <dgm:sp3d/>
+    <dgm:txPr/>
+    <dgm:style>
+      <a:lnRef idx="2">
+        <a:scrgbClr r="0" g="0" b="0"/>
+      </a:lnRef>
+      <a:fillRef idx="1">
+        <a:scrgbClr r="0" g="0" b="0"/>
+      </a:fillRef>
+      <a:effectRef idx="0">
+        <a:scrgbClr r="0" g="0" b="0"/>
+      </a:effectRef>
+      <a:fontRef idx="minor">
+        <a:schemeClr val="lt1"/>
+      </a:fontRef>
+    </dgm:style>
+  </dgm:styleLbl>
+  <dgm:styleLbl name="lnNode1">
+    <dgm:scene3d>
+      <a:camera prst="orthographicFront"/>
+      <a:lightRig rig="threePt" dir="t"/>
+    </dgm:scene3d>
+    <dgm:sp3d/>
+    <dgm:txPr/>
+    <dgm:style>
+      <a:lnRef idx="2">
+        <a:scrgbClr r="0" g="0" b="0"/>
+      </a:lnRef>
+      <a:fillRef idx="1">
+        <a:scrgbClr r="0" g="0" b="0"/>
+      </a:fillRef>
+      <a:effectRef idx="0">
+        <a:scrgbClr r="0" g="0" b="0"/>
+      </a:effectRef>
+      <a:fontRef idx="minor">
+        <a:schemeClr val="lt1"/>
+      </a:fontRef>
+    </dgm:style>
+  </dgm:styleLbl>
+  <dgm:styleLbl name="vennNode1">
+    <dgm:scene3d>
+      <a:camera prst="orthographicFront"/>
+      <a:lightRig rig="threePt" dir="t"/>
+    </dgm:scene3d>
+    <dgm:sp3d/>
+    <dgm:txPr/>
+    <dgm:style>
+      <a:lnRef idx="2">
+        <a:scrgbClr r="0" g="0" b="0"/>
+      </a:lnRef>
+      <a:fillRef idx="1">
+        <a:scrgbClr r="0" g="0" b="0"/>
+      </a:fillRef>
+      <a:effectRef idx="0">
+        <a:scrgbClr r="0" g="0" b="0"/>
+      </a:effectRef>
+      <a:fontRef idx="minor">
+        <a:schemeClr val="tx1"/>
+      </a:fontRef>
+    </dgm:style>
+  </dgm:styleLbl>
+  <dgm:styleLbl name="alignNode1">
+    <dgm:scene3d>
+      <a:camera prst="orthographicFront"/>
+      <a:lightRig rig="threePt" dir="t"/>
+    </dgm:scene3d>
+    <dgm:sp3d/>
+    <dgm:txPr/>
+    <dgm:style>
+      <a:lnRef idx="2">
+        <a:scrgbClr r="0" g="0" b="0"/>
+      </a:lnRef>
+      <a:fillRef idx="1">
+        <a:scrgbClr r="0" g="0" b="0"/>
+      </a:fillRef>
+      <a:effectRef idx="0">
+        <a:scrgbClr r="0" g="0" b="0"/>
+      </a:effectRef>
+      <a:fontRef idx="minor">
+        <a:schemeClr val="lt1"/>
+      </a:fontRef>
+    </dgm:style>
+  </dgm:styleLbl>
+  <dgm:styleLbl name="node1">
+    <dgm:scene3d>
+      <a:camera prst="orthographicFront"/>
+      <a:lightRig rig="threePt" dir="t"/>
+    </dgm:scene3d>
+    <dgm:sp3d/>
+    <dgm:txPr/>
+    <dgm:style>
+      <a:lnRef idx="2">
+        <a:scrgbClr r="0" g="0" b="0"/>
+      </a:lnRef>
+      <a:fillRef idx="1">
+        <a:scrgbClr r="0" g="0" b="0"/>
+      </a:fillRef>
+      <a:effectRef idx="0">
+        <a:scrgbClr r="0" g="0" b="0"/>
+      </a:effectRef>
+      <a:fontRef idx="minor">
+        <a:schemeClr val="lt1"/>
+      </a:fontRef>
+    </dgm:style>
+  </dgm:styleLbl>
+  <dgm:styleLbl name="node2">
+    <dgm:scene3d>
+      <a:camera prst="orthographicFront"/>
+      <a:lightRig rig="threePt" dir="t"/>
+    </dgm:scene3d>
+    <dgm:sp3d/>
+    <dgm:txPr/>
+    <dgm:style>
+      <a:lnRef idx="2">
+        <a:scrgbClr r="0" g="0" b="0"/>
+      </a:lnRef>
+      <a:fillRef idx="1">
+        <a:scrgbClr r="0" g="0" b="0"/>
+      </a:fillRef>
+      <a:effectRef idx="0">
+        <a:scrgbClr r="0" g="0" b="0"/>
+      </a:effectRef>
+      <a:fontRef idx="minor">
+        <a:schemeClr val="lt1"/>
+      </a:fontRef>
+    </dgm:style>
+  </dgm:styleLbl>
+  <dgm:styleLbl name="node3">
+    <dgm:scene3d>
+      <a:camera prst="orthographicFront"/>
+      <a:lightRig rig="threePt" dir="t"/>
+    </dgm:scene3d>
+    <dgm:sp3d/>
+    <dgm:txPr/>
+    <dgm:style>
+      <a:lnRef idx="2">
+        <a:scrgbClr r="0" g="0" b="0"/>
+      </a:lnRef>
+      <a:fillRef idx="1">
+        <a:scrgbClr r="0" g="0" b="0"/>
+      </a:fillRef>
+      <a:effectRef idx="0">
+        <a:scrgbClr r="0" g="0" b="0"/>
+      </a:effectRef>
+      <a:fontRef idx="minor">
+        <a:schemeClr val="lt1"/>
+      </a:fontRef>
+    </dgm:style>
+  </dgm:styleLbl>
+  <dgm:styleLbl name="node4">
+    <dgm:scene3d>
+      <a:camera prst="orthographicFront"/>
+      <a:lightRig rig="threePt" dir="t"/>
+    </dgm:scene3d>
+    <dgm:sp3d/>
+    <dgm:txPr/>
+    <dgm:style>
+      <a:lnRef idx="2">
+        <a:scrgbClr r="0" g="0" b="0"/>
+      </a:lnRef>
+      <a:fillRef idx="1">
+        <a:scrgbClr r="0" g="0" b="0"/>
+      </a:fillRef>
+      <a:effectRef idx="0">
+        <a:scrgbClr r="0" g="0" b="0"/>
+      </a:effectRef>
+      <a:fontRef idx="minor">
+        <a:schemeClr val="lt1"/>
+      </a:fontRef>
+    </dgm:style>
+  </dgm:styleLbl>
+  <dgm:styleLbl name="fgImgPlace1">
+    <dgm:scene3d>
+      <a:camera prst="orthographicFront"/>
+      <a:lightRig rig="threePt" dir="t"/>
+    </dgm:scene3d>
+    <dgm:sp3d/>
+    <dgm:txPr/>
+    <dgm:style>
+      <a:lnRef idx="2">
+        <a:scrgbClr r="0" g="0" b="0"/>
+      </a:lnRef>
+      <a:fillRef idx="1">
+        <a:scrgbClr r="0" g="0" b="0"/>
+      </a:fillRef>
+      <a:effectRef idx="0">
+        <a:scrgbClr r="0" g="0" b="0"/>
+      </a:effectRef>
+      <a:fontRef idx="minor"/>
+    </dgm:style>
+  </dgm:styleLbl>
+  <dgm:styleLbl name="alignImgPlace1">
+    <dgm:scene3d>
+      <a:camera prst="orthographicFront"/>
+      <a:lightRig rig="threePt" dir="t"/>
+    </dgm:scene3d>
+    <dgm:sp3d/>
+    <dgm:txPr/>
+    <dgm:style>
+      <a:lnRef idx="2">
+        <a:scrgbClr r="0" g="0" b="0"/>
+      </a:lnRef>
+      <a:fillRef idx="1">
+        <a:scrgbClr r="0" g="0" b="0"/>
+      </a:fillRef>
+      <a:effectRef idx="0">
+        <a:scrgbClr r="0" g="0" b="0"/>
+      </a:effectRef>
+      <a:fontRef idx="minor"/>
+    </dgm:style>
+  </dgm:styleLbl>
+  <dgm:styleLbl name="bgImgPlace1">
+    <dgm:scene3d>
+      <a:camera prst="orthographicFront"/>
+      <a:lightRig rig="threePt" dir="t"/>
+    </dgm:scene3d>
+    <dgm:sp3d/>
+    <dgm:txPr/>
+    <dgm:style>
+      <a:lnRef idx="2">
+        <a:scrgbClr r="0" g="0" b="0"/>
+      </a:lnRef>
+      <a:fillRef idx="1">
+        <a:scrgbClr r="0" g="0" b="0"/>
+      </a:fillRef>
+      <a:effectRef idx="0">
+        <a:scrgbClr r="0" g="0" b="0"/>
+      </a:effectRef>
+      <a:fontRef idx="minor"/>
+    </dgm:style>
+  </dgm:styleLbl>
+  <dgm:styleLbl name="sibTrans2D1">
+    <dgm:scene3d>
+      <a:camera prst="orthographicFront"/>
+      <a:lightRig rig="threePt" dir="t"/>
+    </dgm:scene3d>
+    <dgm:sp3d/>
+    <dgm:txPr/>
+    <dgm:style>
+      <a:lnRef idx="0">
+        <a:scrgbClr r="0" g="0" b="0"/>
+      </a:lnRef>
+      <a:fillRef idx="1">
+        <a:scrgbClr r="0" g="0" b="0"/>
+      </a:fillRef>
+      <a:effectRef idx="0">
+        <a:scrgbClr r="0" g="0" b="0"/>
+      </a:effectRef>
+      <a:fontRef idx="minor">
+        <a:schemeClr val="lt1"/>
+      </a:fontRef>
+    </dgm:style>
+  </dgm:styleLbl>
+  <dgm:styleLbl name="fgSibTrans2D1">
+    <dgm:scene3d>
+      <a:camera prst="orthographicFront"/>
+      <a:lightRig rig="threePt" dir="t"/>
+    </dgm:scene3d>
+    <dgm:sp3d/>
+    <dgm:txPr/>
+    <dgm:style>
+      <a:lnRef idx="0">
+        <a:scrgbClr r="0" g="0" b="0"/>
+      </a:lnRef>
+      <a:fillRef idx="1">
+        <a:scrgbClr r="0" g="0" b="0"/>
+      </a:fillRef>
+      <a:effectRef idx="0">
+        <a:scrgbClr r="0" g="0" b="0"/>
+      </a:effectRef>
+      <a:fontRef idx="minor">
+        <a:schemeClr val="lt1"/>
+      </a:fontRef>
+    </dgm:style>
+  </dgm:styleLbl>
+  <dgm:styleLbl name="bgSibTrans2D1">
+    <dgm:scene3d>
+      <a:camera prst="orthographicFront"/>
+      <a:lightRig rig="threePt" dir="t"/>
+    </dgm:scene3d>
+    <dgm:sp3d/>
+    <dgm:txPr/>
+    <dgm:style>
+      <a:lnRef idx="0">
+        <a:scrgbClr r="0" g="0" b="0"/>
+      </a:lnRef>
+      <a:fillRef idx="1">
+        <a:scrgbClr r="0" g="0" b="0"/>
+      </a:fillRef>
+      <a:effectRef idx="0">
+        <a:scrgbClr r="0" g="0" b="0"/>
+      </a:effectRef>
+      <a:fontRef idx="minor">
+        <a:schemeClr val="lt1"/>
+      </a:fontRef>
+    </dgm:style>
+  </dgm:styleLbl>
+  <dgm:styleLbl name="sibTrans1D1">
+    <dgm:scene3d>
+      <a:camera prst="orthographicFront"/>
+      <a:lightRig rig="threePt" dir="t"/>
+    </dgm:scene3d>
+    <dgm:sp3d/>
+    <dgm:txPr/>
+    <dgm:style>
+      <a:lnRef idx="1">
+        <a:scrgbClr r="0" g="0" b="0"/>
+      </a:lnRef>
+      <a:fillRef idx="0">
+        <a:scrgbClr r="0" g="0" b="0"/>
+      </a:fillRef>
+      <a:effectRef idx="0">
+        <a:scrgbClr r="0" g="0" b="0"/>
+      </a:effectRef>
+      <a:fontRef idx="minor"/>
+    </dgm:style>
+  </dgm:styleLbl>
+  <dgm:styleLbl name="callout">
+    <dgm:scene3d>
+      <a:camera prst="orthographicFront"/>
+      <a:lightRig rig="threePt" dir="t"/>
+    </dgm:scene3d>
+    <dgm:sp3d/>
+    <dgm:txPr/>
+    <dgm:style>
+      <a:lnRef idx="2">
+        <a:scrgbClr r="0" g="0" b="0"/>
+      </a:lnRef>
+      <a:fillRef idx="1">
+        <a:scrgbClr r="0" g="0" b="0"/>
+      </a:fillRef>
+      <a:effectRef idx="0">
+        <a:scrgbClr r="0" g="0" b="0"/>
+      </a:effectRef>
+      <a:fontRef idx="minor"/>
+    </dgm:style>
+  </dgm:styleLbl>
+  <dgm:styleLbl name="asst0">
+    <dgm:scene3d>
+      <a:camera prst="orthographicFront"/>
+      <a:lightRig rig="threePt" dir="t"/>
+    </dgm:scene3d>
+    <dgm:sp3d/>
+    <dgm:txPr/>
+    <dgm:style>
+      <a:lnRef idx="2">
+        <a:scrgbClr r="0" g="0" b="0"/>
+      </a:lnRef>
+      <a:fillRef idx="1">
+        <a:scrgbClr r="0" g="0" b="0"/>
+      </a:fillRef>
+      <a:effectRef idx="0">
+        <a:scrgbClr r="0" g="0" b="0"/>
+      </a:effectRef>
+      <a:fontRef idx="minor">
+        <a:schemeClr val="lt1"/>
+      </a:fontRef>
+    </dgm:style>
+  </dgm:styleLbl>
+  <dgm:styleLbl name="asst1">
+    <dgm:scene3d>
+      <a:camera prst="orthographicFront"/>
+      <a:lightRig rig="threePt" dir="t"/>
+    </dgm:scene3d>
+    <dgm:sp3d/>
+    <dgm:txPr/>
+    <dgm:style>
+      <a:lnRef idx="2">
+        <a:scrgbClr r="0" g="0" b="0"/>
+      </a:lnRef>
+      <a:fillRef idx="1">
+        <a:scrgbClr r="0" g="0" b="0"/>
+      </a:fillRef>
+      <a:effectRef idx="0">
+        <a:scrgbClr r="0" g="0" b="0"/>
+      </a:effectRef>
+      <a:fontRef idx="minor">
+        <a:schemeClr val="lt1"/>
+      </a:fontRef>
+    </dgm:style>
+  </dgm:styleLbl>
+  <dgm:styleLbl name="asst2">
+    <dgm:scene3d>
+      <a:camera prst="orthographicFront"/>
+      <a:lightRig rig="threePt" dir="t"/>
+    </dgm:scene3d>
+    <dgm:sp3d/>
+    <dgm:txPr/>
+    <dgm:style>
+      <a:lnRef idx="2">
+        <a:scrgbClr r="0" g="0" b="0"/>
+      </a:lnRef>
+      <a:fillRef idx="1">
+        <a:scrgbClr r="0" g="0" b="0"/>
+      </a:fillRef>
+      <a:effectRef idx="0">
+        <a:scrgbClr r="0" g="0" b="0"/>
+      </a:effectRef>
+      <a:fontRef idx="minor">
+        <a:schemeClr val="lt1"/>
+      </a:fontRef>
+    </dgm:style>
+  </dgm:styleLbl>
+  <dgm:styleLbl name="asst3">
+    <dgm:scene3d>
+      <a:camera prst="orthographicFront"/>
+      <a:lightRig rig="threePt" dir="t"/>
+    </dgm:scene3d>
+    <dgm:sp3d/>
+    <dgm:txPr/>
+    <dgm:style>
+      <a:lnRef idx="2">
+        <a:scrgbClr r="0" g="0" b="0"/>
+      </a:lnRef>
+      <a:fillRef idx="1">
+        <a:scrgbClr r="0" g="0" b="0"/>
+      </a:fillRef>
+      <a:effectRef idx="0">
+        <a:scrgbClr r="0" g="0" b="0"/>
+      </a:effectRef>
+      <a:fontRef idx="minor">
+        <a:schemeClr val="lt1"/>
+      </a:fontRef>
+    </dgm:style>
+  </dgm:styleLbl>
+  <dgm:styleLbl name="asst4">
+    <dgm:scene3d>
+      <a:camera prst="orthographicFront"/>
+      <a:lightRig rig="threePt" dir="t"/>
+    </dgm:scene3d>
+    <dgm:sp3d/>
+    <dgm:txPr/>
+    <dgm:style>
+      <a:lnRef idx="2">
+        <a:scrgbClr r="0" g="0" b="0"/>
+      </a:lnRef>
+      <a:fillRef idx="1">
+        <a:scrgbClr r="0" g="0" b="0"/>
+      </a:fillRef>
+      <a:effectRef idx="0">
+        <a:scrgbClr r="0" g="0" b="0"/>
+      </a:effectRef>
+      <a:fontRef idx="minor">
+        <a:schemeClr val="lt1"/>
+      </a:fontRef>
+    </dgm:style>
+  </dgm:styleLbl>
+  <dgm:styleLbl name="parChTrans2D1">
+    <dgm:scene3d>
+      <a:camera prst="orthographicFront"/>
+      <a:lightRig rig="threePt" dir="t"/>
+    </dgm:scene3d>
+    <dgm:sp3d/>
+    <dgm:txPr/>
+    <dgm:style>
+      <a:lnRef idx="2">
+        <a:scrgbClr r="0" g="0" b="0"/>
+      </a:lnRef>
+      <a:fillRef idx="1">
+        <a:scrgbClr r="0" g="0" b="0"/>
+      </a:fillRef>
+      <a:effectRef idx="0">
+        <a:scrgbClr r="0" g="0" b="0"/>
+      </a:effectRef>
+      <a:fontRef idx="minor">
+        <a:schemeClr val="lt1"/>
+      </a:fontRef>
+    </dgm:style>
+  </dgm:styleLbl>
+  <dgm:styleLbl name="parChTrans2D2">
+    <dgm:scene3d>
+      <a:camera prst="orthographicFront"/>
+      <a:lightRig rig="threePt" dir="t"/>
+    </dgm:scene3d>
+    <dgm:sp3d/>
+    <dgm:txPr/>
+    <dgm:style>
+      <a:lnRef idx="2">
+        <a:scrgbClr r="0" g="0" b="0"/>
+      </a:lnRef>
+      <a:fillRef idx="1">
+        <a:scrgbClr r="0" g="0" b="0"/>
+      </a:fillRef>
+      <a:effectRef idx="0">
+        <a:scrgbClr r="0" g="0" b="0"/>
+      </a:effectRef>
+      <a:fontRef idx="minor">
+        <a:schemeClr val="lt1"/>
+      </a:fontRef>
+    </dgm:style>
+  </dgm:styleLbl>
+  <dgm:styleLbl name="parChTrans2D3">
+    <dgm:scene3d>
+      <a:camera prst="orthographicFront"/>
+      <a:lightRig rig="threePt" dir="t"/>
+    </dgm:scene3d>
+    <dgm:sp3d/>
+    <dgm:txPr/>
+    <dgm:style>
+      <a:lnRef idx="2">
+        <a:scrgbClr r="0" g="0" b="0"/>
+      </a:lnRef>
+      <a:fillRef idx="1">
+        <a:scrgbClr r="0" g="0" b="0"/>
+      </a:fillRef>
+      <a:effectRef idx="0">
+        <a:scrgbClr r="0" g="0" b="0"/>
+      </a:effectRef>
+      <a:fontRef idx="minor">
+        <a:schemeClr val="lt1"/>
+      </a:fontRef>
+    </dgm:style>
+  </dgm:styleLbl>
+  <dgm:styleLbl name="parChTrans2D4">
+    <dgm:scene3d>
+      <a:camera prst="orthographicFront"/>
+      <a:lightRig rig="threePt" dir="t"/>
+    </dgm:scene3d>
+    <dgm:sp3d/>
+    <dgm:txPr/>
+    <dgm:style>
+      <a:lnRef idx="2">
+        <a:scrgbClr r="0" g="0" b="0"/>
+      </a:lnRef>
+      <a:fillRef idx="1">
+        <a:scrgbClr r="0" g="0" b="0"/>
+      </a:fillRef>
+      <a:effectRef idx="0">
+        <a:scrgbClr r="0" g="0" b="0"/>
+      </a:effectRef>
+      <a:fontRef idx="minor">
+        <a:schemeClr val="lt1"/>
+      </a:fontRef>
+    </dgm:style>
+  </dgm:styleLbl>
+  <dgm:styleLbl name="parChTrans1D1">
+    <dgm:scene3d>
+      <a:camera prst="orthographicFront"/>
+      <a:lightRig rig="threePt" dir="t"/>
+    </dgm:scene3d>
+    <dgm:sp3d/>
+    <dgm:txPr/>
+    <dgm:style>
+      <a:lnRef idx="2">
+        <a:scrgbClr r="0" g="0" b="0"/>
+      </a:lnRef>
+      <a:fillRef idx="0">
+        <a:scrgbClr r="0" g="0" b="0"/>
+      </a:fillRef>
+      <a:effectRef idx="0">
+        <a:scrgbClr r="0" g="0" b="0"/>
+      </a:effectRef>
+      <a:fontRef idx="minor"/>
+    </dgm:style>
+  </dgm:styleLbl>
+  <dgm:styleLbl name="parChTrans1D2">
+    <dgm:scene3d>
+      <a:camera prst="orthographicFront"/>
+      <a:lightRig rig="threePt" dir="t"/>
+    </dgm:scene3d>
+    <dgm:sp3d/>
+    <dgm:txPr/>
+    <dgm:style>
+      <a:lnRef idx="2">
+        <a:scrgbClr r="0" g="0" b="0"/>
+      </a:lnRef>
+      <a:fillRef idx="0">
+        <a:scrgbClr r="0" g="0" b="0"/>
+      </a:fillRef>
+      <a:effectRef idx="0">
+        <a:scrgbClr r="0" g="0" b="0"/>
+      </a:effectRef>
+      <a:fontRef idx="minor"/>
+    </dgm:style>
+  </dgm:styleLbl>
+  <dgm:styleLbl name="parChTrans1D3">
+    <dgm:scene3d>
+      <a:camera prst="orthographicFront"/>
+      <a:lightRig rig="threePt" dir="t"/>
+    </dgm:scene3d>
+    <dgm:sp3d/>
+    <dgm:txPr/>
+    <dgm:style>
+      <a:lnRef idx="2">
+        <a:scrgbClr r="0" g="0" b="0"/>
+      </a:lnRef>
+      <a:fillRef idx="0">
+        <a:scrgbClr r="0" g="0" b="0"/>
+      </a:fillRef>
+      <a:effectRef idx="0">
+        <a:scrgbClr r="0" g="0" b="0"/>
+      </a:effectRef>
+      <a:fontRef idx="minor"/>
+    </dgm:style>
+  </dgm:styleLbl>
+  <dgm:styleLbl name="parChTrans1D4">
+    <dgm:scene3d>
+      <a:camera prst="orthographicFront"/>
+      <a:lightRig rig="threePt" dir="t"/>
+    </dgm:scene3d>
+    <dgm:sp3d/>
+    <dgm:txPr/>
+    <dgm:style>
+      <a:lnRef idx="2">
+        <a:scrgbClr r="0" g="0" b="0"/>
+      </a:lnRef>
+      <a:fillRef idx="0">
+        <a:scrgbClr r="0" g="0" b="0"/>
+      </a:fillRef>
+      <a:effectRef idx="0">
+        <a:scrgbClr r="0" g="0" b="0"/>
+      </a:effectRef>
+      <a:fontRef idx="minor"/>
+    </dgm:style>
+  </dgm:styleLbl>
+  <dgm:styleLbl name="fgAcc1">
+    <dgm:scene3d>
+      <a:camera prst="orthographicFront"/>
+      <a:lightRig rig="threePt" dir="t"/>
+    </dgm:scene3d>
+    <dgm:sp3d/>
+    <dgm:txPr/>
+    <dgm:style>
+      <a:lnRef idx="2">
+        <a:scrgbClr r="0" g="0" b="0"/>
+      </a:lnRef>
+      <a:fillRef idx="1">
+        <a:scrgbClr r="0" g="0" b="0"/>
+      </a:fillRef>
+      <a:effectRef idx="0">
+        <a:scrgbClr r="0" g="0" b="0"/>
+      </a:effectRef>
+      <a:fontRef idx="minor"/>
+    </dgm:style>
+  </dgm:styleLbl>
+  <dgm:styleLbl name="conFgAcc1">
+    <dgm:scene3d>
+      <a:camera prst="orthographicFront"/>
+      <a:lightRig rig="threePt" dir="t"/>
+    </dgm:scene3d>
+    <dgm:sp3d/>
+    <dgm:txPr/>
+    <dgm:style>
+      <a:lnRef idx="2">
+        <a:scrgbClr r="0" g="0" b="0"/>
+      </a:lnRef>
+      <a:fillRef idx="1">
+        <a:scrgbClr r="0" g="0" b="0"/>
+      </a:fillRef>
+      <a:effectRef idx="0">
+        <a:scrgbClr r="0" g="0" b="0"/>
+      </a:effectRef>
+      <a:fontRef idx="minor"/>
+    </dgm:style>
+  </dgm:styleLbl>
+  <dgm:styleLbl name="alignAcc1">
+    <dgm:scene3d>
+      <a:camera prst="orthographicFront"/>
+      <a:lightRig rig="threePt" dir="t"/>
+    </dgm:scene3d>
+    <dgm:sp3d/>
+    <dgm:txPr/>
+    <dgm:style>
+      <a:lnRef idx="2">
+        <a:scrgbClr r="0" g="0" b="0"/>
+      </a:lnRef>
+      <a:fillRef idx="1">
+        <a:scrgbClr r="0" g="0" b="0"/>
+      </a:fillRef>
+      <a:effectRef idx="0">
+        <a:scrgbClr r="0" g="0" b="0"/>
+      </a:effectRef>
+      <a:fontRef idx="minor"/>
+    </dgm:style>
+  </dgm:styleLbl>
+  <dgm:styleLbl name="trAlignAcc1">
+    <dgm:scene3d>
+      <a:camera prst="orthographicFront"/>
+      <a:lightRig rig="threePt" dir="t"/>
+    </dgm:scene3d>
+    <dgm:sp3d/>
+    <dgm:txPr/>
+    <dgm:style>
+      <a:lnRef idx="1">
+        <a:scrgbClr r="0" g="0" b="0"/>
+      </a:lnRef>
+      <a:fillRef idx="1">
+        <a:scrgbClr r="0" g="0" b="0"/>
+      </a:fillRef>
+      <a:effectRef idx="0">
+        <a:scrgbClr r="0" g="0" b="0"/>
+      </a:effectRef>
+      <a:fontRef idx="minor"/>
+    </dgm:style>
+  </dgm:styleLbl>
+  <dgm:styleLbl name="bgAcc1">
+    <dgm:scene3d>
+      <a:camera prst="orthographicFront"/>
+      <a:lightRig rig="threePt" dir="t"/>
+    </dgm:scene3d>
+    <dgm:sp3d/>
+    <dgm:txPr/>
+    <dgm:style>
+      <a:lnRef idx="2">
+        <a:scrgbClr r="0" g="0" b="0"/>
+      </a:lnRef>
+      <a:fillRef idx="1">
+        <a:scrgbClr r="0" g="0" b="0"/>
+      </a:fillRef>
+      <a:effectRef idx="0">
+        <a:scrgbClr r="0" g="0" b="0"/>
+      </a:effectRef>
+      <a:fontRef idx="minor"/>
+    </dgm:style>
+  </dgm:styleLbl>
+  <dgm:styleLbl name="solidFgAcc1">
+    <dgm:scene3d>
+      <a:camera prst="orthographicFront"/>
+      <a:lightRig rig="threePt" dir="t"/>
+    </dgm:scene3d>
+    <dgm:sp3d/>
+    <dgm:txPr/>
+    <dgm:style>
+      <a:lnRef idx="2">
+        <a:scrgbClr r="0" g="0" b="0"/>
+      </a:lnRef>
+      <a:fillRef idx="1">
+        <a:scrgbClr r="0" g="0" b="0"/>
+      </a:fillRef>
+      <a:effectRef idx="0">
+        <a:scrgbClr r="0" g="0" b="0"/>
+      </a:effectRef>
+      <a:fontRef idx="minor"/>
+    </dgm:style>
+  </dgm:styleLbl>
+  <dgm:styleLbl name="solidAlignAcc1">
+    <dgm:scene3d>
+      <a:camera prst="orthographicFront"/>
+      <a:lightRig rig="threePt" dir="t"/>
+    </dgm:scene3d>
+    <dgm:sp3d/>
+    <dgm:txPr/>
+    <dgm:style>
+      <a:lnRef idx="2">
+        <a:scrgbClr r="0" g="0" b="0"/>
+      </a:lnRef>
+      <a:fillRef idx="1">
+        <a:scrgbClr r="0" g="0" b="0"/>
+      </a:fillRef>
+      <a:effectRef idx="0">
+        <a:scrgbClr r="0" g="0" b="0"/>
+      </a:effectRef>
+      <a:fontRef idx="minor"/>
+    </dgm:style>
+  </dgm:styleLbl>
+  <dgm:styleLbl name="solidBgAcc1">
+    <dgm:scene3d>
+      <a:camera prst="orthographicFront"/>
+      <a:lightRig rig="threePt" dir="t"/>
+    </dgm:scene3d>
+    <dgm:sp3d/>
+    <dgm:txPr/>
+    <dgm:style>
+      <a:lnRef idx="2">
+        <a:scrgbClr r="0" g="0" b="0"/>
+      </a:lnRef>
+      <a:fillRef idx="1">
+        <a:scrgbClr r="0" g="0" b="0"/>
+      </a:fillRef>
+      <a:effectRef idx="0">
+        <a:scrgbClr r="0" g="0" b="0"/>
+      </a:effectRef>
+      <a:fontRef idx="minor"/>
+    </dgm:style>
+  </dgm:styleLbl>
+  <dgm:styleLbl name="fgAccFollowNode1">
+    <dgm:scene3d>
+      <a:camera prst="orthographicFront"/>
+      <a:lightRig rig="threePt" dir="t"/>
+    </dgm:scene3d>
+    <dgm:sp3d/>
+    <dgm:txPr/>
+    <dgm:style>
+      <a:lnRef idx="2">
+        <a:scrgbClr r="0" g="0" b="0"/>
+      </a:lnRef>
+      <a:fillRef idx="1">
+        <a:scrgbClr r="0" g="0" b="0"/>
+      </a:fillRef>
+      <a:effectRef idx="0">
+        <a:scrgbClr r="0" g="0" b="0"/>
+      </a:effectRef>
+      <a:fontRef idx="minor"/>
+    </dgm:style>
+  </dgm:styleLbl>
+  <dgm:styleLbl name="alignAccFollowNode1">
+    <dgm:scene3d>
+      <a:camera prst="orthographicFront"/>
+      <a:lightRig rig="threePt" dir="t"/>
+    </dgm:scene3d>
+    <dgm:sp3d/>
+    <dgm:txPr/>
+    <dgm:style>
+      <a:lnRef idx="2">
+        <a:scrgbClr r="0" g="0" b="0"/>
+      </a:lnRef>
+      <a:fillRef idx="1">
+        <a:scrgbClr r="0" g="0" b="0"/>
+      </a:fillRef>
+      <a:effectRef idx="0">
+        <a:scrgbClr r="0" g="0" b="0"/>
+      </a:effectRef>
+      <a:fontRef idx="minor"/>
+    </dgm:style>
+  </dgm:styleLbl>
+  <dgm:styleLbl name="bgAccFollowNode1">
+    <dgm:scene3d>
+      <a:camera prst="orthographicFront"/>
+      <a:lightRig rig="threePt" dir="t"/>
+    </dgm:scene3d>
+    <dgm:sp3d/>
+    <dgm:txPr/>
+    <dgm:style>
+      <a:lnRef idx="2">
+        <a:scrgbClr r="0" g="0" b="0"/>
+      </a:lnRef>
+      <a:fillRef idx="1">
+        <a:scrgbClr r="0" g="0" b="0"/>
+      </a:fillRef>
+      <a:effectRef idx="0">
+        <a:scrgbClr r="0" g="0" b="0"/>
+      </a:effectRef>
+      <a:fontRef idx="minor"/>
+    </dgm:style>
+  </dgm:styleLbl>
+  <dgm:styleLbl name="fgAcc0">
+    <dgm:scene3d>
+      <a:camera prst="orthographicFront"/>
+      <a:lightRig rig="threePt" dir="t"/>
+    </dgm:scene3d>
+    <dgm:sp3d/>
+    <dgm:txPr/>
+    <dgm:style>
+      <a:lnRef idx="2">
+        <a:scrgbClr r="0" g="0" b="0"/>
+      </a:lnRef>
+      <a:fillRef idx="1">
+        <a:scrgbClr r="0" g="0" b="0"/>
+      </a:fillRef>
+      <a:effectRef idx="0">
+        <a:scrgbClr r="0" g="0" b="0"/>
+      </a:effectRef>
+      <a:fontRef idx="minor"/>
+    </dgm:style>
+  </dgm:styleLbl>
+  <dgm:styleLbl name="fgAcc2">
+    <dgm:scene3d>
+      <a:camera prst="orthographicFront"/>
+      <a:lightRig rig="threePt" dir="t"/>
+    </dgm:scene3d>
+    <dgm:sp3d/>
+    <dgm:txPr/>
+    <dgm:style>
+      <a:lnRef idx="2">
+        <a:scrgbClr r="0" g="0" b="0"/>
+      </a:lnRef>
+      <a:fillRef idx="1">
+        <a:scrgbClr r="0" g="0" b="0"/>
+      </a:fillRef>
+      <a:effectRef idx="0">
+        <a:scrgbClr r="0" g="0" b="0"/>
+      </a:effectRef>
+      <a:fontRef idx="minor"/>
+    </dgm:style>
+  </dgm:styleLbl>
+  <dgm:styleLbl name="fgAcc3">
+    <dgm:scene3d>
+      <a:camera prst="orthographicFront"/>
+      <a:lightRig rig="threePt" dir="t"/>
+    </dgm:scene3d>
+    <dgm:sp3d/>
+    <dgm:txPr/>
+    <dgm:style>
+      <a:lnRef idx="2">
+        <a:scrgbClr r="0" g="0" b="0"/>
+      </a:lnRef>
+      <a:fillRef idx="1">
+        <a:scrgbClr r="0" g="0" b="0"/>
+      </a:fillRef>
+      <a:effectRef idx="0">
+        <a:scrgbClr r="0" g="0" b="0"/>
+      </a:effectRef>
+      <a:fontRef idx="minor"/>
+    </dgm:style>
+  </dgm:styleLbl>
+  <dgm:styleLbl name="fgAcc4">
+    <dgm:scene3d>
+      <a:camera prst="orthographicFront"/>
+      <a:lightRig rig="threePt" dir="t"/>
+    </dgm:scene3d>
+    <dgm:sp3d/>
+    <dgm:txPr/>
+    <dgm:style>
+      <a:lnRef idx="2">
+        <a:scrgbClr r="0" g="0" b="0"/>
+      </a:lnRef>
+      <a:fillRef idx="1">
+        <a:scrgbClr r="0" g="0" b="0"/>
+      </a:fillRef>
+      <a:effectRef idx="0">
+        <a:scrgbClr r="0" g="0" b="0"/>
+      </a:effectRef>
+      <a:fontRef idx="minor"/>
+    </dgm:style>
+  </dgm:styleLbl>
+  <dgm:styleLbl name="bgShp">
+    <dgm:scene3d>
+      <a:camera prst="orthographicFront"/>
+      <a:lightRig rig="threePt" dir="t"/>
+    </dgm:scene3d>
+    <dgm:sp3d/>
+    <dgm:txPr/>
+    <dgm:style>
+      <a:lnRef idx="0">
+        <a:scrgbClr r="0" g="0" b="0"/>
+      </a:lnRef>
+      <a:fillRef idx="1">
+        <a:scrgbClr r="0" g="0" b="0"/>
+      </a:fillRef>
+      <a:effectRef idx="0">
+        <a:scrgbClr r="0" g="0" b="0"/>
+      </a:effectRef>
+      <a:fontRef idx="minor"/>
+    </dgm:style>
+  </dgm:styleLbl>
+  <dgm:styleLbl name="dkBgShp">
+    <dgm:scene3d>
+      <a:camera prst="orthographicFront"/>
+      <a:lightRig rig="threePt" dir="t"/>
+    </dgm:scene3d>
+    <dgm:sp3d/>
+    <dgm:txPr/>
+    <dgm:style>
+      <a:lnRef idx="0">
+        <a:scrgbClr r="0" g="0" b="0"/>
+      </a:lnRef>
+      <a:fillRef idx="1">
+        <a:scrgbClr r="0" g="0" b="0"/>
+      </a:fillRef>
+      <a:effectRef idx="0">
+        <a:scrgbClr r="0" g="0" b="0"/>
+      </a:effectRef>
+      <a:fontRef idx="minor"/>
+    </dgm:style>
+  </dgm:styleLbl>
+  <dgm:styleLbl name="trBgShp">
+    <dgm:scene3d>
+      <a:camera prst="orthographicFront"/>
+      <a:lightRig rig="threePt" dir="t"/>
+    </dgm:scene3d>
+    <dgm:sp3d/>
+    <dgm:txPr/>
+    <dgm:style>
+      <a:lnRef idx="0">
+        <a:scrgbClr r="0" g="0" b="0"/>
+      </a:lnRef>
+      <a:fillRef idx="1">
+        <a:scrgbClr r="0" g="0" b="0"/>
+      </a:fillRef>
+      <a:effectRef idx="0">
+        <a:scrgbClr r="0" g="0" b="0"/>
+      </a:effectRef>
+      <a:fontRef idx="minor"/>
+    </dgm:style>
+  </dgm:styleLbl>
+  <dgm:styleLbl name="fgShp">
+    <dgm:scene3d>
+      <a:camera prst="orthographicFront"/>
+      <a:lightRig rig="threePt" dir="t"/>
+    </dgm:scene3d>
+    <dgm:sp3d/>
+    <dgm:txPr/>
+    <dgm:style>
+      <a:lnRef idx="2">
+        <a:scrgbClr r="0" g="0" b="0"/>
+      </a:lnRef>
+      <a:fillRef idx="1">
+        <a:scrgbClr r="0" g="0" b="0"/>
+      </a:fillRef>
+      <a:effectRef idx="0">
+        <a:scrgbClr r="0" g="0" b="0"/>
+      </a:effectRef>
+      <a:fontRef idx="minor"/>
+    </dgm:style>
+  </dgm:styleLbl>
+  <dgm:styleLbl name="revTx">
+    <dgm:scene3d>
+      <a:camera prst="orthographicFront"/>
+      <a:lightRig rig="threePt" dir="t"/>
+    </dgm:scene3d>
+    <dgm:sp3d/>
+    <dgm:txPr/>
+    <dgm:style>
+      <a:lnRef idx="0">
+        <a:scrgbClr r="0" g="0" b="0"/>
+      </a:lnRef>
+      <a:fillRef idx="0">
+        <a:scrgbClr r="0" g="0" b="0"/>
+      </a:fillRef>
+      <a:effectRef idx="0">
+        <a:scrgbClr r="0" g="0" b="0"/>
+      </a:effectRef>
+      <a:fontRef idx="minor"/>
+    </dgm:style>
+  </dgm:styleLbl>
+</dgm:styleDef>
+</file>
+
+<file path=ppt/diagrams/quickStyle2.xml><?xml version="1.0" encoding="utf-8"?>
+<dgm:styleDef xmlns:dgm="http://schemas.openxmlformats.org/drawingml/2006/diagram" xmlns:a="http://schemas.openxmlformats.org/drawingml/2006/main" uniqueId="urn:microsoft.com/office/officeart/2005/8/quickstyle/simple1">
+  <dgm:title val=""/>
+  <dgm:desc val=""/>
+  <dgm:catLst>
+    <dgm:cat type="simple" pri="10100"/>
+  </dgm:catLst>
+  <dgm:scene3d>
+    <a:camera prst="orthographicFront"/>
+    <a:lightRig rig="threePt" dir="t"/>
+  </dgm:scene3d>
+  <dgm:styleLbl name="node0">
+    <dgm:scene3d>
+      <a:camera prst="orthographicFront"/>
+      <a:lightRig rig="threePt" dir="t"/>
+    </dgm:scene3d>
+    <dgm:sp3d/>
+    <dgm:txPr/>
+    <dgm:style>
+      <a:lnRef idx="2">
+        <a:scrgbClr r="0" g="0" b="0"/>
+      </a:lnRef>
+      <a:fillRef idx="1">
+        <a:scrgbClr r="0" g="0" b="0"/>
+      </a:fillRef>
+      <a:effectRef idx="0">
+        <a:scrgbClr r="0" g="0" b="0"/>
+      </a:effectRef>
+      <a:fontRef idx="minor">
+        <a:schemeClr val="lt1"/>
+      </a:fontRef>
+    </dgm:style>
+  </dgm:styleLbl>
+  <dgm:styleLbl name="lnNode1">
+    <dgm:scene3d>
+      <a:camera prst="orthographicFront"/>
+      <a:lightRig rig="threePt" dir="t"/>
+    </dgm:scene3d>
+    <dgm:sp3d/>
+    <dgm:txPr/>
+    <dgm:style>
+      <a:lnRef idx="2">
+        <a:scrgbClr r="0" g="0" b="0"/>
+      </a:lnRef>
+      <a:fillRef idx="1">
+        <a:scrgbClr r="0" g="0" b="0"/>
+      </a:fillRef>
+      <a:effectRef idx="0">
+        <a:scrgbClr r="0" g="0" b="0"/>
+      </a:effectRef>
+      <a:fontRef idx="minor">
+        <a:schemeClr val="lt1"/>
+      </a:fontRef>
+    </dgm:style>
+  </dgm:styleLbl>
+  <dgm:styleLbl name="vennNode1">
+    <dgm:scene3d>
+      <a:camera prst="orthographicFront"/>
+      <a:lightRig rig="threePt" dir="t"/>
+    </dgm:scene3d>
+    <dgm:sp3d/>
+    <dgm:txPr/>
+    <dgm:style>
+      <a:lnRef idx="2">
+        <a:scrgbClr r="0" g="0" b="0"/>
+      </a:lnRef>
+      <a:fillRef idx="1">
+        <a:scrgbClr r="0" g="0" b="0"/>
+      </a:fillRef>
+      <a:effectRef idx="0">
+        <a:scrgbClr r="0" g="0" b="0"/>
+      </a:effectRef>
+      <a:fontRef idx="minor">
+        <a:schemeClr val="tx1"/>
+      </a:fontRef>
+    </dgm:style>
+  </dgm:styleLbl>
+  <dgm:styleLbl name="alignNode1">
+    <dgm:scene3d>
+      <a:camera prst="orthographicFront"/>
+      <a:lightRig rig="threePt" dir="t"/>
+    </dgm:scene3d>
+    <dgm:sp3d/>
+    <dgm:txPr/>
+    <dgm:style>
+      <a:lnRef idx="2">
+        <a:scrgbClr r="0" g="0" b="0"/>
+      </a:lnRef>
+      <a:fillRef idx="1">
+        <a:scrgbClr r="0" g="0" b="0"/>
+      </a:fillRef>
+      <a:effectRef idx="0">
+        <a:scrgbClr r="0" g="0" b="0"/>
+      </a:effectRef>
+      <a:fontRef idx="minor">
+        <a:schemeClr val="lt1"/>
+      </a:fontRef>
+    </dgm:style>
+  </dgm:styleLbl>
+  <dgm:styleLbl name="node1">
+    <dgm:scene3d>
+      <a:camera prst="orthographicFront"/>
+      <a:lightRig rig="threePt" dir="t"/>
+    </dgm:scene3d>
+    <dgm:sp3d/>
+    <dgm:txPr/>
+    <dgm:style>
+      <a:lnRef idx="2">
+        <a:scrgbClr r="0" g="0" b="0"/>
+      </a:lnRef>
+      <a:fillRef idx="1">
+        <a:scrgbClr r="0" g="0" b="0"/>
+      </a:fillRef>
+      <a:effectRef idx="0">
+        <a:scrgbClr r="0" g="0" b="0"/>
+      </a:effectRef>
+      <a:fontRef idx="minor">
+        <a:schemeClr val="lt1"/>
+      </a:fontRef>
+    </dgm:style>
+  </dgm:styleLbl>
+  <dgm:styleLbl name="node2">
+    <dgm:scene3d>
+      <a:camera prst="orthographicFront"/>
+      <a:lightRig rig="threePt" dir="t"/>
+    </dgm:scene3d>
+    <dgm:sp3d/>
+    <dgm:txPr/>
+    <dgm:style>
+      <a:lnRef idx="2">
+        <a:scrgbClr r="0" g="0" b="0"/>
+      </a:lnRef>
+      <a:fillRef idx="1">
+        <a:scrgbClr r="0" g="0" b="0"/>
+      </a:fillRef>
+      <a:effectRef idx="0">
+        <a:scrgbClr r="0" g="0" b="0"/>
+      </a:effectRef>
+      <a:fontRef idx="minor">
+        <a:schemeClr val="lt1"/>
+      </a:fontRef>
+    </dgm:style>
+  </dgm:styleLbl>
+  <dgm:styleLbl name="node3">
+    <dgm:scene3d>
+      <a:camera prst="orthographicFront"/>
+      <a:lightRig rig="threePt" dir="t"/>
+    </dgm:scene3d>
+    <dgm:sp3d/>
+    <dgm:txPr/>
+    <dgm:style>
+      <a:lnRef idx="2">
+        <a:scrgbClr r="0" g="0" b="0"/>
+      </a:lnRef>
+      <a:fillRef idx="1">
+        <a:scrgbClr r="0" g="0" b="0"/>
+      </a:fillRef>
+      <a:effectRef idx="0">
+        <a:scrgbClr r="0" g="0" b="0"/>
+      </a:effectRef>
+      <a:fontRef idx="minor">
+        <a:schemeClr val="lt1"/>
+      </a:fontRef>
+    </dgm:style>
+  </dgm:styleLbl>
+  <dgm:styleLbl name="node4">
+    <dgm:scene3d>
+      <a:camera prst="orthographicFront"/>
+      <a:lightRig rig="threePt" dir="t"/>
+    </dgm:scene3d>
+    <dgm:sp3d/>
+    <dgm:txPr/>
+    <dgm:style>
+      <a:lnRef idx="2">
+        <a:scrgbClr r="0" g="0" b="0"/>
+      </a:lnRef>
+      <a:fillRef idx="1">
+        <a:scrgbClr r="0" g="0" b="0"/>
+      </a:fillRef>
+      <a:effectRef idx="0">
+        <a:scrgbClr r="0" g="0" b="0"/>
+      </a:effectRef>
+      <a:fontRef idx="minor">
+        <a:schemeClr val="lt1"/>
+      </a:fontRef>
+    </dgm:style>
+  </dgm:styleLbl>
+  <dgm:styleLbl name="fgImgPlace1">
+    <dgm:scene3d>
+      <a:camera prst="orthographicFront"/>
+      <a:lightRig rig="threePt" dir="t"/>
+    </dgm:scene3d>
+    <dgm:sp3d/>
+    <dgm:txPr/>
+    <dgm:style>
+      <a:lnRef idx="2">
+        <a:scrgbClr r="0" g="0" b="0"/>
+      </a:lnRef>
+      <a:fillRef idx="1">
+        <a:scrgbClr r="0" g="0" b="0"/>
+      </a:fillRef>
+      <a:effectRef idx="0">
+        <a:scrgbClr r="0" g="0" b="0"/>
+      </a:effectRef>
+      <a:fontRef idx="minor"/>
+    </dgm:style>
+  </dgm:styleLbl>
+  <dgm:styleLbl name="alignImgPlace1">
+    <dgm:scene3d>
+      <a:camera prst="orthographicFront"/>
+      <a:lightRig rig="threePt" dir="t"/>
+    </dgm:scene3d>
+    <dgm:sp3d/>
+    <dgm:txPr/>
+    <dgm:style>
+      <a:lnRef idx="2">
+        <a:scrgbClr r="0" g="0" b="0"/>
+      </a:lnRef>
+      <a:fillRef idx="1">
+        <a:scrgbClr r="0" g="0" b="0"/>
+      </a:fillRef>
+      <a:effectRef idx="0">
+        <a:scrgbClr r="0" g="0" b="0"/>
+      </a:effectRef>
+      <a:fontRef idx="minor"/>
+    </dgm:style>
+  </dgm:styleLbl>
+  <dgm:styleLbl name="bgImgPlace1">
+    <dgm:scene3d>
+      <a:camera prst="orthographicFront"/>
+      <a:lightRig rig="threePt" dir="t"/>
+    </dgm:scene3d>
+    <dgm:sp3d/>
+    <dgm:txPr/>
+    <dgm:style>
+      <a:lnRef idx="2">
+        <a:scrgbClr r="0" g="0" b="0"/>
+      </a:lnRef>
+      <a:fillRef idx="1">
+        <a:scrgbClr r="0" g="0" b="0"/>
+      </a:fillRef>
+      <a:effectRef idx="0">
+        <a:scrgbClr r="0" g="0" b="0"/>
+      </a:effectRef>
+      <a:fontRef idx="minor"/>
+    </dgm:style>
+  </dgm:styleLbl>
+  <dgm:styleLbl name="sibTrans2D1">
+    <dgm:scene3d>
+      <a:camera prst="orthographicFront"/>
+      <a:lightRig rig="threePt" dir="t"/>
+    </dgm:scene3d>
+    <dgm:sp3d/>
+    <dgm:txPr/>
+    <dgm:style>
+      <a:lnRef idx="0">
+        <a:scrgbClr r="0" g="0" b="0"/>
+      </a:lnRef>
+      <a:fillRef idx="1">
+        <a:scrgbClr r="0" g="0" b="0"/>
+      </a:fillRef>
+      <a:effectRef idx="0">
+        <a:scrgbClr r="0" g="0" b="0"/>
+      </a:effectRef>
+      <a:fontRef idx="minor">
+        <a:schemeClr val="lt1"/>
+      </a:fontRef>
+    </dgm:style>
+  </dgm:styleLbl>
+  <dgm:styleLbl name="fgSibTrans2D1">
+    <dgm:scene3d>
+      <a:camera prst="orthographicFront"/>
+      <a:lightRig rig="threePt" dir="t"/>
+    </dgm:scene3d>
+    <dgm:sp3d/>
+    <dgm:txPr/>
+    <dgm:style>
+      <a:lnRef idx="0">
+        <a:scrgbClr r="0" g="0" b="0"/>
+      </a:lnRef>
+      <a:fillRef idx="1">
+        <a:scrgbClr r="0" g="0" b="0"/>
+      </a:fillRef>
+      <a:effectRef idx="0">
+        <a:scrgbClr r="0" g="0" b="0"/>
+      </a:effectRef>
+      <a:fontRef idx="minor">
+        <a:schemeClr val="lt1"/>
+      </a:fontRef>
+    </dgm:style>
+  </dgm:styleLbl>
+  <dgm:styleLbl name="bgSibTrans2D1">
+    <dgm:scene3d>
+      <a:camera prst="orthographicFront"/>
+      <a:lightRig rig="threePt" dir="t"/>
+    </dgm:scene3d>
+    <dgm:sp3d/>
+    <dgm:txPr/>
+    <dgm:style>
+      <a:lnRef idx="0">
+        <a:scrgbClr r="0" g="0" b="0"/>
+      </a:lnRef>
+      <a:fillRef idx="1">
+        <a:scrgbClr r="0" g="0" b="0"/>
+      </a:fillRef>
+      <a:effectRef idx="0">
+        <a:scrgbClr r="0" g="0" b="0"/>
+      </a:effectRef>
+      <a:fontRef idx="minor">
+        <a:schemeClr val="lt1"/>
+      </a:fontRef>
+    </dgm:style>
+  </dgm:styleLbl>
+  <dgm:styleLbl name="sibTrans1D1">
+    <dgm:scene3d>
+      <a:camera prst="orthographicFront"/>
+      <a:lightRig rig="threePt" dir="t"/>
+    </dgm:scene3d>
+    <dgm:sp3d/>
+    <dgm:txPr/>
+    <dgm:style>
+      <a:lnRef idx="1">
+        <a:scrgbClr r="0" g="0" b="0"/>
+      </a:lnRef>
+      <a:fillRef idx="0">
+        <a:scrgbClr r="0" g="0" b="0"/>
+      </a:fillRef>
+      <a:effectRef idx="0">
+        <a:scrgbClr r="0" g="0" b="0"/>
+      </a:effectRef>
+      <a:fontRef idx="minor"/>
+    </dgm:style>
+  </dgm:styleLbl>
+  <dgm:styleLbl name="callout">
+    <dgm:scene3d>
+      <a:camera prst="orthographicFront"/>
+      <a:lightRig rig="threePt" dir="t"/>
+    </dgm:scene3d>
+    <dgm:sp3d/>
+    <dgm:txPr/>
+    <dgm:style>
+      <a:lnRef idx="2">
+        <a:scrgbClr r="0" g="0" b="0"/>
+      </a:lnRef>
+      <a:fillRef idx="1">
+        <a:scrgbClr r="0" g="0" b="0"/>
+      </a:fillRef>
+      <a:effectRef idx="0">
+        <a:scrgbClr r="0" g="0" b="0"/>
+      </a:effectRef>
+      <a:fontRef idx="minor"/>
+    </dgm:style>
+  </dgm:styleLbl>
+  <dgm:styleLbl name="asst0">
+    <dgm:scene3d>
+      <a:camera prst="orthographicFront"/>
+      <a:lightRig rig="threePt" dir="t"/>
+    </dgm:scene3d>
+    <dgm:sp3d/>
+    <dgm:txPr/>
+    <dgm:style>
+      <a:lnRef idx="2">
+        <a:scrgbClr r="0" g="0" b="0"/>
+      </a:lnRef>
+      <a:fillRef idx="1">
+        <a:scrgbClr r="0" g="0" b="0"/>
+      </a:fillRef>
+      <a:effectRef idx="0">
+        <a:scrgbClr r="0" g="0" b="0"/>
+      </a:effectRef>
+      <a:fontRef idx="minor">
+        <a:schemeClr val="lt1"/>
+      </a:fontRef>
+    </dgm:style>
+  </dgm:styleLbl>
+  <dgm:styleLbl name="asst1">
+    <dgm:scene3d>
+      <a:camera prst="orthographicFront"/>
+      <a:lightRig rig="threePt" dir="t"/>
+    </dgm:scene3d>
+    <dgm:sp3d/>
+    <dgm:txPr/>
+    <dgm:style>
+      <a:lnRef idx="2">
+        <a:scrgbClr r="0" g="0" b="0"/>
+      </a:lnRef>
+      <a:fillRef idx="1">
+        <a:scrgbClr r="0" g="0" b="0"/>
+      </a:fillRef>
+      <a:effectRef idx="0">
+        <a:scrgbClr r="0" g="0" b="0"/>
+      </a:effectRef>
+      <a:fontRef idx="minor">
+        <a:schemeClr val="lt1"/>
+      </a:fontRef>
+    </dgm:style>
+  </dgm:styleLbl>
+  <dgm:styleLbl name="asst2">
+    <dgm:scene3d>
+      <a:camera prst="orthographicFront"/>
+      <a:lightRig rig="threePt" dir="t"/>
+    </dgm:scene3d>
+    <dgm:sp3d/>
+    <dgm:txPr/>
+    <dgm:style>
+      <a:lnRef idx="2">
+        <a:scrgbClr r="0" g="0" b="0"/>
+      </a:lnRef>
+      <a:fillRef idx="1">
+        <a:scrgbClr r="0" g="0" b="0"/>
+      </a:fillRef>
+      <a:effectRef idx="0">
+        <a:scrgbClr r="0" g="0" b="0"/>
+      </a:effectRef>
+      <a:fontRef idx="minor">
+        <a:schemeClr val="lt1"/>
+      </a:fontRef>
+    </dgm:style>
+  </dgm:styleLbl>
+  <dgm:styleLbl name="asst3">
+    <dgm:scene3d>
+      <a:camera prst="orthographicFront"/>
+      <a:lightRig rig="threePt" dir="t"/>
+    </dgm:scene3d>
+    <dgm:sp3d/>
+    <dgm:txPr/>
+    <dgm:style>
+      <a:lnRef idx="2">
+        <a:scrgbClr r="0" g="0" b="0"/>
+      </a:lnRef>
+      <a:fillRef idx="1">
+        <a:scrgbClr r="0" g="0" b="0"/>
+      </a:fillRef>
+      <a:effectRef idx="0">
+        <a:scrgbClr r="0" g="0" b="0"/>
+      </a:effectRef>
+      <a:fontRef idx="minor">
+        <a:schemeClr val="lt1"/>
+      </a:fontRef>
+    </dgm:style>
+  </dgm:styleLbl>
+  <dgm:styleLbl name="asst4">
+    <dgm:scene3d>
+      <a:camera prst="orthographicFront"/>
+      <a:lightRig rig="threePt" dir="t"/>
+    </dgm:scene3d>
+    <dgm:sp3d/>
+    <dgm:txPr/>
+    <dgm:style>
+      <a:lnRef idx="2">
+        <a:scrgbClr r="0" g="0" b="0"/>
+      </a:lnRef>
+      <a:fillRef idx="1">
+        <a:scrgbClr r="0" g="0" b="0"/>
+      </a:fillRef>
+      <a:effectRef idx="0">
+        <a:scrgbClr r="0" g="0" b="0"/>
+      </a:effectRef>
+      <a:fontRef idx="minor">
+        <a:schemeClr val="lt1"/>
+      </a:fontRef>
+    </dgm:style>
+  </dgm:styleLbl>
+  <dgm:styleLbl name="parChTrans2D1">
+    <dgm:scene3d>
+      <a:camera prst="orthographicFront"/>
+      <a:lightRig rig="threePt" dir="t"/>
+    </dgm:scene3d>
+    <dgm:sp3d/>
+    <dgm:txPr/>
+    <dgm:style>
+      <a:lnRef idx="2">
+        <a:scrgbClr r="0" g="0" b="0"/>
+      </a:lnRef>
+      <a:fillRef idx="1">
+        <a:scrgbClr r="0" g="0" b="0"/>
+      </a:fillRef>
+      <a:effectRef idx="0">
+        <a:scrgbClr r="0" g="0" b="0"/>
+      </a:effectRef>
+      <a:fontRef idx="minor">
+        <a:schemeClr val="lt1"/>
+      </a:fontRef>
+    </dgm:style>
+  </dgm:styleLbl>
+  <dgm:styleLbl name="parChTrans2D2">
+    <dgm:scene3d>
+      <a:camera prst="orthographicFront"/>
+      <a:lightRig rig="threePt" dir="t"/>
+    </dgm:scene3d>
+    <dgm:sp3d/>
+    <dgm:txPr/>
+    <dgm:style>
+      <a:lnRef idx="2">
+        <a:scrgbClr r="0" g="0" b="0"/>
+      </a:lnRef>
+      <a:fillRef idx="1">
+        <a:scrgbClr r="0" g="0" b="0"/>
+      </a:fillRef>
+      <a:effectRef idx="0">
+        <a:scrgbClr r="0" g="0" b="0"/>
+      </a:effectRef>
+      <a:fontRef idx="minor">
+        <a:schemeClr val="lt1"/>
+      </a:fontRef>
+    </dgm:style>
+  </dgm:styleLbl>
+  <dgm:styleLbl name="parChTrans2D3">
+    <dgm:scene3d>
+      <a:camera prst="orthographicFront"/>
+      <a:lightRig rig="threePt" dir="t"/>
+    </dgm:scene3d>
+    <dgm:sp3d/>
+    <dgm:txPr/>
+    <dgm:style>
+      <a:lnRef idx="2">
+        <a:scrgbClr r="0" g="0" b="0"/>
+      </a:lnRef>
+      <a:fillRef idx="1">
+        <a:scrgbClr r="0" g="0" b="0"/>
+      </a:fillRef>
+      <a:effectRef idx="0">
+        <a:scrgbClr r="0" g="0" b="0"/>
+      </a:effectRef>
+      <a:fontRef idx="minor">
+        <a:schemeClr val="lt1"/>
+      </a:fontRef>
+    </dgm:style>
+  </dgm:styleLbl>
+  <dgm:styleLbl name="parChTrans2D4">
+    <dgm:scene3d>
+      <a:camera prst="orthographicFront"/>
+      <a:lightRig rig="threePt" dir="t"/>
+    </dgm:scene3d>
+    <dgm:sp3d/>
+    <dgm:txPr/>
+    <dgm:style>
+      <a:lnRef idx="2">
+        <a:scrgbClr r="0" g="0" b="0"/>
+      </a:lnRef>
+      <a:fillRef idx="1">
+        <a:scrgbClr r="0" g="0" b="0"/>
+      </a:fillRef>
+      <a:effectRef idx="0">
+        <a:scrgbClr r="0" g="0" b="0"/>
+      </a:effectRef>
+      <a:fontRef idx="minor">
+        <a:schemeClr val="lt1"/>
+      </a:fontRef>
+    </dgm:style>
+  </dgm:styleLbl>
+  <dgm:styleLbl name="parChTrans1D1">
+    <dgm:scene3d>
+      <a:camera prst="orthographicFront"/>
+      <a:lightRig rig="threePt" dir="t"/>
+    </dgm:scene3d>
+    <dgm:sp3d/>
+    <dgm:txPr/>
+    <dgm:style>
+      <a:lnRef idx="2">
+        <a:scrgbClr r="0" g="0" b="0"/>
+      </a:lnRef>
+      <a:fillRef idx="0">
+        <a:scrgbClr r="0" g="0" b="0"/>
+      </a:fillRef>
+      <a:effectRef idx="0">
+        <a:scrgbClr r="0" g="0" b="0"/>
+      </a:effectRef>
+      <a:fontRef idx="minor"/>
+    </dgm:style>
+  </dgm:styleLbl>
+  <dgm:styleLbl name="parChTrans1D2">
+    <dgm:scene3d>
+      <a:camera prst="orthographicFront"/>
+      <a:lightRig rig="threePt" dir="t"/>
+    </dgm:scene3d>
+    <dgm:sp3d/>
+    <dgm:txPr/>
+    <dgm:style>
+      <a:lnRef idx="2">
+        <a:scrgbClr r="0" g="0" b="0"/>
+      </a:lnRef>
+      <a:fillRef idx="0">
+        <a:scrgbClr r="0" g="0" b="0"/>
+      </a:fillRef>
+      <a:effectRef idx="0">
+        <a:scrgbClr r="0" g="0" b="0"/>
+      </a:effectRef>
+      <a:fontRef idx="minor"/>
+    </dgm:style>
+  </dgm:styleLbl>
+  <dgm:styleLbl name="parChTrans1D3">
+    <dgm:scene3d>
+      <a:camera prst="orthographicFront"/>
+      <a:lightRig rig="threePt" dir="t"/>
+    </dgm:scene3d>
+    <dgm:sp3d/>
+    <dgm:txPr/>
+    <dgm:style>
+      <a:lnRef idx="2">
+        <a:scrgbClr r="0" g="0" b="0"/>
+      </a:lnRef>
+      <a:fillRef idx="0">
+        <a:scrgbClr r="0" g="0" b="0"/>
+      </a:fillRef>
+      <a:effectRef idx="0">
+        <a:scrgbClr r="0" g="0" b="0"/>
+      </a:effectRef>
+      <a:fontRef idx="minor"/>
+    </dgm:style>
+  </dgm:styleLbl>
+  <dgm:styleLbl name="parChTrans1D4">
+    <dgm:scene3d>
+      <a:camera prst="orthographicFront"/>
+      <a:lightRig rig="threePt" dir="t"/>
+    </dgm:scene3d>
+    <dgm:sp3d/>
+    <dgm:txPr/>
+    <dgm:style>
+      <a:lnRef idx="2">
+        <a:scrgbClr r="0" g="0" b="0"/>
+      </a:lnRef>
+      <a:fillRef idx="0">
+        <a:scrgbClr r="0" g="0" b="0"/>
+      </a:fillRef>
+      <a:effectRef idx="0">
+        <a:scrgbClr r="0" g="0" b="0"/>
+      </a:effectRef>
+      <a:fontRef idx="minor"/>
+    </dgm:style>
+  </dgm:styleLbl>
+  <dgm:styleLbl name="fgAcc1">
+    <dgm:scene3d>
+      <a:camera prst="orthographicFront"/>
+      <a:lightRig rig="threePt" dir="t"/>
+    </dgm:scene3d>
+    <dgm:sp3d/>
+    <dgm:txPr/>
+    <dgm:style>
+      <a:lnRef idx="2">
+        <a:scrgbClr r="0" g="0" b="0"/>
+      </a:lnRef>
+      <a:fillRef idx="1">
+        <a:scrgbClr r="0" g="0" b="0"/>
+      </a:fillRef>
+      <a:effectRef idx="0">
+        <a:scrgbClr r="0" g="0" b="0"/>
+      </a:effectRef>
+      <a:fontRef idx="minor"/>
+    </dgm:style>
+  </dgm:styleLbl>
+  <dgm:styleLbl name="conFgAcc1">
+    <dgm:scene3d>
+      <a:camera prst="orthographicFront"/>
+      <a:lightRig rig="threePt" dir="t"/>
+    </dgm:scene3d>
+    <dgm:sp3d/>
+    <dgm:txPr/>
+    <dgm:style>
+      <a:lnRef idx="2">
+        <a:scrgbClr r="0" g="0" b="0"/>
+      </a:lnRef>
+      <a:fillRef idx="1">
+        <a:scrgbClr r="0" g="0" b="0"/>
+      </a:fillRef>
+      <a:effectRef idx="0">
+        <a:scrgbClr r="0" g="0" b="0"/>
+      </a:effectRef>
+      <a:fontRef idx="minor"/>
+    </dgm:style>
+  </dgm:styleLbl>
+  <dgm:styleLbl name="alignAcc1">
+    <dgm:scene3d>
+      <a:camera prst="orthographicFront"/>
+      <a:lightRig rig="threePt" dir="t"/>
+    </dgm:scene3d>
+    <dgm:sp3d/>
+    <dgm:txPr/>
+    <dgm:style>
+      <a:lnRef idx="2">
+        <a:scrgbClr r="0" g="0" b="0"/>
+      </a:lnRef>
+      <a:fillRef idx="1">
+        <a:scrgbClr r="0" g="0" b="0"/>
+      </a:fillRef>
+      <a:effectRef idx="0">
+        <a:scrgbClr r="0" g="0" b="0"/>
+      </a:effectRef>
+      <a:fontRef idx="minor"/>
+    </dgm:style>
+  </dgm:styleLbl>
+  <dgm:styleLbl name="trAlignAcc1">
+    <dgm:scene3d>
+      <a:camera prst="orthographicFront"/>
+      <a:lightRig rig="threePt" dir="t"/>
+    </dgm:scene3d>
+    <dgm:sp3d/>
+    <dgm:txPr/>
+    <dgm:style>
+      <a:lnRef idx="1">
+        <a:scrgbClr r="0" g="0" b="0"/>
+      </a:lnRef>
+      <a:fillRef idx="1">
+        <a:scrgbClr r="0" g="0" b="0"/>
+      </a:fillRef>
+      <a:effectRef idx="0">
+        <a:scrgbClr r="0" g="0" b="0"/>
+      </a:effectRef>
+      <a:fontRef idx="minor"/>
+    </dgm:style>
+  </dgm:styleLbl>
+  <dgm:styleLbl name="bgAcc1">
+    <dgm:scene3d>
+      <a:camera prst="orthographicFront"/>
+      <a:lightRig rig="threePt" dir="t"/>
+    </dgm:scene3d>
+    <dgm:sp3d/>
+    <dgm:txPr/>
+    <dgm:style>
+      <a:lnRef idx="2">
+        <a:scrgbClr r="0" g="0" b="0"/>
+      </a:lnRef>
+      <a:fillRef idx="1">
+        <a:scrgbClr r="0" g="0" b="0"/>
+      </a:fillRef>
+      <a:effectRef idx="0">
+        <a:scrgbClr r="0" g="0" b="0"/>
+      </a:effectRef>
+      <a:fontRef idx="minor"/>
+    </dgm:style>
+  </dgm:styleLbl>
+  <dgm:styleLbl name="solidFgAcc1">
+    <dgm:scene3d>
+      <a:camera prst="orthographicFront"/>
+      <a:lightRig rig="threePt" dir="t"/>
+    </dgm:scene3d>
+    <dgm:sp3d/>
+    <dgm:txPr/>
+    <dgm:style>
+      <a:lnRef idx="2">
+        <a:scrgbClr r="0" g="0" b="0"/>
+      </a:lnRef>
+      <a:fillRef idx="1">
+        <a:scrgbClr r="0" g="0" b="0"/>
+      </a:fillRef>
+      <a:effectRef idx="0">
+        <a:scrgbClr r="0" g="0" b="0"/>
+      </a:effectRef>
+      <a:fontRef idx="minor"/>
+    </dgm:style>
+  </dgm:styleLbl>
+  <dgm:styleLbl name="solidAlignAcc1">
+    <dgm:scene3d>
+      <a:camera prst="orthographicFront"/>
+      <a:lightRig rig="threePt" dir="t"/>
+    </dgm:scene3d>
+    <dgm:sp3d/>
+    <dgm:txPr/>
+    <dgm:style>
+      <a:lnRef idx="2">
+        <a:scrgbClr r="0" g="0" b="0"/>
+      </a:lnRef>
+      <a:fillRef idx="1">
+        <a:scrgbClr r="0" g="0" b="0"/>
+      </a:fillRef>
+      <a:effectRef idx="0">
+        <a:scrgbClr r="0" g="0" b="0"/>
+      </a:effectRef>
+      <a:fontRef idx="minor"/>
+    </dgm:style>
+  </dgm:styleLbl>
+  <dgm:styleLbl name="solidBgAcc1">
+    <dgm:scene3d>
+      <a:camera prst="orthographicFront"/>
+      <a:lightRig rig="threePt" dir="t"/>
+    </dgm:scene3d>
+    <dgm:sp3d/>
+    <dgm:txPr/>
+    <dgm:style>
+      <a:lnRef idx="2">
+        <a:scrgbClr r="0" g="0" b="0"/>
+      </a:lnRef>
+      <a:fillRef idx="1">
+        <a:scrgbClr r="0" g="0" b="0"/>
+      </a:fillRef>
+      <a:effectRef idx="0">
+        <a:scrgbClr r="0" g="0" b="0"/>
+      </a:effectRef>
+      <a:fontRef idx="minor"/>
+    </dgm:style>
+  </dgm:styleLbl>
+  <dgm:styleLbl name="fgAccFollowNode1">
+    <dgm:scene3d>
+      <a:camera prst="orthographicFront"/>
+      <a:lightRig rig="threePt" dir="t"/>
+    </dgm:scene3d>
+    <dgm:sp3d/>
+    <dgm:txPr/>
+    <dgm:style>
+      <a:lnRef idx="2">
+        <a:scrgbClr r="0" g="0" b="0"/>
+      </a:lnRef>
+      <a:fillRef idx="1">
+        <a:scrgbClr r="0" g="0" b="0"/>
+      </a:fillRef>
+      <a:effectRef idx="0">
+        <a:scrgbClr r="0" g="0" b="0"/>
+      </a:effectRef>
+      <a:fontRef idx="minor"/>
+    </dgm:style>
+  </dgm:styleLbl>
+  <dgm:styleLbl name="alignAccFollowNode1">
+    <dgm:scene3d>
+      <a:camera prst="orthographicFront"/>
+      <a:lightRig rig="threePt" dir="t"/>
+    </dgm:scene3d>
+    <dgm:sp3d/>
+    <dgm:txPr/>
+    <dgm:style>
+      <a:lnRef idx="2">
+        <a:scrgbClr r="0" g="0" b="0"/>
+      </a:lnRef>
+      <a:fillRef idx="1">
+        <a:scrgbClr r="0" g="0" b="0"/>
+      </a:fillRef>
+      <a:effectRef idx="0">
+        <a:scrgbClr r="0" g="0" b="0"/>
+      </a:effectRef>
+      <a:fontRef idx="minor"/>
+    </dgm:style>
+  </dgm:styleLbl>
+  <dgm:styleLbl name="bgAccFollowNode1">
+    <dgm:scene3d>
+      <a:camera prst="orthographicFront"/>
+      <a:lightRig rig="threePt" dir="t"/>
+    </dgm:scene3d>
+    <dgm:sp3d/>
+    <dgm:txPr/>
+    <dgm:style>
+      <a:lnRef idx="2">
+        <a:scrgbClr r="0" g="0" b="0"/>
+      </a:lnRef>
+      <a:fillRef idx="1">
+        <a:scrgbClr r="0" g="0" b="0"/>
+      </a:fillRef>
+      <a:effectRef idx="0">
+        <a:scrgbClr r="0" g="0" b="0"/>
+      </a:effectRef>
+      <a:fontRef idx="minor"/>
+    </dgm:style>
+  </dgm:styleLbl>
+  <dgm:styleLbl name="fgAcc0">
+    <dgm:scene3d>
+      <a:camera prst="orthographicFront"/>
+      <a:lightRig rig="threePt" dir="t"/>
+    </dgm:scene3d>
+    <dgm:sp3d/>
+    <dgm:txPr/>
+    <dgm:style>
+      <a:lnRef idx="2">
+        <a:scrgbClr r="0" g="0" b="0"/>
+      </a:lnRef>
+      <a:fillRef idx="1">
+        <a:scrgbClr r="0" g="0" b="0"/>
+      </a:fillRef>
+      <a:effectRef idx="0">
+        <a:scrgbClr r="0" g="0" b="0"/>
+      </a:effectRef>
+      <a:fontRef idx="minor"/>
+    </dgm:style>
+  </dgm:styleLbl>
+  <dgm:styleLbl name="fgAcc2">
+    <dgm:scene3d>
+      <a:camera prst="orthographicFront"/>
+      <a:lightRig rig="threePt" dir="t"/>
+    </dgm:scene3d>
+    <dgm:sp3d/>
+    <dgm:txPr/>
+    <dgm:style>
+      <a:lnRef idx="2">
+        <a:scrgbClr r="0" g="0" b="0"/>
+      </a:lnRef>
+      <a:fillRef idx="1">
+        <a:scrgbClr r="0" g="0" b="0"/>
+      </a:fillRef>
+      <a:effectRef idx="0">
+        <a:scrgbClr r="0" g="0" b="0"/>
+      </a:effectRef>
+      <a:fontRef idx="minor"/>
+    </dgm:style>
+  </dgm:styleLbl>
+  <dgm:styleLbl name="fgAcc3">
+    <dgm:scene3d>
+      <a:camera prst="orthographicFront"/>
+      <a:lightRig rig="threePt" dir="t"/>
+    </dgm:scene3d>
+    <dgm:sp3d/>
+    <dgm:txPr/>
+    <dgm:style>
+      <a:lnRef idx="2">
+        <a:scrgbClr r="0" g="0" b="0"/>
+      </a:lnRef>
+      <a:fillRef idx="1">
+        <a:scrgbClr r="0" g="0" b="0"/>
+      </a:fillRef>
+      <a:effectRef idx="0">
+        <a:scrgbClr r="0" g="0" b="0"/>
+      </a:effectRef>
+      <a:fontRef idx="minor"/>
+    </dgm:style>
+  </dgm:styleLbl>
+  <dgm:styleLbl name="fgAcc4">
+    <dgm:scene3d>
+      <a:camera prst="orthographicFront"/>
+      <a:lightRig rig="threePt" dir="t"/>
+    </dgm:scene3d>
+    <dgm:sp3d/>
+    <dgm:txPr/>
+    <dgm:style>
+      <a:lnRef idx="2">
+        <a:scrgbClr r="0" g="0" b="0"/>
+      </a:lnRef>
+      <a:fillRef idx="1">
+        <a:scrgbClr r="0" g="0" b="0"/>
+      </a:fillRef>
+      <a:effectRef idx="0">
+        <a:scrgbClr r="0" g="0" b="0"/>
+      </a:effectRef>
+      <a:fontRef idx="minor"/>
+    </dgm:style>
+  </dgm:styleLbl>
+  <dgm:styleLbl name="bgShp">
+    <dgm:scene3d>
+      <a:camera prst="orthographicFront"/>
+      <a:lightRig rig="threePt" dir="t"/>
+    </dgm:scene3d>
+    <dgm:sp3d/>
+    <dgm:txPr/>
+    <dgm:style>
+      <a:lnRef idx="0">
+        <a:scrgbClr r="0" g="0" b="0"/>
+      </a:lnRef>
+      <a:fillRef idx="1">
+        <a:scrgbClr r="0" g="0" b="0"/>
+      </a:fillRef>
+      <a:effectRef idx="0">
+        <a:scrgbClr r="0" g="0" b="0"/>
+      </a:effectRef>
+      <a:fontRef idx="minor"/>
+    </dgm:style>
+  </dgm:styleLbl>
+  <dgm:styleLbl name="dkBgShp">
+    <dgm:scene3d>
+      <a:camera prst="orthographicFront"/>
+      <a:lightRig rig="threePt" dir="t"/>
+    </dgm:scene3d>
+    <dgm:sp3d/>
+    <dgm:txPr/>
+    <dgm:style>
+      <a:lnRef idx="0">
+        <a:scrgbClr r="0" g="0" b="0"/>
+      </a:lnRef>
+      <a:fillRef idx="1">
+        <a:scrgbClr r="0" g="0" b="0"/>
+      </a:fillRef>
+      <a:effectRef idx="0">
+        <a:scrgbClr r="0" g="0" b="0"/>
+      </a:effectRef>
+      <a:fontRef idx="minor"/>
+    </dgm:style>
+  </dgm:styleLbl>
+  <dgm:styleLbl name="trBgShp">
+    <dgm:scene3d>
+      <a:camera prst="orthographicFront"/>
+      <a:lightRig rig="threePt" dir="t"/>
+    </dgm:scene3d>
+    <dgm:sp3d/>
+    <dgm:txPr/>
+    <dgm:style>
+      <a:lnRef idx="0">
+        <a:scrgbClr r="0" g="0" b="0"/>
+      </a:lnRef>
+      <a:fillRef idx="1">
+        <a:scrgbClr r="0" g="0" b="0"/>
+      </a:fillRef>
+      <a:effectRef idx="0">
+        <a:scrgbClr r="0" g="0" b="0"/>
+      </a:effectRef>
+      <a:fontRef idx="minor"/>
+    </dgm:style>
+  </dgm:styleLbl>
+  <dgm:styleLbl name="fgShp">
+    <dgm:scene3d>
+      <a:camera prst="orthographicFront"/>
+      <a:lightRig rig="threePt" dir="t"/>
+    </dgm:scene3d>
+    <dgm:sp3d/>
+    <dgm:txPr/>
+    <dgm:style>
+      <a:lnRef idx="2">
+        <a:scrgbClr r="0" g="0" b="0"/>
+      </a:lnRef>
+      <a:fillRef idx="1">
+        <a:scrgbClr r="0" g="0" b="0"/>
+      </a:fillRef>
+      <a:effectRef idx="0">
+        <a:scrgbClr r="0" g="0" b="0"/>
+      </a:effectRef>
+      <a:fontRef idx="minor"/>
+    </dgm:style>
+  </dgm:styleLbl>
+  <dgm:styleLbl name="revTx">
+    <dgm:scene3d>
+      <a:camera prst="orthographicFront"/>
+      <a:lightRig rig="threePt" dir="t"/>
+    </dgm:scene3d>
+    <dgm:sp3d/>
+    <dgm:txPr/>
+    <dgm:style>
+      <a:lnRef idx="0">
+        <a:scrgbClr r="0" g="0" b="0"/>
+      </a:lnRef>
+      <a:fillRef idx="0">
+        <a:scrgbClr r="0" g="0" b="0"/>
+      </a:fillRef>
+      <a:effectRef idx="0">
+        <a:scrgbClr r="0" g="0" b="0"/>
+      </a:effectRef>
+      <a:fontRef idx="minor"/>
+    </dgm:style>
+  </dgm:styleLbl>
+</dgm:styleDef>
+</file>
+
 <file path=ppt/notesMasters/notesMaster1.xml><?xml version="1.0" encoding="utf-8"?>
 <p:notesMaster xmlns:a="http://schemas.openxmlformats.org/drawingml/2006/main" xmlns:r="http://schemas.openxmlformats.org/officeDocument/2006/relationships" xmlns:p="http://schemas.openxmlformats.org/presentationml/2006/main">
   <p:cSld>
@@ -208,7 +6160,7 @@
           <a:p>
             <a:fld id="{DD997E93-1C09-47B7-89B0-78454C233E1A}" type="datetimeFigureOut">
               <a:rPr lang="en-US" smtClean="0"/>
-              <a:t>5/4/2025</a:t>
+              <a:t>5/5/2025</a:t>
             </a:fld>
             <a:endParaRPr lang="en-US"/>
           </a:p>
@@ -755,7 +6707,7 @@
           <a:p>
             <a:fld id="{42F1BB42-BFC8-474A-9D69-65C817AE1623}" type="datetimeFigureOut">
               <a:rPr lang="en-US" smtClean="0"/>
-              <a:t>5/4/2025</a:t>
+              <a:t>5/5/2025</a:t>
             </a:fld>
             <a:endParaRPr lang="en-US"/>
           </a:p>
@@ -976,7 +6928,7 @@
           <a:p>
             <a:fld id="{42F1BB42-BFC8-474A-9D69-65C817AE1623}" type="datetimeFigureOut">
               <a:rPr lang="en-US" smtClean="0"/>
-              <a:t>5/4/2025</a:t>
+              <a:t>5/5/2025</a:t>
             </a:fld>
             <a:endParaRPr lang="en-US"/>
           </a:p>
@@ -1156,7 +7108,7 @@
           <a:p>
             <a:fld id="{42F1BB42-BFC8-474A-9D69-65C817AE1623}" type="datetimeFigureOut">
               <a:rPr lang="en-US" smtClean="0"/>
-              <a:t>5/4/2025</a:t>
+              <a:t>5/5/2025</a:t>
             </a:fld>
             <a:endParaRPr lang="en-US"/>
           </a:p>
@@ -1326,7 +7278,7 @@
           <a:p>
             <a:fld id="{42F1BB42-BFC8-474A-9D69-65C817AE1623}" type="datetimeFigureOut">
               <a:rPr lang="en-US" smtClean="0"/>
-              <a:t>5/4/2025</a:t>
+              <a:t>5/5/2025</a:t>
             </a:fld>
             <a:endParaRPr lang="en-US"/>
           </a:p>
@@ -1577,7 +7529,7 @@
           <a:p>
             <a:fld id="{42F1BB42-BFC8-474A-9D69-65C817AE1623}" type="datetimeFigureOut">
               <a:rPr lang="en-US" smtClean="0"/>
-              <a:t>5/4/2025</a:t>
+              <a:t>5/5/2025</a:t>
             </a:fld>
             <a:endParaRPr lang="en-US"/>
           </a:p>
@@ -1900,7 +7852,7 @@
           <a:p>
             <a:fld id="{42F1BB42-BFC8-474A-9D69-65C817AE1623}" type="datetimeFigureOut">
               <a:rPr lang="en-US" smtClean="0"/>
-              <a:t>5/4/2025</a:t>
+              <a:t>5/5/2025</a:t>
             </a:fld>
             <a:endParaRPr lang="en-US"/>
           </a:p>
@@ -2324,7 +8276,7 @@
           <a:p>
             <a:fld id="{42F1BB42-BFC8-474A-9D69-65C817AE1623}" type="datetimeFigureOut">
               <a:rPr lang="en-US" smtClean="0"/>
-              <a:t>5/4/2025</a:t>
+              <a:t>5/5/2025</a:t>
             </a:fld>
             <a:endParaRPr lang="en-US"/>
           </a:p>
@@ -2442,7 +8394,7 @@
           <a:p>
             <a:fld id="{42F1BB42-BFC8-474A-9D69-65C817AE1623}" type="datetimeFigureOut">
               <a:rPr lang="en-US" smtClean="0"/>
-              <a:t>5/4/2025</a:t>
+              <a:t>5/5/2025</a:t>
             </a:fld>
             <a:endParaRPr lang="en-US"/>
           </a:p>
@@ -2537,7 +8489,7 @@
           <a:p>
             <a:fld id="{42F1BB42-BFC8-474A-9D69-65C817AE1623}" type="datetimeFigureOut">
               <a:rPr lang="en-US" smtClean="0"/>
-              <a:t>5/4/2025</a:t>
+              <a:t>5/5/2025</a:t>
             </a:fld>
             <a:endParaRPr lang="en-US"/>
           </a:p>
@@ -2827,7 +8779,7 @@
           <a:p>
             <a:fld id="{42F1BB42-BFC8-474A-9D69-65C817AE1623}" type="datetimeFigureOut">
               <a:rPr lang="en-US" smtClean="0"/>
-              <a:t>5/4/2025</a:t>
+              <a:t>5/5/2025</a:t>
             </a:fld>
             <a:endParaRPr lang="en-US"/>
           </a:p>
@@ -3099,7 +9051,7 @@
           <a:p>
             <a:fld id="{42F1BB42-BFC8-474A-9D69-65C817AE1623}" type="datetimeFigureOut">
               <a:rPr lang="en-US" smtClean="0"/>
-              <a:t>5/4/2025</a:t>
+              <a:t>5/5/2025</a:t>
             </a:fld>
             <a:endParaRPr lang="en-US"/>
           </a:p>
@@ -3353,7 +9305,7 @@
           <a:p>
             <a:fld id="{42F1BB42-BFC8-474A-9D69-65C817AE1623}" type="datetimeFigureOut">
               <a:rPr lang="en-US" smtClean="0"/>
-              <a:t>5/4/2025</a:t>
+              <a:t>5/5/2025</a:t>
             </a:fld>
             <a:endParaRPr lang="en-US"/>
           </a:p>
@@ -4730,6 +10682,484 @@
 </p:sld>
 </file>
 
+<file path=ppt/slides/slide13.xml><?xml version="1.0" encoding="utf-8"?>
+<p:sld xmlns:a="http://schemas.openxmlformats.org/drawingml/2006/main" xmlns:r="http://schemas.openxmlformats.org/officeDocument/2006/relationships" xmlns:p="http://schemas.openxmlformats.org/presentationml/2006/main">
+  <p:cSld>
+    <p:bg>
+      <p:bgPr>
+        <a:solidFill>
+          <a:schemeClr val="accent1"/>
+        </a:solidFill>
+        <a:effectLst/>
+      </p:bgPr>
+    </p:bg>
+    <p:spTree>
+      <p:nvGrpSpPr>
+        <p:cNvPr id="1" name=""/>
+        <p:cNvGrpSpPr/>
+        <p:nvPr/>
+      </p:nvGrpSpPr>
+      <p:grpSpPr>
+        <a:xfrm>
+          <a:off x="0" y="0"/>
+          <a:ext cx="0" cy="0"/>
+          <a:chOff x="0" y="0"/>
+          <a:chExt cx="0" cy="0"/>
+        </a:xfrm>
+      </p:grpSpPr>
+      <p:sp>
+        <p:nvSpPr>
+          <p:cNvPr id="9" name="Rectangle 8">
+            <a:extLst>
+              <a:ext uri="{FF2B5EF4-FFF2-40B4-BE49-F238E27FC236}">
+                <a16:creationId xmlns:a16="http://schemas.microsoft.com/office/drawing/2014/main" id="{809C0BCD-BEE9-423F-A51C-BCCD8E5EAADA}"/>
+              </a:ext>
+              <a:ext uri="{C183D7F6-B498-43B3-948B-1728B52AA6E4}">
+                <adec:decorative xmlns:adec="http://schemas.microsoft.com/office/drawing/2017/decorative" val="1"/>
+              </a:ext>
+            </a:extLst>
+          </p:cNvPr>
+          <p:cNvSpPr>
+            <a:spLocks noGrp="1" noRot="1" noChangeAspect="1" noMove="1" noResize="1" noEditPoints="1" noAdjustHandles="1" noChangeArrowheads="1" noChangeShapeType="1" noTextEdit="1"/>
+          </p:cNvSpPr>
+          <p:nvPr>
+            <p:extLst>
+              <p:ext uri="{386F3935-93C4-4BCD-93E2-E3B085C9AB24}">
+                <p16:designElem xmlns:p16="http://schemas.microsoft.com/office/powerpoint/2015/main" val="1"/>
+              </p:ext>
+            </p:extLst>
+          </p:nvPr>
+        </p:nvSpPr>
+        <p:spPr>
+          <a:xfrm>
+            <a:off x="231140" y="243840"/>
+            <a:ext cx="11724640" cy="6377939"/>
+          </a:xfrm>
+          <a:prstGeom prst="rect">
+            <a:avLst/>
+          </a:prstGeom>
+          <a:solidFill>
+            <a:schemeClr val="bg1"/>
+          </a:solidFill>
+          <a:ln w="12700">
+            <a:noFill/>
+          </a:ln>
+        </p:spPr>
+        <p:style>
+          <a:lnRef idx="2">
+            <a:schemeClr val="accent1">
+              <a:shade val="50000"/>
+            </a:schemeClr>
+          </a:lnRef>
+          <a:fillRef idx="1">
+            <a:schemeClr val="accent1"/>
+          </a:fillRef>
+          <a:effectRef idx="0">
+            <a:schemeClr val="accent1"/>
+          </a:effectRef>
+          <a:fontRef idx="minor">
+            <a:schemeClr val="lt1"/>
+          </a:fontRef>
+        </p:style>
+        <p:txBody>
+          <a:bodyPr/>
+          <a:lstStyle/>
+          <a:p>
+            <a:endParaRPr lang="en-US"/>
+          </a:p>
+        </p:txBody>
+      </p:sp>
+      <p:sp>
+        <p:nvSpPr>
+          <p:cNvPr id="11" name="Rectangle 10">
+            <a:extLst>
+              <a:ext uri="{FF2B5EF4-FFF2-40B4-BE49-F238E27FC236}">
+                <a16:creationId xmlns:a16="http://schemas.microsoft.com/office/drawing/2014/main" id="{9998D094-42B2-42BA-AA14-E8FBE073A5D8}"/>
+              </a:ext>
+              <a:ext uri="{C183D7F6-B498-43B3-948B-1728B52AA6E4}">
+                <adec:decorative xmlns:adec="http://schemas.microsoft.com/office/drawing/2017/decorative" val="1"/>
+              </a:ext>
+            </a:extLst>
+          </p:cNvPr>
+          <p:cNvSpPr>
+            <a:spLocks noGrp="1" noRot="1" noChangeAspect="1" noMove="1" noResize="1" noEditPoints="1" noAdjustHandles="1" noChangeArrowheads="1" noChangeShapeType="1" noTextEdit="1"/>
+          </p:cNvSpPr>
+          <p:nvPr>
+            <p:extLst>
+              <p:ext uri="{386F3935-93C4-4BCD-93E2-E3B085C9AB24}">
+                <p16:designElem xmlns:p16="http://schemas.microsoft.com/office/powerpoint/2015/main" val="1"/>
+              </p:ext>
+            </p:extLst>
+          </p:nvPr>
+        </p:nvSpPr>
+        <p:spPr>
+          <a:xfrm>
+            <a:off x="231140" y="243840"/>
+            <a:ext cx="11724640" cy="6377939"/>
+          </a:xfrm>
+          <a:prstGeom prst="rect">
+            <a:avLst/>
+          </a:prstGeom>
+          <a:solidFill>
+            <a:schemeClr val="accent1"/>
+          </a:solidFill>
+          <a:ln w="12700">
+            <a:solidFill>
+              <a:srgbClr val="FFFFFF"/>
+            </a:solidFill>
+          </a:ln>
+        </p:spPr>
+        <p:style>
+          <a:lnRef idx="2">
+            <a:schemeClr val="accent1">
+              <a:shade val="50000"/>
+            </a:schemeClr>
+          </a:lnRef>
+          <a:fillRef idx="1">
+            <a:schemeClr val="accent1"/>
+          </a:fillRef>
+          <a:effectRef idx="0">
+            <a:schemeClr val="accent1"/>
+          </a:effectRef>
+          <a:fontRef idx="minor">
+            <a:schemeClr val="lt1"/>
+          </a:fontRef>
+        </p:style>
+        <p:txBody>
+          <a:bodyPr/>
+          <a:lstStyle/>
+          <a:p>
+            <a:endParaRPr lang="en-US"/>
+          </a:p>
+        </p:txBody>
+      </p:sp>
+      <p:cxnSp>
+        <p:nvCxnSpPr>
+          <p:cNvPr id="13" name="Straight Connector 12">
+            <a:extLst>
+              <a:ext uri="{FF2B5EF4-FFF2-40B4-BE49-F238E27FC236}">
+                <a16:creationId xmlns:a16="http://schemas.microsoft.com/office/drawing/2014/main" id="{8465D64B-59F4-4BDC-B833-A17EF1E04697}"/>
+              </a:ext>
+              <a:ext uri="{C183D7F6-B498-43B3-948B-1728B52AA6E4}">
+                <adec:decorative xmlns:adec="http://schemas.microsoft.com/office/drawing/2017/decorative" val="1"/>
+              </a:ext>
+            </a:extLst>
+          </p:cNvPr>
+          <p:cNvCxnSpPr>
+            <a:cxnSpLocks noGrp="1" noRot="1" noChangeAspect="1" noMove="1" noResize="1" noEditPoints="1" noAdjustHandles="1" noChangeArrowheads="1" noChangeShapeType="1"/>
+          </p:cNvCxnSpPr>
+          <p:nvPr>
+            <p:extLst>
+              <p:ext uri="{386F3935-93C4-4BCD-93E2-E3B085C9AB24}">
+                <p16:designElem xmlns:p16="http://schemas.microsoft.com/office/powerpoint/2015/main" val="1"/>
+              </p:ext>
+            </p:extLst>
+          </p:nvPr>
+        </p:nvCxnSpPr>
+        <p:spPr>
+          <a:xfrm>
+            <a:off x="1978660" y="3733800"/>
+            <a:ext cx="8229601" cy="0"/>
+          </a:xfrm>
+          <a:prstGeom prst="line">
+            <a:avLst/>
+          </a:prstGeom>
+          <a:ln>
+            <a:solidFill>
+              <a:srgbClr val="FFFFFF"/>
+            </a:solidFill>
+          </a:ln>
+        </p:spPr>
+        <p:style>
+          <a:lnRef idx="1">
+            <a:schemeClr val="accent1"/>
+          </a:lnRef>
+          <a:fillRef idx="0">
+            <a:schemeClr val="accent1"/>
+          </a:fillRef>
+          <a:effectRef idx="0">
+            <a:schemeClr val="accent1"/>
+          </a:effectRef>
+          <a:fontRef idx="minor">
+            <a:schemeClr val="tx1"/>
+          </a:fontRef>
+        </p:style>
+      </p:cxnSp>
+      <p:sp>
+        <p:nvSpPr>
+          <p:cNvPr id="15" name="Rectangle 14">
+            <a:extLst>
+              <a:ext uri="{FF2B5EF4-FFF2-40B4-BE49-F238E27FC236}">
+                <a16:creationId xmlns:a16="http://schemas.microsoft.com/office/drawing/2014/main" id="{F7726A94-1EF0-4D91-B7BF-C033E3D6E51B}"/>
+              </a:ext>
+              <a:ext uri="{C183D7F6-B498-43B3-948B-1728B52AA6E4}">
+                <adec:decorative xmlns:adec="http://schemas.microsoft.com/office/drawing/2017/decorative" val="1"/>
+              </a:ext>
+            </a:extLst>
+          </p:cNvPr>
+          <p:cNvSpPr>
+            <a:spLocks noGrp="1" noRot="1" noChangeAspect="1" noMove="1" noResize="1" noEditPoints="1" noAdjustHandles="1" noChangeArrowheads="1" noChangeShapeType="1" noTextEdit="1"/>
+          </p:cNvSpPr>
+          <p:nvPr>
+            <p:extLst>
+              <p:ext uri="{386F3935-93C4-4BCD-93E2-E3B085C9AB24}">
+                <p16:designElem xmlns:p16="http://schemas.microsoft.com/office/powerpoint/2015/main" val="1"/>
+              </p:ext>
+            </p:extLst>
+          </p:nvPr>
+        </p:nvSpPr>
+        <p:spPr>
+          <a:xfrm>
+            <a:off x="231140" y="243840"/>
+            <a:ext cx="11724640" cy="6377939"/>
+          </a:xfrm>
+          <a:prstGeom prst="rect">
+            <a:avLst/>
+          </a:prstGeom>
+          <a:solidFill>
+            <a:schemeClr val="accent1">
+              <a:lumMod val="75000"/>
+            </a:schemeClr>
+          </a:solidFill>
+          <a:ln w="12700">
+            <a:solidFill>
+              <a:srgbClr val="FFFFFF"/>
+            </a:solidFill>
+          </a:ln>
+        </p:spPr>
+        <p:style>
+          <a:lnRef idx="2">
+            <a:schemeClr val="accent1">
+              <a:shade val="50000"/>
+            </a:schemeClr>
+          </a:lnRef>
+          <a:fillRef idx="1">
+            <a:schemeClr val="accent1"/>
+          </a:fillRef>
+          <a:effectRef idx="0">
+            <a:schemeClr val="accent1"/>
+          </a:effectRef>
+          <a:fontRef idx="minor">
+            <a:schemeClr val="lt1"/>
+          </a:fontRef>
+        </p:style>
+        <p:txBody>
+          <a:bodyPr/>
+          <a:lstStyle/>
+          <a:p>
+            <a:endParaRPr lang="en-US"/>
+          </a:p>
+        </p:txBody>
+      </p:sp>
+      <p:pic>
+        <p:nvPicPr>
+          <p:cNvPr id="5" name="Picture 4" descr="Question marks in a line and one question mark is lit">
+            <a:extLst>
+              <a:ext uri="{FF2B5EF4-FFF2-40B4-BE49-F238E27FC236}">
+                <a16:creationId xmlns:a16="http://schemas.microsoft.com/office/drawing/2014/main" id="{15620180-1C54-2BCA-471A-3009ABCB0FA1}"/>
+              </a:ext>
+            </a:extLst>
+          </p:cNvPr>
+          <p:cNvPicPr>
+            <a:picLocks noChangeAspect="1"/>
+          </p:cNvPicPr>
+          <p:nvPr/>
+        </p:nvPicPr>
+        <p:blipFill>
+          <a:blip r:embed="rId2">
+            <a:duotone>
+              <a:schemeClr val="accent1">
+                <a:shade val="45000"/>
+                <a:satMod val="135000"/>
+              </a:schemeClr>
+              <a:prstClr val="white"/>
+            </a:duotone>
+            <a:alphaModFix amt="60000"/>
+          </a:blip>
+          <a:srcRect t="2056" b="13674"/>
+          <a:stretch/>
+        </p:blipFill>
+        <p:spPr>
+          <a:xfrm>
+            <a:off x="20" y="-1"/>
+            <a:ext cx="12191980" cy="6858001"/>
+          </a:xfrm>
+          <a:prstGeom prst="rect">
+            <a:avLst/>
+          </a:prstGeom>
+        </p:spPr>
+      </p:pic>
+      <p:cxnSp>
+        <p:nvCxnSpPr>
+          <p:cNvPr id="17" name="Straight Connector 16">
+            <a:extLst>
+              <a:ext uri="{FF2B5EF4-FFF2-40B4-BE49-F238E27FC236}">
+                <a16:creationId xmlns:a16="http://schemas.microsoft.com/office/drawing/2014/main" id="{98F0650C-11DF-45E6-8EC2-E3B298F0D80A}"/>
+              </a:ext>
+              <a:ext uri="{C183D7F6-B498-43B3-948B-1728B52AA6E4}">
+                <adec:decorative xmlns:adec="http://schemas.microsoft.com/office/drawing/2017/decorative" val="1"/>
+              </a:ext>
+            </a:extLst>
+          </p:cNvPr>
+          <p:cNvCxnSpPr>
+            <a:cxnSpLocks noGrp="1" noRot="1" noChangeAspect="1" noMove="1" noResize="1" noEditPoints="1" noAdjustHandles="1" noChangeArrowheads="1" noChangeShapeType="1"/>
+          </p:cNvCxnSpPr>
+          <p:nvPr>
+            <p:extLst>
+              <p:ext uri="{386F3935-93C4-4BCD-93E2-E3B085C9AB24}">
+                <p16:designElem xmlns:p16="http://schemas.microsoft.com/office/powerpoint/2015/main" val="1"/>
+              </p:ext>
+            </p:extLst>
+          </p:nvPr>
+        </p:nvCxnSpPr>
+        <p:spPr>
+          <a:xfrm>
+            <a:off x="1978660" y="3733800"/>
+            <a:ext cx="8229601" cy="0"/>
+          </a:xfrm>
+          <a:prstGeom prst="line">
+            <a:avLst/>
+          </a:prstGeom>
+          <a:ln>
+            <a:solidFill>
+              <a:srgbClr val="FFFFFF"/>
+            </a:solidFill>
+          </a:ln>
+        </p:spPr>
+        <p:style>
+          <a:lnRef idx="1">
+            <a:schemeClr val="accent1"/>
+          </a:lnRef>
+          <a:fillRef idx="0">
+            <a:schemeClr val="accent1"/>
+          </a:fillRef>
+          <a:effectRef idx="0">
+            <a:schemeClr val="accent1"/>
+          </a:effectRef>
+          <a:fontRef idx="minor">
+            <a:schemeClr val="tx1"/>
+          </a:fontRef>
+        </p:style>
+      </p:cxnSp>
+      <p:sp>
+        <p:nvSpPr>
+          <p:cNvPr id="19" name="Rectangle 18">
+            <a:extLst>
+              <a:ext uri="{FF2B5EF4-FFF2-40B4-BE49-F238E27FC236}">
+                <a16:creationId xmlns:a16="http://schemas.microsoft.com/office/drawing/2014/main" id="{24FB4153-1E3E-4AE9-8306-E8C292894B04}"/>
+              </a:ext>
+              <a:ext uri="{C183D7F6-B498-43B3-948B-1728B52AA6E4}">
+                <adec:decorative xmlns:adec="http://schemas.microsoft.com/office/drawing/2017/decorative" val="1"/>
+              </a:ext>
+            </a:extLst>
+          </p:cNvPr>
+          <p:cNvSpPr>
+            <a:spLocks noGrp="1" noRot="1" noChangeAspect="1" noMove="1" noResize="1" noEditPoints="1" noAdjustHandles="1" noChangeArrowheads="1" noChangeShapeType="1" noTextEdit="1"/>
+          </p:cNvSpPr>
+          <p:nvPr>
+            <p:extLst>
+              <p:ext uri="{386F3935-93C4-4BCD-93E2-E3B085C9AB24}">
+                <p16:designElem xmlns:p16="http://schemas.microsoft.com/office/powerpoint/2015/main" val="1"/>
+              </p:ext>
+            </p:extLst>
+          </p:nvPr>
+        </p:nvSpPr>
+        <p:spPr>
+          <a:xfrm>
+            <a:off x="228600" y="246888"/>
+            <a:ext cx="11724640" cy="6377939"/>
+          </a:xfrm>
+          <a:prstGeom prst="rect">
+            <a:avLst/>
+          </a:prstGeom>
+          <a:noFill/>
+          <a:ln w="12700">
+            <a:solidFill>
+              <a:srgbClr val="FFFFFF"/>
+            </a:solidFill>
+          </a:ln>
+        </p:spPr>
+        <p:style>
+          <a:lnRef idx="2">
+            <a:schemeClr val="accent1">
+              <a:shade val="50000"/>
+            </a:schemeClr>
+          </a:lnRef>
+          <a:fillRef idx="1">
+            <a:schemeClr val="accent1"/>
+          </a:fillRef>
+          <a:effectRef idx="0">
+            <a:schemeClr val="accent1"/>
+          </a:effectRef>
+          <a:fontRef idx="minor">
+            <a:schemeClr val="lt1"/>
+          </a:fontRef>
+        </p:style>
+        <p:txBody>
+          <a:bodyPr/>
+          <a:lstStyle/>
+          <a:p>
+            <a:endParaRPr lang="en-US"/>
+          </a:p>
+        </p:txBody>
+      </p:sp>
+      <p:sp>
+        <p:nvSpPr>
+          <p:cNvPr id="2" name="Title 1">
+            <a:extLst>
+              <a:ext uri="{FF2B5EF4-FFF2-40B4-BE49-F238E27FC236}">
+                <a16:creationId xmlns:a16="http://schemas.microsoft.com/office/drawing/2014/main" id="{35BCA21C-2B9E-EF8E-CEEA-DA5E9F9337B3}"/>
+              </a:ext>
+            </a:extLst>
+          </p:cNvPr>
+          <p:cNvSpPr>
+            <a:spLocks noGrp="1"/>
+          </p:cNvSpPr>
+          <p:nvPr>
+            <p:ph type="title"/>
+          </p:nvPr>
+        </p:nvSpPr>
+        <p:spPr>
+          <a:xfrm>
+            <a:off x="1109980" y="882376"/>
+            <a:ext cx="9966960" cy="2926080"/>
+          </a:xfrm>
+        </p:spPr>
+        <p:txBody>
+          <a:bodyPr vert="horz" lIns="91440" tIns="45720" rIns="91440" bIns="45720" rtlCol="0" anchor="b">
+            <a:normAutofit/>
+          </a:bodyPr>
+          <a:lstStyle/>
+          <a:p>
+            <a:pPr algn="ctr">
+              <a:lnSpc>
+                <a:spcPct val="85000"/>
+              </a:lnSpc>
+            </a:pPr>
+            <a:r>
+              <a:rPr lang="en-US" sz="7200" b="1" cap="all">
+                <a:solidFill>
+                  <a:srgbClr val="FFFFFF"/>
+                </a:solidFill>
+              </a:rPr>
+              <a:t>Questions?</a:t>
+            </a:r>
+          </a:p>
+        </p:txBody>
+      </p:sp>
+    </p:spTree>
+    <p:extLst>
+      <p:ext uri="{BB962C8B-B14F-4D97-AF65-F5344CB8AC3E}">
+        <p14:creationId xmlns:p14="http://schemas.microsoft.com/office/powerpoint/2010/main" val="2151021805"/>
+      </p:ext>
+    </p:extLst>
+  </p:cSld>
+  <p:clrMapOvr>
+    <a:masterClrMapping/>
+  </p:clrMapOvr>
+</p:sld>
+</file>
+
 <file path=ppt/slides/slide2.xml><?xml version="1.0" encoding="utf-8"?>
 <p:sld xmlns:a="http://schemas.openxmlformats.org/drawingml/2006/main" xmlns:r="http://schemas.openxmlformats.org/officeDocument/2006/relationships" xmlns:p="http://schemas.openxmlformats.org/presentationml/2006/main">
   <p:cSld>
@@ -4823,24 +11253,20 @@
           <a:lstStyle/>
           <a:p>
             <a:r>
-              <a:rPr lang="en-US" sz="2400" dirty="0" err="1"/>
-              <a:t>EncryptNotes</a:t>
+              <a:rPr lang="en-US" sz="2400" dirty="0"/>
+              <a:t>Secure, AI-powered Note App</a:t>
             </a:r>
+          </a:p>
+          <a:p>
             <a:r>
               <a:rPr lang="en-US" sz="2400" dirty="0"/>
-              <a:t> is secure note taking Web-App</a:t>
+              <a:t>Accessed from Web Browser</a:t>
             </a:r>
           </a:p>
           <a:p>
             <a:r>
               <a:rPr lang="en-US" sz="2400" dirty="0"/>
-              <a:t>It secures every note you make</a:t>
-            </a:r>
-          </a:p>
-          <a:p>
-            <a:r>
-              <a:rPr lang="en-US" sz="2400" dirty="0"/>
-              <a:t>Privacy &amp; efficiency are top priorities</a:t>
+              <a:t>Privacy &amp; Efficiency Top priorities</a:t>
             </a:r>
           </a:p>
         </p:txBody>
@@ -5016,7 +11442,7 @@
                   <a:srgbClr val="FFFFFF"/>
                 </a:solidFill>
               </a:rPr>
-              <a:t>Why a Website?</a:t>
+              <a:t>Why EncryptNotes?</a:t>
             </a:r>
           </a:p>
         </p:txBody>
@@ -5048,7 +11474,7 @@
         </p:blipFill>
         <p:spPr>
           <a:xfrm>
-            <a:off x="232861" y="243840"/>
+            <a:off x="236220" y="243840"/>
             <a:ext cx="3646837" cy="6377939"/>
           </a:xfrm>
           <a:prstGeom prst="rect">
@@ -5074,7 +11500,7 @@
         </p:nvSpPr>
         <p:spPr>
           <a:xfrm>
-            <a:off x="4441783" y="2819400"/>
+            <a:off x="4441783" y="2209800"/>
             <a:ext cx="6693061" cy="4038600"/>
           </a:xfrm>
         </p:spPr>
@@ -5137,7 +11563,64 @@
                   <a:srgbClr val="FFFFFF"/>
                 </a:solidFill>
               </a:rPr>
-              <a:t>It is a good environment to develop and create our application.</a:t>
+              <a:t>Unlike Other apps –</a:t>
+            </a:r>
+          </a:p>
+          <a:p>
+            <a:pPr>
+              <a:buClr>
+                <a:schemeClr val="accent2">
+                  <a:lumMod val="50000"/>
+                </a:schemeClr>
+              </a:buClr>
+              <a:buFont typeface="Wingdings" panose="05000000000000000000" pitchFamily="2" charset="2"/>
+              <a:buChar char="ü"/>
+            </a:pPr>
+            <a:r>
+              <a:rPr lang="en-US" sz="2600" dirty="0">
+                <a:solidFill>
+                  <a:srgbClr val="FFFFFF"/>
+                </a:solidFill>
+              </a:rPr>
+              <a:t>Ours doesn’t Lack of security</a:t>
+            </a:r>
+          </a:p>
+          <a:p>
+            <a:pPr>
+              <a:buClr>
+                <a:schemeClr val="accent2">
+                  <a:lumMod val="50000"/>
+                </a:schemeClr>
+              </a:buClr>
+              <a:buFont typeface="Wingdings" panose="05000000000000000000" pitchFamily="2" charset="2"/>
+              <a:buChar char="ü"/>
+            </a:pPr>
+            <a:r>
+              <a:rPr lang="en-US" sz="2600" dirty="0">
+                <a:solidFill>
+                  <a:srgbClr val="FFFFFF"/>
+                </a:solidFill>
+              </a:rPr>
+              <a:t>Ours doesn’t have Poor organization</a:t>
+            </a:r>
+          </a:p>
+          <a:p>
+            <a:pPr>
+              <a:buClr>
+                <a:schemeClr val="accent2">
+                  <a:lumMod val="50000"/>
+                </a:schemeClr>
+              </a:buClr>
+              <a:buFont typeface="Wingdings" panose="05000000000000000000" pitchFamily="2" charset="2"/>
+              <a:buChar char="ü"/>
+            </a:pPr>
+            <a:r>
+              <a:rPr lang="en-US" sz="2600" dirty="0">
+                <a:solidFill>
+                  <a:srgbClr val="FFFFFF"/>
+                </a:solidFill>
+              </a:rPr>
+              <a:t>Ours has automatic categorization</a:t>
             </a:r>
           </a:p>
           <a:p>
@@ -5236,6 +11719,14 @@
 <file path=ppt/slides/slide4.xml><?xml version="1.0" encoding="utf-8"?>
 <p:sld xmlns:a="http://schemas.openxmlformats.org/drawingml/2006/main" xmlns:r="http://schemas.openxmlformats.org/officeDocument/2006/relationships" xmlns:p="http://schemas.openxmlformats.org/presentationml/2006/main">
   <p:cSld>
+    <p:bg>
+      <p:bgPr>
+        <a:solidFill>
+          <a:schemeClr val="accent1"/>
+        </a:solidFill>
+        <a:effectLst/>
+      </p:bgPr>
+    </p:bg>
     <p:spTree>
       <p:nvGrpSpPr>
         <p:cNvPr id="1" name=""/>
@@ -5268,85 +11759,54 @@
         </p:nvSpPr>
         <p:spPr>
           <a:xfrm>
-            <a:off x="1158240" y="742950"/>
-            <a:ext cx="9875520" cy="1356360"/>
+            <a:off x="653145" y="609599"/>
+            <a:ext cx="3364378" cy="5606143"/>
           </a:xfrm>
         </p:spPr>
         <p:txBody>
-          <a:bodyPr/>
+          <a:bodyPr>
+            <a:normAutofit/>
+          </a:bodyPr>
           <a:lstStyle/>
           <a:p>
             <a:r>
-              <a:rPr lang="en-US" dirty="0">
-                <a:solidFill>
-                  <a:srgbClr val="002060"/>
-                </a:solidFill>
-              </a:rPr>
+              <a:rPr lang="en-US" sz="4800"/>
               <a:t>Key Features</a:t>
             </a:r>
           </a:p>
         </p:txBody>
       </p:sp>
-      <p:sp>
-        <p:nvSpPr>
-          <p:cNvPr id="3" name="Content Placeholder 2">
+      <p:graphicFrame>
+        <p:nvGraphicFramePr>
+          <p:cNvPr id="7" name="Content Placeholder 2">
             <a:extLst>
               <a:ext uri="{FF2B5EF4-FFF2-40B4-BE49-F238E27FC236}">
-                <a16:creationId xmlns:a16="http://schemas.microsoft.com/office/drawing/2014/main" id="{75847B68-83BC-AAF1-A8C2-63D477167DB8}"/>
+                <a16:creationId xmlns:a16="http://schemas.microsoft.com/office/drawing/2014/main" id="{DF1EC8D6-01D5-DED0-4160-75CCF84D339A}"/>
               </a:ext>
             </a:extLst>
           </p:cNvPr>
-          <p:cNvSpPr>
-            <a:spLocks noGrp="1"/>
-          </p:cNvSpPr>
+          <p:cNvGraphicFramePr>
+            <a:graphicFrameLocks noGrp="1"/>
+          </p:cNvGraphicFramePr>
           <p:nvPr>
             <p:ph idx="1"/>
+            <p:extLst>
+              <p:ext uri="{D42A27DB-BD31-4B8C-83A1-F6EECF244321}">
+                <p14:modId xmlns:p14="http://schemas.microsoft.com/office/powerpoint/2010/main" val="2101450116"/>
+              </p:ext>
+            </p:extLst>
           </p:nvPr>
-        </p:nvSpPr>
-        <p:spPr>
-          <a:xfrm>
-            <a:off x="1005840" y="1543050"/>
-            <a:ext cx="9872871" cy="4038600"/>
-          </a:xfrm>
-        </p:spPr>
-        <p:txBody>
-          <a:bodyPr anchor="b"/>
-          <a:lstStyle/>
-          <a:p>
-            <a:r>
-              <a:rPr lang="en-US" sz="2600" dirty="0"/>
-              <a:t>End to End Encryption</a:t>
-            </a:r>
-          </a:p>
-          <a:p>
-            <a:r>
-              <a:rPr lang="en-US" sz="2600" dirty="0"/>
-              <a:t>AI-Powered Categorization</a:t>
-            </a:r>
-          </a:p>
-          <a:p>
-            <a:r>
-              <a:rPr lang="en-US" sz="2600" dirty="0"/>
-              <a:t>User-Controlled Security Setting</a:t>
-            </a:r>
-          </a:p>
-          <a:p>
-            <a:r>
-              <a:rPr lang="en-US" sz="2600" dirty="0"/>
-              <a:t>Note Editing and Management</a:t>
-            </a:r>
-          </a:p>
-          <a:p>
-            <a:r>
-              <a:rPr lang="en-US" sz="2600" dirty="0"/>
-              <a:t>User Account Controls</a:t>
-            </a:r>
-          </a:p>
-          <a:p>
-            <a:endParaRPr lang="en-US" dirty="0"/>
-          </a:p>
-        </p:txBody>
-      </p:sp>
+        </p:nvGraphicFramePr>
+        <p:xfrm>
+          <a:off x="4545013" y="1199858"/>
+          <a:ext cx="6451943" cy="4467887"/>
+        </p:xfrm>
+        <a:graphic>
+          <a:graphicData uri="http://schemas.openxmlformats.org/drawingml/2006/diagram">
+            <dgm:relIds xmlns:dgm="http://schemas.openxmlformats.org/drawingml/2006/diagram" xmlns:r="http://schemas.openxmlformats.org/officeDocument/2006/relationships" r:dm="rId2" r:lo="rId3" r:qs="rId4" r:cs="rId5"/>
+          </a:graphicData>
+        </a:graphic>
+      </p:graphicFrame>
     </p:spTree>
     <p:extLst>
       <p:ext uri="{BB962C8B-B14F-4D97-AF65-F5344CB8AC3E}">
@@ -5363,6 +11823,14 @@
 <file path=ppt/slides/slide5.xml><?xml version="1.0" encoding="utf-8"?>
 <p:sld xmlns:a="http://schemas.openxmlformats.org/drawingml/2006/main" xmlns:r="http://schemas.openxmlformats.org/officeDocument/2006/relationships" xmlns:p="http://schemas.openxmlformats.org/presentationml/2006/main">
   <p:cSld>
+    <p:bg>
+      <p:bgPr>
+        <a:solidFill>
+          <a:schemeClr val="bg1"/>
+        </a:solidFill>
+        <a:effectLst/>
+      </p:bgPr>
+    </p:bg>
     <p:spTree>
       <p:nvGrpSpPr>
         <p:cNvPr id="1" name=""/>
@@ -5379,6 +11847,188 @@
       </p:grpSpPr>
       <p:sp>
         <p:nvSpPr>
+          <p:cNvPr id="9" name="Rectangle 8">
+            <a:extLst>
+              <a:ext uri="{FF2B5EF4-FFF2-40B4-BE49-F238E27FC236}">
+                <a16:creationId xmlns:a16="http://schemas.microsoft.com/office/drawing/2014/main" id="{4B54C89A-2D0B-4062-BF97-CA51B69D7B96}"/>
+              </a:ext>
+              <a:ext uri="{C183D7F6-B498-43B3-948B-1728B52AA6E4}">
+                <adec:decorative xmlns:adec="http://schemas.microsoft.com/office/drawing/2017/decorative" val="1"/>
+              </a:ext>
+            </a:extLst>
+          </p:cNvPr>
+          <p:cNvSpPr>
+            <a:spLocks noGrp="1" noRot="1" noChangeAspect="1" noMove="1" noResize="1" noEditPoints="1" noAdjustHandles="1" noChangeArrowheads="1" noChangeShapeType="1" noTextEdit="1"/>
+          </p:cNvSpPr>
+          <p:nvPr>
+            <p:extLst>
+              <p:ext uri="{386F3935-93C4-4BCD-93E2-E3B085C9AB24}">
+                <p16:designElem xmlns:p16="http://schemas.microsoft.com/office/powerpoint/2015/main" val="1"/>
+              </p:ext>
+            </p:extLst>
+          </p:nvPr>
+        </p:nvSpPr>
+        <p:spPr>
+          <a:xfrm>
+            <a:off x="0" y="-9079"/>
+            <a:ext cx="12192000" cy="6858000"/>
+          </a:xfrm>
+          <a:prstGeom prst="rect">
+            <a:avLst/>
+          </a:prstGeom>
+          <a:solidFill>
+            <a:schemeClr val="accent1"/>
+          </a:solidFill>
+          <a:ln>
+            <a:noFill/>
+          </a:ln>
+        </p:spPr>
+        <p:style>
+          <a:lnRef idx="2">
+            <a:schemeClr val="accent1">
+              <a:shade val="50000"/>
+            </a:schemeClr>
+          </a:lnRef>
+          <a:fillRef idx="1">
+            <a:schemeClr val="accent1"/>
+          </a:fillRef>
+          <a:effectRef idx="0">
+            <a:schemeClr val="accent1"/>
+          </a:effectRef>
+          <a:fontRef idx="minor">
+            <a:schemeClr val="lt1"/>
+          </a:fontRef>
+        </p:style>
+        <p:txBody>
+          <a:bodyPr rtlCol="0" anchor="ctr"/>
+          <a:lstStyle/>
+          <a:p>
+            <a:pPr algn="ctr"/>
+            <a:endParaRPr lang="en-US"/>
+          </a:p>
+        </p:txBody>
+      </p:sp>
+      <p:sp useBgFill="1">
+        <p:nvSpPr>
+          <p:cNvPr id="11" name="Rectangle 10">
+            <a:extLst>
+              <a:ext uri="{FF2B5EF4-FFF2-40B4-BE49-F238E27FC236}">
+                <a16:creationId xmlns:a16="http://schemas.microsoft.com/office/drawing/2014/main" id="{4091C99A-98BE-457D-87BD-7B9B6EDDC19D}"/>
+              </a:ext>
+              <a:ext uri="{C183D7F6-B498-43B3-948B-1728B52AA6E4}">
+                <adec:decorative xmlns:adec="http://schemas.microsoft.com/office/drawing/2017/decorative" val="1"/>
+              </a:ext>
+            </a:extLst>
+          </p:cNvPr>
+          <p:cNvSpPr>
+            <a:spLocks noGrp="1" noRot="1" noChangeAspect="1" noMove="1" noResize="1" noEditPoints="1" noAdjustHandles="1" noChangeArrowheads="1" noChangeShapeType="1" noTextEdit="1"/>
+          </p:cNvSpPr>
+          <p:nvPr>
+            <p:extLst>
+              <p:ext uri="{386F3935-93C4-4BCD-93E2-E3B085C9AB24}">
+                <p16:designElem xmlns:p16="http://schemas.microsoft.com/office/powerpoint/2015/main" val="1"/>
+              </p:ext>
+            </p:extLst>
+          </p:nvPr>
+        </p:nvSpPr>
+        <p:spPr>
+          <a:xfrm>
+            <a:off x="231140" y="234761"/>
+            <a:ext cx="11724640" cy="6377939"/>
+          </a:xfrm>
+          <a:prstGeom prst="rect">
+            <a:avLst/>
+          </a:prstGeom>
+          <a:ln w="12700">
+            <a:noFill/>
+          </a:ln>
+        </p:spPr>
+        <p:style>
+          <a:lnRef idx="2">
+            <a:schemeClr val="accent1">
+              <a:shade val="50000"/>
+            </a:schemeClr>
+          </a:lnRef>
+          <a:fillRef idx="1">
+            <a:schemeClr val="accent1"/>
+          </a:fillRef>
+          <a:effectRef idx="0">
+            <a:schemeClr val="accent1"/>
+          </a:effectRef>
+          <a:fontRef idx="minor">
+            <a:schemeClr val="lt1"/>
+          </a:fontRef>
+        </p:style>
+        <p:txBody>
+          <a:bodyPr/>
+          <a:lstStyle/>
+          <a:p>
+            <a:endParaRPr lang="en-US"/>
+          </a:p>
+        </p:txBody>
+      </p:sp>
+      <p:sp>
+        <p:nvSpPr>
+          <p:cNvPr id="13" name="Rectangle 12">
+            <a:extLst>
+              <a:ext uri="{FF2B5EF4-FFF2-40B4-BE49-F238E27FC236}">
+                <a16:creationId xmlns:a16="http://schemas.microsoft.com/office/drawing/2014/main" id="{960A769C-8991-4FDE-89A0-A218E5BF677A}"/>
+              </a:ext>
+              <a:ext uri="{C183D7F6-B498-43B3-948B-1728B52AA6E4}">
+                <adec:decorative xmlns:adec="http://schemas.microsoft.com/office/drawing/2017/decorative" val="1"/>
+              </a:ext>
+            </a:extLst>
+          </p:cNvPr>
+          <p:cNvSpPr>
+            <a:spLocks noGrp="1" noRot="1" noChangeAspect="1" noMove="1" noResize="1" noEditPoints="1" noAdjustHandles="1" noChangeArrowheads="1" noChangeShapeType="1" noTextEdit="1"/>
+          </p:cNvSpPr>
+          <p:nvPr>
+            <p:extLst>
+              <p:ext uri="{386F3935-93C4-4BCD-93E2-E3B085C9AB24}">
+                <p16:designElem xmlns:p16="http://schemas.microsoft.com/office/powerpoint/2015/main" val="1"/>
+              </p:ext>
+            </p:extLst>
+          </p:nvPr>
+        </p:nvSpPr>
+        <p:spPr>
+          <a:xfrm>
+            <a:off x="7569642" y="0"/>
+            <a:ext cx="4622358" cy="6858000"/>
+          </a:xfrm>
+          <a:prstGeom prst="rect">
+            <a:avLst/>
+          </a:prstGeom>
+          <a:ln>
+            <a:noFill/>
+          </a:ln>
+        </p:spPr>
+        <p:style>
+          <a:lnRef idx="2">
+            <a:schemeClr val="accent1">
+              <a:shade val="50000"/>
+            </a:schemeClr>
+          </a:lnRef>
+          <a:fillRef idx="1">
+            <a:schemeClr val="accent1"/>
+          </a:fillRef>
+          <a:effectRef idx="0">
+            <a:schemeClr val="accent1"/>
+          </a:effectRef>
+          <a:fontRef idx="minor">
+            <a:schemeClr val="lt1"/>
+          </a:fontRef>
+        </p:style>
+        <p:txBody>
+          <a:bodyPr rtlCol="0" anchor="ctr"/>
+          <a:lstStyle/>
+          <a:p>
+            <a:pPr algn="ctr"/>
+            <a:endParaRPr lang="en-US"/>
+          </a:p>
+        </p:txBody>
+      </p:sp>
+      <p:sp>
+        <p:nvSpPr>
           <p:cNvPr id="2" name="Title 1">
             <a:extLst>
               <a:ext uri="{FF2B5EF4-FFF2-40B4-BE49-F238E27FC236}">
@@ -5393,38 +12043,10 @@
             <p:ph type="title"/>
           </p:nvPr>
         </p:nvSpPr>
-        <p:spPr/>
-        <p:txBody>
-          <a:bodyPr/>
-          <a:lstStyle/>
-          <a:p>
-            <a:r>
-              <a:rPr lang="en-US" dirty="0"/>
-              <a:t>Technical Overview</a:t>
-            </a:r>
-          </a:p>
-        </p:txBody>
-      </p:sp>
-      <p:sp>
-        <p:nvSpPr>
-          <p:cNvPr id="3" name="Content Placeholder 2">
-            <a:extLst>
-              <a:ext uri="{FF2B5EF4-FFF2-40B4-BE49-F238E27FC236}">
-                <a16:creationId xmlns:a16="http://schemas.microsoft.com/office/drawing/2014/main" id="{0FEB49A9-0CC2-61FE-E58D-7C239FE45160}"/>
-              </a:ext>
-            </a:extLst>
-          </p:cNvPr>
-          <p:cNvSpPr>
-            <a:spLocks noGrp="1"/>
-          </p:cNvSpPr>
-          <p:nvPr>
-            <p:ph idx="1"/>
-          </p:nvPr>
-        </p:nvSpPr>
         <p:spPr>
           <a:xfrm>
-            <a:off x="1143000" y="1684421"/>
-            <a:ext cx="9872871" cy="4780547"/>
+            <a:off x="7989455" y="609599"/>
+            <a:ext cx="3574471" cy="5403273"/>
           </a:xfrm>
         </p:spPr>
         <p:txBody>
@@ -5434,52 +12056,109 @@
           <a:lstStyle/>
           <a:p>
             <a:r>
-              <a:rPr lang="en-US" sz="2600" dirty="0"/>
-              <a:t>Application</a:t>
-            </a:r>
-          </a:p>
-          <a:p>
-            <a:pPr lvl="1"/>
-            <a:r>
-              <a:rPr lang="en-US" sz="2600" dirty="0"/>
-              <a:t>Powered by Python and Django</a:t>
-            </a:r>
-          </a:p>
-          <a:p>
-            <a:r>
-              <a:rPr lang="en-US" sz="2600" dirty="0"/>
-              <a:t>User Authentication</a:t>
-            </a:r>
-          </a:p>
-          <a:p>
-            <a:pPr lvl="1"/>
-            <a:r>
-              <a:rPr lang="en-US" sz="2600" dirty="0"/>
-              <a:t>Secure authentication with Django</a:t>
-            </a:r>
-          </a:p>
-          <a:p>
-            <a:r>
-              <a:rPr lang="en-US" sz="2600" dirty="0"/>
-              <a:t>Encryption</a:t>
-            </a:r>
-          </a:p>
-          <a:p>
-            <a:pPr lvl="1"/>
-            <a:r>
-              <a:rPr lang="en-US" sz="2600" dirty="0"/>
-              <a:t>Data encrypted before saving to database</a:t>
-            </a:r>
-          </a:p>
-          <a:p>
-            <a:pPr lvl="1"/>
-            <a:r>
-              <a:rPr lang="en-US" sz="2600" dirty="0"/>
-              <a:t>Decrypted upon access from database</a:t>
+              <a:rPr lang="en-US" sz="6000">
+                <a:solidFill>
+                  <a:srgbClr val="FFFFFF"/>
+                </a:solidFill>
+              </a:rPr>
+              <a:t>Technical Overview</a:t>
             </a:r>
           </a:p>
         </p:txBody>
       </p:sp>
+      <p:sp>
+        <p:nvSpPr>
+          <p:cNvPr id="15" name="Rectangle 14">
+            <a:extLst>
+              <a:ext uri="{FF2B5EF4-FFF2-40B4-BE49-F238E27FC236}">
+                <a16:creationId xmlns:a16="http://schemas.microsoft.com/office/drawing/2014/main" id="{855CA58E-F8D8-4DF3-B813-C2585E0AB0EC}"/>
+              </a:ext>
+              <a:ext uri="{C183D7F6-B498-43B3-948B-1728B52AA6E4}">
+                <adec:decorative xmlns:adec="http://schemas.microsoft.com/office/drawing/2017/decorative" val="1"/>
+              </a:ext>
+            </a:extLst>
+          </p:cNvPr>
+          <p:cNvSpPr>
+            <a:spLocks noGrp="1" noRot="1" noChangeAspect="1" noMove="1" noResize="1" noEditPoints="1" noAdjustHandles="1" noChangeArrowheads="1" noChangeShapeType="1" noTextEdit="1"/>
+          </p:cNvSpPr>
+          <p:nvPr>
+            <p:extLst>
+              <p:ext uri="{386F3935-93C4-4BCD-93E2-E3B085C9AB24}">
+                <p16:designElem xmlns:p16="http://schemas.microsoft.com/office/powerpoint/2015/main" val="1"/>
+              </p:ext>
+            </p:extLst>
+          </p:nvPr>
+        </p:nvSpPr>
+        <p:spPr>
+          <a:xfrm>
+            <a:off x="231140" y="243840"/>
+            <a:ext cx="11724640" cy="6377939"/>
+          </a:xfrm>
+          <a:prstGeom prst="rect">
+            <a:avLst/>
+          </a:prstGeom>
+          <a:noFill/>
+          <a:ln w="12700">
+            <a:solidFill>
+              <a:srgbClr val="FFFFFF"/>
+            </a:solidFill>
+          </a:ln>
+        </p:spPr>
+        <p:style>
+          <a:lnRef idx="2">
+            <a:schemeClr val="accent1">
+              <a:shade val="50000"/>
+            </a:schemeClr>
+          </a:lnRef>
+          <a:fillRef idx="1">
+            <a:schemeClr val="accent1"/>
+          </a:fillRef>
+          <a:effectRef idx="0">
+            <a:schemeClr val="accent1"/>
+          </a:effectRef>
+          <a:fontRef idx="minor">
+            <a:schemeClr val="lt1"/>
+          </a:fontRef>
+        </p:style>
+        <p:txBody>
+          <a:bodyPr/>
+          <a:lstStyle/>
+          <a:p>
+            <a:endParaRPr lang="en-US"/>
+          </a:p>
+        </p:txBody>
+      </p:sp>
+      <p:graphicFrame>
+        <p:nvGraphicFramePr>
+          <p:cNvPr id="5" name="Content Placeholder 2">
+            <a:extLst>
+              <a:ext uri="{FF2B5EF4-FFF2-40B4-BE49-F238E27FC236}">
+                <a16:creationId xmlns:a16="http://schemas.microsoft.com/office/drawing/2014/main" id="{4DD9DB5A-CA61-0F65-6985-0B4332915A2C}"/>
+              </a:ext>
+            </a:extLst>
+          </p:cNvPr>
+          <p:cNvGraphicFramePr>
+            <a:graphicFrameLocks noGrp="1"/>
+          </p:cNvGraphicFramePr>
+          <p:nvPr>
+            <p:ph idx="1"/>
+            <p:extLst>
+              <p:ext uri="{D42A27DB-BD31-4B8C-83A1-F6EECF244321}">
+                <p14:modId xmlns:p14="http://schemas.microsoft.com/office/powerpoint/2010/main" val="2288094708"/>
+              </p:ext>
+            </p:extLst>
+          </p:nvPr>
+        </p:nvGraphicFramePr>
+        <p:xfrm>
+          <a:off x="862013" y="881063"/>
+          <a:ext cx="6054725" cy="5132387"/>
+        </p:xfrm>
+        <a:graphic>
+          <a:graphicData uri="http://schemas.openxmlformats.org/drawingml/2006/diagram">
+            <dgm:relIds xmlns:dgm="http://schemas.openxmlformats.org/drawingml/2006/diagram" xmlns:r="http://schemas.openxmlformats.org/officeDocument/2006/relationships" r:dm="rId2" r:lo="rId3" r:qs="rId4" r:cs="rId5"/>
+          </a:graphicData>
+        </a:graphic>
+      </p:graphicFrame>
     </p:spTree>
     <p:extLst>
       <p:ext uri="{BB962C8B-B14F-4D97-AF65-F5344CB8AC3E}">
@@ -5494,149 +12173,6 @@
 </file>
 
 <file path=ppt/slides/slide6.xml><?xml version="1.0" encoding="utf-8"?>
-<p:sld xmlns:a="http://schemas.openxmlformats.org/drawingml/2006/main" xmlns:r="http://schemas.openxmlformats.org/officeDocument/2006/relationships" xmlns:p="http://schemas.openxmlformats.org/presentationml/2006/main">
-  <p:cSld>
-    <p:spTree>
-      <p:nvGrpSpPr>
-        <p:cNvPr id="1" name=""/>
-        <p:cNvGrpSpPr/>
-        <p:nvPr/>
-      </p:nvGrpSpPr>
-      <p:grpSpPr>
-        <a:xfrm>
-          <a:off x="0" y="0"/>
-          <a:ext cx="0" cy="0"/>
-          <a:chOff x="0" y="0"/>
-          <a:chExt cx="0" cy="0"/>
-        </a:xfrm>
-      </p:grpSpPr>
-      <p:sp>
-        <p:nvSpPr>
-          <p:cNvPr id="2" name="Title 1">
-            <a:extLst>
-              <a:ext uri="{FF2B5EF4-FFF2-40B4-BE49-F238E27FC236}">
-                <a16:creationId xmlns:a16="http://schemas.microsoft.com/office/drawing/2014/main" id="{1EB2DBDA-1192-BB57-EBA7-5C6D403B1869}"/>
-              </a:ext>
-            </a:extLst>
-          </p:cNvPr>
-          <p:cNvSpPr>
-            <a:spLocks noGrp="1"/>
-          </p:cNvSpPr>
-          <p:nvPr>
-            <p:ph type="title"/>
-          </p:nvPr>
-        </p:nvSpPr>
-        <p:spPr/>
-        <p:txBody>
-          <a:bodyPr/>
-          <a:lstStyle/>
-          <a:p>
-            <a:r>
-              <a:rPr lang="en-US" dirty="0"/>
-              <a:t>Unique Features</a:t>
-            </a:r>
-          </a:p>
-        </p:txBody>
-      </p:sp>
-      <p:sp>
-        <p:nvSpPr>
-          <p:cNvPr id="3" name="Content Placeholder 2">
-            <a:extLst>
-              <a:ext uri="{FF2B5EF4-FFF2-40B4-BE49-F238E27FC236}">
-                <a16:creationId xmlns:a16="http://schemas.microsoft.com/office/drawing/2014/main" id="{BA58663C-69C1-12A4-9C12-080445505EFB}"/>
-              </a:ext>
-            </a:extLst>
-          </p:cNvPr>
-          <p:cNvSpPr>
-            <a:spLocks noGrp="1"/>
-          </p:cNvSpPr>
-          <p:nvPr>
-            <p:ph idx="1"/>
-          </p:nvPr>
-        </p:nvSpPr>
-        <p:spPr>
-          <a:xfrm>
-            <a:off x="1143000" y="2057400"/>
-            <a:ext cx="5094171" cy="4295274"/>
-          </a:xfrm>
-        </p:spPr>
-        <p:txBody>
-          <a:bodyPr/>
-          <a:lstStyle/>
-          <a:p>
-            <a:r>
-              <a:rPr lang="en-US" sz="2400" dirty="0"/>
-              <a:t>Powerful </a:t>
-            </a:r>
-            <a:r>
-              <a:rPr lang="en-US" sz="2400" dirty="0" err="1"/>
-              <a:t>TinyMCE</a:t>
-            </a:r>
-            <a:r>
-              <a:rPr lang="en-US" sz="2400" dirty="0"/>
-              <a:t> Editor utilized to create, edit, and view</a:t>
-            </a:r>
-          </a:p>
-          <a:p>
-            <a:r>
-              <a:rPr lang="en-US" sz="2400" dirty="0"/>
-              <a:t>AI powered note categorization with Google</a:t>
-            </a:r>
-          </a:p>
-          <a:p>
-            <a:endParaRPr lang="en-US" dirty="0"/>
-          </a:p>
-        </p:txBody>
-      </p:sp>
-      <p:pic>
-        <p:nvPicPr>
-          <p:cNvPr id="4" name="Picture 3" descr="A screenshot of a computer&#10;&#10;Description automatically generated">
-            <a:extLst>
-              <a:ext uri="{FF2B5EF4-FFF2-40B4-BE49-F238E27FC236}">
-                <a16:creationId xmlns:a16="http://schemas.microsoft.com/office/drawing/2014/main" id="{D8987619-5F93-7064-F624-A62BFD053A33}"/>
-              </a:ext>
-            </a:extLst>
-          </p:cNvPr>
-          <p:cNvPicPr>
-            <a:picLocks noChangeAspect="1"/>
-          </p:cNvPicPr>
-          <p:nvPr/>
-        </p:nvPicPr>
-        <p:blipFill>
-          <a:blip r:embed="rId2">
-            <a:extLst>
-              <a:ext uri="{28A0092B-C50C-407E-A947-70E740481C1C}">
-                <a14:useLocalDpi xmlns:a14="http://schemas.microsoft.com/office/drawing/2010/main" val="0"/>
-              </a:ext>
-            </a:extLst>
-          </a:blip>
-          <a:srcRect l="14140" t="18475" r="36908"/>
-          <a:stretch/>
-        </p:blipFill>
-        <p:spPr>
-          <a:xfrm>
-            <a:off x="6333422" y="1811956"/>
-            <a:ext cx="4880010" cy="4309327"/>
-          </a:xfrm>
-          <a:prstGeom prst="rect">
-            <a:avLst/>
-          </a:prstGeom>
-        </p:spPr>
-      </p:pic>
-    </p:spTree>
-    <p:extLst>
-      <p:ext uri="{BB962C8B-B14F-4D97-AF65-F5344CB8AC3E}">
-        <p14:creationId xmlns:p14="http://schemas.microsoft.com/office/powerpoint/2010/main" val="919492739"/>
-      </p:ext>
-    </p:extLst>
-  </p:cSld>
-  <p:clrMapOvr>
-    <a:masterClrMapping/>
-  </p:clrMapOvr>
-</p:sld>
-</file>
-
-<file path=ppt/slides/slide7.xml><?xml version="1.0" encoding="utf-8"?>
 <p:sld xmlns:a="http://schemas.openxmlformats.org/drawingml/2006/main" xmlns:r="http://schemas.openxmlformats.org/officeDocument/2006/relationships" xmlns:p="http://schemas.openxmlformats.org/presentationml/2006/main">
   <p:cSld>
     <p:bg>
@@ -5663,7 +12199,7 @@
       </p:grpSpPr>
       <p:sp>
         <p:nvSpPr>
-          <p:cNvPr id="10" name="Rectangle 9">
+          <p:cNvPr id="9" name="Rectangle 8">
             <a:extLst>
               <a:ext uri="{FF2B5EF4-FFF2-40B4-BE49-F238E27FC236}">
                 <a16:creationId xmlns:a16="http://schemas.microsoft.com/office/drawing/2014/main" id="{BA2EA6A6-CD0C-4CFD-8EC2-AA44F9870331}"/>
@@ -5728,6 +12264,220 @@
           <p:cNvPr id="2" name="Title 1">
             <a:extLst>
               <a:ext uri="{FF2B5EF4-FFF2-40B4-BE49-F238E27FC236}">
+                <a16:creationId xmlns:a16="http://schemas.microsoft.com/office/drawing/2014/main" id="{1EB2DBDA-1192-BB57-EBA7-5C6D403B1869}"/>
+              </a:ext>
+            </a:extLst>
+          </p:cNvPr>
+          <p:cNvSpPr>
+            <a:spLocks noGrp="1"/>
+          </p:cNvSpPr>
+          <p:nvPr>
+            <p:ph type="title"/>
+          </p:nvPr>
+        </p:nvSpPr>
+        <p:spPr>
+          <a:xfrm>
+            <a:off x="7558564" y="609600"/>
+            <a:ext cx="3912583" cy="1356360"/>
+          </a:xfrm>
+        </p:spPr>
+        <p:txBody>
+          <a:bodyPr>
+            <a:normAutofit/>
+          </a:bodyPr>
+          <a:lstStyle/>
+          <a:p>
+            <a:r>
+              <a:rPr lang="en-US" sz="3200"/>
+              <a:t>Unique Features</a:t>
+            </a:r>
+          </a:p>
+        </p:txBody>
+      </p:sp>
+      <p:pic>
+        <p:nvPicPr>
+          <p:cNvPr id="4" name="Picture 3" descr="A screenshot of a computer&#10;&#10;Description automatically generated">
+            <a:extLst>
+              <a:ext uri="{FF2B5EF4-FFF2-40B4-BE49-F238E27FC236}">
+                <a16:creationId xmlns:a16="http://schemas.microsoft.com/office/drawing/2014/main" id="{D8987619-5F93-7064-F624-A62BFD053A33}"/>
+              </a:ext>
+            </a:extLst>
+          </p:cNvPr>
+          <p:cNvPicPr>
+            <a:picLocks noChangeAspect="1"/>
+          </p:cNvPicPr>
+          <p:nvPr/>
+        </p:nvPicPr>
+        <p:blipFill>
+          <a:blip r:embed="rId2">
+            <a:extLst>
+              <a:ext uri="{28A0092B-C50C-407E-A947-70E740481C1C}">
+                <a14:useLocalDpi xmlns:a14="http://schemas.microsoft.com/office/drawing/2010/main" val="0"/>
+              </a:ext>
+            </a:extLst>
+          </a:blip>
+          <a:srcRect l="14140" t="18475" r="36908"/>
+          <a:stretch/>
+        </p:blipFill>
+        <p:spPr>
+          <a:xfrm>
+            <a:off x="982840" y="857675"/>
+            <a:ext cx="5824024" cy="5140669"/>
+          </a:xfrm>
+          <a:prstGeom prst="rect">
+            <a:avLst/>
+          </a:prstGeom>
+        </p:spPr>
+      </p:pic>
+      <p:sp>
+        <p:nvSpPr>
+          <p:cNvPr id="3" name="Content Placeholder 2">
+            <a:extLst>
+              <a:ext uri="{FF2B5EF4-FFF2-40B4-BE49-F238E27FC236}">
+                <a16:creationId xmlns:a16="http://schemas.microsoft.com/office/drawing/2014/main" id="{BA58663C-69C1-12A4-9C12-080445505EFB}"/>
+              </a:ext>
+            </a:extLst>
+          </p:cNvPr>
+          <p:cNvSpPr>
+            <a:spLocks noGrp="1"/>
+          </p:cNvSpPr>
+          <p:nvPr>
+            <p:ph idx="1"/>
+          </p:nvPr>
+        </p:nvSpPr>
+        <p:spPr>
+          <a:xfrm>
+            <a:off x="7558564" y="2057400"/>
+            <a:ext cx="3912583" cy="4038600"/>
+          </a:xfrm>
+        </p:spPr>
+        <p:txBody>
+          <a:bodyPr>
+            <a:normAutofit/>
+          </a:bodyPr>
+          <a:lstStyle/>
+          <a:p>
+            <a:r>
+              <a:rPr lang="en-US" sz="1600"/>
+              <a:t>Powerful TinyMCE Editor utilized to create, edit, and view</a:t>
+            </a:r>
+          </a:p>
+          <a:p>
+            <a:r>
+              <a:rPr lang="en-US" sz="1600"/>
+              <a:t>AI powered note categorization with Google</a:t>
+            </a:r>
+          </a:p>
+          <a:p>
+            <a:endParaRPr lang="en-US" sz="1600"/>
+          </a:p>
+        </p:txBody>
+      </p:sp>
+    </p:spTree>
+    <p:extLst>
+      <p:ext uri="{BB962C8B-B14F-4D97-AF65-F5344CB8AC3E}">
+        <p14:creationId xmlns:p14="http://schemas.microsoft.com/office/powerpoint/2010/main" val="919492739"/>
+      </p:ext>
+    </p:extLst>
+  </p:cSld>
+  <p:clrMapOvr>
+    <a:masterClrMapping/>
+  </p:clrMapOvr>
+</p:sld>
+</file>
+
+<file path=ppt/slides/slide7.xml><?xml version="1.0" encoding="utf-8"?>
+<p:sld xmlns:a="http://schemas.openxmlformats.org/drawingml/2006/main" xmlns:r="http://schemas.openxmlformats.org/officeDocument/2006/relationships" xmlns:p="http://schemas.openxmlformats.org/presentationml/2006/main">
+  <p:cSld>
+    <p:bg>
+      <p:bgPr>
+        <a:solidFill>
+          <a:schemeClr val="accent1"/>
+        </a:solidFill>
+        <a:effectLst/>
+      </p:bgPr>
+    </p:bg>
+    <p:spTree>
+      <p:nvGrpSpPr>
+        <p:cNvPr id="1" name=""/>
+        <p:cNvGrpSpPr/>
+        <p:nvPr/>
+      </p:nvGrpSpPr>
+      <p:grpSpPr>
+        <a:xfrm>
+          <a:off x="0" y="0"/>
+          <a:ext cx="0" cy="0"/>
+          <a:chOff x="0" y="0"/>
+          <a:chExt cx="0" cy="0"/>
+        </a:xfrm>
+      </p:grpSpPr>
+      <p:sp>
+        <p:nvSpPr>
+          <p:cNvPr id="22" name="Rectangle 21">
+            <a:extLst>
+              <a:ext uri="{FF2B5EF4-FFF2-40B4-BE49-F238E27FC236}">
+                <a16:creationId xmlns:a16="http://schemas.microsoft.com/office/drawing/2014/main" id="{BA2EA6A6-CD0C-4CFD-8EC2-AA44F9870331}"/>
+              </a:ext>
+              <a:ext uri="{C183D7F6-B498-43B3-948B-1728B52AA6E4}">
+                <adec:decorative xmlns:adec="http://schemas.microsoft.com/office/drawing/2017/decorative" val="1"/>
+              </a:ext>
+            </a:extLst>
+          </p:cNvPr>
+          <p:cNvSpPr>
+            <a:spLocks noGrp="1" noRot="1" noChangeAspect="1" noMove="1" noResize="1" noEditPoints="1" noAdjustHandles="1" noChangeArrowheads="1" noChangeShapeType="1" noTextEdit="1"/>
+          </p:cNvSpPr>
+          <p:nvPr>
+            <p:extLst>
+              <p:ext uri="{386F3935-93C4-4BCD-93E2-E3B085C9AB24}">
+                <p16:designElem xmlns:p16="http://schemas.microsoft.com/office/powerpoint/2015/main" val="1"/>
+              </p:ext>
+            </p:extLst>
+          </p:nvPr>
+        </p:nvSpPr>
+        <p:spPr>
+          <a:xfrm>
+            <a:off x="231140" y="243840"/>
+            <a:ext cx="11724640" cy="6377939"/>
+          </a:xfrm>
+          <a:prstGeom prst="rect">
+            <a:avLst/>
+          </a:prstGeom>
+          <a:solidFill>
+            <a:schemeClr val="bg1"/>
+          </a:solidFill>
+          <a:ln w="12700">
+            <a:noFill/>
+          </a:ln>
+        </p:spPr>
+        <p:style>
+          <a:lnRef idx="2">
+            <a:schemeClr val="accent1">
+              <a:shade val="50000"/>
+            </a:schemeClr>
+          </a:lnRef>
+          <a:fillRef idx="1">
+            <a:schemeClr val="accent1"/>
+          </a:fillRef>
+          <a:effectRef idx="0">
+            <a:schemeClr val="accent1"/>
+          </a:effectRef>
+          <a:fontRef idx="minor">
+            <a:schemeClr val="lt1"/>
+          </a:fontRef>
+        </p:style>
+        <p:txBody>
+          <a:bodyPr/>
+          <a:lstStyle/>
+          <a:p>
+            <a:endParaRPr lang="en-US"/>
+          </a:p>
+        </p:txBody>
+      </p:sp>
+      <p:sp>
+        <p:nvSpPr>
+          <p:cNvPr id="2" name="Title 1">
+            <a:extLst>
+              <a:ext uri="{FF2B5EF4-FFF2-40B4-BE49-F238E27FC236}">
                 <a16:creationId xmlns:a16="http://schemas.microsoft.com/office/drawing/2014/main" id="{8CC2B571-970B-B442-8873-8B5028DC68CA}"/>
               </a:ext>
             </a:extLst>
@@ -5752,7 +12502,7 @@
           <a:lstStyle/>
           <a:p>
             <a:r>
-              <a:rPr lang="en-US" dirty="0"/>
+              <a:rPr lang="en-US" sz="3200"/>
               <a:t>Sign Up Page</a:t>
             </a:r>
           </a:p>
@@ -5787,8 +12537,8 @@
         </p:blipFill>
         <p:spPr>
           <a:xfrm>
-            <a:off x="1113182" y="707666"/>
-            <a:ext cx="5255813" cy="5135343"/>
+            <a:off x="1264229" y="857675"/>
+            <a:ext cx="5261245" cy="5140669"/>
           </a:xfrm>
           <a:prstGeom prst="rect">
             <a:avLst/>
@@ -5811,7 +12561,7 @@
         </p:nvSpPr>
         <p:spPr>
           <a:xfrm>
-            <a:off x="7558564" y="1965960"/>
+            <a:off x="7558564" y="2057400"/>
             <a:ext cx="3912583" cy="4038600"/>
           </a:xfrm>
           <a:prstGeom prst="rect">
@@ -6048,7 +12798,7 @@
           </a:lstStyle>
           <a:p>
             <a:r>
-              <a:rPr lang="en-US" dirty="0"/>
+              <a:rPr lang="en-US" sz="1600"/>
               <a:t>Minimum password requirements for enhanced security</a:t>
             </a:r>
           </a:p>
@@ -6288,6 +13038,14 @@
 <file path=ppt/slides/slide9.xml><?xml version="1.0" encoding="utf-8"?>
 <p:sld xmlns:a="http://schemas.openxmlformats.org/drawingml/2006/main" xmlns:r="http://schemas.openxmlformats.org/officeDocument/2006/relationships" xmlns:p="http://schemas.openxmlformats.org/presentationml/2006/main">
   <p:cSld>
+    <p:bg>
+      <p:bgPr>
+        <a:solidFill>
+          <a:schemeClr val="accent1"/>
+        </a:solidFill>
+        <a:effectLst/>
+      </p:bgPr>
+    </p:bg>
     <p:spTree>
       <p:nvGrpSpPr>
         <p:cNvPr id="1" name=""/>
@@ -6304,6 +13062,358 @@
       </p:grpSpPr>
       <p:sp>
         <p:nvSpPr>
+          <p:cNvPr id="10" name="Rectangle 9">
+            <a:extLst>
+              <a:ext uri="{FF2B5EF4-FFF2-40B4-BE49-F238E27FC236}">
+                <a16:creationId xmlns:a16="http://schemas.microsoft.com/office/drawing/2014/main" id="{79CBD3C9-4E66-426D-948E-7CF4778107E8}"/>
+              </a:ext>
+              <a:ext uri="{C183D7F6-B498-43B3-948B-1728B52AA6E4}">
+                <adec:decorative xmlns:adec="http://schemas.microsoft.com/office/drawing/2017/decorative" val="1"/>
+              </a:ext>
+            </a:extLst>
+          </p:cNvPr>
+          <p:cNvSpPr>
+            <a:spLocks noGrp="1" noRot="1" noChangeAspect="1" noMove="1" noResize="1" noEditPoints="1" noAdjustHandles="1" noChangeArrowheads="1" noChangeShapeType="1" noTextEdit="1"/>
+          </p:cNvSpPr>
+          <p:nvPr>
+            <p:extLst>
+              <p:ext uri="{386F3935-93C4-4BCD-93E2-E3B085C9AB24}">
+                <p16:designElem xmlns:p16="http://schemas.microsoft.com/office/powerpoint/2015/main" val="1"/>
+              </p:ext>
+            </p:extLst>
+          </p:nvPr>
+        </p:nvSpPr>
+        <p:spPr>
+          <a:xfrm>
+            <a:off x="231140" y="243840"/>
+            <a:ext cx="11724640" cy="6377939"/>
+          </a:xfrm>
+          <a:prstGeom prst="rect">
+            <a:avLst/>
+          </a:prstGeom>
+          <a:solidFill>
+            <a:schemeClr val="bg1"/>
+          </a:solidFill>
+          <a:ln w="12700">
+            <a:noFill/>
+          </a:ln>
+        </p:spPr>
+        <p:style>
+          <a:lnRef idx="2">
+            <a:schemeClr val="accent1">
+              <a:shade val="50000"/>
+            </a:schemeClr>
+          </a:lnRef>
+          <a:fillRef idx="1">
+            <a:schemeClr val="accent1"/>
+          </a:fillRef>
+          <a:effectRef idx="0">
+            <a:schemeClr val="accent1"/>
+          </a:effectRef>
+          <a:fontRef idx="minor">
+            <a:schemeClr val="lt1"/>
+          </a:fontRef>
+        </p:style>
+        <p:txBody>
+          <a:bodyPr/>
+          <a:lstStyle/>
+          <a:p>
+            <a:endParaRPr lang="en-US"/>
+          </a:p>
+        </p:txBody>
+      </p:sp>
+      <p:sp>
+        <p:nvSpPr>
+          <p:cNvPr id="12" name="Rectangle 11">
+            <a:extLst>
+              <a:ext uri="{FF2B5EF4-FFF2-40B4-BE49-F238E27FC236}">
+                <a16:creationId xmlns:a16="http://schemas.microsoft.com/office/drawing/2014/main" id="{DDB95FCF-AD96-482F-9FB8-CD95725E6EFF}"/>
+              </a:ext>
+              <a:ext uri="{C183D7F6-B498-43B3-948B-1728B52AA6E4}">
+                <adec:decorative xmlns:adec="http://schemas.microsoft.com/office/drawing/2017/decorative" val="1"/>
+              </a:ext>
+            </a:extLst>
+          </p:cNvPr>
+          <p:cNvSpPr>
+            <a:spLocks noGrp="1" noRot="1" noChangeAspect="1" noMove="1" noResize="1" noEditPoints="1" noAdjustHandles="1" noChangeArrowheads="1" noChangeShapeType="1" noTextEdit="1"/>
+          </p:cNvSpPr>
+          <p:nvPr>
+            <p:extLst>
+              <p:ext uri="{386F3935-93C4-4BCD-93E2-E3B085C9AB24}">
+                <p16:designElem xmlns:p16="http://schemas.microsoft.com/office/powerpoint/2015/main" val="1"/>
+              </p:ext>
+            </p:extLst>
+          </p:nvPr>
+        </p:nvSpPr>
+        <p:spPr>
+          <a:xfrm>
+            <a:off x="231140" y="243840"/>
+            <a:ext cx="11724640" cy="6377939"/>
+          </a:xfrm>
+          <a:prstGeom prst="rect">
+            <a:avLst/>
+          </a:prstGeom>
+          <a:solidFill>
+            <a:schemeClr val="accent1"/>
+          </a:solidFill>
+          <a:ln w="12700">
+            <a:solidFill>
+              <a:srgbClr val="FFFFFF"/>
+            </a:solidFill>
+          </a:ln>
+        </p:spPr>
+        <p:style>
+          <a:lnRef idx="2">
+            <a:schemeClr val="accent1">
+              <a:shade val="50000"/>
+            </a:schemeClr>
+          </a:lnRef>
+          <a:fillRef idx="1">
+            <a:schemeClr val="accent1"/>
+          </a:fillRef>
+          <a:effectRef idx="0">
+            <a:schemeClr val="accent1"/>
+          </a:effectRef>
+          <a:fontRef idx="minor">
+            <a:schemeClr val="lt1"/>
+          </a:fontRef>
+        </p:style>
+        <p:txBody>
+          <a:bodyPr/>
+          <a:lstStyle/>
+          <a:p>
+            <a:endParaRPr lang="en-US"/>
+          </a:p>
+        </p:txBody>
+      </p:sp>
+      <p:cxnSp>
+        <p:nvCxnSpPr>
+          <p:cNvPr id="14" name="Straight Connector 13">
+            <a:extLst>
+              <a:ext uri="{FF2B5EF4-FFF2-40B4-BE49-F238E27FC236}">
+                <a16:creationId xmlns:a16="http://schemas.microsoft.com/office/drawing/2014/main" id="{64EEEC00-AD80-4734-BEE6-04CBDEC830C9}"/>
+              </a:ext>
+              <a:ext uri="{C183D7F6-B498-43B3-948B-1728B52AA6E4}">
+                <adec:decorative xmlns:adec="http://schemas.microsoft.com/office/drawing/2017/decorative" val="1"/>
+              </a:ext>
+            </a:extLst>
+          </p:cNvPr>
+          <p:cNvCxnSpPr>
+            <a:cxnSpLocks noGrp="1" noRot="1" noChangeAspect="1" noMove="1" noResize="1" noEditPoints="1" noAdjustHandles="1" noChangeArrowheads="1" noChangeShapeType="1"/>
+          </p:cNvCxnSpPr>
+          <p:nvPr>
+            <p:extLst>
+              <p:ext uri="{386F3935-93C4-4BCD-93E2-E3B085C9AB24}">
+                <p16:designElem xmlns:p16="http://schemas.microsoft.com/office/powerpoint/2015/main" val="1"/>
+              </p:ext>
+            </p:extLst>
+          </p:nvPr>
+        </p:nvCxnSpPr>
+        <p:spPr>
+          <a:xfrm>
+            <a:off x="1978660" y="3733800"/>
+            <a:ext cx="8229601" cy="0"/>
+          </a:xfrm>
+          <a:prstGeom prst="line">
+            <a:avLst/>
+          </a:prstGeom>
+          <a:ln>
+            <a:solidFill>
+              <a:srgbClr val="FFFFFF"/>
+            </a:solidFill>
+          </a:ln>
+        </p:spPr>
+        <p:style>
+          <a:lnRef idx="1">
+            <a:schemeClr val="accent1"/>
+          </a:lnRef>
+          <a:fillRef idx="0">
+            <a:schemeClr val="accent1"/>
+          </a:fillRef>
+          <a:effectRef idx="0">
+            <a:schemeClr val="accent1"/>
+          </a:effectRef>
+          <a:fontRef idx="minor">
+            <a:schemeClr val="tx1"/>
+          </a:fontRef>
+        </p:style>
+      </p:cxnSp>
+      <p:sp>
+        <p:nvSpPr>
+          <p:cNvPr id="16" name="Rectangle 15">
+            <a:extLst>
+              <a:ext uri="{FF2B5EF4-FFF2-40B4-BE49-F238E27FC236}">
+                <a16:creationId xmlns:a16="http://schemas.microsoft.com/office/drawing/2014/main" id="{24AF37F0-1E8F-443E-AA28-4BC6348204B4}"/>
+              </a:ext>
+              <a:ext uri="{C183D7F6-B498-43B3-948B-1728B52AA6E4}">
+                <adec:decorative xmlns:adec="http://schemas.microsoft.com/office/drawing/2017/decorative" val="1"/>
+              </a:ext>
+            </a:extLst>
+          </p:cNvPr>
+          <p:cNvSpPr>
+            <a:spLocks noGrp="1" noRot="1" noChangeAspect="1" noMove="1" noResize="1" noEditPoints="1" noAdjustHandles="1" noChangeArrowheads="1" noChangeShapeType="1" noTextEdit="1"/>
+          </p:cNvSpPr>
+          <p:nvPr>
+            <p:extLst>
+              <p:ext uri="{386F3935-93C4-4BCD-93E2-E3B085C9AB24}">
+                <p16:designElem xmlns:p16="http://schemas.microsoft.com/office/powerpoint/2015/main" val="1"/>
+              </p:ext>
+            </p:extLst>
+          </p:nvPr>
+        </p:nvSpPr>
+        <p:spPr>
+          <a:xfrm>
+            <a:off x="0" y="0"/>
+            <a:ext cx="12192000" cy="6858000"/>
+          </a:xfrm>
+          <a:prstGeom prst="rect">
+            <a:avLst/>
+          </a:prstGeom>
+          <a:ln>
+            <a:noFill/>
+          </a:ln>
+        </p:spPr>
+        <p:style>
+          <a:lnRef idx="2">
+            <a:schemeClr val="accent1">
+              <a:shade val="50000"/>
+            </a:schemeClr>
+          </a:lnRef>
+          <a:fillRef idx="1">
+            <a:schemeClr val="accent1"/>
+          </a:fillRef>
+          <a:effectRef idx="0">
+            <a:schemeClr val="accent1"/>
+          </a:effectRef>
+          <a:fontRef idx="minor">
+            <a:schemeClr val="lt1"/>
+          </a:fontRef>
+        </p:style>
+        <p:txBody>
+          <a:bodyPr rtlCol="0" anchor="ctr"/>
+          <a:lstStyle/>
+          <a:p>
+            <a:pPr algn="ctr"/>
+            <a:endParaRPr lang="en-US"/>
+          </a:p>
+        </p:txBody>
+      </p:sp>
+      <p:sp>
+        <p:nvSpPr>
+          <p:cNvPr id="18" name="Rectangle 17">
+            <a:extLst>
+              <a:ext uri="{FF2B5EF4-FFF2-40B4-BE49-F238E27FC236}">
+                <a16:creationId xmlns:a16="http://schemas.microsoft.com/office/drawing/2014/main" id="{3DBE9D54-6250-40F2-A23A-F9CEBF5F9196}"/>
+              </a:ext>
+              <a:ext uri="{C183D7F6-B498-43B3-948B-1728B52AA6E4}">
+                <adec:decorative xmlns:adec="http://schemas.microsoft.com/office/drawing/2017/decorative" val="1"/>
+              </a:ext>
+            </a:extLst>
+          </p:cNvPr>
+          <p:cNvSpPr>
+            <a:spLocks noGrp="1" noRot="1" noChangeAspect="1" noMove="1" noResize="1" noEditPoints="1" noAdjustHandles="1" noChangeArrowheads="1" noChangeShapeType="1" noTextEdit="1"/>
+          </p:cNvSpPr>
+          <p:nvPr>
+            <p:extLst>
+              <p:ext uri="{386F3935-93C4-4BCD-93E2-E3B085C9AB24}">
+                <p16:designElem xmlns:p16="http://schemas.microsoft.com/office/powerpoint/2015/main" val="1"/>
+              </p:ext>
+            </p:extLst>
+          </p:nvPr>
+        </p:nvSpPr>
+        <p:spPr>
+          <a:xfrm>
+            <a:off x="243840" y="256540"/>
+            <a:ext cx="11704320" cy="6365239"/>
+          </a:xfrm>
+          <a:prstGeom prst="rect">
+            <a:avLst/>
+          </a:prstGeom>
+          <a:solidFill>
+            <a:schemeClr val="bg1"/>
+          </a:solidFill>
+          <a:ln w="12700">
+            <a:noFill/>
+          </a:ln>
+        </p:spPr>
+        <p:style>
+          <a:lnRef idx="2">
+            <a:schemeClr val="accent1">
+              <a:shade val="50000"/>
+            </a:schemeClr>
+          </a:lnRef>
+          <a:fillRef idx="1">
+            <a:schemeClr val="accent1"/>
+          </a:fillRef>
+          <a:effectRef idx="0">
+            <a:schemeClr val="accent1"/>
+          </a:effectRef>
+          <a:fontRef idx="minor">
+            <a:schemeClr val="lt1"/>
+          </a:fontRef>
+        </p:style>
+        <p:txBody>
+          <a:bodyPr/>
+          <a:lstStyle/>
+          <a:p>
+            <a:endParaRPr lang="en-US"/>
+          </a:p>
+        </p:txBody>
+      </p:sp>
+      <p:cxnSp>
+        <p:nvCxnSpPr>
+          <p:cNvPr id="20" name="Straight Connector 19">
+            <a:extLst>
+              <a:ext uri="{FF2B5EF4-FFF2-40B4-BE49-F238E27FC236}">
+                <a16:creationId xmlns:a16="http://schemas.microsoft.com/office/drawing/2014/main" id="{E46E6328-0D82-4747-8B39-60373321BB39}"/>
+              </a:ext>
+              <a:ext uri="{C183D7F6-B498-43B3-948B-1728B52AA6E4}">
+                <adec:decorative xmlns:adec="http://schemas.microsoft.com/office/drawing/2017/decorative" val="1"/>
+              </a:ext>
+            </a:extLst>
+          </p:cNvPr>
+          <p:cNvCxnSpPr>
+            <a:cxnSpLocks noGrp="1" noRot="1" noChangeAspect="1" noMove="1" noResize="1" noEditPoints="1" noAdjustHandles="1" noChangeArrowheads="1" noChangeShapeType="1"/>
+          </p:cNvCxnSpPr>
+          <p:nvPr>
+            <p:extLst>
+              <p:ext uri="{386F3935-93C4-4BCD-93E2-E3B085C9AB24}">
+                <p16:designElem xmlns:p16="http://schemas.microsoft.com/office/powerpoint/2015/main" val="1"/>
+              </p:ext>
+            </p:extLst>
+          </p:nvPr>
+        </p:nvCxnSpPr>
+        <p:spPr>
+          <a:xfrm>
+            <a:off x="1978660" y="5458968"/>
+            <a:ext cx="8229601" cy="0"/>
+          </a:xfrm>
+          <a:prstGeom prst="line">
+            <a:avLst/>
+          </a:prstGeom>
+          <a:ln>
+            <a:solidFill>
+              <a:schemeClr val="accent1"/>
+            </a:solidFill>
+          </a:ln>
+        </p:spPr>
+        <p:style>
+          <a:lnRef idx="1">
+            <a:schemeClr val="accent1"/>
+          </a:lnRef>
+          <a:fillRef idx="0">
+            <a:schemeClr val="accent1"/>
+          </a:fillRef>
+          <a:effectRef idx="0">
+            <a:schemeClr val="accent1"/>
+          </a:effectRef>
+          <a:fontRef idx="minor">
+            <a:schemeClr val="tx1"/>
+          </a:fontRef>
+        </p:style>
+      </p:cxnSp>
+      <p:sp>
+        <p:nvSpPr>
           <p:cNvPr id="2" name="Title 1">
             <a:extLst>
               <a:ext uri="{FF2B5EF4-FFF2-40B4-BE49-F238E27FC236}">
@@ -6318,13 +13428,25 @@
             <p:ph type="title"/>
           </p:nvPr>
         </p:nvSpPr>
-        <p:spPr/>
+        <p:spPr>
+          <a:xfrm>
+            <a:off x="1109980" y="4206240"/>
+            <a:ext cx="9966960" cy="1325880"/>
+          </a:xfrm>
+        </p:spPr>
         <p:txBody>
-          <a:bodyPr/>
+          <a:bodyPr vert="horz" lIns="91440" tIns="45720" rIns="91440" bIns="45720" rtlCol="0" anchor="b">
+            <a:normAutofit/>
+          </a:bodyPr>
           <a:lstStyle/>
           <a:p>
+            <a:pPr algn="ctr">
+              <a:lnSpc>
+                <a:spcPct val="85000"/>
+              </a:lnSpc>
+            </a:pPr>
             <a:r>
-              <a:rPr lang="en-US" dirty="0"/>
+              <a:rPr lang="en-US" sz="6600" b="1" cap="all"/>
               <a:t>So How Do You Use It?</a:t>
             </a:r>
           </a:p>
@@ -6360,9 +13482,12 @@
         </p:blipFill>
         <p:spPr>
           <a:xfrm>
-            <a:off x="1068740" y="1965960"/>
-            <a:ext cx="9949780" cy="4024630"/>
+            <a:off x="2047056" y="741172"/>
+            <a:ext cx="8097888" cy="3279644"/>
           </a:xfrm>
+          <a:prstGeom prst="rect">
+            <a:avLst/>
+          </a:prstGeom>
         </p:spPr>
       </p:pic>
     </p:spTree>

--- a/Phase 4 Documentation/Team_2_Presentation_4_V2.pptx
+++ b/Phase 4 Documentation/Team_2_Presentation_4_V2.pptx
@@ -2023,7 +2023,7 @@
 <dgm:dataModel xmlns:dgm="http://schemas.openxmlformats.org/drawingml/2006/diagram" xmlns:a="http://schemas.openxmlformats.org/drawingml/2006/main">
   <dgm:ptLst>
     <dgm:pt modelId="{9E49FE30-011E-4C3C-A11A-10745668B5D5}" type="doc">
-      <dgm:prSet loTypeId="urn:microsoft.com/office/officeart/2005/8/layout/vList2" loCatId="list" qsTypeId="urn:microsoft.com/office/officeart/2005/8/quickstyle/simple1" qsCatId="simple" csTypeId="urn:microsoft.com/office/officeart/2005/8/colors/colorful2" csCatId="colorful"/>
+      <dgm:prSet loTypeId="urn:microsoft.com/office/officeart/2005/8/layout/vList2" loCatId="list" qsTypeId="urn:microsoft.com/office/officeart/2005/8/quickstyle/simple1" qsCatId="simple" csTypeId="urn:microsoft.com/office/officeart/2005/8/colors/colorful2" csCatId="colorful" phldr="1"/>
       <dgm:spPr/>
       <dgm:t>
         <a:bodyPr/>
@@ -2077,7 +2077,7 @@
         <a:lstStyle/>
         <a:p>
           <a:r>
-            <a:rPr lang="en-US"/>
+            <a:rPr lang="en-US" dirty="0"/>
             <a:t>Powered by Python and Django</a:t>
           </a:r>
         </a:p>
@@ -2285,6 +2285,42 @@
         </a:p>
       </dgm:t>
     </dgm:pt>
+    <dgm:pt modelId="{CE0DB9F7-2CAD-4FCB-971B-AE7C61C74274}">
+      <dgm:prSet/>
+      <dgm:spPr/>
+      <dgm:t>
+        <a:bodyPr/>
+        <a:lstStyle/>
+        <a:p>
+          <a:r>
+            <a:rPr lang="en-US" dirty="0"/>
+            <a:t>MySQL Database</a:t>
+          </a:r>
+        </a:p>
+      </dgm:t>
+    </dgm:pt>
+    <dgm:pt modelId="{9E78930F-F80E-4A06-89AA-A09CB9BAFAA2}" type="parTrans" cxnId="{72E4C69C-D8BE-4896-9B73-B81CC0C54CA2}">
+      <dgm:prSet/>
+      <dgm:spPr/>
+      <dgm:t>
+        <a:bodyPr/>
+        <a:lstStyle/>
+        <a:p>
+          <a:endParaRPr lang="en-US"/>
+        </a:p>
+      </dgm:t>
+    </dgm:pt>
+    <dgm:pt modelId="{065B0857-EE28-4CD4-A9CA-F3456B2A8BAE}" type="sibTrans" cxnId="{72E4C69C-D8BE-4896-9B73-B81CC0C54CA2}">
+      <dgm:prSet/>
+      <dgm:spPr/>
+      <dgm:t>
+        <a:bodyPr/>
+        <a:lstStyle/>
+        <a:p>
+          <a:endParaRPr lang="en-US"/>
+        </a:p>
+      </dgm:t>
+    </dgm:pt>
     <dgm:pt modelId="{F46C253A-E2FC-4533-BAF5-8498E023D5B3}" type="pres">
       <dgm:prSet presAssocID="{9E49FE30-011E-4C3C-A11A-10745668B5D5}" presName="linear" presStyleCnt="0">
         <dgm:presLayoutVars>
@@ -2357,8 +2393,10 @@
     <dgm:cxn modelId="{C39CC47F-E5AE-4D24-8BE2-6578D357AA1A}" srcId="{9E49FE30-011E-4C3C-A11A-10745668B5D5}" destId="{9E4B2AF8-66DE-4C87-B5E8-652FF576A8E1}" srcOrd="2" destOrd="0" parTransId="{E3B04C39-84A3-427B-A277-B736E8367AF7}" sibTransId="{73DB2FD7-D27A-4985-BAB0-0700B85904EE}"/>
     <dgm:cxn modelId="{7A773985-216D-45BE-BE14-A92B8C36B3AB}" type="presOf" srcId="{B20EEFDD-91F3-4E10-951C-14A99786F3E8}" destId="{15374CA4-23AE-4457-8F0B-CA63233C716D}" srcOrd="0" destOrd="0" presId="urn:microsoft.com/office/officeart/2005/8/layout/vList2"/>
     <dgm:cxn modelId="{F4DED088-4B06-4DB2-BB05-668B5076FF9C}" type="presOf" srcId="{F84E6B5A-92AE-4A8A-817B-7FC372D223A1}" destId="{21F82620-46E9-44E6-8ACC-0C271FA70724}" srcOrd="0" destOrd="0" presId="urn:microsoft.com/office/officeart/2005/8/layout/vList2"/>
+    <dgm:cxn modelId="{13BA1591-4182-4B67-A747-B736D8E10DB2}" type="presOf" srcId="{CE0DB9F7-2CAD-4FCB-971B-AE7C61C74274}" destId="{6D9E036F-A4AE-4E13-9865-BD94AECE5346}" srcOrd="0" destOrd="1" presId="urn:microsoft.com/office/officeart/2005/8/layout/vList2"/>
     <dgm:cxn modelId="{48E18095-01C1-492C-B32C-996EFAB16DED}" type="presOf" srcId="{88460ABC-9425-4CF8-B31E-5229B9202821}" destId="{3545E9B7-F7FB-4B7F-8F88-AB3C3CFBBF69}" srcOrd="0" destOrd="0" presId="urn:microsoft.com/office/officeart/2005/8/layout/vList2"/>
     <dgm:cxn modelId="{6C6B7B9C-F2D4-45A8-B8D1-DF2E8DBF87D7}" type="presOf" srcId="{3076F043-3BD0-4E7B-B458-BA87C295CAEF}" destId="{6D9E036F-A4AE-4E13-9865-BD94AECE5346}" srcOrd="0" destOrd="0" presId="urn:microsoft.com/office/officeart/2005/8/layout/vList2"/>
+    <dgm:cxn modelId="{72E4C69C-D8BE-4896-9B73-B81CC0C54CA2}" srcId="{B20EEFDD-91F3-4E10-951C-14A99786F3E8}" destId="{CE0DB9F7-2CAD-4FCB-971B-AE7C61C74274}" srcOrd="1" destOrd="0" parTransId="{9E78930F-F80E-4A06-89AA-A09CB9BAFAA2}" sibTransId="{065B0857-EE28-4CD4-A9CA-F3456B2A8BAE}"/>
     <dgm:cxn modelId="{A4F249BB-B8E8-4E34-A9E7-FB8118A6DABE}" srcId="{9E4B2AF8-66DE-4C87-B5E8-652FF576A8E1}" destId="{CD60CD88-4E18-4A49-8BC3-E79F2C84A3BF}" srcOrd="1" destOrd="0" parTransId="{25B19849-0AFD-4FB4-B04D-73F2FE5C3BF7}" sibTransId="{BBACD4FB-98A4-4FE0-B6CD-531048C77865}"/>
     <dgm:cxn modelId="{0FFCBAEA-3D6C-4D72-BE2C-DCCD464D0812}" srcId="{9E4B2AF8-66DE-4C87-B5E8-652FF576A8E1}" destId="{7554F446-638A-412C-BAA8-30A2B0CA5301}" srcOrd="0" destOrd="0" parTransId="{BA365091-1ECF-4F56-99CD-5B8261697DCF}" sibTransId="{8DBCC4C6-AD6B-4A6B-B0BB-E473F74F63D8}"/>
     <dgm:cxn modelId="{C5A343EC-F864-4D67-9D33-C7C64500778E}" srcId="{9E49FE30-011E-4C3C-A11A-10745668B5D5}" destId="{B20EEFDD-91F3-4E10-951C-14A99786F3E8}" srcOrd="0" destOrd="0" parTransId="{4271D959-72B3-43D6-8C5A-2CB801EC640A}" sibTransId="{A55B1B5C-1F52-43C0-9956-8F38AFC32794}"/>
@@ -2951,8 +2989,8 @@
       </dsp:nvSpPr>
       <dsp:spPr>
         <a:xfrm>
-          <a:off x="0" y="128903"/>
-          <a:ext cx="6054725" cy="815490"/>
+          <a:off x="0" y="21274"/>
+          <a:ext cx="6054725" cy="791505"/>
         </a:xfrm>
         <a:prstGeom prst="roundRect">
           <a:avLst/>
@@ -2993,12 +3031,12 @@
         </a:fontRef>
       </dsp:style>
       <dsp:txBody>
-        <a:bodyPr spcFirstLastPara="0" vert="horz" wrap="square" lIns="129540" tIns="129540" rIns="129540" bIns="129540" numCol="1" spcCol="1270" anchor="ctr" anchorCtr="0">
+        <a:bodyPr spcFirstLastPara="0" vert="horz" wrap="square" lIns="125730" tIns="125730" rIns="125730" bIns="125730" numCol="1" spcCol="1270" anchor="ctr" anchorCtr="0">
           <a:noAutofit/>
         </a:bodyPr>
         <a:lstStyle/>
         <a:p>
-          <a:pPr marL="0" lvl="0" indent="0" algn="l" defTabSz="1511300">
+          <a:pPr marL="0" lvl="0" indent="0" algn="l" defTabSz="1466850">
             <a:lnSpc>
               <a:spcPct val="90000"/>
             </a:lnSpc>
@@ -3011,14 +3049,14 @@
             <a:buNone/>
           </a:pPr>
           <a:r>
-            <a:rPr lang="en-US" sz="3400" kern="1200"/>
+            <a:rPr lang="en-US" sz="3300" kern="1200"/>
             <a:t>Application</a:t>
           </a:r>
         </a:p>
       </dsp:txBody>
       <dsp:txXfrm>
-        <a:off x="39809" y="168712"/>
-        <a:ext cx="5975107" cy="735872"/>
+        <a:off x="38638" y="59912"/>
+        <a:ext cx="5977449" cy="714229"/>
       </dsp:txXfrm>
     </dsp:sp>
     <dsp:sp modelId="{6D9E036F-A4AE-4E13-9865-BD94AECE5346}">
@@ -3028,8 +3066,8 @@
       </dsp:nvSpPr>
       <dsp:spPr>
         <a:xfrm>
-          <a:off x="0" y="944393"/>
-          <a:ext cx="6054725" cy="563040"/>
+          <a:off x="0" y="812779"/>
+          <a:ext cx="6054725" cy="905107"/>
         </a:xfrm>
         <a:prstGeom prst="rect">
           <a:avLst/>
@@ -3053,12 +3091,12 @@
         <a:fontRef idx="minor"/>
       </dsp:style>
       <dsp:txBody>
-        <a:bodyPr spcFirstLastPara="0" vert="horz" wrap="square" lIns="192238" tIns="43180" rIns="241808" bIns="43180" numCol="1" spcCol="1270" anchor="t" anchorCtr="0">
+        <a:bodyPr spcFirstLastPara="0" vert="horz" wrap="square" lIns="192238" tIns="41910" rIns="234696" bIns="41910" numCol="1" spcCol="1270" anchor="t" anchorCtr="0">
           <a:noAutofit/>
         </a:bodyPr>
         <a:lstStyle/>
         <a:p>
-          <a:pPr marL="228600" lvl="1" indent="-228600" algn="l" defTabSz="1200150">
+          <a:pPr marL="228600" lvl="1" indent="-228600" algn="l" defTabSz="1155700">
             <a:lnSpc>
               <a:spcPct val="90000"/>
             </a:lnSpc>
@@ -3071,14 +3109,32 @@
             <a:buChar char="•"/>
           </a:pPr>
           <a:r>
-            <a:rPr lang="en-US" sz="2700" kern="1200"/>
+            <a:rPr lang="en-US" sz="2600" kern="1200" dirty="0"/>
             <a:t>Powered by Python and Django</a:t>
+          </a:r>
+        </a:p>
+        <a:p>
+          <a:pPr marL="228600" lvl="1" indent="-228600" algn="l" defTabSz="1155700">
+            <a:lnSpc>
+              <a:spcPct val="90000"/>
+            </a:lnSpc>
+            <a:spcBef>
+              <a:spcPct val="0"/>
+            </a:spcBef>
+            <a:spcAft>
+              <a:spcPct val="20000"/>
+            </a:spcAft>
+            <a:buChar char="•"/>
+          </a:pPr>
+          <a:r>
+            <a:rPr lang="en-US" sz="2600" kern="1200" dirty="0"/>
+            <a:t>MySQL Database</a:t>
           </a:r>
         </a:p>
       </dsp:txBody>
       <dsp:txXfrm>
-        <a:off x="0" y="944393"/>
-        <a:ext cx="6054725" cy="563040"/>
+        <a:off x="0" y="812779"/>
+        <a:ext cx="6054725" cy="905107"/>
       </dsp:txXfrm>
     </dsp:sp>
     <dsp:sp modelId="{3545E9B7-F7FB-4B7F-8F88-AB3C3CFBBF69}">
@@ -3088,8 +3144,8 @@
       </dsp:nvSpPr>
       <dsp:spPr>
         <a:xfrm>
-          <a:off x="0" y="1507433"/>
-          <a:ext cx="6054725" cy="815490"/>
+          <a:off x="0" y="1717887"/>
+          <a:ext cx="6054725" cy="791505"/>
         </a:xfrm>
         <a:prstGeom prst="roundRect">
           <a:avLst/>
@@ -3130,12 +3186,12 @@
         </a:fontRef>
       </dsp:style>
       <dsp:txBody>
-        <a:bodyPr spcFirstLastPara="0" vert="horz" wrap="square" lIns="129540" tIns="129540" rIns="129540" bIns="129540" numCol="1" spcCol="1270" anchor="ctr" anchorCtr="0">
+        <a:bodyPr spcFirstLastPara="0" vert="horz" wrap="square" lIns="125730" tIns="125730" rIns="125730" bIns="125730" numCol="1" spcCol="1270" anchor="ctr" anchorCtr="0">
           <a:noAutofit/>
         </a:bodyPr>
         <a:lstStyle/>
         <a:p>
-          <a:pPr marL="0" lvl="0" indent="0" algn="l" defTabSz="1511300">
+          <a:pPr marL="0" lvl="0" indent="0" algn="l" defTabSz="1466850">
             <a:lnSpc>
               <a:spcPct val="90000"/>
             </a:lnSpc>
@@ -3148,14 +3204,14 @@
             <a:buNone/>
           </a:pPr>
           <a:r>
-            <a:rPr lang="en-US" sz="3400" kern="1200"/>
+            <a:rPr lang="en-US" sz="3300" kern="1200"/>
             <a:t>User Authentication</a:t>
           </a:r>
         </a:p>
       </dsp:txBody>
       <dsp:txXfrm>
-        <a:off x="39809" y="1547242"/>
-        <a:ext cx="5975107" cy="735872"/>
+        <a:off x="38638" y="1756525"/>
+        <a:ext cx="5977449" cy="714229"/>
       </dsp:txXfrm>
     </dsp:sp>
     <dsp:sp modelId="{21F82620-46E9-44E6-8ACC-0C271FA70724}">
@@ -3165,8 +3221,8 @@
       </dsp:nvSpPr>
       <dsp:spPr>
         <a:xfrm>
-          <a:off x="0" y="2322923"/>
-          <a:ext cx="6054725" cy="563040"/>
+          <a:off x="0" y="2509392"/>
+          <a:ext cx="6054725" cy="546480"/>
         </a:xfrm>
         <a:prstGeom prst="rect">
           <a:avLst/>
@@ -3190,12 +3246,12 @@
         <a:fontRef idx="minor"/>
       </dsp:style>
       <dsp:txBody>
-        <a:bodyPr spcFirstLastPara="0" vert="horz" wrap="square" lIns="192238" tIns="43180" rIns="241808" bIns="43180" numCol="1" spcCol="1270" anchor="t" anchorCtr="0">
+        <a:bodyPr spcFirstLastPara="0" vert="horz" wrap="square" lIns="192238" tIns="41910" rIns="234696" bIns="41910" numCol="1" spcCol="1270" anchor="t" anchorCtr="0">
           <a:noAutofit/>
         </a:bodyPr>
         <a:lstStyle/>
         <a:p>
-          <a:pPr marL="228600" lvl="1" indent="-228600" algn="l" defTabSz="1200150">
+          <a:pPr marL="228600" lvl="1" indent="-228600" algn="l" defTabSz="1155700">
             <a:lnSpc>
               <a:spcPct val="90000"/>
             </a:lnSpc>
@@ -3208,14 +3264,14 @@
             <a:buChar char="•"/>
           </a:pPr>
           <a:r>
-            <a:rPr lang="en-US" sz="2700" kern="1200"/>
+            <a:rPr lang="en-US" sz="2600" kern="1200"/>
             <a:t>Secure authentication with Django</a:t>
           </a:r>
         </a:p>
       </dsp:txBody>
       <dsp:txXfrm>
-        <a:off x="0" y="2322923"/>
-        <a:ext cx="6054725" cy="563040"/>
+        <a:off x="0" y="2509392"/>
+        <a:ext cx="6054725" cy="546480"/>
       </dsp:txXfrm>
     </dsp:sp>
     <dsp:sp modelId="{BB38E285-3918-4E34-BFD4-F852B92E1E5A}">
@@ -3225,8 +3281,8 @@
       </dsp:nvSpPr>
       <dsp:spPr>
         <a:xfrm>
-          <a:off x="0" y="2885963"/>
-          <a:ext cx="6054725" cy="815490"/>
+          <a:off x="0" y="3055872"/>
+          <a:ext cx="6054725" cy="791505"/>
         </a:xfrm>
         <a:prstGeom prst="roundRect">
           <a:avLst/>
@@ -3267,12 +3323,12 @@
         </a:fontRef>
       </dsp:style>
       <dsp:txBody>
-        <a:bodyPr spcFirstLastPara="0" vert="horz" wrap="square" lIns="129540" tIns="129540" rIns="129540" bIns="129540" numCol="1" spcCol="1270" anchor="ctr" anchorCtr="0">
+        <a:bodyPr spcFirstLastPara="0" vert="horz" wrap="square" lIns="125730" tIns="125730" rIns="125730" bIns="125730" numCol="1" spcCol="1270" anchor="ctr" anchorCtr="0">
           <a:noAutofit/>
         </a:bodyPr>
         <a:lstStyle/>
         <a:p>
-          <a:pPr marL="0" lvl="0" indent="0" algn="l" defTabSz="1511300">
+          <a:pPr marL="0" lvl="0" indent="0" algn="l" defTabSz="1466850">
             <a:lnSpc>
               <a:spcPct val="90000"/>
             </a:lnSpc>
@@ -3285,14 +3341,14 @@
             <a:buNone/>
           </a:pPr>
           <a:r>
-            <a:rPr lang="en-US" sz="3400" kern="1200"/>
+            <a:rPr lang="en-US" sz="3300" kern="1200"/>
             <a:t>Encryption</a:t>
           </a:r>
         </a:p>
       </dsp:txBody>
       <dsp:txXfrm>
-        <a:off x="39809" y="2925772"/>
-        <a:ext cx="5975107" cy="735872"/>
+        <a:off x="38638" y="3094510"/>
+        <a:ext cx="5977449" cy="714229"/>
       </dsp:txXfrm>
     </dsp:sp>
     <dsp:sp modelId="{1C673BE7-85C5-4950-9FED-9E992322C927}">
@@ -3302,8 +3358,8 @@
       </dsp:nvSpPr>
       <dsp:spPr>
         <a:xfrm>
-          <a:off x="0" y="3701453"/>
-          <a:ext cx="6054725" cy="1302029"/>
+          <a:off x="0" y="3847377"/>
+          <a:ext cx="6054725" cy="1263735"/>
         </a:xfrm>
         <a:prstGeom prst="rect">
           <a:avLst/>
@@ -3327,12 +3383,12 @@
         <a:fontRef idx="minor"/>
       </dsp:style>
       <dsp:txBody>
-        <a:bodyPr spcFirstLastPara="0" vert="horz" wrap="square" lIns="192238" tIns="43180" rIns="241808" bIns="43180" numCol="1" spcCol="1270" anchor="t" anchorCtr="0">
+        <a:bodyPr spcFirstLastPara="0" vert="horz" wrap="square" lIns="192238" tIns="41910" rIns="234696" bIns="41910" numCol="1" spcCol="1270" anchor="t" anchorCtr="0">
           <a:noAutofit/>
         </a:bodyPr>
         <a:lstStyle/>
         <a:p>
-          <a:pPr marL="228600" lvl="1" indent="-228600" algn="l" defTabSz="1200150">
+          <a:pPr marL="228600" lvl="1" indent="-228600" algn="l" defTabSz="1155700">
             <a:lnSpc>
               <a:spcPct val="90000"/>
             </a:lnSpc>
@@ -3345,12 +3401,12 @@
             <a:buChar char="•"/>
           </a:pPr>
           <a:r>
-            <a:rPr lang="en-US" sz="2700" kern="1200"/>
+            <a:rPr lang="en-US" sz="2600" kern="1200"/>
             <a:t>Data encrypted before saving to database</a:t>
           </a:r>
         </a:p>
         <a:p>
-          <a:pPr marL="228600" lvl="1" indent="-228600" algn="l" defTabSz="1200150">
+          <a:pPr marL="228600" lvl="1" indent="-228600" algn="l" defTabSz="1155700">
             <a:lnSpc>
               <a:spcPct val="90000"/>
             </a:lnSpc>
@@ -3363,14 +3419,14 @@
             <a:buChar char="•"/>
           </a:pPr>
           <a:r>
-            <a:rPr lang="en-US" sz="2700" kern="1200"/>
+            <a:rPr lang="en-US" sz="2600" kern="1200"/>
             <a:t>Decrypted upon access from database</a:t>
           </a:r>
         </a:p>
       </dsp:txBody>
       <dsp:txXfrm>
-        <a:off x="0" y="3701453"/>
-        <a:ext cx="6054725" cy="1302029"/>
+        <a:off x="0" y="3847377"/>
+        <a:ext cx="6054725" cy="1263735"/>
       </dsp:txXfrm>
     </dsp:sp>
   </dsp:spTree>
@@ -12144,7 +12200,7 @@
             <p:ph idx="1"/>
             <p:extLst>
               <p:ext uri="{D42A27DB-BD31-4B8C-83A1-F6EECF244321}">
-                <p14:modId xmlns:p14="http://schemas.microsoft.com/office/powerpoint/2010/main" val="2288094708"/>
+                <p14:modId xmlns:p14="http://schemas.microsoft.com/office/powerpoint/2010/main" val="759486191"/>
               </p:ext>
             </p:extLst>
           </p:nvPr>
@@ -12358,18 +12414,26 @@
           <a:lstStyle/>
           <a:p>
             <a:r>
-              <a:rPr lang="en-US" sz="1600"/>
-              <a:t>Powerful TinyMCE Editor utilized to create, edit, and view</a:t>
+              <a:rPr lang="en-US" sz="1600" dirty="0"/>
+              <a:t>Powerful </a:t>
             </a:r>
-          </a:p>
-          <a:p>
             <a:r>
-              <a:rPr lang="en-US" sz="1600"/>
-              <a:t>AI powered note categorization with Google</a:t>
+              <a:rPr lang="en-US" sz="1600" dirty="0" err="1"/>
+              <a:t>TinyMCE</a:t>
             </a:r>
-          </a:p>
-          <a:p>
-            <a:endParaRPr lang="en-US" sz="1600"/>
+            <a:r>
+              <a:rPr lang="en-US" sz="1600" dirty="0"/>
+              <a:t> Editor utilized to create, edit, and view</a:t>
+            </a:r>
+          </a:p>
+          <a:p>
+            <a:r>
+              <a:rPr lang="en-US" sz="1600" dirty="0"/>
+              <a:t>AI powered note categorization with Google AI</a:t>
+            </a:r>
+          </a:p>
+          <a:p>
+            <a:endParaRPr lang="en-US" sz="1600" dirty="0"/>
           </a:p>
         </p:txBody>
       </p:sp>

--- a/Phase 4 Documentation/Team_2_Presentation_4_V2.pptx
+++ b/Phase 4 Documentation/Team_2_Presentation_4_V2.pptx
@@ -2013,7 +2013,7 @@
   <dgm:whole/>
   <dgm:extLst>
     <a:ext uri="http://schemas.microsoft.com/office/drawing/2008/diagram">
-      <dsp:dataModelExt xmlns:dsp="http://schemas.microsoft.com/office/drawing/2008/diagram" relId="rId6" minVer="http://schemas.openxmlformats.org/drawingml/2006/diagram"/>
+      <dsp:dataModelExt xmlns:dsp="http://schemas.microsoft.com/office/drawing/2008/diagram" relId="rId7" minVer="http://schemas.openxmlformats.org/drawingml/2006/diagram"/>
     </a:ext>
   </dgm:extLst>
 </dgm:dataModel>
@@ -2411,7 +2411,7 @@
   <dgm:whole/>
   <dgm:extLst>
     <a:ext uri="http://schemas.microsoft.com/office/drawing/2008/diagram">
-      <dsp:dataModelExt xmlns:dsp="http://schemas.microsoft.com/office/drawing/2008/diagram" relId="rId6" minVer="http://schemas.openxmlformats.org/drawingml/2006/diagram"/>
+      <dsp:dataModelExt xmlns:dsp="http://schemas.microsoft.com/office/drawing/2008/diagram" relId="rId7" minVer="http://schemas.openxmlformats.org/drawingml/2006/diagram"/>
     </a:ext>
   </dgm:extLst>
 </dgm:dataModel>
@@ -6527,7 +6527,10 @@
           <a:bodyPr/>
           <a:lstStyle/>
           <a:p>
-            <a:endParaRPr lang="en-US" dirty="0"/>
+            <a:r>
+              <a:rPr lang="en-US" dirty="0"/>
+              <a:t>Duncan</a:t>
+            </a:r>
           </a:p>
         </p:txBody>
       </p:sp>
@@ -6558,6 +6561,704 @@
     <p:extLst>
       <p:ext uri="{BB962C8B-B14F-4D97-AF65-F5344CB8AC3E}">
         <p14:creationId xmlns:p14="http://schemas.microsoft.com/office/powerpoint/2010/main" val="910294267"/>
+      </p:ext>
+    </p:extLst>
+  </p:cSld>
+  <p:clrMapOvr>
+    <a:masterClrMapping/>
+  </p:clrMapOvr>
+</p:notes>
+</file>
+
+<file path=ppt/notesSlides/notesSlide2.xml><?xml version="1.0" encoding="utf-8"?>
+<p:notes xmlns:a="http://schemas.openxmlformats.org/drawingml/2006/main" xmlns:r="http://schemas.openxmlformats.org/officeDocument/2006/relationships" xmlns:p="http://schemas.openxmlformats.org/presentationml/2006/main">
+  <p:cSld>
+    <p:spTree>
+      <p:nvGrpSpPr>
+        <p:cNvPr id="1" name=""/>
+        <p:cNvGrpSpPr/>
+        <p:nvPr/>
+      </p:nvGrpSpPr>
+      <p:grpSpPr>
+        <a:xfrm>
+          <a:off x="0" y="0"/>
+          <a:ext cx="0" cy="0"/>
+          <a:chOff x="0" y="0"/>
+          <a:chExt cx="0" cy="0"/>
+        </a:xfrm>
+      </p:grpSpPr>
+      <p:sp>
+        <p:nvSpPr>
+          <p:cNvPr id="2" name="Slide Image Placeholder 1"/>
+          <p:cNvSpPr>
+            <a:spLocks noGrp="1" noRot="1" noChangeAspect="1"/>
+          </p:cNvSpPr>
+          <p:nvPr>
+            <p:ph type="sldImg"/>
+          </p:nvPr>
+        </p:nvSpPr>
+        <p:spPr/>
+      </p:sp>
+      <p:sp>
+        <p:nvSpPr>
+          <p:cNvPr id="3" name="Notes Placeholder 2"/>
+          <p:cNvSpPr>
+            <a:spLocks noGrp="1"/>
+          </p:cNvSpPr>
+          <p:nvPr>
+            <p:ph type="body" idx="1"/>
+          </p:nvPr>
+        </p:nvSpPr>
+        <p:spPr/>
+        <p:txBody>
+          <a:bodyPr/>
+          <a:lstStyle/>
+          <a:p>
+            <a:r>
+              <a:rPr lang="en-US" dirty="0"/>
+              <a:t>Duncan</a:t>
+            </a:r>
+          </a:p>
+        </p:txBody>
+      </p:sp>
+      <p:sp>
+        <p:nvSpPr>
+          <p:cNvPr id="4" name="Slide Number Placeholder 3"/>
+          <p:cNvSpPr>
+            <a:spLocks noGrp="1"/>
+          </p:cNvSpPr>
+          <p:nvPr>
+            <p:ph type="sldNum" sz="quarter" idx="5"/>
+          </p:nvPr>
+        </p:nvSpPr>
+        <p:spPr/>
+        <p:txBody>
+          <a:bodyPr/>
+          <a:lstStyle/>
+          <a:p>
+            <a:fld id="{0D8C348F-56DB-4CE2-B61D-80F8FC89407A}" type="slidenum">
+              <a:rPr lang="en-US" smtClean="0"/>
+              <a:t>2</a:t>
+            </a:fld>
+            <a:endParaRPr lang="en-US"/>
+          </a:p>
+        </p:txBody>
+      </p:sp>
+    </p:spTree>
+    <p:extLst>
+      <p:ext uri="{BB962C8B-B14F-4D97-AF65-F5344CB8AC3E}">
+        <p14:creationId xmlns:p14="http://schemas.microsoft.com/office/powerpoint/2010/main" val="4147406374"/>
+      </p:ext>
+    </p:extLst>
+  </p:cSld>
+  <p:clrMapOvr>
+    <a:masterClrMapping/>
+  </p:clrMapOvr>
+</p:notes>
+</file>
+
+<file path=ppt/notesSlides/notesSlide3.xml><?xml version="1.0" encoding="utf-8"?>
+<p:notes xmlns:a="http://schemas.openxmlformats.org/drawingml/2006/main" xmlns:r="http://schemas.openxmlformats.org/officeDocument/2006/relationships" xmlns:p="http://schemas.openxmlformats.org/presentationml/2006/main">
+  <p:cSld>
+    <p:spTree>
+      <p:nvGrpSpPr>
+        <p:cNvPr id="1" name=""/>
+        <p:cNvGrpSpPr/>
+        <p:nvPr/>
+      </p:nvGrpSpPr>
+      <p:grpSpPr>
+        <a:xfrm>
+          <a:off x="0" y="0"/>
+          <a:ext cx="0" cy="0"/>
+          <a:chOff x="0" y="0"/>
+          <a:chExt cx="0" cy="0"/>
+        </a:xfrm>
+      </p:grpSpPr>
+      <p:sp>
+        <p:nvSpPr>
+          <p:cNvPr id="2" name="Slide Image Placeholder 1"/>
+          <p:cNvSpPr>
+            <a:spLocks noGrp="1" noRot="1" noChangeAspect="1"/>
+          </p:cNvSpPr>
+          <p:nvPr>
+            <p:ph type="sldImg"/>
+          </p:nvPr>
+        </p:nvSpPr>
+        <p:spPr/>
+      </p:sp>
+      <p:sp>
+        <p:nvSpPr>
+          <p:cNvPr id="3" name="Notes Placeholder 2"/>
+          <p:cNvSpPr>
+            <a:spLocks noGrp="1"/>
+          </p:cNvSpPr>
+          <p:nvPr>
+            <p:ph type="body" idx="1"/>
+          </p:nvPr>
+        </p:nvSpPr>
+        <p:spPr/>
+        <p:txBody>
+          <a:bodyPr/>
+          <a:lstStyle/>
+          <a:p>
+            <a:r>
+              <a:rPr lang="en-US" dirty="0"/>
+              <a:t>Duncan</a:t>
+            </a:r>
+          </a:p>
+        </p:txBody>
+      </p:sp>
+      <p:sp>
+        <p:nvSpPr>
+          <p:cNvPr id="4" name="Slide Number Placeholder 3"/>
+          <p:cNvSpPr>
+            <a:spLocks noGrp="1"/>
+          </p:cNvSpPr>
+          <p:nvPr>
+            <p:ph type="sldNum" sz="quarter" idx="5"/>
+          </p:nvPr>
+        </p:nvSpPr>
+        <p:spPr/>
+        <p:txBody>
+          <a:bodyPr/>
+          <a:lstStyle/>
+          <a:p>
+            <a:fld id="{0D8C348F-56DB-4CE2-B61D-80F8FC89407A}" type="slidenum">
+              <a:rPr lang="en-US" smtClean="0"/>
+              <a:t>3</a:t>
+            </a:fld>
+            <a:endParaRPr lang="en-US"/>
+          </a:p>
+        </p:txBody>
+      </p:sp>
+    </p:spTree>
+    <p:extLst>
+      <p:ext uri="{BB962C8B-B14F-4D97-AF65-F5344CB8AC3E}">
+        <p14:creationId xmlns:p14="http://schemas.microsoft.com/office/powerpoint/2010/main" val="237047509"/>
+      </p:ext>
+    </p:extLst>
+  </p:cSld>
+  <p:clrMapOvr>
+    <a:masterClrMapping/>
+  </p:clrMapOvr>
+</p:notes>
+</file>
+
+<file path=ppt/notesSlides/notesSlide4.xml><?xml version="1.0" encoding="utf-8"?>
+<p:notes xmlns:a="http://schemas.openxmlformats.org/drawingml/2006/main" xmlns:r="http://schemas.openxmlformats.org/officeDocument/2006/relationships" xmlns:p="http://schemas.openxmlformats.org/presentationml/2006/main">
+  <p:cSld>
+    <p:spTree>
+      <p:nvGrpSpPr>
+        <p:cNvPr id="1" name=""/>
+        <p:cNvGrpSpPr/>
+        <p:nvPr/>
+      </p:nvGrpSpPr>
+      <p:grpSpPr>
+        <a:xfrm>
+          <a:off x="0" y="0"/>
+          <a:ext cx="0" cy="0"/>
+          <a:chOff x="0" y="0"/>
+          <a:chExt cx="0" cy="0"/>
+        </a:xfrm>
+      </p:grpSpPr>
+      <p:sp>
+        <p:nvSpPr>
+          <p:cNvPr id="2" name="Slide Image Placeholder 1"/>
+          <p:cNvSpPr>
+            <a:spLocks noGrp="1" noRot="1" noChangeAspect="1"/>
+          </p:cNvSpPr>
+          <p:nvPr>
+            <p:ph type="sldImg"/>
+          </p:nvPr>
+        </p:nvSpPr>
+        <p:spPr/>
+      </p:sp>
+      <p:sp>
+        <p:nvSpPr>
+          <p:cNvPr id="3" name="Notes Placeholder 2"/>
+          <p:cNvSpPr>
+            <a:spLocks noGrp="1"/>
+          </p:cNvSpPr>
+          <p:nvPr>
+            <p:ph type="body" idx="1"/>
+          </p:nvPr>
+        </p:nvSpPr>
+        <p:spPr/>
+        <p:txBody>
+          <a:bodyPr/>
+          <a:lstStyle/>
+          <a:p>
+            <a:r>
+              <a:rPr lang="en-US" dirty="0" err="1"/>
+              <a:t>Kj</a:t>
+            </a:r>
+            <a:endParaRPr lang="en-US" dirty="0"/>
+          </a:p>
+        </p:txBody>
+      </p:sp>
+      <p:sp>
+        <p:nvSpPr>
+          <p:cNvPr id="4" name="Slide Number Placeholder 3"/>
+          <p:cNvSpPr>
+            <a:spLocks noGrp="1"/>
+          </p:cNvSpPr>
+          <p:nvPr>
+            <p:ph type="sldNum" sz="quarter" idx="5"/>
+          </p:nvPr>
+        </p:nvSpPr>
+        <p:spPr/>
+        <p:txBody>
+          <a:bodyPr/>
+          <a:lstStyle/>
+          <a:p>
+            <a:fld id="{0D8C348F-56DB-4CE2-B61D-80F8FC89407A}" type="slidenum">
+              <a:rPr lang="en-US" smtClean="0"/>
+              <a:t>4</a:t>
+            </a:fld>
+            <a:endParaRPr lang="en-US"/>
+          </a:p>
+        </p:txBody>
+      </p:sp>
+    </p:spTree>
+    <p:extLst>
+      <p:ext uri="{BB962C8B-B14F-4D97-AF65-F5344CB8AC3E}">
+        <p14:creationId xmlns:p14="http://schemas.microsoft.com/office/powerpoint/2010/main" val="4214256802"/>
+      </p:ext>
+    </p:extLst>
+  </p:cSld>
+  <p:clrMapOvr>
+    <a:masterClrMapping/>
+  </p:clrMapOvr>
+</p:notes>
+</file>
+
+<file path=ppt/notesSlides/notesSlide5.xml><?xml version="1.0" encoding="utf-8"?>
+<p:notes xmlns:a="http://schemas.openxmlformats.org/drawingml/2006/main" xmlns:r="http://schemas.openxmlformats.org/officeDocument/2006/relationships" xmlns:p="http://schemas.openxmlformats.org/presentationml/2006/main">
+  <p:cSld>
+    <p:spTree>
+      <p:nvGrpSpPr>
+        <p:cNvPr id="1" name=""/>
+        <p:cNvGrpSpPr/>
+        <p:nvPr/>
+      </p:nvGrpSpPr>
+      <p:grpSpPr>
+        <a:xfrm>
+          <a:off x="0" y="0"/>
+          <a:ext cx="0" cy="0"/>
+          <a:chOff x="0" y="0"/>
+          <a:chExt cx="0" cy="0"/>
+        </a:xfrm>
+      </p:grpSpPr>
+      <p:sp>
+        <p:nvSpPr>
+          <p:cNvPr id="2" name="Slide Image Placeholder 1"/>
+          <p:cNvSpPr>
+            <a:spLocks noGrp="1" noRot="1" noChangeAspect="1"/>
+          </p:cNvSpPr>
+          <p:nvPr>
+            <p:ph type="sldImg"/>
+          </p:nvPr>
+        </p:nvSpPr>
+        <p:spPr/>
+      </p:sp>
+      <p:sp>
+        <p:nvSpPr>
+          <p:cNvPr id="3" name="Notes Placeholder 2"/>
+          <p:cNvSpPr>
+            <a:spLocks noGrp="1"/>
+          </p:cNvSpPr>
+          <p:nvPr>
+            <p:ph type="body" idx="1"/>
+          </p:nvPr>
+        </p:nvSpPr>
+        <p:spPr/>
+        <p:txBody>
+          <a:bodyPr/>
+          <a:lstStyle/>
+          <a:p>
+            <a:r>
+              <a:rPr lang="en-US" dirty="0" err="1"/>
+              <a:t>Kj</a:t>
+            </a:r>
+            <a:endParaRPr lang="en-US" dirty="0"/>
+          </a:p>
+        </p:txBody>
+      </p:sp>
+      <p:sp>
+        <p:nvSpPr>
+          <p:cNvPr id="4" name="Slide Number Placeholder 3"/>
+          <p:cNvSpPr>
+            <a:spLocks noGrp="1"/>
+          </p:cNvSpPr>
+          <p:nvPr>
+            <p:ph type="sldNum" sz="quarter" idx="5"/>
+          </p:nvPr>
+        </p:nvSpPr>
+        <p:spPr/>
+        <p:txBody>
+          <a:bodyPr/>
+          <a:lstStyle/>
+          <a:p>
+            <a:fld id="{0D8C348F-56DB-4CE2-B61D-80F8FC89407A}" type="slidenum">
+              <a:rPr lang="en-US" smtClean="0"/>
+              <a:t>5</a:t>
+            </a:fld>
+            <a:endParaRPr lang="en-US"/>
+          </a:p>
+        </p:txBody>
+      </p:sp>
+    </p:spTree>
+    <p:extLst>
+      <p:ext uri="{BB962C8B-B14F-4D97-AF65-F5344CB8AC3E}">
+        <p14:creationId xmlns:p14="http://schemas.microsoft.com/office/powerpoint/2010/main" val="982050306"/>
+      </p:ext>
+    </p:extLst>
+  </p:cSld>
+  <p:clrMapOvr>
+    <a:masterClrMapping/>
+  </p:clrMapOvr>
+</p:notes>
+</file>
+
+<file path=ppt/notesSlides/notesSlide6.xml><?xml version="1.0" encoding="utf-8"?>
+<p:notes xmlns:a="http://schemas.openxmlformats.org/drawingml/2006/main" xmlns:r="http://schemas.openxmlformats.org/officeDocument/2006/relationships" xmlns:p="http://schemas.openxmlformats.org/presentationml/2006/main">
+  <p:cSld>
+    <p:spTree>
+      <p:nvGrpSpPr>
+        <p:cNvPr id="1" name=""/>
+        <p:cNvGrpSpPr/>
+        <p:nvPr/>
+      </p:nvGrpSpPr>
+      <p:grpSpPr>
+        <a:xfrm>
+          <a:off x="0" y="0"/>
+          <a:ext cx="0" cy="0"/>
+          <a:chOff x="0" y="0"/>
+          <a:chExt cx="0" cy="0"/>
+        </a:xfrm>
+      </p:grpSpPr>
+      <p:sp>
+        <p:nvSpPr>
+          <p:cNvPr id="2" name="Slide Image Placeholder 1"/>
+          <p:cNvSpPr>
+            <a:spLocks noGrp="1" noRot="1" noChangeAspect="1"/>
+          </p:cNvSpPr>
+          <p:nvPr>
+            <p:ph type="sldImg"/>
+          </p:nvPr>
+        </p:nvSpPr>
+        <p:spPr/>
+      </p:sp>
+      <p:sp>
+        <p:nvSpPr>
+          <p:cNvPr id="3" name="Notes Placeholder 2"/>
+          <p:cNvSpPr>
+            <a:spLocks noGrp="1"/>
+          </p:cNvSpPr>
+          <p:nvPr>
+            <p:ph type="body" idx="1"/>
+          </p:nvPr>
+        </p:nvSpPr>
+        <p:spPr/>
+        <p:txBody>
+          <a:bodyPr/>
+          <a:lstStyle/>
+          <a:p>
+            <a:r>
+              <a:rPr lang="en-US" dirty="0"/>
+              <a:t>Grant</a:t>
+            </a:r>
+          </a:p>
+        </p:txBody>
+      </p:sp>
+      <p:sp>
+        <p:nvSpPr>
+          <p:cNvPr id="4" name="Slide Number Placeholder 3"/>
+          <p:cNvSpPr>
+            <a:spLocks noGrp="1"/>
+          </p:cNvSpPr>
+          <p:nvPr>
+            <p:ph type="sldNum" sz="quarter" idx="5"/>
+          </p:nvPr>
+        </p:nvSpPr>
+        <p:spPr/>
+        <p:txBody>
+          <a:bodyPr/>
+          <a:lstStyle/>
+          <a:p>
+            <a:fld id="{0D8C348F-56DB-4CE2-B61D-80F8FC89407A}" type="slidenum">
+              <a:rPr lang="en-US" smtClean="0"/>
+              <a:t>6</a:t>
+            </a:fld>
+            <a:endParaRPr lang="en-US"/>
+          </a:p>
+        </p:txBody>
+      </p:sp>
+    </p:spTree>
+    <p:extLst>
+      <p:ext uri="{BB962C8B-B14F-4D97-AF65-F5344CB8AC3E}">
+        <p14:creationId xmlns:p14="http://schemas.microsoft.com/office/powerpoint/2010/main" val="433453044"/>
+      </p:ext>
+    </p:extLst>
+  </p:cSld>
+  <p:clrMapOvr>
+    <a:masterClrMapping/>
+  </p:clrMapOvr>
+</p:notes>
+</file>
+
+<file path=ppt/notesSlides/notesSlide7.xml><?xml version="1.0" encoding="utf-8"?>
+<p:notes xmlns:a="http://schemas.openxmlformats.org/drawingml/2006/main" xmlns:r="http://schemas.openxmlformats.org/officeDocument/2006/relationships" xmlns:p="http://schemas.openxmlformats.org/presentationml/2006/main">
+  <p:cSld>
+    <p:spTree>
+      <p:nvGrpSpPr>
+        <p:cNvPr id="1" name=""/>
+        <p:cNvGrpSpPr/>
+        <p:nvPr/>
+      </p:nvGrpSpPr>
+      <p:grpSpPr>
+        <a:xfrm>
+          <a:off x="0" y="0"/>
+          <a:ext cx="0" cy="0"/>
+          <a:chOff x="0" y="0"/>
+          <a:chExt cx="0" cy="0"/>
+        </a:xfrm>
+      </p:grpSpPr>
+      <p:sp>
+        <p:nvSpPr>
+          <p:cNvPr id="2" name="Slide Image Placeholder 1"/>
+          <p:cNvSpPr>
+            <a:spLocks noGrp="1" noRot="1" noChangeAspect="1"/>
+          </p:cNvSpPr>
+          <p:nvPr>
+            <p:ph type="sldImg"/>
+          </p:nvPr>
+        </p:nvSpPr>
+        <p:spPr/>
+      </p:sp>
+      <p:sp>
+        <p:nvSpPr>
+          <p:cNvPr id="3" name="Notes Placeholder 2"/>
+          <p:cNvSpPr>
+            <a:spLocks noGrp="1"/>
+          </p:cNvSpPr>
+          <p:nvPr>
+            <p:ph type="body" idx="1"/>
+          </p:nvPr>
+        </p:nvSpPr>
+        <p:spPr/>
+        <p:txBody>
+          <a:bodyPr/>
+          <a:lstStyle/>
+          <a:p>
+            <a:r>
+              <a:rPr lang="en-US" dirty="0"/>
+              <a:t>Grant</a:t>
+            </a:r>
+          </a:p>
+        </p:txBody>
+      </p:sp>
+      <p:sp>
+        <p:nvSpPr>
+          <p:cNvPr id="4" name="Slide Number Placeholder 3"/>
+          <p:cNvSpPr>
+            <a:spLocks noGrp="1"/>
+          </p:cNvSpPr>
+          <p:nvPr>
+            <p:ph type="sldNum" sz="quarter" idx="5"/>
+          </p:nvPr>
+        </p:nvSpPr>
+        <p:spPr/>
+        <p:txBody>
+          <a:bodyPr/>
+          <a:lstStyle/>
+          <a:p>
+            <a:fld id="{0D8C348F-56DB-4CE2-B61D-80F8FC89407A}" type="slidenum">
+              <a:rPr lang="en-US" smtClean="0"/>
+              <a:t>7</a:t>
+            </a:fld>
+            <a:endParaRPr lang="en-US"/>
+          </a:p>
+        </p:txBody>
+      </p:sp>
+    </p:spTree>
+    <p:extLst>
+      <p:ext uri="{BB962C8B-B14F-4D97-AF65-F5344CB8AC3E}">
+        <p14:creationId xmlns:p14="http://schemas.microsoft.com/office/powerpoint/2010/main" val="1449968247"/>
+      </p:ext>
+    </p:extLst>
+  </p:cSld>
+  <p:clrMapOvr>
+    <a:masterClrMapping/>
+  </p:clrMapOvr>
+</p:notes>
+</file>
+
+<file path=ppt/notesSlides/notesSlide8.xml><?xml version="1.0" encoding="utf-8"?>
+<p:notes xmlns:a="http://schemas.openxmlformats.org/drawingml/2006/main" xmlns:r="http://schemas.openxmlformats.org/officeDocument/2006/relationships" xmlns:p="http://schemas.openxmlformats.org/presentationml/2006/main">
+  <p:cSld>
+    <p:spTree>
+      <p:nvGrpSpPr>
+        <p:cNvPr id="1" name=""/>
+        <p:cNvGrpSpPr/>
+        <p:nvPr/>
+      </p:nvGrpSpPr>
+      <p:grpSpPr>
+        <a:xfrm>
+          <a:off x="0" y="0"/>
+          <a:ext cx="0" cy="0"/>
+          <a:chOff x="0" y="0"/>
+          <a:chExt cx="0" cy="0"/>
+        </a:xfrm>
+      </p:grpSpPr>
+      <p:sp>
+        <p:nvSpPr>
+          <p:cNvPr id="2" name="Slide Image Placeholder 1"/>
+          <p:cNvSpPr>
+            <a:spLocks noGrp="1" noRot="1" noChangeAspect="1"/>
+          </p:cNvSpPr>
+          <p:nvPr>
+            <p:ph type="sldImg"/>
+          </p:nvPr>
+        </p:nvSpPr>
+        <p:spPr/>
+      </p:sp>
+      <p:sp>
+        <p:nvSpPr>
+          <p:cNvPr id="3" name="Notes Placeholder 2"/>
+          <p:cNvSpPr>
+            <a:spLocks noGrp="1"/>
+          </p:cNvSpPr>
+          <p:nvPr>
+            <p:ph type="body" idx="1"/>
+          </p:nvPr>
+        </p:nvSpPr>
+        <p:spPr/>
+        <p:txBody>
+          <a:bodyPr/>
+          <a:lstStyle/>
+          <a:p>
+            <a:r>
+              <a:rPr lang="en-US" dirty="0"/>
+              <a:t>Kaden</a:t>
+            </a:r>
+          </a:p>
+        </p:txBody>
+      </p:sp>
+      <p:sp>
+        <p:nvSpPr>
+          <p:cNvPr id="4" name="Slide Number Placeholder 3"/>
+          <p:cNvSpPr>
+            <a:spLocks noGrp="1"/>
+          </p:cNvSpPr>
+          <p:nvPr>
+            <p:ph type="sldNum" sz="quarter" idx="5"/>
+          </p:nvPr>
+        </p:nvSpPr>
+        <p:spPr/>
+        <p:txBody>
+          <a:bodyPr/>
+          <a:lstStyle/>
+          <a:p>
+            <a:fld id="{0D8C348F-56DB-4CE2-B61D-80F8FC89407A}" type="slidenum">
+              <a:rPr lang="en-US" smtClean="0"/>
+              <a:t>8</a:t>
+            </a:fld>
+            <a:endParaRPr lang="en-US"/>
+          </a:p>
+        </p:txBody>
+      </p:sp>
+    </p:spTree>
+    <p:extLst>
+      <p:ext uri="{BB962C8B-B14F-4D97-AF65-F5344CB8AC3E}">
+        <p14:creationId xmlns:p14="http://schemas.microsoft.com/office/powerpoint/2010/main" val="123943321"/>
+      </p:ext>
+    </p:extLst>
+  </p:cSld>
+  <p:clrMapOvr>
+    <a:masterClrMapping/>
+  </p:clrMapOvr>
+</p:notes>
+</file>
+
+<file path=ppt/notesSlides/notesSlide9.xml><?xml version="1.0" encoding="utf-8"?>
+<p:notes xmlns:a="http://schemas.openxmlformats.org/drawingml/2006/main" xmlns:r="http://schemas.openxmlformats.org/officeDocument/2006/relationships" xmlns:p="http://schemas.openxmlformats.org/presentationml/2006/main">
+  <p:cSld>
+    <p:spTree>
+      <p:nvGrpSpPr>
+        <p:cNvPr id="1" name=""/>
+        <p:cNvGrpSpPr/>
+        <p:nvPr/>
+      </p:nvGrpSpPr>
+      <p:grpSpPr>
+        <a:xfrm>
+          <a:off x="0" y="0"/>
+          <a:ext cx="0" cy="0"/>
+          <a:chOff x="0" y="0"/>
+          <a:chExt cx="0" cy="0"/>
+        </a:xfrm>
+      </p:grpSpPr>
+      <p:sp>
+        <p:nvSpPr>
+          <p:cNvPr id="2" name="Slide Image Placeholder 1"/>
+          <p:cNvSpPr>
+            <a:spLocks noGrp="1" noRot="1" noChangeAspect="1"/>
+          </p:cNvSpPr>
+          <p:nvPr>
+            <p:ph type="sldImg"/>
+          </p:nvPr>
+        </p:nvSpPr>
+        <p:spPr/>
+      </p:sp>
+      <p:sp>
+        <p:nvSpPr>
+          <p:cNvPr id="3" name="Notes Placeholder 2"/>
+          <p:cNvSpPr>
+            <a:spLocks noGrp="1"/>
+          </p:cNvSpPr>
+          <p:nvPr>
+            <p:ph type="body" idx="1"/>
+          </p:nvPr>
+        </p:nvSpPr>
+        <p:spPr/>
+        <p:txBody>
+          <a:bodyPr/>
+          <a:lstStyle/>
+          <a:p>
+            <a:r>
+              <a:rPr lang="en-US" dirty="0"/>
+              <a:t>Kaden</a:t>
+            </a:r>
+          </a:p>
+        </p:txBody>
+      </p:sp>
+      <p:sp>
+        <p:nvSpPr>
+          <p:cNvPr id="4" name="Slide Number Placeholder 3"/>
+          <p:cNvSpPr>
+            <a:spLocks noGrp="1"/>
+          </p:cNvSpPr>
+          <p:nvPr>
+            <p:ph type="sldNum" sz="quarter" idx="5"/>
+          </p:nvPr>
+        </p:nvSpPr>
+        <p:spPr/>
+        <p:txBody>
+          <a:bodyPr/>
+          <a:lstStyle/>
+          <a:p>
+            <a:fld id="{0D8C348F-56DB-4CE2-B61D-80F8FC89407A}" type="slidenum">
+              <a:rPr lang="en-US" smtClean="0"/>
+              <a:t>9</a:t>
+            </a:fld>
+            <a:endParaRPr lang="en-US"/>
+          </a:p>
+        </p:txBody>
+      </p:sp>
+    </p:spTree>
+    <p:extLst>
+      <p:ext uri="{BB962C8B-B14F-4D97-AF65-F5344CB8AC3E}">
+        <p14:creationId xmlns:p14="http://schemas.microsoft.com/office/powerpoint/2010/main" val="4196798263"/>
       </p:ext>
     </p:extLst>
   </p:cSld>
@@ -11342,7 +12043,7 @@
           <p:nvPr/>
         </p:nvPicPr>
         <p:blipFill>
-          <a:blip r:embed="rId2">
+          <a:blip r:embed="rId3">
             <a:extLst>
               <a:ext uri="{28A0092B-C50C-407E-A947-70E740481C1C}">
                 <a14:useLocalDpi xmlns:a14="http://schemas.microsoft.com/office/drawing/2010/main" val="0"/>
@@ -11518,7 +12219,7 @@
           <p:nvPr/>
         </p:nvPicPr>
         <p:blipFill>
-          <a:blip r:embed="rId2">
+          <a:blip r:embed="rId3">
             <a:extLst>
               <a:ext uri="{28A0092B-C50C-407E-A947-70E740481C1C}">
                 <a14:useLocalDpi xmlns:a14="http://schemas.microsoft.com/office/drawing/2010/main" val="0"/>
@@ -11638,7 +12339,7 @@
                   <a:srgbClr val="FFFFFF"/>
                 </a:solidFill>
               </a:rPr>
-              <a:t>Ours doesn’t Lack of security</a:t>
+              <a:t>Ours doesn’t lack security</a:t>
             </a:r>
           </a:p>
           <a:p>
@@ -11657,7 +12358,7 @@
                   <a:srgbClr val="FFFFFF"/>
                 </a:solidFill>
               </a:rPr>
-              <a:t>Ours doesn’t have Poor organization</a:t>
+              <a:t>Ours doesn’t have poor organization</a:t>
             </a:r>
           </a:p>
           <a:p>
@@ -11859,7 +12560,7 @@
         </p:xfrm>
         <a:graphic>
           <a:graphicData uri="http://schemas.openxmlformats.org/drawingml/2006/diagram">
-            <dgm:relIds xmlns:dgm="http://schemas.openxmlformats.org/drawingml/2006/diagram" xmlns:r="http://schemas.openxmlformats.org/officeDocument/2006/relationships" r:dm="rId2" r:lo="rId3" r:qs="rId4" r:cs="rId5"/>
+            <dgm:relIds xmlns:dgm="http://schemas.openxmlformats.org/drawingml/2006/diagram" xmlns:r="http://schemas.openxmlformats.org/officeDocument/2006/relationships" r:dm="rId3" r:lo="rId4" r:qs="rId5" r:cs="rId6"/>
           </a:graphicData>
         </a:graphic>
       </p:graphicFrame>
@@ -12211,7 +12912,7 @@
         </p:xfrm>
         <a:graphic>
           <a:graphicData uri="http://schemas.openxmlformats.org/drawingml/2006/diagram">
-            <dgm:relIds xmlns:dgm="http://schemas.openxmlformats.org/drawingml/2006/diagram" xmlns:r="http://schemas.openxmlformats.org/officeDocument/2006/relationships" r:dm="rId2" r:lo="rId3" r:qs="rId4" r:cs="rId5"/>
+            <dgm:relIds xmlns:dgm="http://schemas.openxmlformats.org/drawingml/2006/diagram" xmlns:r="http://schemas.openxmlformats.org/officeDocument/2006/relationships" r:dm="rId3" r:lo="rId4" r:qs="rId5" r:cs="rId6"/>
           </a:graphicData>
         </a:graphic>
       </p:graphicFrame>
@@ -12365,7 +13066,7 @@
           <p:nvPr/>
         </p:nvPicPr>
         <p:blipFill>
-          <a:blip r:embed="rId2">
+          <a:blip r:embed="rId3">
             <a:extLst>
               <a:ext uri="{28A0092B-C50C-407E-A947-70E740481C1C}">
                 <a14:useLocalDpi xmlns:a14="http://schemas.microsoft.com/office/drawing/2010/main" val="0"/>
@@ -12589,7 +13290,7 @@
           </p:nvPr>
         </p:nvPicPr>
         <p:blipFill>
-          <a:blip r:embed="rId2">
+          <a:blip r:embed="rId3">
             <a:extLst>
               <a:ext uri="{28A0092B-C50C-407E-A947-70E740481C1C}">
                 <a14:useLocalDpi xmlns:a14="http://schemas.microsoft.com/office/drawing/2010/main" val="0"/>
@@ -13018,7 +13719,7 @@
           <p:nvPr/>
         </p:nvPicPr>
         <p:blipFill>
-          <a:blip r:embed="rId2">
+          <a:blip r:embed="rId3">
             <a:extLst>
               <a:ext uri="{28A0092B-C50C-407E-A947-70E740481C1C}">
                 <a14:useLocalDpi xmlns:a14="http://schemas.microsoft.com/office/drawing/2010/main" val="0"/>
@@ -13533,7 +14234,7 @@
           </p:nvPr>
         </p:nvPicPr>
         <p:blipFill>
-          <a:blip r:embed="rId2">
+          <a:blip r:embed="rId3">
             <a:extLst>
               <a:ext uri="{28A0092B-C50C-407E-A947-70E740481C1C}">
                 <a14:useLocalDpi xmlns:a14="http://schemas.microsoft.com/office/drawing/2010/main" val="0"/>
